--- a/docs/YogaPartner - Presentation.pptx
+++ b/docs/YogaPartner - Presentation.pptx
@@ -1,48 +1,51 @@
 
 <file path=ppt/presentation.xml><?xml version="1.0" encoding="utf-8"?>
-<p:presentation xmlns:a="http://schemas.openxmlformats.org/drawingml/2006/main" xmlns:r="http://schemas.openxmlformats.org/officeDocument/2006/relationships" xmlns:p="http://schemas.openxmlformats.org/presentationml/2006/main" strictFirstAndLastChars="0" embedTrueTypeFonts="1" saveSubsetFonts="1" autoCompressPictures="0">
+<p:presentation xmlns:a="http://schemas.openxmlformats.org/drawingml/2006/main" xmlns:r="http://schemas.openxmlformats.org/officeDocument/2006/relationships" xmlns:mc="http://schemas.openxmlformats.org/markup-compatibility/2006" xmlns:mv="urn:schemas-microsoft-com:mac:vml" xmlns:p="http://schemas.openxmlformats.org/presentationml/2006/main" xmlns:c="http://schemas.openxmlformats.org/drawingml/2006/chart" xmlns:dgm="http://schemas.openxmlformats.org/drawingml/2006/diagram" xmlns:o="urn:schemas-microsoft-com:office:office" xmlns:v="urn:schemas-microsoft-com:vml" xmlns:pvml="urn:schemas-microsoft-com:office:powerpoint" xmlns:com="http://schemas.openxmlformats.org/drawingml/2006/compatibility" xmlns:p14="http://schemas.microsoft.com/office/powerpoint/2010/main" xmlns:p15="http://schemas.microsoft.com/office/powerpoint/2012/main" xmlns:ahyp="http://schemas.microsoft.com/office/drawing/2018/hyperlinkcolor" autoCompressPictures="0" embedTrueTypeFonts="1" strictFirstAndLastChars="0" saveSubsetFonts="1">
   <p:sldMasterIdLst>
-    <p:sldMasterId id="2147483648" r:id="rId1"/>
-    <p:sldMasterId id="2147483660" r:id="rId3"/>
+    <p:sldMasterId id="2147483670" r:id="rId4"/>
+    <p:sldMasterId id="2147483671" r:id="rId5"/>
   </p:sldMasterIdLst>
   <p:notesMasterIdLst>
-    <p:notesMasterId r:id="rId5"/>
+    <p:notesMasterId r:id="rId6"/>
   </p:notesMasterIdLst>
   <p:sldIdLst>
-    <p:sldId id="256" r:id="rId4"/>
-    <p:sldId id="257" r:id="rId6"/>
-    <p:sldId id="258" r:id="rId7"/>
-    <p:sldId id="259" r:id="rId8"/>
-    <p:sldId id="260" r:id="rId9"/>
-    <p:sldId id="261" r:id="rId10"/>
-    <p:sldId id="262" r:id="rId11"/>
-    <p:sldId id="263" r:id="rId12"/>
-    <p:sldId id="264" r:id="rId13"/>
-    <p:sldId id="265" r:id="rId14"/>
-    <p:sldId id="266" r:id="rId15"/>
-    <p:sldId id="267" r:id="rId16"/>
-    <p:sldId id="268" r:id="rId17"/>
+    <p:sldId id="256" r:id="rId7"/>
+    <p:sldId id="257" r:id="rId8"/>
+    <p:sldId id="258" r:id="rId9"/>
+    <p:sldId id="259" r:id="rId10"/>
+    <p:sldId id="260" r:id="rId11"/>
+    <p:sldId id="261" r:id="rId12"/>
+    <p:sldId id="262" r:id="rId13"/>
+    <p:sldId id="263" r:id="rId14"/>
+    <p:sldId id="264" r:id="rId15"/>
+    <p:sldId id="265" r:id="rId16"/>
+    <p:sldId id="266" r:id="rId17"/>
+    <p:sldId id="267" r:id="rId18"/>
+    <p:sldId id="268" r:id="rId19"/>
   </p:sldIdLst>
-  <p:sldSz cx="9144000" cy="5143500"/>
+  <p:sldSz cy="5143500" cx="9144000"/>
   <p:notesSz cx="6858000" cy="9144000"/>
   <p:embeddedFontLst>
     <p:embeddedFont>
-      <p:font typeface="Roboto" panose="02000000000000000000"/>
-      <p:regular r:id="rId21"/>
+      <p:font typeface="Roboto"/>
+      <p:regular r:id="rId20"/>
+      <p:bold r:id="rId21"/>
+      <p:italic r:id="rId22"/>
+      <p:boldItalic r:id="rId23"/>
     </p:embeddedFont>
     <p:embeddedFont>
       <p:font typeface="Maven Pro"/>
-      <p:regular r:id="rId22"/>
-      <p:bold r:id="rId23"/>
+      <p:regular r:id="rId24"/>
+      <p:bold r:id="rId25"/>
     </p:embeddedFont>
     <p:embeddedFont>
       <p:font typeface="Maven Pro Medium"/>
-      <p:regular r:id="rId24"/>
-      <p:bold r:id="rId25"/>
+      <p:regular r:id="rId26"/>
+      <p:bold r:id="rId27"/>
     </p:embeddedFont>
   </p:embeddedFontLst>
   <p:defaultTextStyle>
-    <a:defPPr marR="0" lvl="0" algn="l" rtl="0">
+    <a:defPPr lvl="0" marR="0" rtl="0" algn="l">
       <a:lnSpc>
         <a:spcPct val="100000"/>
       </a:lnSpc>
@@ -53,7 +56,7 @@
         <a:spcPts val="0"/>
       </a:spcAft>
     </a:defPPr>
-    <a:lvl1pPr marR="0" lvl="0" algn="l" rtl="0">
+    <a:lvl1pPr lvl="0" marR="0" rtl="0" algn="l">
       <a:lnSpc>
         <a:spcPct val="100000"/>
       </a:lnSpc>
@@ -66,18 +69,18 @@
       <a:buClr>
         <a:srgbClr val="000000"/>
       </a:buClr>
-      <a:buFont typeface="Arial" panose="020B0604020202020204"/>
-      <a:defRPr sz="1400" b="0" i="0" u="none" strike="noStrike" cap="none">
+      <a:buFont typeface="Arial"/>
+      <a:defRPr b="0" i="0" sz="1400" u="none" cap="none" strike="noStrike">
         <a:solidFill>
           <a:srgbClr val="000000"/>
         </a:solidFill>
-        <a:latin typeface="Arial" panose="020B0604020202020204"/>
-        <a:ea typeface="Arial" panose="020B0604020202020204"/>
-        <a:cs typeface="Arial" panose="020B0604020202020204"/>
-        <a:sym typeface="Arial" panose="020B0604020202020204"/>
+        <a:latin typeface="Arial"/>
+        <a:ea typeface="Arial"/>
+        <a:cs typeface="Arial"/>
+        <a:sym typeface="Arial"/>
       </a:defRPr>
     </a:lvl1pPr>
-    <a:lvl2pPr marR="0" lvl="1" algn="l" rtl="0">
+    <a:lvl2pPr lvl="1" marR="0" rtl="0" algn="l">
       <a:lnSpc>
         <a:spcPct val="100000"/>
       </a:lnSpc>
@@ -90,18 +93,18 @@
       <a:buClr>
         <a:srgbClr val="000000"/>
       </a:buClr>
-      <a:buFont typeface="Arial" panose="020B0604020202020204"/>
-      <a:defRPr sz="1400" b="0" i="0" u="none" strike="noStrike" cap="none">
+      <a:buFont typeface="Arial"/>
+      <a:defRPr b="0" i="0" sz="1400" u="none" cap="none" strike="noStrike">
         <a:solidFill>
           <a:srgbClr val="000000"/>
         </a:solidFill>
-        <a:latin typeface="Arial" panose="020B0604020202020204"/>
-        <a:ea typeface="Arial" panose="020B0604020202020204"/>
-        <a:cs typeface="Arial" panose="020B0604020202020204"/>
-        <a:sym typeface="Arial" panose="020B0604020202020204"/>
+        <a:latin typeface="Arial"/>
+        <a:ea typeface="Arial"/>
+        <a:cs typeface="Arial"/>
+        <a:sym typeface="Arial"/>
       </a:defRPr>
     </a:lvl2pPr>
-    <a:lvl3pPr marR="0" lvl="2" algn="l" rtl="0">
+    <a:lvl3pPr lvl="2" marR="0" rtl="0" algn="l">
       <a:lnSpc>
         <a:spcPct val="100000"/>
       </a:lnSpc>
@@ -114,18 +117,18 @@
       <a:buClr>
         <a:srgbClr val="000000"/>
       </a:buClr>
-      <a:buFont typeface="Arial" panose="020B0604020202020204"/>
-      <a:defRPr sz="1400" b="0" i="0" u="none" strike="noStrike" cap="none">
+      <a:buFont typeface="Arial"/>
+      <a:defRPr b="0" i="0" sz="1400" u="none" cap="none" strike="noStrike">
         <a:solidFill>
           <a:srgbClr val="000000"/>
         </a:solidFill>
-        <a:latin typeface="Arial" panose="020B0604020202020204"/>
-        <a:ea typeface="Arial" panose="020B0604020202020204"/>
-        <a:cs typeface="Arial" panose="020B0604020202020204"/>
-        <a:sym typeface="Arial" panose="020B0604020202020204"/>
+        <a:latin typeface="Arial"/>
+        <a:ea typeface="Arial"/>
+        <a:cs typeface="Arial"/>
+        <a:sym typeface="Arial"/>
       </a:defRPr>
     </a:lvl3pPr>
-    <a:lvl4pPr marR="0" lvl="3" algn="l" rtl="0">
+    <a:lvl4pPr lvl="3" marR="0" rtl="0" algn="l">
       <a:lnSpc>
         <a:spcPct val="100000"/>
       </a:lnSpc>
@@ -138,18 +141,18 @@
       <a:buClr>
         <a:srgbClr val="000000"/>
       </a:buClr>
-      <a:buFont typeface="Arial" panose="020B0604020202020204"/>
-      <a:defRPr sz="1400" b="0" i="0" u="none" strike="noStrike" cap="none">
+      <a:buFont typeface="Arial"/>
+      <a:defRPr b="0" i="0" sz="1400" u="none" cap="none" strike="noStrike">
         <a:solidFill>
           <a:srgbClr val="000000"/>
         </a:solidFill>
-        <a:latin typeface="Arial" panose="020B0604020202020204"/>
-        <a:ea typeface="Arial" panose="020B0604020202020204"/>
-        <a:cs typeface="Arial" panose="020B0604020202020204"/>
-        <a:sym typeface="Arial" panose="020B0604020202020204"/>
+        <a:latin typeface="Arial"/>
+        <a:ea typeface="Arial"/>
+        <a:cs typeface="Arial"/>
+        <a:sym typeface="Arial"/>
       </a:defRPr>
     </a:lvl4pPr>
-    <a:lvl5pPr marR="0" lvl="4" algn="l" rtl="0">
+    <a:lvl5pPr lvl="4" marR="0" rtl="0" algn="l">
       <a:lnSpc>
         <a:spcPct val="100000"/>
       </a:lnSpc>
@@ -162,18 +165,18 @@
       <a:buClr>
         <a:srgbClr val="000000"/>
       </a:buClr>
-      <a:buFont typeface="Arial" panose="020B0604020202020204"/>
-      <a:defRPr sz="1400" b="0" i="0" u="none" strike="noStrike" cap="none">
+      <a:buFont typeface="Arial"/>
+      <a:defRPr b="0" i="0" sz="1400" u="none" cap="none" strike="noStrike">
         <a:solidFill>
           <a:srgbClr val="000000"/>
         </a:solidFill>
-        <a:latin typeface="Arial" panose="020B0604020202020204"/>
-        <a:ea typeface="Arial" panose="020B0604020202020204"/>
-        <a:cs typeface="Arial" panose="020B0604020202020204"/>
-        <a:sym typeface="Arial" panose="020B0604020202020204"/>
+        <a:latin typeface="Arial"/>
+        <a:ea typeface="Arial"/>
+        <a:cs typeface="Arial"/>
+        <a:sym typeface="Arial"/>
       </a:defRPr>
     </a:lvl5pPr>
-    <a:lvl6pPr marR="0" lvl="5" algn="l" rtl="0">
+    <a:lvl6pPr lvl="5" marR="0" rtl="0" algn="l">
       <a:lnSpc>
         <a:spcPct val="100000"/>
       </a:lnSpc>
@@ -186,18 +189,18 @@
       <a:buClr>
         <a:srgbClr val="000000"/>
       </a:buClr>
-      <a:buFont typeface="Arial" panose="020B0604020202020204"/>
-      <a:defRPr sz="1400" b="0" i="0" u="none" strike="noStrike" cap="none">
+      <a:buFont typeface="Arial"/>
+      <a:defRPr b="0" i="0" sz="1400" u="none" cap="none" strike="noStrike">
         <a:solidFill>
           <a:srgbClr val="000000"/>
         </a:solidFill>
-        <a:latin typeface="Arial" panose="020B0604020202020204"/>
-        <a:ea typeface="Arial" panose="020B0604020202020204"/>
-        <a:cs typeface="Arial" panose="020B0604020202020204"/>
-        <a:sym typeface="Arial" panose="020B0604020202020204"/>
+        <a:latin typeface="Arial"/>
+        <a:ea typeface="Arial"/>
+        <a:cs typeface="Arial"/>
+        <a:sym typeface="Arial"/>
       </a:defRPr>
     </a:lvl6pPr>
-    <a:lvl7pPr marR="0" lvl="6" algn="l" rtl="0">
+    <a:lvl7pPr lvl="6" marR="0" rtl="0" algn="l">
       <a:lnSpc>
         <a:spcPct val="100000"/>
       </a:lnSpc>
@@ -210,18 +213,18 @@
       <a:buClr>
         <a:srgbClr val="000000"/>
       </a:buClr>
-      <a:buFont typeface="Arial" panose="020B0604020202020204"/>
-      <a:defRPr sz="1400" b="0" i="0" u="none" strike="noStrike" cap="none">
+      <a:buFont typeface="Arial"/>
+      <a:defRPr b="0" i="0" sz="1400" u="none" cap="none" strike="noStrike">
         <a:solidFill>
           <a:srgbClr val="000000"/>
         </a:solidFill>
-        <a:latin typeface="Arial" panose="020B0604020202020204"/>
-        <a:ea typeface="Arial" panose="020B0604020202020204"/>
-        <a:cs typeface="Arial" panose="020B0604020202020204"/>
-        <a:sym typeface="Arial" panose="020B0604020202020204"/>
+        <a:latin typeface="Arial"/>
+        <a:ea typeface="Arial"/>
+        <a:cs typeface="Arial"/>
+        <a:sym typeface="Arial"/>
       </a:defRPr>
     </a:lvl7pPr>
-    <a:lvl8pPr marR="0" lvl="7" algn="l" rtl="0">
+    <a:lvl8pPr lvl="7" marR="0" rtl="0" algn="l">
       <a:lnSpc>
         <a:spcPct val="100000"/>
       </a:lnSpc>
@@ -234,18 +237,18 @@
       <a:buClr>
         <a:srgbClr val="000000"/>
       </a:buClr>
-      <a:buFont typeface="Arial" panose="020B0604020202020204"/>
-      <a:defRPr sz="1400" b="0" i="0" u="none" strike="noStrike" cap="none">
+      <a:buFont typeface="Arial"/>
+      <a:defRPr b="0" i="0" sz="1400" u="none" cap="none" strike="noStrike">
         <a:solidFill>
           <a:srgbClr val="000000"/>
         </a:solidFill>
-        <a:latin typeface="Arial" panose="020B0604020202020204"/>
-        <a:ea typeface="Arial" panose="020B0604020202020204"/>
-        <a:cs typeface="Arial" panose="020B0604020202020204"/>
-        <a:sym typeface="Arial" panose="020B0604020202020204"/>
+        <a:latin typeface="Arial"/>
+        <a:ea typeface="Arial"/>
+        <a:cs typeface="Arial"/>
+        <a:sym typeface="Arial"/>
       </a:defRPr>
     </a:lvl8pPr>
-    <a:lvl9pPr marR="0" lvl="8" algn="l" rtl="0">
+    <a:lvl9pPr lvl="8" marR="0" rtl="0" algn="l">
       <a:lnSpc>
         <a:spcPct val="100000"/>
       </a:lnSpc>
@@ -258,29 +261,40 @@
       <a:buClr>
         <a:srgbClr val="000000"/>
       </a:buClr>
-      <a:buFont typeface="Arial" panose="020B0604020202020204"/>
-      <a:defRPr sz="1400" b="0" i="0" u="none" strike="noStrike" cap="none">
+      <a:buFont typeface="Arial"/>
+      <a:defRPr b="0" i="0" sz="1400" u="none" cap="none" strike="noStrike">
         <a:solidFill>
           <a:srgbClr val="000000"/>
         </a:solidFill>
-        <a:latin typeface="Arial" panose="020B0604020202020204"/>
-        <a:ea typeface="Arial" panose="020B0604020202020204"/>
-        <a:cs typeface="Arial" panose="020B0604020202020204"/>
-        <a:sym typeface="Arial" panose="020B0604020202020204"/>
+        <a:latin typeface="Arial"/>
+        <a:ea typeface="Arial"/>
+        <a:cs typeface="Arial"/>
+        <a:sym typeface="Arial"/>
       </a:defRPr>
     </a:lvl9pPr>
   </p:defaultTextStyle>
+  <p:extLst>
+    <p:ext uri="{EFAFB233-063F-42B5-8137-9DF3F51BA10A}">
+      <p15:sldGuideLst>
+        <p15:guide id="1" orient="horz" pos="1620">
+          <p15:clr>
+            <a:srgbClr val="A4A3A4"/>
+          </p15:clr>
+        </p15:guide>
+        <p15:guide id="2" pos="2880">
+          <p15:clr>
+            <a:srgbClr val="A4A3A4"/>
+          </p15:clr>
+        </p15:guide>
+      </p15:sldGuideLst>
+    </p:ext>
+  </p:extLst>
 </p:presentation>
 </file>
 
 <file path=ppt/notesMasters/notesMaster1.xml><?xml version="1.0" encoding="utf-8"?>
-<p:notesMaster xmlns:a="http://schemas.openxmlformats.org/drawingml/2006/main" xmlns:r="http://schemas.openxmlformats.org/officeDocument/2006/relationships" xmlns:p="http://schemas.openxmlformats.org/presentationml/2006/main">
+<p:notesMaster xmlns:a="http://schemas.openxmlformats.org/drawingml/2006/main" xmlns:r="http://schemas.openxmlformats.org/officeDocument/2006/relationships" xmlns:mc="http://schemas.openxmlformats.org/markup-compatibility/2006" xmlns:mv="urn:schemas-microsoft-com:mac:vml" xmlns:p="http://schemas.openxmlformats.org/presentationml/2006/main" xmlns:c="http://schemas.openxmlformats.org/drawingml/2006/chart" xmlns:dgm="http://schemas.openxmlformats.org/drawingml/2006/diagram" xmlns:o="urn:schemas-microsoft-com:office:office" xmlns:v="urn:schemas-microsoft-com:vml" xmlns:pvml="urn:schemas-microsoft-com:office:powerpoint" xmlns:com="http://schemas.openxmlformats.org/drawingml/2006/compatibility" xmlns:p14="http://schemas.microsoft.com/office/powerpoint/2010/main" xmlns:p15="http://schemas.microsoft.com/office/powerpoint/2012/main" xmlns:ahyp="http://schemas.microsoft.com/office/drawing/2018/hyperlinkcolor">
   <p:cSld>
-    <p:bg>
-      <p:bgRef idx="1001">
-        <a:schemeClr val="bg1"/>
-      </p:bgRef>
-    </p:bg>
     <p:spTree>
       <p:nvGrpSpPr>
         <p:cNvPr id="2" name="Shape 2"/>
@@ -300,7 +314,7 @@
           <p:cNvPr id="3" name="Google Shape;3;n"/>
           <p:cNvSpPr/>
           <p:nvPr>
-            <p:ph type="sldImg" idx="2"/>
+            <p:ph idx="2" type="sldImg"/>
           </p:nvPr>
         </p:nvSpPr>
         <p:spPr>
@@ -309,13 +323,9 @@
             <a:ext cx="6096075" cy="3429000"/>
           </a:xfrm>
           <a:custGeom>
-            <a:avLst/>
-            <a:gdLst/>
-            <a:ahLst/>
-            <a:cxnLst/>
-            <a:rect l="l" t="t" r="r" b="b"/>
+            <a:rect b="b" l="l" r="r" t="t"/>
             <a:pathLst>
-              <a:path w="120000" h="120000" extrusionOk="0">
+              <a:path extrusionOk="0" h="120000" w="120000">
                 <a:moveTo>
                   <a:pt x="0" y="0"/>
                 </a:moveTo>
@@ -333,14 +343,14 @@
             </a:pathLst>
           </a:custGeom>
           <a:noFill/>
-          <a:ln w="9525" cap="flat" cmpd="sng">
+          <a:ln cap="flat" cmpd="sng" w="9525">
             <a:solidFill>
               <a:srgbClr val="000000"/>
             </a:solidFill>
             <a:prstDash val="solid"/>
             <a:round/>
-            <a:headEnd type="none" w="sm" len="sm"/>
-            <a:tailEnd type="none" w="sm" len="sm"/>
+            <a:headEnd len="sm" w="sm" type="none"/>
+            <a:tailEnd len="sm" w="sm" type="none"/>
           </a:ln>
         </p:spPr>
       </p:sp>
@@ -349,7 +359,7 @@
           <p:cNvPr id="4" name="Google Shape;4;n"/>
           <p:cNvSpPr txBox="1"/>
           <p:nvPr>
-            <p:ph type="body" idx="1"/>
+            <p:ph idx="1" type="body"/>
           </p:nvPr>
         </p:nvSpPr>
         <p:spPr>
@@ -366,11 +376,11 @@
           </a:ln>
         </p:spPr>
         <p:txBody>
-          <a:bodyPr spcFirstLastPara="1" wrap="square" lIns="91425" tIns="91425" rIns="91425" bIns="91425" anchor="t" anchorCtr="0">
+          <a:bodyPr anchorCtr="0" anchor="t" bIns="91425" lIns="91425" spcFirstLastPara="1" rIns="91425" wrap="square" tIns="91425">
             <a:noAutofit/>
           </a:bodyPr>
           <a:lstStyle>
-            <a:lvl1pPr marL="457200" lvl="0" indent="-298450">
+            <a:lvl1pPr indent="-298450" lvl="0" marL="457200">
               <a:spcBef>
                 <a:spcPts val="0"/>
               </a:spcBef>
@@ -381,7 +391,7 @@
               <a:buChar char="●"/>
               <a:defRPr sz="1100"/>
             </a:lvl1pPr>
-            <a:lvl2pPr marL="914400" lvl="1" indent="-298450">
+            <a:lvl2pPr indent="-298450" lvl="1" marL="914400">
               <a:spcBef>
                 <a:spcPts val="0"/>
               </a:spcBef>
@@ -392,7 +402,7 @@
               <a:buChar char="○"/>
               <a:defRPr sz="1100"/>
             </a:lvl2pPr>
-            <a:lvl3pPr marL="1371600" lvl="2" indent="-298450">
+            <a:lvl3pPr indent="-298450" lvl="2" marL="1371600">
               <a:spcBef>
                 <a:spcPts val="0"/>
               </a:spcBef>
@@ -403,7 +413,7 @@
               <a:buChar char="■"/>
               <a:defRPr sz="1100"/>
             </a:lvl3pPr>
-            <a:lvl4pPr marL="1828800" lvl="3" indent="-298450">
+            <a:lvl4pPr indent="-298450" lvl="3" marL="1828800">
               <a:spcBef>
                 <a:spcPts val="0"/>
               </a:spcBef>
@@ -414,7 +424,7 @@
               <a:buChar char="●"/>
               <a:defRPr sz="1100"/>
             </a:lvl4pPr>
-            <a:lvl5pPr marL="2286000" lvl="4" indent="-298450">
+            <a:lvl5pPr indent="-298450" lvl="4" marL="2286000">
               <a:spcBef>
                 <a:spcPts val="0"/>
               </a:spcBef>
@@ -425,7 +435,7 @@
               <a:buChar char="○"/>
               <a:defRPr sz="1100"/>
             </a:lvl5pPr>
-            <a:lvl6pPr marL="2743200" lvl="5" indent="-298450">
+            <a:lvl6pPr indent="-298450" lvl="5" marL="2743200">
               <a:spcBef>
                 <a:spcPts val="0"/>
               </a:spcBef>
@@ -436,7 +446,7 @@
               <a:buChar char="■"/>
               <a:defRPr sz="1100"/>
             </a:lvl6pPr>
-            <a:lvl7pPr marL="3200400" lvl="6" indent="-298450">
+            <a:lvl7pPr indent="-298450" lvl="6" marL="3200400">
               <a:spcBef>
                 <a:spcPts val="0"/>
               </a:spcBef>
@@ -447,7 +457,7 @@
               <a:buChar char="●"/>
               <a:defRPr sz="1100"/>
             </a:lvl7pPr>
-            <a:lvl8pPr marL="3657600" lvl="7" indent="-298450">
+            <a:lvl8pPr indent="-298450" lvl="7" marL="3657600">
               <a:spcBef>
                 <a:spcPts val="0"/>
               </a:spcBef>
@@ -458,7 +468,7 @@
               <a:buChar char="○"/>
               <a:defRPr sz="1100"/>
             </a:lvl8pPr>
-            <a:lvl9pPr marL="4114800" lvl="8" indent="-298450">
+            <a:lvl9pPr indent="-298450" lvl="8" marL="4114800">
               <a:spcBef>
                 <a:spcPts val="0"/>
               </a:spcBef>
@@ -475,9 +485,9 @@
       </p:sp>
     </p:spTree>
   </p:cSld>
-  <p:clrMap bg1="lt1" tx1="dk1" bg2="dk2" tx2="lt2" accent1="accent1" accent2="accent2" accent3="accent3" accent4="accent4" accent5="accent5" accent6="accent6" hlink="hlink" folHlink="folHlink"/>
+  <p:clrMap accent1="accent1" accent2="accent2" accent3="accent3" accent4="accent4" accent5="accent5" accent6="accent6" bg1="lt1" bg2="dk2" tx1="dk1" tx2="lt2" folHlink="folHlink" hlink="hlink"/>
   <p:notesStyle>
-    <a:defPPr marR="0" lvl="0" algn="l" rtl="0">
+    <a:defPPr lvl="0" marR="0" rtl="0" algn="l">
       <a:lnSpc>
         <a:spcPct val="100000"/>
       </a:lnSpc>
@@ -488,7 +498,7 @@
         <a:spcPts val="0"/>
       </a:spcAft>
     </a:defPPr>
-    <a:lvl1pPr marR="0" lvl="0" algn="l" rtl="0">
+    <a:lvl1pPr lvl="0" marR="0" rtl="0" algn="l">
       <a:lnSpc>
         <a:spcPct val="100000"/>
       </a:lnSpc>
@@ -501,18 +511,18 @@
       <a:buClr>
         <a:srgbClr val="000000"/>
       </a:buClr>
-      <a:buFont typeface="Arial" panose="020B0604020202020204"/>
-      <a:defRPr sz="1400" b="0" i="0" u="none" strike="noStrike" cap="none">
+      <a:buFont typeface="Arial"/>
+      <a:defRPr b="0" i="0" sz="1400" u="none" cap="none" strike="noStrike">
         <a:solidFill>
           <a:srgbClr val="000000"/>
         </a:solidFill>
-        <a:latin typeface="Arial" panose="020B0604020202020204"/>
-        <a:ea typeface="Arial" panose="020B0604020202020204"/>
-        <a:cs typeface="Arial" panose="020B0604020202020204"/>
-        <a:sym typeface="Arial" panose="020B0604020202020204"/>
+        <a:latin typeface="Arial"/>
+        <a:ea typeface="Arial"/>
+        <a:cs typeface="Arial"/>
+        <a:sym typeface="Arial"/>
       </a:defRPr>
     </a:lvl1pPr>
-    <a:lvl2pPr marR="0" lvl="1" algn="l" rtl="0">
+    <a:lvl2pPr lvl="1" marR="0" rtl="0" algn="l">
       <a:lnSpc>
         <a:spcPct val="100000"/>
       </a:lnSpc>
@@ -525,18 +535,18 @@
       <a:buClr>
         <a:srgbClr val="000000"/>
       </a:buClr>
-      <a:buFont typeface="Arial" panose="020B0604020202020204"/>
-      <a:defRPr sz="1400" b="0" i="0" u="none" strike="noStrike" cap="none">
+      <a:buFont typeface="Arial"/>
+      <a:defRPr b="0" i="0" sz="1400" u="none" cap="none" strike="noStrike">
         <a:solidFill>
           <a:srgbClr val="000000"/>
         </a:solidFill>
-        <a:latin typeface="Arial" panose="020B0604020202020204"/>
-        <a:ea typeface="Arial" panose="020B0604020202020204"/>
-        <a:cs typeface="Arial" panose="020B0604020202020204"/>
-        <a:sym typeface="Arial" panose="020B0604020202020204"/>
+        <a:latin typeface="Arial"/>
+        <a:ea typeface="Arial"/>
+        <a:cs typeface="Arial"/>
+        <a:sym typeface="Arial"/>
       </a:defRPr>
     </a:lvl2pPr>
-    <a:lvl3pPr marR="0" lvl="2" algn="l" rtl="0">
+    <a:lvl3pPr lvl="2" marR="0" rtl="0" algn="l">
       <a:lnSpc>
         <a:spcPct val="100000"/>
       </a:lnSpc>
@@ -549,18 +559,18 @@
       <a:buClr>
         <a:srgbClr val="000000"/>
       </a:buClr>
-      <a:buFont typeface="Arial" panose="020B0604020202020204"/>
-      <a:defRPr sz="1400" b="0" i="0" u="none" strike="noStrike" cap="none">
+      <a:buFont typeface="Arial"/>
+      <a:defRPr b="0" i="0" sz="1400" u="none" cap="none" strike="noStrike">
         <a:solidFill>
           <a:srgbClr val="000000"/>
         </a:solidFill>
-        <a:latin typeface="Arial" panose="020B0604020202020204"/>
-        <a:ea typeface="Arial" panose="020B0604020202020204"/>
-        <a:cs typeface="Arial" panose="020B0604020202020204"/>
-        <a:sym typeface="Arial" panose="020B0604020202020204"/>
+        <a:latin typeface="Arial"/>
+        <a:ea typeface="Arial"/>
+        <a:cs typeface="Arial"/>
+        <a:sym typeface="Arial"/>
       </a:defRPr>
     </a:lvl3pPr>
-    <a:lvl4pPr marR="0" lvl="3" algn="l" rtl="0">
+    <a:lvl4pPr lvl="3" marR="0" rtl="0" algn="l">
       <a:lnSpc>
         <a:spcPct val="100000"/>
       </a:lnSpc>
@@ -573,18 +583,18 @@
       <a:buClr>
         <a:srgbClr val="000000"/>
       </a:buClr>
-      <a:buFont typeface="Arial" panose="020B0604020202020204"/>
-      <a:defRPr sz="1400" b="0" i="0" u="none" strike="noStrike" cap="none">
+      <a:buFont typeface="Arial"/>
+      <a:defRPr b="0" i="0" sz="1400" u="none" cap="none" strike="noStrike">
         <a:solidFill>
           <a:srgbClr val="000000"/>
         </a:solidFill>
-        <a:latin typeface="Arial" panose="020B0604020202020204"/>
-        <a:ea typeface="Arial" panose="020B0604020202020204"/>
-        <a:cs typeface="Arial" panose="020B0604020202020204"/>
-        <a:sym typeface="Arial" panose="020B0604020202020204"/>
+        <a:latin typeface="Arial"/>
+        <a:ea typeface="Arial"/>
+        <a:cs typeface="Arial"/>
+        <a:sym typeface="Arial"/>
       </a:defRPr>
     </a:lvl4pPr>
-    <a:lvl5pPr marR="0" lvl="4" algn="l" rtl="0">
+    <a:lvl5pPr lvl="4" marR="0" rtl="0" algn="l">
       <a:lnSpc>
         <a:spcPct val="100000"/>
       </a:lnSpc>
@@ -597,18 +607,18 @@
       <a:buClr>
         <a:srgbClr val="000000"/>
       </a:buClr>
-      <a:buFont typeface="Arial" panose="020B0604020202020204"/>
-      <a:defRPr sz="1400" b="0" i="0" u="none" strike="noStrike" cap="none">
+      <a:buFont typeface="Arial"/>
+      <a:defRPr b="0" i="0" sz="1400" u="none" cap="none" strike="noStrike">
         <a:solidFill>
           <a:srgbClr val="000000"/>
         </a:solidFill>
-        <a:latin typeface="Arial" panose="020B0604020202020204"/>
-        <a:ea typeface="Arial" panose="020B0604020202020204"/>
-        <a:cs typeface="Arial" panose="020B0604020202020204"/>
-        <a:sym typeface="Arial" panose="020B0604020202020204"/>
+        <a:latin typeface="Arial"/>
+        <a:ea typeface="Arial"/>
+        <a:cs typeface="Arial"/>
+        <a:sym typeface="Arial"/>
       </a:defRPr>
     </a:lvl5pPr>
-    <a:lvl6pPr marR="0" lvl="5" algn="l" rtl="0">
+    <a:lvl6pPr lvl="5" marR="0" rtl="0" algn="l">
       <a:lnSpc>
         <a:spcPct val="100000"/>
       </a:lnSpc>
@@ -621,18 +631,18 @@
       <a:buClr>
         <a:srgbClr val="000000"/>
       </a:buClr>
-      <a:buFont typeface="Arial" panose="020B0604020202020204"/>
-      <a:defRPr sz="1400" b="0" i="0" u="none" strike="noStrike" cap="none">
+      <a:buFont typeface="Arial"/>
+      <a:defRPr b="0" i="0" sz="1400" u="none" cap="none" strike="noStrike">
         <a:solidFill>
           <a:srgbClr val="000000"/>
         </a:solidFill>
-        <a:latin typeface="Arial" panose="020B0604020202020204"/>
-        <a:ea typeface="Arial" panose="020B0604020202020204"/>
-        <a:cs typeface="Arial" panose="020B0604020202020204"/>
-        <a:sym typeface="Arial" panose="020B0604020202020204"/>
+        <a:latin typeface="Arial"/>
+        <a:ea typeface="Arial"/>
+        <a:cs typeface="Arial"/>
+        <a:sym typeface="Arial"/>
       </a:defRPr>
     </a:lvl6pPr>
-    <a:lvl7pPr marR="0" lvl="6" algn="l" rtl="0">
+    <a:lvl7pPr lvl="6" marR="0" rtl="0" algn="l">
       <a:lnSpc>
         <a:spcPct val="100000"/>
       </a:lnSpc>
@@ -645,18 +655,18 @@
       <a:buClr>
         <a:srgbClr val="000000"/>
       </a:buClr>
-      <a:buFont typeface="Arial" panose="020B0604020202020204"/>
-      <a:defRPr sz="1400" b="0" i="0" u="none" strike="noStrike" cap="none">
+      <a:buFont typeface="Arial"/>
+      <a:defRPr b="0" i="0" sz="1400" u="none" cap="none" strike="noStrike">
         <a:solidFill>
           <a:srgbClr val="000000"/>
         </a:solidFill>
-        <a:latin typeface="Arial" panose="020B0604020202020204"/>
-        <a:ea typeface="Arial" panose="020B0604020202020204"/>
-        <a:cs typeface="Arial" panose="020B0604020202020204"/>
-        <a:sym typeface="Arial" panose="020B0604020202020204"/>
+        <a:latin typeface="Arial"/>
+        <a:ea typeface="Arial"/>
+        <a:cs typeface="Arial"/>
+        <a:sym typeface="Arial"/>
       </a:defRPr>
     </a:lvl7pPr>
-    <a:lvl8pPr marR="0" lvl="7" algn="l" rtl="0">
+    <a:lvl8pPr lvl="7" marR="0" rtl="0" algn="l">
       <a:lnSpc>
         <a:spcPct val="100000"/>
       </a:lnSpc>
@@ -669,18 +679,18 @@
       <a:buClr>
         <a:srgbClr val="000000"/>
       </a:buClr>
-      <a:buFont typeface="Arial" panose="020B0604020202020204"/>
-      <a:defRPr sz="1400" b="0" i="0" u="none" strike="noStrike" cap="none">
+      <a:buFont typeface="Arial"/>
+      <a:defRPr b="0" i="0" sz="1400" u="none" cap="none" strike="noStrike">
         <a:solidFill>
           <a:srgbClr val="000000"/>
         </a:solidFill>
-        <a:latin typeface="Arial" panose="020B0604020202020204"/>
-        <a:ea typeface="Arial" panose="020B0604020202020204"/>
-        <a:cs typeface="Arial" panose="020B0604020202020204"/>
-        <a:sym typeface="Arial" panose="020B0604020202020204"/>
+        <a:latin typeface="Arial"/>
+        <a:ea typeface="Arial"/>
+        <a:cs typeface="Arial"/>
+        <a:sym typeface="Arial"/>
       </a:defRPr>
     </a:lvl8pPr>
-    <a:lvl9pPr marR="0" lvl="8" algn="l" rtl="0">
+    <a:lvl9pPr lvl="8" marR="0" rtl="0" algn="l">
       <a:lnSpc>
         <a:spcPct val="100000"/>
       </a:lnSpc>
@@ -693,15 +703,15 @@
       <a:buClr>
         <a:srgbClr val="000000"/>
       </a:buClr>
-      <a:buFont typeface="Arial" panose="020B0604020202020204"/>
-      <a:defRPr sz="1400" b="0" i="0" u="none" strike="noStrike" cap="none">
+      <a:buFont typeface="Arial"/>
+      <a:defRPr b="0" i="0" sz="1400" u="none" cap="none" strike="noStrike">
         <a:solidFill>
           <a:srgbClr val="000000"/>
         </a:solidFill>
-        <a:latin typeface="Arial" panose="020B0604020202020204"/>
-        <a:ea typeface="Arial" panose="020B0604020202020204"/>
-        <a:cs typeface="Arial" panose="020B0604020202020204"/>
-        <a:sym typeface="Arial" panose="020B0604020202020204"/>
+        <a:latin typeface="Arial"/>
+        <a:ea typeface="Arial"/>
+        <a:cs typeface="Arial"/>
+        <a:sym typeface="Arial"/>
       </a:defRPr>
     </a:lvl9pPr>
   </p:notesStyle>
@@ -709,7 +719,7 @@
 </file>
 
 <file path=ppt/notesSlides/notesSlide1.xml><?xml version="1.0" encoding="utf-8"?>
-<p:notes xmlns:a="http://schemas.openxmlformats.org/drawingml/2006/main" xmlns:r="http://schemas.openxmlformats.org/officeDocument/2006/relationships" xmlns:p="http://schemas.openxmlformats.org/presentationml/2006/main" showMasterPhAnim="0" showMasterSp="0">
+<p:notes xmlns:a="http://schemas.openxmlformats.org/drawingml/2006/main" xmlns:r="http://schemas.openxmlformats.org/officeDocument/2006/relationships" xmlns:mc="http://schemas.openxmlformats.org/markup-compatibility/2006" xmlns:mv="urn:schemas-microsoft-com:mac:vml" xmlns:p="http://schemas.openxmlformats.org/presentationml/2006/main" xmlns:c="http://schemas.openxmlformats.org/drawingml/2006/chart" xmlns:dgm="http://schemas.openxmlformats.org/drawingml/2006/diagram" xmlns:o="urn:schemas-microsoft-com:office:office" xmlns:v="urn:schemas-microsoft-com:vml" xmlns:pvml="urn:schemas-microsoft-com:office:powerpoint" xmlns:com="http://schemas.openxmlformats.org/drawingml/2006/compatibility" xmlns:p14="http://schemas.microsoft.com/office/powerpoint/2010/main" xmlns:p15="http://schemas.microsoft.com/office/powerpoint/2012/main" xmlns:ahyp="http://schemas.microsoft.com/office/drawing/2018/hyperlinkcolor" showMasterPhAnim="0" showMasterSp="0">
   <p:cSld>
     <p:spTree>
       <p:nvGrpSpPr>
@@ -730,7 +740,7 @@
           <p:cNvPr id="109" name="Google Shape;109;p:notes"/>
           <p:cNvSpPr/>
           <p:nvPr>
-            <p:ph type="sldImg" idx="2"/>
+            <p:ph idx="2" type="sldImg"/>
           </p:nvPr>
         </p:nvSpPr>
         <p:spPr>
@@ -739,13 +749,9 @@
             <a:ext cx="6096075" cy="3429000"/>
           </a:xfrm>
           <a:custGeom>
-            <a:avLst/>
-            <a:gdLst/>
-            <a:ahLst/>
-            <a:cxnLst/>
-            <a:rect l="l" t="t" r="r" b="b"/>
+            <a:rect b="b" l="l" r="r" t="t"/>
             <a:pathLst>
-              <a:path w="120000" h="120000" extrusionOk="0">
+              <a:path extrusionOk="0" h="120000" w="120000">
                 <a:moveTo>
                   <a:pt x="0" y="0"/>
                 </a:moveTo>
@@ -769,7 +775,7 @@
           <p:cNvPr id="110" name="Google Shape;110;p:notes"/>
           <p:cNvSpPr txBox="1"/>
           <p:nvPr>
-            <p:ph type="body" idx="1"/>
+            <p:ph idx="1" type="body"/>
           </p:nvPr>
         </p:nvSpPr>
         <p:spPr>
@@ -782,12 +788,12 @@
           </a:prstGeom>
         </p:spPr>
         <p:txBody>
-          <a:bodyPr spcFirstLastPara="1" wrap="square" lIns="91425" tIns="91425" rIns="91425" bIns="91425" anchor="t" anchorCtr="0">
+          <a:bodyPr anchorCtr="0" anchor="t" bIns="91425" lIns="91425" spcFirstLastPara="1" rIns="91425" wrap="square" tIns="91425">
             <a:noAutofit/>
           </a:bodyPr>
           <a:lstStyle/>
           <a:p>
-            <a:pPr marL="0" lvl="0" indent="0" algn="l" rtl="0">
+            <a:pPr indent="0" lvl="0" marL="0" rtl="0" algn="l">
               <a:spcBef>
                 <a:spcPts val="0"/>
               </a:spcBef>
@@ -796,6 +802,10 @@
               </a:spcAft>
               <a:buNone/>
             </a:pPr>
+            <a:r>
+              <a:t/>
+            </a:r>
+            <a:endParaRPr/>
           </a:p>
         </p:txBody>
       </p:sp>
@@ -808,11 +818,11 @@
 </file>
 
 <file path=ppt/notesSlides/notesSlide10.xml><?xml version="1.0" encoding="utf-8"?>
-<p:notes xmlns:a="http://schemas.openxmlformats.org/drawingml/2006/main" xmlns:r="http://schemas.openxmlformats.org/officeDocument/2006/relationships" xmlns:p="http://schemas.openxmlformats.org/presentationml/2006/main" showMasterPhAnim="0" showMasterSp="0">
+<p:notes xmlns:a="http://schemas.openxmlformats.org/drawingml/2006/main" xmlns:r="http://schemas.openxmlformats.org/officeDocument/2006/relationships" xmlns:mc="http://schemas.openxmlformats.org/markup-compatibility/2006" xmlns:mv="urn:schemas-microsoft-com:mac:vml" xmlns:p="http://schemas.openxmlformats.org/presentationml/2006/main" xmlns:c="http://schemas.openxmlformats.org/drawingml/2006/chart" xmlns:dgm="http://schemas.openxmlformats.org/drawingml/2006/diagram" xmlns:o="urn:schemas-microsoft-com:office:office" xmlns:v="urn:schemas-microsoft-com:vml" xmlns:pvml="urn:schemas-microsoft-com:office:powerpoint" xmlns:com="http://schemas.openxmlformats.org/drawingml/2006/compatibility" xmlns:p14="http://schemas.microsoft.com/office/powerpoint/2010/main" xmlns:p15="http://schemas.microsoft.com/office/powerpoint/2012/main" xmlns:ahyp="http://schemas.microsoft.com/office/drawing/2018/hyperlinkcolor" showMasterPhAnim="0" showMasterSp="0">
   <p:cSld>
     <p:spTree>
       <p:nvGrpSpPr>
-        <p:cNvPr id="159" name="Shape 159"/>
+        <p:cNvPr id="161" name="Shape 161"/>
         <p:cNvGrpSpPr/>
         <p:nvPr/>
       </p:nvGrpSpPr>
@@ -826,10 +836,10 @@
       </p:grpSpPr>
       <p:sp>
         <p:nvSpPr>
-          <p:cNvPr id="160" name="Google Shape;160;g12ee7768647_1_0:notes"/>
+          <p:cNvPr id="162" name="Google Shape;162;g12ee7768647_1_0:notes"/>
           <p:cNvSpPr/>
           <p:nvPr>
-            <p:ph type="sldImg" idx="2"/>
+            <p:ph idx="2" type="sldImg"/>
           </p:nvPr>
         </p:nvSpPr>
         <p:spPr>
@@ -838,13 +848,9 @@
             <a:ext cx="6096000" cy="3429000"/>
           </a:xfrm>
           <a:custGeom>
-            <a:avLst/>
-            <a:gdLst/>
-            <a:ahLst/>
-            <a:cxnLst/>
-            <a:rect l="l" t="t" r="r" b="b"/>
+            <a:rect b="b" l="l" r="r" t="t"/>
             <a:pathLst>
-              <a:path w="120000" h="120000" extrusionOk="0">
+              <a:path extrusionOk="0" h="120000" w="120000">
                 <a:moveTo>
                   <a:pt x="0" y="0"/>
                 </a:moveTo>
@@ -865,10 +871,10 @@
       </p:sp>
       <p:sp>
         <p:nvSpPr>
-          <p:cNvPr id="161" name="Google Shape;161;g12ee7768647_1_0:notes"/>
+          <p:cNvPr id="163" name="Google Shape;163;g12ee7768647_1_0:notes"/>
           <p:cNvSpPr txBox="1"/>
           <p:nvPr>
-            <p:ph type="body" idx="1"/>
+            <p:ph idx="1" type="body"/>
           </p:nvPr>
         </p:nvSpPr>
         <p:spPr>
@@ -881,12 +887,12 @@
           </a:prstGeom>
         </p:spPr>
         <p:txBody>
-          <a:bodyPr spcFirstLastPara="1" wrap="square" lIns="91425" tIns="91425" rIns="91425" bIns="91425" anchor="t" anchorCtr="0">
+          <a:bodyPr anchorCtr="0" anchor="t" bIns="91425" lIns="91425" spcFirstLastPara="1" rIns="91425" wrap="square" tIns="91425">
             <a:noAutofit/>
           </a:bodyPr>
           <a:lstStyle/>
           <a:p>
-            <a:pPr marL="0" lvl="0" indent="0" algn="l" rtl="0">
+            <a:pPr indent="0" lvl="0" marL="0" rtl="0" algn="l">
               <a:spcBef>
                 <a:spcPts val="0"/>
               </a:spcBef>
@@ -895,6 +901,10 @@
               </a:spcAft>
               <a:buNone/>
             </a:pPr>
+            <a:r>
+              <a:t/>
+            </a:r>
+            <a:endParaRPr/>
           </a:p>
         </p:txBody>
       </p:sp>
@@ -907,11 +917,11 @@
 </file>
 
 <file path=ppt/notesSlides/notesSlide11.xml><?xml version="1.0" encoding="utf-8"?>
-<p:notes xmlns:a="http://schemas.openxmlformats.org/drawingml/2006/main" xmlns:r="http://schemas.openxmlformats.org/officeDocument/2006/relationships" xmlns:p="http://schemas.openxmlformats.org/presentationml/2006/main" showMasterPhAnim="0" showMasterSp="0">
+<p:notes xmlns:a="http://schemas.openxmlformats.org/drawingml/2006/main" xmlns:r="http://schemas.openxmlformats.org/officeDocument/2006/relationships" xmlns:mc="http://schemas.openxmlformats.org/markup-compatibility/2006" xmlns:mv="urn:schemas-microsoft-com:mac:vml" xmlns:p="http://schemas.openxmlformats.org/presentationml/2006/main" xmlns:c="http://schemas.openxmlformats.org/drawingml/2006/chart" xmlns:dgm="http://schemas.openxmlformats.org/drawingml/2006/diagram" xmlns:o="urn:schemas-microsoft-com:office:office" xmlns:v="urn:schemas-microsoft-com:vml" xmlns:pvml="urn:schemas-microsoft-com:office:powerpoint" xmlns:com="http://schemas.openxmlformats.org/drawingml/2006/compatibility" xmlns:p14="http://schemas.microsoft.com/office/powerpoint/2010/main" xmlns:p15="http://schemas.microsoft.com/office/powerpoint/2012/main" xmlns:ahyp="http://schemas.microsoft.com/office/drawing/2018/hyperlinkcolor" showMasterPhAnim="0" showMasterSp="0">
   <p:cSld>
     <p:spTree>
       <p:nvGrpSpPr>
-        <p:cNvPr id="164" name="Shape 164"/>
+        <p:cNvPr id="166" name="Shape 166"/>
         <p:cNvGrpSpPr/>
         <p:nvPr/>
       </p:nvGrpSpPr>
@@ -925,10 +935,10 @@
       </p:grpSpPr>
       <p:sp>
         <p:nvSpPr>
-          <p:cNvPr id="165" name="Google Shape;165;g12e564803cf_4_133:notes"/>
+          <p:cNvPr id="167" name="Google Shape;167;g12e564803cf_4_133:notes"/>
           <p:cNvSpPr/>
           <p:nvPr>
-            <p:ph type="sldImg" idx="2"/>
+            <p:ph idx="2" type="sldImg"/>
           </p:nvPr>
         </p:nvSpPr>
         <p:spPr>
@@ -937,13 +947,9 @@
             <a:ext cx="6096000" cy="3429000"/>
           </a:xfrm>
           <a:custGeom>
-            <a:avLst/>
-            <a:gdLst/>
-            <a:ahLst/>
-            <a:cxnLst/>
-            <a:rect l="l" t="t" r="r" b="b"/>
+            <a:rect b="b" l="l" r="r" t="t"/>
             <a:pathLst>
-              <a:path w="120000" h="120000" extrusionOk="0">
+              <a:path extrusionOk="0" h="120000" w="120000">
                 <a:moveTo>
                   <a:pt x="0" y="0"/>
                 </a:moveTo>
@@ -964,10 +970,10 @@
       </p:sp>
       <p:sp>
         <p:nvSpPr>
-          <p:cNvPr id="166" name="Google Shape;166;g12e564803cf_4_133:notes"/>
+          <p:cNvPr id="168" name="Google Shape;168;g12e564803cf_4_133:notes"/>
           <p:cNvSpPr txBox="1"/>
           <p:nvPr>
-            <p:ph type="body" idx="1"/>
+            <p:ph idx="1" type="body"/>
           </p:nvPr>
         </p:nvSpPr>
         <p:spPr>
@@ -980,12 +986,12 @@
           </a:prstGeom>
         </p:spPr>
         <p:txBody>
-          <a:bodyPr spcFirstLastPara="1" wrap="square" lIns="91425" tIns="91425" rIns="91425" bIns="91425" anchor="t" anchorCtr="0">
+          <a:bodyPr anchorCtr="0" anchor="t" bIns="91425" lIns="91425" spcFirstLastPara="1" rIns="91425" wrap="square" tIns="91425">
             <a:noAutofit/>
           </a:bodyPr>
           <a:lstStyle/>
           <a:p>
-            <a:pPr marL="0" lvl="0" indent="0" algn="l" rtl="0">
+            <a:pPr indent="0" lvl="0" marL="0" rtl="0" algn="l">
               <a:spcBef>
                 <a:spcPts val="0"/>
               </a:spcBef>
@@ -994,6 +1000,10 @@
               </a:spcAft>
               <a:buNone/>
             </a:pPr>
+            <a:r>
+              <a:t/>
+            </a:r>
+            <a:endParaRPr/>
           </a:p>
         </p:txBody>
       </p:sp>
@@ -1006,11 +1016,11 @@
 </file>
 
 <file path=ppt/notesSlides/notesSlide12.xml><?xml version="1.0" encoding="utf-8"?>
-<p:notes xmlns:a="http://schemas.openxmlformats.org/drawingml/2006/main" xmlns:r="http://schemas.openxmlformats.org/officeDocument/2006/relationships" xmlns:p="http://schemas.openxmlformats.org/presentationml/2006/main" showMasterPhAnim="0" showMasterSp="0">
+<p:notes xmlns:a="http://schemas.openxmlformats.org/drawingml/2006/main" xmlns:r="http://schemas.openxmlformats.org/officeDocument/2006/relationships" xmlns:mc="http://schemas.openxmlformats.org/markup-compatibility/2006" xmlns:mv="urn:schemas-microsoft-com:mac:vml" xmlns:p="http://schemas.openxmlformats.org/presentationml/2006/main" xmlns:c="http://schemas.openxmlformats.org/drawingml/2006/chart" xmlns:dgm="http://schemas.openxmlformats.org/drawingml/2006/diagram" xmlns:o="urn:schemas-microsoft-com:office:office" xmlns:v="urn:schemas-microsoft-com:vml" xmlns:pvml="urn:schemas-microsoft-com:office:powerpoint" xmlns:com="http://schemas.openxmlformats.org/drawingml/2006/compatibility" xmlns:p14="http://schemas.microsoft.com/office/powerpoint/2010/main" xmlns:p15="http://schemas.microsoft.com/office/powerpoint/2012/main" xmlns:ahyp="http://schemas.microsoft.com/office/drawing/2018/hyperlinkcolor" showMasterPhAnim="0" showMasterSp="0">
   <p:cSld>
     <p:spTree>
       <p:nvGrpSpPr>
-        <p:cNvPr id="170" name="Shape 170"/>
+        <p:cNvPr id="172" name="Shape 172"/>
         <p:cNvGrpSpPr/>
         <p:nvPr/>
       </p:nvGrpSpPr>
@@ -1024,10 +1034,10 @@
       </p:grpSpPr>
       <p:sp>
         <p:nvSpPr>
-          <p:cNvPr id="171" name="Google Shape;171;g12e564803cf_2_2:notes"/>
+          <p:cNvPr id="173" name="Google Shape;173;g12e564803cf_2_2:notes"/>
           <p:cNvSpPr/>
           <p:nvPr>
-            <p:ph type="sldImg" idx="2"/>
+            <p:ph idx="2" type="sldImg"/>
           </p:nvPr>
         </p:nvSpPr>
         <p:spPr>
@@ -1036,13 +1046,9 @@
             <a:ext cx="6096000" cy="3429000"/>
           </a:xfrm>
           <a:custGeom>
-            <a:avLst/>
-            <a:gdLst/>
-            <a:ahLst/>
-            <a:cxnLst/>
-            <a:rect l="l" t="t" r="r" b="b"/>
+            <a:rect b="b" l="l" r="r" t="t"/>
             <a:pathLst>
-              <a:path w="120000" h="120000" extrusionOk="0">
+              <a:path extrusionOk="0" h="120000" w="120000">
                 <a:moveTo>
                   <a:pt x="0" y="0"/>
                 </a:moveTo>
@@ -1063,10 +1069,10 @@
       </p:sp>
       <p:sp>
         <p:nvSpPr>
-          <p:cNvPr id="172" name="Google Shape;172;g12e564803cf_2_2:notes"/>
+          <p:cNvPr id="174" name="Google Shape;174;g12e564803cf_2_2:notes"/>
           <p:cNvSpPr txBox="1"/>
           <p:nvPr>
-            <p:ph type="body" idx="1"/>
+            <p:ph idx="1" type="body"/>
           </p:nvPr>
         </p:nvSpPr>
         <p:spPr>
@@ -1079,12 +1085,12 @@
           </a:prstGeom>
         </p:spPr>
         <p:txBody>
-          <a:bodyPr spcFirstLastPara="1" wrap="square" lIns="91425" tIns="91425" rIns="91425" bIns="91425" anchor="t" anchorCtr="0">
+          <a:bodyPr anchorCtr="0" anchor="t" bIns="91425" lIns="91425" spcFirstLastPara="1" rIns="91425" wrap="square" tIns="91425">
             <a:noAutofit/>
           </a:bodyPr>
           <a:lstStyle/>
           <a:p>
-            <a:pPr marL="0" lvl="0" indent="0" algn="l" rtl="0">
+            <a:pPr indent="0" lvl="0" marL="0" rtl="0" algn="l">
               <a:spcBef>
                 <a:spcPts val="0"/>
               </a:spcBef>
@@ -1093,6 +1099,10 @@
               </a:spcAft>
               <a:buNone/>
             </a:pPr>
+            <a:r>
+              <a:t/>
+            </a:r>
+            <a:endParaRPr/>
           </a:p>
         </p:txBody>
       </p:sp>
@@ -1105,11 +1115,11 @@
 </file>
 
 <file path=ppt/notesSlides/notesSlide13.xml><?xml version="1.0" encoding="utf-8"?>
-<p:notes xmlns:a="http://schemas.openxmlformats.org/drawingml/2006/main" xmlns:r="http://schemas.openxmlformats.org/officeDocument/2006/relationships" xmlns:p="http://schemas.openxmlformats.org/presentationml/2006/main" showMasterPhAnim="0" showMasterSp="0">
+<p:notes xmlns:a="http://schemas.openxmlformats.org/drawingml/2006/main" xmlns:r="http://schemas.openxmlformats.org/officeDocument/2006/relationships" xmlns:mc="http://schemas.openxmlformats.org/markup-compatibility/2006" xmlns:mv="urn:schemas-microsoft-com:mac:vml" xmlns:p="http://schemas.openxmlformats.org/presentationml/2006/main" xmlns:c="http://schemas.openxmlformats.org/drawingml/2006/chart" xmlns:dgm="http://schemas.openxmlformats.org/drawingml/2006/diagram" xmlns:o="urn:schemas-microsoft-com:office:office" xmlns:v="urn:schemas-microsoft-com:vml" xmlns:pvml="urn:schemas-microsoft-com:office:powerpoint" xmlns:com="http://schemas.openxmlformats.org/drawingml/2006/compatibility" xmlns:p14="http://schemas.microsoft.com/office/powerpoint/2010/main" xmlns:p15="http://schemas.microsoft.com/office/powerpoint/2012/main" xmlns:ahyp="http://schemas.microsoft.com/office/drawing/2018/hyperlinkcolor" showMasterPhAnim="0" showMasterSp="0">
   <p:cSld>
     <p:spTree>
       <p:nvGrpSpPr>
-        <p:cNvPr id="175" name="Shape 175"/>
+        <p:cNvPr id="177" name="Shape 177"/>
         <p:cNvGrpSpPr/>
         <p:nvPr/>
       </p:nvGrpSpPr>
@@ -1123,10 +1133,10 @@
       </p:grpSpPr>
       <p:sp>
         <p:nvSpPr>
-          <p:cNvPr id="176" name="Google Shape;176;g12e564803cf_0_0:notes"/>
+          <p:cNvPr id="178" name="Google Shape;178;g12e564803cf_0_0:notes"/>
           <p:cNvSpPr/>
           <p:nvPr>
-            <p:ph type="sldImg" idx="2"/>
+            <p:ph idx="2" type="sldImg"/>
           </p:nvPr>
         </p:nvSpPr>
         <p:spPr>
@@ -1135,13 +1145,9 @@
             <a:ext cx="6096000" cy="3429000"/>
           </a:xfrm>
           <a:custGeom>
-            <a:avLst/>
-            <a:gdLst/>
-            <a:ahLst/>
-            <a:cxnLst/>
-            <a:rect l="l" t="t" r="r" b="b"/>
+            <a:rect b="b" l="l" r="r" t="t"/>
             <a:pathLst>
-              <a:path w="120000" h="120000" extrusionOk="0">
+              <a:path extrusionOk="0" h="120000" w="120000">
                 <a:moveTo>
                   <a:pt x="0" y="0"/>
                 </a:moveTo>
@@ -1162,10 +1168,10 @@
       </p:sp>
       <p:sp>
         <p:nvSpPr>
-          <p:cNvPr id="177" name="Google Shape;177;g12e564803cf_0_0:notes"/>
+          <p:cNvPr id="179" name="Google Shape;179;g12e564803cf_0_0:notes"/>
           <p:cNvSpPr txBox="1"/>
           <p:nvPr>
-            <p:ph type="body" idx="1"/>
+            <p:ph idx="1" type="body"/>
           </p:nvPr>
         </p:nvSpPr>
         <p:spPr>
@@ -1178,12 +1184,12 @@
           </a:prstGeom>
         </p:spPr>
         <p:txBody>
-          <a:bodyPr spcFirstLastPara="1" wrap="square" lIns="91425" tIns="91425" rIns="91425" bIns="91425" anchor="t" anchorCtr="0">
+          <a:bodyPr anchorCtr="0" anchor="t" bIns="91425" lIns="91425" spcFirstLastPara="1" rIns="91425" wrap="square" tIns="91425">
             <a:noAutofit/>
           </a:bodyPr>
           <a:lstStyle/>
           <a:p>
-            <a:pPr marL="0" lvl="0" indent="0" algn="l" rtl="0">
+            <a:pPr indent="0" lvl="0" marL="0" rtl="0" algn="l">
               <a:spcBef>
                 <a:spcPts val="0"/>
               </a:spcBef>
@@ -1192,6 +1198,10 @@
               </a:spcAft>
               <a:buNone/>
             </a:pPr>
+            <a:r>
+              <a:t/>
+            </a:r>
+            <a:endParaRPr/>
           </a:p>
         </p:txBody>
       </p:sp>
@@ -1204,11 +1214,11 @@
 </file>
 
 <file path=ppt/notesSlides/notesSlide2.xml><?xml version="1.0" encoding="utf-8"?>
-<p:notes xmlns:a="http://schemas.openxmlformats.org/drawingml/2006/main" xmlns:r="http://schemas.openxmlformats.org/officeDocument/2006/relationships" xmlns:p="http://schemas.openxmlformats.org/presentationml/2006/main" showMasterPhAnim="0" showMasterSp="0">
+<p:notes xmlns:a="http://schemas.openxmlformats.org/drawingml/2006/main" xmlns:r="http://schemas.openxmlformats.org/officeDocument/2006/relationships" xmlns:mc="http://schemas.openxmlformats.org/markup-compatibility/2006" xmlns:mv="urn:schemas-microsoft-com:mac:vml" xmlns:p="http://schemas.openxmlformats.org/presentationml/2006/main" xmlns:c="http://schemas.openxmlformats.org/drawingml/2006/chart" xmlns:dgm="http://schemas.openxmlformats.org/drawingml/2006/diagram" xmlns:o="urn:schemas-microsoft-com:office:office" xmlns:v="urn:schemas-microsoft-com:vml" xmlns:pvml="urn:schemas-microsoft-com:office:powerpoint" xmlns:com="http://schemas.openxmlformats.org/drawingml/2006/compatibility" xmlns:p14="http://schemas.microsoft.com/office/powerpoint/2010/main" xmlns:p15="http://schemas.microsoft.com/office/powerpoint/2012/main" xmlns:ahyp="http://schemas.microsoft.com/office/drawing/2018/hyperlinkcolor" showMasterPhAnim="0" showMasterSp="0">
   <p:cSld>
     <p:spTree>
       <p:nvGrpSpPr>
-        <p:cNvPr id="115" name="Shape 115"/>
+        <p:cNvPr id="117" name="Shape 117"/>
         <p:cNvGrpSpPr/>
         <p:nvPr/>
       </p:nvGrpSpPr>
@@ -1222,10 +1232,10 @@
       </p:grpSpPr>
       <p:sp>
         <p:nvSpPr>
-          <p:cNvPr id="116" name="Google Shape;116;g12e564803cf_4_58:notes"/>
+          <p:cNvPr id="118" name="Google Shape;118;g12e564803cf_4_58:notes"/>
           <p:cNvSpPr/>
           <p:nvPr>
-            <p:ph type="sldImg" idx="2"/>
+            <p:ph idx="2" type="sldImg"/>
           </p:nvPr>
         </p:nvSpPr>
         <p:spPr>
@@ -1234,13 +1244,9 @@
             <a:ext cx="6096000" cy="3429000"/>
           </a:xfrm>
           <a:custGeom>
-            <a:avLst/>
-            <a:gdLst/>
-            <a:ahLst/>
-            <a:cxnLst/>
-            <a:rect l="l" t="t" r="r" b="b"/>
+            <a:rect b="b" l="l" r="r" t="t"/>
             <a:pathLst>
-              <a:path w="120000" h="120000" extrusionOk="0">
+              <a:path extrusionOk="0" h="120000" w="120000">
                 <a:moveTo>
                   <a:pt x="0" y="0"/>
                 </a:moveTo>
@@ -1261,10 +1267,10 @@
       </p:sp>
       <p:sp>
         <p:nvSpPr>
-          <p:cNvPr id="117" name="Google Shape;117;g12e564803cf_4_58:notes"/>
+          <p:cNvPr id="119" name="Google Shape;119;g12e564803cf_4_58:notes"/>
           <p:cNvSpPr txBox="1"/>
           <p:nvPr>
-            <p:ph type="body" idx="1"/>
+            <p:ph idx="1" type="body"/>
           </p:nvPr>
         </p:nvSpPr>
         <p:spPr>
@@ -1277,12 +1283,12 @@
           </a:prstGeom>
         </p:spPr>
         <p:txBody>
-          <a:bodyPr spcFirstLastPara="1" wrap="square" lIns="91425" tIns="91425" rIns="91425" bIns="91425" anchor="t" anchorCtr="0">
+          <a:bodyPr anchorCtr="0" anchor="t" bIns="91425" lIns="91425" spcFirstLastPara="1" rIns="91425" wrap="square" tIns="91425">
             <a:noAutofit/>
           </a:bodyPr>
           <a:lstStyle/>
           <a:p>
-            <a:pPr marL="0" lvl="0" indent="0" algn="l" rtl="0">
+            <a:pPr indent="0" lvl="0" marL="0" rtl="0" algn="l">
               <a:spcBef>
                 <a:spcPts val="0"/>
               </a:spcBef>
@@ -1291,6 +1297,10 @@
               </a:spcAft>
               <a:buNone/>
             </a:pPr>
+            <a:r>
+              <a:t/>
+            </a:r>
+            <a:endParaRPr/>
           </a:p>
         </p:txBody>
       </p:sp>
@@ -1303,11 +1313,11 @@
 </file>
 
 <file path=ppt/notesSlides/notesSlide3.xml><?xml version="1.0" encoding="utf-8"?>
-<p:notes xmlns:a="http://schemas.openxmlformats.org/drawingml/2006/main" xmlns:r="http://schemas.openxmlformats.org/officeDocument/2006/relationships" xmlns:p="http://schemas.openxmlformats.org/presentationml/2006/main" showMasterPhAnim="0" showMasterSp="0">
+<p:notes xmlns:a="http://schemas.openxmlformats.org/drawingml/2006/main" xmlns:r="http://schemas.openxmlformats.org/officeDocument/2006/relationships" xmlns:mc="http://schemas.openxmlformats.org/markup-compatibility/2006" xmlns:mv="urn:schemas-microsoft-com:mac:vml" xmlns:p="http://schemas.openxmlformats.org/presentationml/2006/main" xmlns:c="http://schemas.openxmlformats.org/drawingml/2006/chart" xmlns:dgm="http://schemas.openxmlformats.org/drawingml/2006/diagram" xmlns:o="urn:schemas-microsoft-com:office:office" xmlns:v="urn:schemas-microsoft-com:vml" xmlns:pvml="urn:schemas-microsoft-com:office:powerpoint" xmlns:com="http://schemas.openxmlformats.org/drawingml/2006/compatibility" xmlns:p14="http://schemas.microsoft.com/office/powerpoint/2010/main" xmlns:p15="http://schemas.microsoft.com/office/powerpoint/2012/main" xmlns:ahyp="http://schemas.microsoft.com/office/drawing/2018/hyperlinkcolor" showMasterPhAnim="0" showMasterSp="0">
   <p:cSld>
     <p:spTree>
       <p:nvGrpSpPr>
-        <p:cNvPr id="121" name="Shape 121"/>
+        <p:cNvPr id="123" name="Shape 123"/>
         <p:cNvGrpSpPr/>
         <p:nvPr/>
       </p:nvGrpSpPr>
@@ -1321,10 +1331,10 @@
       </p:grpSpPr>
       <p:sp>
         <p:nvSpPr>
-          <p:cNvPr id="122" name="Google Shape;122;g12e564803cf_4_64:notes"/>
+          <p:cNvPr id="124" name="Google Shape;124;g12e564803cf_4_64:notes"/>
           <p:cNvSpPr/>
           <p:nvPr>
-            <p:ph type="sldImg" idx="2"/>
+            <p:ph idx="2" type="sldImg"/>
           </p:nvPr>
         </p:nvSpPr>
         <p:spPr>
@@ -1333,13 +1343,9 @@
             <a:ext cx="6096000" cy="3429000"/>
           </a:xfrm>
           <a:custGeom>
-            <a:avLst/>
-            <a:gdLst/>
-            <a:ahLst/>
-            <a:cxnLst/>
-            <a:rect l="l" t="t" r="r" b="b"/>
+            <a:rect b="b" l="l" r="r" t="t"/>
             <a:pathLst>
-              <a:path w="120000" h="120000" extrusionOk="0">
+              <a:path extrusionOk="0" h="120000" w="120000">
                 <a:moveTo>
                   <a:pt x="0" y="0"/>
                 </a:moveTo>
@@ -1360,10 +1366,10 @@
       </p:sp>
       <p:sp>
         <p:nvSpPr>
-          <p:cNvPr id="123" name="Google Shape;123;g12e564803cf_4_64:notes"/>
+          <p:cNvPr id="125" name="Google Shape;125;g12e564803cf_4_64:notes"/>
           <p:cNvSpPr txBox="1"/>
           <p:nvPr>
-            <p:ph type="body" idx="1"/>
+            <p:ph idx="1" type="body"/>
           </p:nvPr>
         </p:nvSpPr>
         <p:spPr>
@@ -1376,12 +1382,12 @@
           </a:prstGeom>
         </p:spPr>
         <p:txBody>
-          <a:bodyPr spcFirstLastPara="1" wrap="square" lIns="91425" tIns="91425" rIns="91425" bIns="91425" anchor="t" anchorCtr="0">
+          <a:bodyPr anchorCtr="0" anchor="t" bIns="91425" lIns="91425" spcFirstLastPara="1" rIns="91425" wrap="square" tIns="91425">
             <a:noAutofit/>
           </a:bodyPr>
           <a:lstStyle/>
           <a:p>
-            <a:pPr marL="0" lvl="0" indent="0" algn="l" rtl="0">
+            <a:pPr indent="0" lvl="0" marL="0" rtl="0" algn="l">
               <a:spcBef>
                 <a:spcPts val="0"/>
               </a:spcBef>
@@ -1390,6 +1396,10 @@
               </a:spcAft>
               <a:buNone/>
             </a:pPr>
+            <a:r>
+              <a:t/>
+            </a:r>
+            <a:endParaRPr/>
           </a:p>
         </p:txBody>
       </p:sp>
@@ -1402,11 +1412,11 @@
 </file>
 
 <file path=ppt/notesSlides/notesSlide4.xml><?xml version="1.0" encoding="utf-8"?>
-<p:notes xmlns:a="http://schemas.openxmlformats.org/drawingml/2006/main" xmlns:r="http://schemas.openxmlformats.org/officeDocument/2006/relationships" xmlns:p="http://schemas.openxmlformats.org/presentationml/2006/main" showMasterPhAnim="0" showMasterSp="0">
+<p:notes xmlns:a="http://schemas.openxmlformats.org/drawingml/2006/main" xmlns:r="http://schemas.openxmlformats.org/officeDocument/2006/relationships" xmlns:mc="http://schemas.openxmlformats.org/markup-compatibility/2006" xmlns:mv="urn:schemas-microsoft-com:mac:vml" xmlns:p="http://schemas.openxmlformats.org/presentationml/2006/main" xmlns:c="http://schemas.openxmlformats.org/drawingml/2006/chart" xmlns:dgm="http://schemas.openxmlformats.org/drawingml/2006/diagram" xmlns:o="urn:schemas-microsoft-com:office:office" xmlns:v="urn:schemas-microsoft-com:vml" xmlns:pvml="urn:schemas-microsoft-com:office:powerpoint" xmlns:com="http://schemas.openxmlformats.org/drawingml/2006/compatibility" xmlns:p14="http://schemas.microsoft.com/office/powerpoint/2010/main" xmlns:p15="http://schemas.microsoft.com/office/powerpoint/2012/main" xmlns:ahyp="http://schemas.microsoft.com/office/drawing/2018/hyperlinkcolor" showMasterPhAnim="0" showMasterSp="0">
   <p:cSld>
     <p:spTree>
       <p:nvGrpSpPr>
-        <p:cNvPr id="127" name="Shape 127"/>
+        <p:cNvPr id="129" name="Shape 129"/>
         <p:cNvGrpSpPr/>
         <p:nvPr/>
       </p:nvGrpSpPr>
@@ -1420,10 +1430,10 @@
       </p:grpSpPr>
       <p:sp>
         <p:nvSpPr>
-          <p:cNvPr id="128" name="Google Shape;128;g12d1db7dc00_0_31:notes"/>
+          <p:cNvPr id="130" name="Google Shape;130;g12d1db7dc00_0_31:notes"/>
           <p:cNvSpPr/>
           <p:nvPr>
-            <p:ph type="sldImg" idx="2"/>
+            <p:ph idx="2" type="sldImg"/>
           </p:nvPr>
         </p:nvSpPr>
         <p:spPr>
@@ -1432,13 +1442,9 @@
             <a:ext cx="6096000" cy="3429000"/>
           </a:xfrm>
           <a:custGeom>
-            <a:avLst/>
-            <a:gdLst/>
-            <a:ahLst/>
-            <a:cxnLst/>
-            <a:rect l="l" t="t" r="r" b="b"/>
+            <a:rect b="b" l="l" r="r" t="t"/>
             <a:pathLst>
-              <a:path w="120000" h="120000" extrusionOk="0">
+              <a:path extrusionOk="0" h="120000" w="120000">
                 <a:moveTo>
                   <a:pt x="0" y="0"/>
                 </a:moveTo>
@@ -1459,10 +1465,10 @@
       </p:sp>
       <p:sp>
         <p:nvSpPr>
-          <p:cNvPr id="129" name="Google Shape;129;g12d1db7dc00_0_31:notes"/>
+          <p:cNvPr id="131" name="Google Shape;131;g12d1db7dc00_0_31:notes"/>
           <p:cNvSpPr txBox="1"/>
           <p:nvPr>
-            <p:ph type="body" idx="1"/>
+            <p:ph idx="1" type="body"/>
           </p:nvPr>
         </p:nvSpPr>
         <p:spPr>
@@ -1475,12 +1481,12 @@
           </a:prstGeom>
         </p:spPr>
         <p:txBody>
-          <a:bodyPr spcFirstLastPara="1" wrap="square" lIns="91425" tIns="91425" rIns="91425" bIns="91425" anchor="t" anchorCtr="0">
+          <a:bodyPr anchorCtr="0" anchor="t" bIns="91425" lIns="91425" spcFirstLastPara="1" rIns="91425" wrap="square" tIns="91425">
             <a:noAutofit/>
           </a:bodyPr>
           <a:lstStyle/>
           <a:p>
-            <a:pPr marL="0" lvl="0" indent="0" algn="l" rtl="0">
+            <a:pPr indent="0" lvl="0" marL="0" rtl="0" algn="l">
               <a:spcBef>
                 <a:spcPts val="0"/>
               </a:spcBef>
@@ -1489,6 +1495,10 @@
               </a:spcAft>
               <a:buNone/>
             </a:pPr>
+            <a:r>
+              <a:t/>
+            </a:r>
+            <a:endParaRPr/>
           </a:p>
         </p:txBody>
       </p:sp>
@@ -1501,11 +1511,11 @@
 </file>
 
 <file path=ppt/notesSlides/notesSlide5.xml><?xml version="1.0" encoding="utf-8"?>
-<p:notes xmlns:a="http://schemas.openxmlformats.org/drawingml/2006/main" xmlns:r="http://schemas.openxmlformats.org/officeDocument/2006/relationships" xmlns:p="http://schemas.openxmlformats.org/presentationml/2006/main" showMasterPhAnim="0" showMasterSp="0">
+<p:notes xmlns:a="http://schemas.openxmlformats.org/drawingml/2006/main" xmlns:r="http://schemas.openxmlformats.org/officeDocument/2006/relationships" xmlns:mc="http://schemas.openxmlformats.org/markup-compatibility/2006" xmlns:mv="urn:schemas-microsoft-com:mac:vml" xmlns:p="http://schemas.openxmlformats.org/presentationml/2006/main" xmlns:c="http://schemas.openxmlformats.org/drawingml/2006/chart" xmlns:dgm="http://schemas.openxmlformats.org/drawingml/2006/diagram" xmlns:o="urn:schemas-microsoft-com:office:office" xmlns:v="urn:schemas-microsoft-com:vml" xmlns:pvml="urn:schemas-microsoft-com:office:powerpoint" xmlns:com="http://schemas.openxmlformats.org/drawingml/2006/compatibility" xmlns:p14="http://schemas.microsoft.com/office/powerpoint/2010/main" xmlns:p15="http://schemas.microsoft.com/office/powerpoint/2012/main" xmlns:ahyp="http://schemas.microsoft.com/office/drawing/2018/hyperlinkcolor" showMasterPhAnim="0" showMasterSp="0">
   <p:cSld>
     <p:spTree>
       <p:nvGrpSpPr>
-        <p:cNvPr id="132" name="Shape 132"/>
+        <p:cNvPr id="134" name="Shape 134"/>
         <p:cNvGrpSpPr/>
         <p:nvPr/>
       </p:nvGrpSpPr>
@@ -1519,10 +1529,10 @@
       </p:grpSpPr>
       <p:sp>
         <p:nvSpPr>
-          <p:cNvPr id="133" name="Google Shape;133;g12e564803cf_4_83:notes"/>
+          <p:cNvPr id="135" name="Google Shape;135;g12e564803cf_4_83:notes"/>
           <p:cNvSpPr/>
           <p:nvPr>
-            <p:ph type="sldImg" idx="2"/>
+            <p:ph idx="2" type="sldImg"/>
           </p:nvPr>
         </p:nvSpPr>
         <p:spPr>
@@ -1531,13 +1541,9 @@
             <a:ext cx="6096000" cy="3429000"/>
           </a:xfrm>
           <a:custGeom>
-            <a:avLst/>
-            <a:gdLst/>
-            <a:ahLst/>
-            <a:cxnLst/>
-            <a:rect l="l" t="t" r="r" b="b"/>
+            <a:rect b="b" l="l" r="r" t="t"/>
             <a:pathLst>
-              <a:path w="120000" h="120000" extrusionOk="0">
+              <a:path extrusionOk="0" h="120000" w="120000">
                 <a:moveTo>
                   <a:pt x="0" y="0"/>
                 </a:moveTo>
@@ -1558,10 +1564,10 @@
       </p:sp>
       <p:sp>
         <p:nvSpPr>
-          <p:cNvPr id="134" name="Google Shape;134;g12e564803cf_4_83:notes"/>
+          <p:cNvPr id="136" name="Google Shape;136;g12e564803cf_4_83:notes"/>
           <p:cNvSpPr txBox="1"/>
           <p:nvPr>
-            <p:ph type="body" idx="1"/>
+            <p:ph idx="1" type="body"/>
           </p:nvPr>
         </p:nvSpPr>
         <p:spPr>
@@ -1574,12 +1580,12 @@
           </a:prstGeom>
         </p:spPr>
         <p:txBody>
-          <a:bodyPr spcFirstLastPara="1" wrap="square" lIns="91425" tIns="91425" rIns="91425" bIns="91425" anchor="t" anchorCtr="0">
+          <a:bodyPr anchorCtr="0" anchor="t" bIns="91425" lIns="91425" spcFirstLastPara="1" rIns="91425" wrap="square" tIns="91425">
             <a:noAutofit/>
           </a:bodyPr>
           <a:lstStyle/>
           <a:p>
-            <a:pPr marL="0" lvl="0" indent="0" algn="l" rtl="0">
+            <a:pPr indent="0" lvl="0" marL="0" rtl="0" algn="l">
               <a:spcBef>
                 <a:spcPts val="0"/>
               </a:spcBef>
@@ -1588,6 +1594,10 @@
               </a:spcAft>
               <a:buNone/>
             </a:pPr>
+            <a:r>
+              <a:t/>
+            </a:r>
+            <a:endParaRPr/>
           </a:p>
         </p:txBody>
       </p:sp>
@@ -1600,11 +1610,11 @@
 </file>
 
 <file path=ppt/notesSlides/notesSlide6.xml><?xml version="1.0" encoding="utf-8"?>
-<p:notes xmlns:a="http://schemas.openxmlformats.org/drawingml/2006/main" xmlns:r="http://schemas.openxmlformats.org/officeDocument/2006/relationships" xmlns:p="http://schemas.openxmlformats.org/presentationml/2006/main" showMasterPhAnim="0" showMasterSp="0">
+<p:notes xmlns:a="http://schemas.openxmlformats.org/drawingml/2006/main" xmlns:r="http://schemas.openxmlformats.org/officeDocument/2006/relationships" xmlns:mc="http://schemas.openxmlformats.org/markup-compatibility/2006" xmlns:mv="urn:schemas-microsoft-com:mac:vml" xmlns:p="http://schemas.openxmlformats.org/presentationml/2006/main" xmlns:c="http://schemas.openxmlformats.org/drawingml/2006/chart" xmlns:dgm="http://schemas.openxmlformats.org/drawingml/2006/diagram" xmlns:o="urn:schemas-microsoft-com:office:office" xmlns:v="urn:schemas-microsoft-com:vml" xmlns:pvml="urn:schemas-microsoft-com:office:powerpoint" xmlns:com="http://schemas.openxmlformats.org/drawingml/2006/compatibility" xmlns:p14="http://schemas.microsoft.com/office/powerpoint/2010/main" xmlns:p15="http://schemas.microsoft.com/office/powerpoint/2012/main" xmlns:ahyp="http://schemas.microsoft.com/office/drawing/2018/hyperlinkcolor" showMasterPhAnim="0" showMasterSp="0">
   <p:cSld>
     <p:spTree>
       <p:nvGrpSpPr>
-        <p:cNvPr id="137" name="Shape 137"/>
+        <p:cNvPr id="139" name="Shape 139"/>
         <p:cNvGrpSpPr/>
         <p:nvPr/>
       </p:nvGrpSpPr>
@@ -1618,10 +1628,10 @@
       </p:grpSpPr>
       <p:sp>
         <p:nvSpPr>
-          <p:cNvPr id="138" name="Google Shape;138;g12d1db7dc00_0_39:notes"/>
+          <p:cNvPr id="140" name="Google Shape;140;g12d1db7dc00_0_39:notes"/>
           <p:cNvSpPr/>
           <p:nvPr>
-            <p:ph type="sldImg" idx="2"/>
+            <p:ph idx="2" type="sldImg"/>
           </p:nvPr>
         </p:nvSpPr>
         <p:spPr>
@@ -1630,13 +1640,9 @@
             <a:ext cx="6096000" cy="3429000"/>
           </a:xfrm>
           <a:custGeom>
-            <a:avLst/>
-            <a:gdLst/>
-            <a:ahLst/>
-            <a:cxnLst/>
-            <a:rect l="l" t="t" r="r" b="b"/>
+            <a:rect b="b" l="l" r="r" t="t"/>
             <a:pathLst>
-              <a:path w="120000" h="120000" extrusionOk="0">
+              <a:path extrusionOk="0" h="120000" w="120000">
                 <a:moveTo>
                   <a:pt x="0" y="0"/>
                 </a:moveTo>
@@ -1657,10 +1663,10 @@
       </p:sp>
       <p:sp>
         <p:nvSpPr>
-          <p:cNvPr id="139" name="Google Shape;139;g12d1db7dc00_0_39:notes"/>
+          <p:cNvPr id="141" name="Google Shape;141;g12d1db7dc00_0_39:notes"/>
           <p:cNvSpPr txBox="1"/>
           <p:nvPr>
-            <p:ph type="body" idx="1"/>
+            <p:ph idx="1" type="body"/>
           </p:nvPr>
         </p:nvSpPr>
         <p:spPr>
@@ -1673,12 +1679,12 @@
           </a:prstGeom>
         </p:spPr>
         <p:txBody>
-          <a:bodyPr spcFirstLastPara="1" wrap="square" lIns="91425" tIns="91425" rIns="91425" bIns="91425" anchor="t" anchorCtr="0">
+          <a:bodyPr anchorCtr="0" anchor="t" bIns="91425" lIns="91425" spcFirstLastPara="1" rIns="91425" wrap="square" tIns="91425">
             <a:noAutofit/>
           </a:bodyPr>
           <a:lstStyle/>
           <a:p>
-            <a:pPr marL="0" lvl="0" indent="0" algn="l" rtl="0">
+            <a:pPr indent="0" lvl="0" marL="0" rtl="0" algn="l">
               <a:spcBef>
                 <a:spcPts val="0"/>
               </a:spcBef>
@@ -1687,6 +1693,10 @@
               </a:spcAft>
               <a:buNone/>
             </a:pPr>
+            <a:r>
+              <a:t/>
+            </a:r>
+            <a:endParaRPr/>
           </a:p>
         </p:txBody>
       </p:sp>
@@ -1699,11 +1709,11 @@
 </file>
 
 <file path=ppt/notesSlides/notesSlide7.xml><?xml version="1.0" encoding="utf-8"?>
-<p:notes xmlns:a="http://schemas.openxmlformats.org/drawingml/2006/main" xmlns:r="http://schemas.openxmlformats.org/officeDocument/2006/relationships" xmlns:p="http://schemas.openxmlformats.org/presentationml/2006/main" showMasterPhAnim="0" showMasterSp="0">
+<p:notes xmlns:a="http://schemas.openxmlformats.org/drawingml/2006/main" xmlns:r="http://schemas.openxmlformats.org/officeDocument/2006/relationships" xmlns:mc="http://schemas.openxmlformats.org/markup-compatibility/2006" xmlns:mv="urn:schemas-microsoft-com:mac:vml" xmlns:p="http://schemas.openxmlformats.org/presentationml/2006/main" xmlns:c="http://schemas.openxmlformats.org/drawingml/2006/chart" xmlns:dgm="http://schemas.openxmlformats.org/drawingml/2006/diagram" xmlns:o="urn:schemas-microsoft-com:office:office" xmlns:v="urn:schemas-microsoft-com:vml" xmlns:pvml="urn:schemas-microsoft-com:office:powerpoint" xmlns:com="http://schemas.openxmlformats.org/drawingml/2006/compatibility" xmlns:p14="http://schemas.microsoft.com/office/powerpoint/2010/main" xmlns:p15="http://schemas.microsoft.com/office/powerpoint/2012/main" xmlns:ahyp="http://schemas.microsoft.com/office/drawing/2018/hyperlinkcolor" showMasterPhAnim="0" showMasterSp="0">
   <p:cSld>
     <p:spTree>
       <p:nvGrpSpPr>
-        <p:cNvPr id="142" name="Shape 142"/>
+        <p:cNvPr id="144" name="Shape 144"/>
         <p:cNvGrpSpPr/>
         <p:nvPr/>
       </p:nvGrpSpPr>
@@ -1717,10 +1727,10 @@
       </p:grpSpPr>
       <p:sp>
         <p:nvSpPr>
-          <p:cNvPr id="143" name="Google Shape;143;g12d1db7dc00_0_47:notes"/>
+          <p:cNvPr id="145" name="Google Shape;145;g12d1db7dc00_0_47:notes"/>
           <p:cNvSpPr/>
           <p:nvPr>
-            <p:ph type="sldImg" idx="2"/>
+            <p:ph idx="2" type="sldImg"/>
           </p:nvPr>
         </p:nvSpPr>
         <p:spPr>
@@ -1729,13 +1739,9 @@
             <a:ext cx="6096000" cy="3429000"/>
           </a:xfrm>
           <a:custGeom>
-            <a:avLst/>
-            <a:gdLst/>
-            <a:ahLst/>
-            <a:cxnLst/>
-            <a:rect l="l" t="t" r="r" b="b"/>
+            <a:rect b="b" l="l" r="r" t="t"/>
             <a:pathLst>
-              <a:path w="120000" h="120000" extrusionOk="0">
+              <a:path extrusionOk="0" h="120000" w="120000">
                 <a:moveTo>
                   <a:pt x="0" y="0"/>
                 </a:moveTo>
@@ -1756,10 +1762,10 @@
       </p:sp>
       <p:sp>
         <p:nvSpPr>
-          <p:cNvPr id="144" name="Google Shape;144;g12d1db7dc00_0_47:notes"/>
+          <p:cNvPr id="146" name="Google Shape;146;g12d1db7dc00_0_47:notes"/>
           <p:cNvSpPr txBox="1"/>
           <p:nvPr>
-            <p:ph type="body" idx="1"/>
+            <p:ph idx="1" type="body"/>
           </p:nvPr>
         </p:nvSpPr>
         <p:spPr>
@@ -1772,12 +1778,12 @@
           </a:prstGeom>
         </p:spPr>
         <p:txBody>
-          <a:bodyPr spcFirstLastPara="1" wrap="square" lIns="91425" tIns="91425" rIns="91425" bIns="91425" anchor="t" anchorCtr="0">
+          <a:bodyPr anchorCtr="0" anchor="t" bIns="91425" lIns="91425" spcFirstLastPara="1" rIns="91425" wrap="square" tIns="91425">
             <a:noAutofit/>
           </a:bodyPr>
           <a:lstStyle/>
           <a:p>
-            <a:pPr marL="0" lvl="0" indent="0" algn="l" rtl="0">
+            <a:pPr indent="0" lvl="0" marL="0" rtl="0" algn="l">
               <a:spcBef>
                 <a:spcPts val="0"/>
               </a:spcBef>
@@ -1786,6 +1792,10 @@
               </a:spcAft>
               <a:buNone/>
             </a:pPr>
+            <a:r>
+              <a:t/>
+            </a:r>
+            <a:endParaRPr/>
           </a:p>
         </p:txBody>
       </p:sp>
@@ -1798,11 +1808,11 @@
 </file>
 
 <file path=ppt/notesSlides/notesSlide8.xml><?xml version="1.0" encoding="utf-8"?>
-<p:notes xmlns:a="http://schemas.openxmlformats.org/drawingml/2006/main" xmlns:r="http://schemas.openxmlformats.org/officeDocument/2006/relationships" xmlns:p="http://schemas.openxmlformats.org/presentationml/2006/main" showMasterPhAnim="0" showMasterSp="0">
+<p:notes xmlns:a="http://schemas.openxmlformats.org/drawingml/2006/main" xmlns:r="http://schemas.openxmlformats.org/officeDocument/2006/relationships" xmlns:mc="http://schemas.openxmlformats.org/markup-compatibility/2006" xmlns:mv="urn:schemas-microsoft-com:mac:vml" xmlns:p="http://schemas.openxmlformats.org/presentationml/2006/main" xmlns:c="http://schemas.openxmlformats.org/drawingml/2006/chart" xmlns:dgm="http://schemas.openxmlformats.org/drawingml/2006/diagram" xmlns:o="urn:schemas-microsoft-com:office:office" xmlns:v="urn:schemas-microsoft-com:vml" xmlns:pvml="urn:schemas-microsoft-com:office:powerpoint" xmlns:com="http://schemas.openxmlformats.org/drawingml/2006/compatibility" xmlns:p14="http://schemas.microsoft.com/office/powerpoint/2010/main" xmlns:p15="http://schemas.microsoft.com/office/powerpoint/2012/main" xmlns:ahyp="http://schemas.microsoft.com/office/drawing/2018/hyperlinkcolor" showMasterPhAnim="0" showMasterSp="0">
   <p:cSld>
     <p:spTree>
       <p:nvGrpSpPr>
-        <p:cNvPr id="148" name="Shape 148"/>
+        <p:cNvPr id="150" name="Shape 150"/>
         <p:cNvGrpSpPr/>
         <p:nvPr/>
       </p:nvGrpSpPr>
@@ -1816,10 +1826,10 @@
       </p:grpSpPr>
       <p:sp>
         <p:nvSpPr>
-          <p:cNvPr id="149" name="Google Shape;149;g12d1db7dc00_0_52:notes"/>
+          <p:cNvPr id="151" name="Google Shape;151;g12d1db7dc00_0_52:notes"/>
           <p:cNvSpPr/>
           <p:nvPr>
-            <p:ph type="sldImg" idx="2"/>
+            <p:ph idx="2" type="sldImg"/>
           </p:nvPr>
         </p:nvSpPr>
         <p:spPr>
@@ -1828,13 +1838,9 @@
             <a:ext cx="6096000" cy="3429000"/>
           </a:xfrm>
           <a:custGeom>
-            <a:avLst/>
-            <a:gdLst/>
-            <a:ahLst/>
-            <a:cxnLst/>
-            <a:rect l="l" t="t" r="r" b="b"/>
+            <a:rect b="b" l="l" r="r" t="t"/>
             <a:pathLst>
-              <a:path w="120000" h="120000" extrusionOk="0">
+              <a:path extrusionOk="0" h="120000" w="120000">
                 <a:moveTo>
                   <a:pt x="0" y="0"/>
                 </a:moveTo>
@@ -1855,10 +1861,10 @@
       </p:sp>
       <p:sp>
         <p:nvSpPr>
-          <p:cNvPr id="150" name="Google Shape;150;g12d1db7dc00_0_52:notes"/>
+          <p:cNvPr id="152" name="Google Shape;152;g12d1db7dc00_0_52:notes"/>
           <p:cNvSpPr txBox="1"/>
           <p:nvPr>
-            <p:ph type="body" idx="1"/>
+            <p:ph idx="1" type="body"/>
           </p:nvPr>
         </p:nvSpPr>
         <p:spPr>
@@ -1871,12 +1877,12 @@
           </a:prstGeom>
         </p:spPr>
         <p:txBody>
-          <a:bodyPr spcFirstLastPara="1" wrap="square" lIns="91425" tIns="91425" rIns="91425" bIns="91425" anchor="t" anchorCtr="0">
+          <a:bodyPr anchorCtr="0" anchor="t" bIns="91425" lIns="91425" spcFirstLastPara="1" rIns="91425" wrap="square" tIns="91425">
             <a:noAutofit/>
           </a:bodyPr>
           <a:lstStyle/>
           <a:p>
-            <a:pPr marL="0" lvl="0" indent="0" algn="l" rtl="0">
+            <a:pPr indent="0" lvl="0" marL="0" rtl="0" algn="l">
               <a:spcBef>
                 <a:spcPts val="0"/>
               </a:spcBef>
@@ -1885,6 +1891,10 @@
               </a:spcAft>
               <a:buNone/>
             </a:pPr>
+            <a:r>
+              <a:t/>
+            </a:r>
+            <a:endParaRPr/>
           </a:p>
         </p:txBody>
       </p:sp>
@@ -1897,11 +1907,11 @@
 </file>
 
 <file path=ppt/notesSlides/notesSlide9.xml><?xml version="1.0" encoding="utf-8"?>
-<p:notes xmlns:a="http://schemas.openxmlformats.org/drawingml/2006/main" xmlns:r="http://schemas.openxmlformats.org/officeDocument/2006/relationships" xmlns:p="http://schemas.openxmlformats.org/presentationml/2006/main" showMasterPhAnim="0" showMasterSp="0">
+<p:notes xmlns:a="http://schemas.openxmlformats.org/drawingml/2006/main" xmlns:r="http://schemas.openxmlformats.org/officeDocument/2006/relationships" xmlns:mc="http://schemas.openxmlformats.org/markup-compatibility/2006" xmlns:mv="urn:schemas-microsoft-com:mac:vml" xmlns:p="http://schemas.openxmlformats.org/presentationml/2006/main" xmlns:c="http://schemas.openxmlformats.org/drawingml/2006/chart" xmlns:dgm="http://schemas.openxmlformats.org/drawingml/2006/diagram" xmlns:o="urn:schemas-microsoft-com:office:office" xmlns:v="urn:schemas-microsoft-com:vml" xmlns:pvml="urn:schemas-microsoft-com:office:powerpoint" xmlns:com="http://schemas.openxmlformats.org/drawingml/2006/compatibility" xmlns:p14="http://schemas.microsoft.com/office/powerpoint/2010/main" xmlns:p15="http://schemas.microsoft.com/office/powerpoint/2012/main" xmlns:ahyp="http://schemas.microsoft.com/office/drawing/2018/hyperlinkcolor" showMasterPhAnim="0" showMasterSp="0">
   <p:cSld>
     <p:spTree>
       <p:nvGrpSpPr>
-        <p:cNvPr id="153" name="Shape 153"/>
+        <p:cNvPr id="155" name="Shape 155"/>
         <p:cNvGrpSpPr/>
         <p:nvPr/>
       </p:nvGrpSpPr>
@@ -1915,10 +1925,10 @@
       </p:grpSpPr>
       <p:sp>
         <p:nvSpPr>
-          <p:cNvPr id="154" name="Google Shape;154;g12d1db7dc00_0_57:notes"/>
+          <p:cNvPr id="156" name="Google Shape;156;g12d1db7dc00_0_57:notes"/>
           <p:cNvSpPr/>
           <p:nvPr>
-            <p:ph type="sldImg" idx="2"/>
+            <p:ph idx="2" type="sldImg"/>
           </p:nvPr>
         </p:nvSpPr>
         <p:spPr>
@@ -1927,13 +1937,9 @@
             <a:ext cx="6096000" cy="3429000"/>
           </a:xfrm>
           <a:custGeom>
-            <a:avLst/>
-            <a:gdLst/>
-            <a:ahLst/>
-            <a:cxnLst/>
-            <a:rect l="l" t="t" r="r" b="b"/>
+            <a:rect b="b" l="l" r="r" t="t"/>
             <a:pathLst>
-              <a:path w="120000" h="120000" extrusionOk="0">
+              <a:path extrusionOk="0" h="120000" w="120000">
                 <a:moveTo>
                   <a:pt x="0" y="0"/>
                 </a:moveTo>
@@ -1954,10 +1960,10 @@
       </p:sp>
       <p:sp>
         <p:nvSpPr>
-          <p:cNvPr id="155" name="Google Shape;155;g12d1db7dc00_0_57:notes"/>
+          <p:cNvPr id="157" name="Google Shape;157;g12d1db7dc00_0_57:notes"/>
           <p:cNvSpPr txBox="1"/>
           <p:nvPr>
-            <p:ph type="body" idx="1"/>
+            <p:ph idx="1" type="body"/>
           </p:nvPr>
         </p:nvSpPr>
         <p:spPr>
@@ -1970,12 +1976,12 @@
           </a:prstGeom>
         </p:spPr>
         <p:txBody>
-          <a:bodyPr spcFirstLastPara="1" wrap="square" lIns="91425" tIns="91425" rIns="91425" bIns="91425" anchor="t" anchorCtr="0">
+          <a:bodyPr anchorCtr="0" anchor="t" bIns="91425" lIns="91425" spcFirstLastPara="1" rIns="91425" wrap="square" tIns="91425">
             <a:noAutofit/>
           </a:bodyPr>
           <a:lstStyle/>
           <a:p>
-            <a:pPr marL="0" lvl="0" indent="0" algn="l" rtl="0">
+            <a:pPr indent="0" lvl="0" marL="0" rtl="0" algn="l">
               <a:spcBef>
                 <a:spcPts val="0"/>
               </a:spcBef>
@@ -1984,6 +1990,10 @@
               </a:spcAft>
               <a:buNone/>
             </a:pPr>
+            <a:r>
+              <a:t/>
+            </a:r>
+            <a:endParaRPr/>
           </a:p>
         </p:txBody>
       </p:sp>
@@ -1996,7 +2006,7 @@
 </file>
 
 <file path=ppt/slideLayouts/slideLayout1.xml><?xml version="1.0" encoding="utf-8"?>
-<p:sldLayout xmlns:a="http://schemas.openxmlformats.org/drawingml/2006/main" xmlns:r="http://schemas.openxmlformats.org/officeDocument/2006/relationships" xmlns:p="http://schemas.openxmlformats.org/presentationml/2006/main" type="title" matchingName="Title slide">
+<p:sldLayout xmlns:a="http://schemas.openxmlformats.org/drawingml/2006/main" xmlns:r="http://schemas.openxmlformats.org/officeDocument/2006/relationships" xmlns:mc="http://schemas.openxmlformats.org/markup-compatibility/2006" xmlns:mv="urn:schemas-microsoft-com:mac:vml" xmlns:p="http://schemas.openxmlformats.org/presentationml/2006/main" xmlns:c="http://schemas.openxmlformats.org/drawingml/2006/chart" xmlns:dgm="http://schemas.openxmlformats.org/drawingml/2006/diagram" xmlns:o="urn:schemas-microsoft-com:office:office" xmlns:v="urn:schemas-microsoft-com:vml" xmlns:pvml="urn:schemas-microsoft-com:office:powerpoint" xmlns:com="http://schemas.openxmlformats.org/drawingml/2006/compatibility" xmlns:p14="http://schemas.microsoft.com/office/powerpoint/2010/main" xmlns:p15="http://schemas.microsoft.com/office/powerpoint/2012/main" xmlns:ahyp="http://schemas.microsoft.com/office/drawing/2018/hyperlinkcolor" matchingName="Title slide" type="title">
   <p:cSld name="TITLE">
     <p:spTree>
       <p:nvGrpSpPr>
@@ -2030,7 +2040,7 @@
           </a:prstGeom>
         </p:spPr>
         <p:txBody>
-          <a:bodyPr spcFirstLastPara="1" wrap="square" lIns="91425" tIns="91425" rIns="91425" bIns="91425" anchor="b" anchorCtr="0">
+          <a:bodyPr anchorCtr="0" anchor="b" bIns="91425" lIns="91425" spcFirstLastPara="1" rIns="91425" wrap="square" tIns="91425">
             <a:normAutofit/>
           </a:bodyPr>
           <a:lstStyle>
@@ -2142,7 +2152,7 @@
           <p:cNvPr id="11" name="Google Shape;11;p2"/>
           <p:cNvSpPr txBox="1"/>
           <p:nvPr>
-            <p:ph type="subTitle" idx="1"/>
+            <p:ph idx="1" type="subTitle"/>
           </p:nvPr>
         </p:nvSpPr>
         <p:spPr>
@@ -2155,7 +2165,7 @@
           </a:prstGeom>
         </p:spPr>
         <p:txBody>
-          <a:bodyPr spcFirstLastPara="1" wrap="square" lIns="91425" tIns="91425" rIns="91425" bIns="91425" anchor="t" anchorCtr="0">
+          <a:bodyPr anchorCtr="0" anchor="t" bIns="91425" lIns="91425" spcFirstLastPara="1" rIns="91425" wrap="square" tIns="91425">
             <a:normAutofit/>
           </a:bodyPr>
           <a:lstStyle>
@@ -2294,7 +2304,7 @@
           <p:cNvPr id="12" name="Google Shape;12;p2"/>
           <p:cNvSpPr txBox="1"/>
           <p:nvPr>
-            <p:ph type="sldNum" idx="12"/>
+            <p:ph idx="12" type="sldNum"/>
           </p:nvPr>
         </p:nvSpPr>
         <p:spPr>
@@ -2307,7 +2317,7 @@
           </a:prstGeom>
         </p:spPr>
         <p:txBody>
-          <a:bodyPr spcFirstLastPara="1" wrap="square" lIns="91425" tIns="91425" rIns="91425" bIns="91425" anchor="ctr" anchorCtr="0">
+          <a:bodyPr anchorCtr="0" anchor="ctr" bIns="91425" lIns="91425" spcFirstLastPara="1" rIns="91425" wrap="square" tIns="91425">
             <a:normAutofit/>
           </a:bodyPr>
           <a:lstStyle>
@@ -2349,7 +2359,7 @@
             </a:lvl9pPr>
           </a:lstStyle>
           <a:p>
-            <a:pPr marL="0" lvl="0" indent="0" algn="r" rtl="0">
+            <a:pPr indent="0" lvl="0" marL="0" rtl="0" algn="r">
               <a:spcBef>
                 <a:spcPts val="0"/>
               </a:spcBef>
@@ -2359,9 +2369,10 @@
               <a:buNone/>
             </a:pPr>
             <a:fld id="{00000000-1234-1234-1234-123412341234}" type="slidenum">
-              <a:rPr lang="en-GB"/>
+              <a:rPr lang="en"/>
+              <a:t>‹#›</a:t>
             </a:fld>
-            <a:endParaRPr lang="en-GB"/>
+            <a:endParaRPr/>
           </a:p>
         </p:txBody>
       </p:sp>
@@ -2374,7 +2385,7 @@
 </file>
 
 <file path=ppt/slideLayouts/slideLayout10.xml><?xml version="1.0" encoding="utf-8"?>
-<p:sldLayout xmlns:a="http://schemas.openxmlformats.org/drawingml/2006/main" xmlns:r="http://schemas.openxmlformats.org/officeDocument/2006/relationships" xmlns:p="http://schemas.openxmlformats.org/presentationml/2006/main" matchingName="Big number">
+<p:sldLayout xmlns:a="http://schemas.openxmlformats.org/drawingml/2006/main" xmlns:r="http://schemas.openxmlformats.org/officeDocument/2006/relationships" xmlns:mc="http://schemas.openxmlformats.org/markup-compatibility/2006" xmlns:mv="urn:schemas-microsoft-com:mac:vml" xmlns:p="http://schemas.openxmlformats.org/presentationml/2006/main" xmlns:c="http://schemas.openxmlformats.org/drawingml/2006/chart" xmlns:dgm="http://schemas.openxmlformats.org/drawingml/2006/diagram" xmlns:o="urn:schemas-microsoft-com:office:office" xmlns:v="urn:schemas-microsoft-com:vml" xmlns:pvml="urn:schemas-microsoft-com:office:powerpoint" xmlns:com="http://schemas.openxmlformats.org/drawingml/2006/compatibility" xmlns:p14="http://schemas.microsoft.com/office/powerpoint/2010/main" xmlns:p15="http://schemas.microsoft.com/office/powerpoint/2012/main" xmlns:ahyp="http://schemas.microsoft.com/office/drawing/2018/hyperlinkcolor" matchingName="Big number">
   <p:cSld name="BIG_NUMBER">
     <p:spTree>
       <p:nvGrpSpPr>
@@ -2395,7 +2406,7 @@
           <p:cNvPr id="45" name="Google Shape;45;p11"/>
           <p:cNvSpPr txBox="1"/>
           <p:nvPr>
-            <p:ph type="title" hasCustomPrompt="1"/>
+            <p:ph hasCustomPrompt="1" type="title"/>
           </p:nvPr>
         </p:nvSpPr>
         <p:spPr>
@@ -2408,7 +2419,7 @@
           </a:prstGeom>
         </p:spPr>
         <p:txBody>
-          <a:bodyPr spcFirstLastPara="1" wrap="square" lIns="91425" tIns="91425" rIns="91425" bIns="91425" anchor="b" anchorCtr="0">
+          <a:bodyPr anchorCtr="0" anchor="b" bIns="91425" lIns="91425" spcFirstLastPara="1" rIns="91425" wrap="square" tIns="91425">
             <a:normAutofit/>
           </a:bodyPr>
           <a:lstStyle>
@@ -2524,7 +2535,7 @@
           <p:cNvPr id="46" name="Google Shape;46;p11"/>
           <p:cNvSpPr txBox="1"/>
           <p:nvPr>
-            <p:ph type="body" idx="1"/>
+            <p:ph idx="1" type="body"/>
           </p:nvPr>
         </p:nvSpPr>
         <p:spPr>
@@ -2537,11 +2548,11 @@
           </a:prstGeom>
         </p:spPr>
         <p:txBody>
-          <a:bodyPr spcFirstLastPara="1" wrap="square" lIns="91425" tIns="91425" rIns="91425" bIns="91425" anchor="t" anchorCtr="0">
+          <a:bodyPr anchorCtr="0" anchor="t" bIns="91425" lIns="91425" spcFirstLastPara="1" rIns="91425" wrap="square" tIns="91425">
             <a:normAutofit/>
           </a:bodyPr>
           <a:lstStyle>
-            <a:lvl1pPr marL="457200" lvl="0" indent="-342900" algn="ctr">
+            <a:lvl1pPr indent="-342900" lvl="0" marL="457200" algn="ctr">
               <a:spcBef>
                 <a:spcPts val="0"/>
               </a:spcBef>
@@ -2552,7 +2563,7 @@
               <a:buChar char="●"/>
               <a:defRPr/>
             </a:lvl1pPr>
-            <a:lvl2pPr marL="914400" lvl="1" indent="-317500" algn="ctr">
+            <a:lvl2pPr indent="-317500" lvl="1" marL="914400" algn="ctr">
               <a:spcBef>
                 <a:spcPts val="0"/>
               </a:spcBef>
@@ -2563,7 +2574,7 @@
               <a:buChar char="○"/>
               <a:defRPr/>
             </a:lvl2pPr>
-            <a:lvl3pPr marL="1371600" lvl="2" indent="-317500" algn="ctr">
+            <a:lvl3pPr indent="-317500" lvl="2" marL="1371600" algn="ctr">
               <a:spcBef>
                 <a:spcPts val="0"/>
               </a:spcBef>
@@ -2574,7 +2585,7 @@
               <a:buChar char="■"/>
               <a:defRPr/>
             </a:lvl3pPr>
-            <a:lvl4pPr marL="1828800" lvl="3" indent="-317500" algn="ctr">
+            <a:lvl4pPr indent="-317500" lvl="3" marL="1828800" algn="ctr">
               <a:spcBef>
                 <a:spcPts val="0"/>
               </a:spcBef>
@@ -2585,7 +2596,7 @@
               <a:buChar char="●"/>
               <a:defRPr/>
             </a:lvl4pPr>
-            <a:lvl5pPr marL="2286000" lvl="4" indent="-317500" algn="ctr">
+            <a:lvl5pPr indent="-317500" lvl="4" marL="2286000" algn="ctr">
               <a:spcBef>
                 <a:spcPts val="0"/>
               </a:spcBef>
@@ -2596,7 +2607,7 @@
               <a:buChar char="○"/>
               <a:defRPr/>
             </a:lvl5pPr>
-            <a:lvl6pPr marL="2743200" lvl="5" indent="-317500" algn="ctr">
+            <a:lvl6pPr indent="-317500" lvl="5" marL="2743200" algn="ctr">
               <a:spcBef>
                 <a:spcPts val="0"/>
               </a:spcBef>
@@ -2607,7 +2618,7 @@
               <a:buChar char="■"/>
               <a:defRPr/>
             </a:lvl6pPr>
-            <a:lvl7pPr marL="3200400" lvl="6" indent="-317500" algn="ctr">
+            <a:lvl7pPr indent="-317500" lvl="6" marL="3200400" algn="ctr">
               <a:spcBef>
                 <a:spcPts val="0"/>
               </a:spcBef>
@@ -2618,7 +2629,7 @@
               <a:buChar char="●"/>
               <a:defRPr/>
             </a:lvl7pPr>
-            <a:lvl8pPr marL="3657600" lvl="7" indent="-317500" algn="ctr">
+            <a:lvl8pPr indent="-317500" lvl="7" marL="3657600" algn="ctr">
               <a:spcBef>
                 <a:spcPts val="0"/>
               </a:spcBef>
@@ -2629,7 +2640,7 @@
               <a:buChar char="○"/>
               <a:defRPr/>
             </a:lvl8pPr>
-            <a:lvl9pPr marL="4114800" lvl="8" indent="-317500" algn="ctr">
+            <a:lvl9pPr indent="-317500" lvl="8" marL="4114800" algn="ctr">
               <a:spcBef>
                 <a:spcPts val="0"/>
               </a:spcBef>
@@ -2649,7 +2660,7 @@
           <p:cNvPr id="47" name="Google Shape;47;p11"/>
           <p:cNvSpPr txBox="1"/>
           <p:nvPr>
-            <p:ph type="sldNum" idx="12"/>
+            <p:ph idx="12" type="sldNum"/>
           </p:nvPr>
         </p:nvSpPr>
         <p:spPr>
@@ -2662,7 +2673,7 @@
           </a:prstGeom>
         </p:spPr>
         <p:txBody>
-          <a:bodyPr spcFirstLastPara="1" wrap="square" lIns="91425" tIns="91425" rIns="91425" bIns="91425" anchor="ctr" anchorCtr="0">
+          <a:bodyPr anchorCtr="0" anchor="ctr" bIns="91425" lIns="91425" spcFirstLastPara="1" rIns="91425" wrap="square" tIns="91425">
             <a:normAutofit/>
           </a:bodyPr>
           <a:lstStyle>
@@ -2704,7 +2715,7 @@
             </a:lvl9pPr>
           </a:lstStyle>
           <a:p>
-            <a:pPr marL="0" lvl="0" indent="0" algn="r" rtl="0">
+            <a:pPr indent="0" lvl="0" marL="0" rtl="0" algn="r">
               <a:spcBef>
                 <a:spcPts val="0"/>
               </a:spcBef>
@@ -2714,9 +2725,10 @@
               <a:buNone/>
             </a:pPr>
             <a:fld id="{00000000-1234-1234-1234-123412341234}" type="slidenum">
-              <a:rPr lang="en-GB"/>
+              <a:rPr lang="en"/>
+              <a:t>‹#›</a:t>
             </a:fld>
-            <a:endParaRPr lang="en-GB"/>
+            <a:endParaRPr/>
           </a:p>
         </p:txBody>
       </p:sp>
@@ -2729,7 +2741,7 @@
 </file>
 
 <file path=ppt/slideLayouts/slideLayout11.xml><?xml version="1.0" encoding="utf-8"?>
-<p:sldLayout xmlns:a="http://schemas.openxmlformats.org/drawingml/2006/main" xmlns:r="http://schemas.openxmlformats.org/officeDocument/2006/relationships" xmlns:p="http://schemas.openxmlformats.org/presentationml/2006/main" type="blank" matchingName="Blank">
+<p:sldLayout xmlns:a="http://schemas.openxmlformats.org/drawingml/2006/main" xmlns:r="http://schemas.openxmlformats.org/officeDocument/2006/relationships" xmlns:mc="http://schemas.openxmlformats.org/markup-compatibility/2006" xmlns:mv="urn:schemas-microsoft-com:mac:vml" xmlns:p="http://schemas.openxmlformats.org/presentationml/2006/main" xmlns:c="http://schemas.openxmlformats.org/drawingml/2006/chart" xmlns:dgm="http://schemas.openxmlformats.org/drawingml/2006/diagram" xmlns:o="urn:schemas-microsoft-com:office:office" xmlns:v="urn:schemas-microsoft-com:vml" xmlns:pvml="urn:schemas-microsoft-com:office:powerpoint" xmlns:com="http://schemas.openxmlformats.org/drawingml/2006/compatibility" xmlns:p14="http://schemas.microsoft.com/office/powerpoint/2010/main" xmlns:p15="http://schemas.microsoft.com/office/powerpoint/2012/main" xmlns:ahyp="http://schemas.microsoft.com/office/drawing/2018/hyperlinkcolor" matchingName="Blank" type="blank">
   <p:cSld name="BLANK">
     <p:spTree>
       <p:nvGrpSpPr>
@@ -2750,7 +2762,7 @@
           <p:cNvPr id="49" name="Google Shape;49;p12"/>
           <p:cNvSpPr txBox="1"/>
           <p:nvPr>
-            <p:ph type="sldNum" idx="12"/>
+            <p:ph idx="12" type="sldNum"/>
           </p:nvPr>
         </p:nvSpPr>
         <p:spPr>
@@ -2763,7 +2775,7 @@
           </a:prstGeom>
         </p:spPr>
         <p:txBody>
-          <a:bodyPr spcFirstLastPara="1" wrap="square" lIns="91425" tIns="91425" rIns="91425" bIns="91425" anchor="ctr" anchorCtr="0">
+          <a:bodyPr anchorCtr="0" anchor="ctr" bIns="91425" lIns="91425" spcFirstLastPara="1" rIns="91425" wrap="square" tIns="91425">
             <a:normAutofit/>
           </a:bodyPr>
           <a:lstStyle>
@@ -2805,7 +2817,7 @@
             </a:lvl9pPr>
           </a:lstStyle>
           <a:p>
-            <a:pPr marL="0" lvl="0" indent="0" algn="r" rtl="0">
+            <a:pPr indent="0" lvl="0" marL="0" rtl="0" algn="r">
               <a:spcBef>
                 <a:spcPts val="0"/>
               </a:spcBef>
@@ -2815,9 +2827,10 @@
               <a:buNone/>
             </a:pPr>
             <a:fld id="{00000000-1234-1234-1234-123412341234}" type="slidenum">
-              <a:rPr lang="en-GB"/>
+              <a:rPr lang="en"/>
+              <a:t>‹#›</a:t>
             </a:fld>
-            <a:endParaRPr lang="en-GB"/>
+            <a:endParaRPr/>
           </a:p>
         </p:txBody>
       </p:sp>
@@ -2830,7 +2843,7 @@
 </file>
 
 <file path=ppt/slideLayouts/slideLayout12.xml><?xml version="1.0" encoding="utf-8"?>
-<p:sldLayout xmlns:a="http://schemas.openxmlformats.org/drawingml/2006/main" xmlns:r="http://schemas.openxmlformats.org/officeDocument/2006/relationships" xmlns:p="http://schemas.openxmlformats.org/presentationml/2006/main" type="title" matchingName="Title slide">
+<p:sldLayout xmlns:a="http://schemas.openxmlformats.org/drawingml/2006/main" xmlns:r="http://schemas.openxmlformats.org/officeDocument/2006/relationships" xmlns:mc="http://schemas.openxmlformats.org/markup-compatibility/2006" xmlns:mv="urn:schemas-microsoft-com:mac:vml" xmlns:p="http://schemas.openxmlformats.org/presentationml/2006/main" xmlns:c="http://schemas.openxmlformats.org/drawingml/2006/chart" xmlns:dgm="http://schemas.openxmlformats.org/drawingml/2006/diagram" xmlns:o="urn:schemas-microsoft-com:office:office" xmlns:v="urn:schemas-microsoft-com:vml" xmlns:pvml="urn:schemas-microsoft-com:office:powerpoint" xmlns:com="http://schemas.openxmlformats.org/drawingml/2006/compatibility" xmlns:p14="http://schemas.microsoft.com/office/powerpoint/2010/main" xmlns:p15="http://schemas.microsoft.com/office/powerpoint/2012/main" xmlns:ahyp="http://schemas.microsoft.com/office/drawing/2018/hyperlinkcolor" matchingName="Title slide" type="title">
   <p:cSld name="TITLE">
     <p:spTree>
       <p:nvGrpSpPr>
@@ -2868,12 +2881,12 @@
           </a:ln>
         </p:spPr>
         <p:txBody>
-          <a:bodyPr spcFirstLastPara="1" wrap="square" lIns="91425" tIns="91425" rIns="91425" bIns="91425" anchor="ctr" anchorCtr="0">
+          <a:bodyPr anchorCtr="0" anchor="ctr" bIns="91425" lIns="91425" spcFirstLastPara="1" rIns="91425" wrap="square" tIns="91425">
             <a:noAutofit/>
           </a:bodyPr>
           <a:lstStyle/>
           <a:p>
-            <a:pPr marL="0" lvl="0" indent="0" algn="l" rtl="0">
+            <a:pPr indent="0" lvl="0" marL="0" rtl="0" algn="l">
               <a:spcBef>
                 <a:spcPts val="0"/>
               </a:spcBef>
@@ -2882,6 +2895,10 @@
               </a:spcAft>
               <a:buNone/>
             </a:pPr>
+            <a:r>
+              <a:t/>
+            </a:r>
+            <a:endParaRPr/>
           </a:p>
         </p:txBody>
       </p:sp>
@@ -2898,7 +2915,7 @@
           </a:xfrm>
           <a:prstGeom prst="round1Rect">
             <a:avLst>
-              <a:gd name="adj" fmla="val 16667"/>
+              <a:gd fmla="val 16667" name="adj"/>
             </a:avLst>
           </a:prstGeom>
           <a:solidFill>
@@ -2911,12 +2928,12 @@
           </a:ln>
         </p:spPr>
         <p:txBody>
-          <a:bodyPr spcFirstLastPara="1" wrap="square" lIns="91425" tIns="91425" rIns="91425" bIns="91425" anchor="ctr" anchorCtr="0">
+          <a:bodyPr anchorCtr="0" anchor="ctr" bIns="91425" lIns="91425" spcFirstLastPara="1" rIns="91425" wrap="square" tIns="91425">
             <a:noAutofit/>
           </a:bodyPr>
           <a:lstStyle/>
           <a:p>
-            <a:pPr marL="0" lvl="0" indent="0" algn="l" rtl="0">
+            <a:pPr indent="0" lvl="0" marL="0" rtl="0" algn="l">
               <a:spcBef>
                 <a:spcPts val="0"/>
               </a:spcBef>
@@ -2925,6 +2942,10 @@
               </a:spcAft>
               <a:buNone/>
             </a:pPr>
+            <a:r>
+              <a:t/>
+            </a:r>
+            <a:endParaRPr/>
           </a:p>
         </p:txBody>
       </p:sp>
@@ -2946,7 +2967,7 @@
           </a:prstGeom>
         </p:spPr>
         <p:txBody>
-          <a:bodyPr spcFirstLastPara="1" wrap="square" lIns="91425" tIns="91425" rIns="91425" bIns="91425" anchor="b" anchorCtr="0">
+          <a:bodyPr anchorCtr="0" anchor="b" bIns="91425" lIns="91425" spcFirstLastPara="1" rIns="91425" wrap="square" tIns="91425">
             <a:normAutofit/>
           </a:bodyPr>
           <a:lstStyle>
@@ -3058,7 +3079,7 @@
           <p:cNvPr id="58" name="Google Shape;58;p14"/>
           <p:cNvSpPr txBox="1"/>
           <p:nvPr>
-            <p:ph type="subTitle" idx="1"/>
+            <p:ph idx="1" type="subTitle"/>
           </p:nvPr>
         </p:nvSpPr>
         <p:spPr>
@@ -3071,7 +3092,7 @@
           </a:prstGeom>
         </p:spPr>
         <p:txBody>
-          <a:bodyPr spcFirstLastPara="1" wrap="square" lIns="91425" tIns="91425" rIns="91425" bIns="91425" anchor="t" anchorCtr="0">
+          <a:bodyPr anchorCtr="0" anchor="t" bIns="91425" lIns="91425" spcFirstLastPara="1" rIns="91425" wrap="square" tIns="91425">
             <a:normAutofit/>
           </a:bodyPr>
           <a:lstStyle>
@@ -3273,7 +3294,7 @@
           <p:cNvPr id="59" name="Google Shape;59;p14"/>
           <p:cNvSpPr txBox="1"/>
           <p:nvPr>
-            <p:ph type="sldNum" idx="12"/>
+            <p:ph idx="12" type="sldNum"/>
           </p:nvPr>
         </p:nvSpPr>
         <p:spPr>
@@ -3286,7 +3307,7 @@
           </a:prstGeom>
         </p:spPr>
         <p:txBody>
-          <a:bodyPr spcFirstLastPara="1" wrap="square" lIns="91425" tIns="91425" rIns="91425" bIns="91425" anchor="ctr" anchorCtr="0">
+          <a:bodyPr anchorCtr="0" anchor="ctr" bIns="91425" lIns="91425" spcFirstLastPara="1" rIns="91425" wrap="square" tIns="91425">
             <a:normAutofit/>
           </a:bodyPr>
           <a:lstStyle>
@@ -3328,7 +3349,7 @@
             </a:lvl9pPr>
           </a:lstStyle>
           <a:p>
-            <a:pPr marL="0" lvl="0" indent="0" algn="r" rtl="0">
+            <a:pPr indent="0" lvl="0" marL="0" rtl="0" algn="r">
               <a:spcBef>
                 <a:spcPts val="0"/>
               </a:spcBef>
@@ -3338,9 +3359,10 @@
               <a:buNone/>
             </a:pPr>
             <a:fld id="{00000000-1234-1234-1234-123412341234}" type="slidenum">
-              <a:rPr lang="en-GB"/>
+              <a:rPr lang="en"/>
+              <a:t>‹#›</a:t>
             </a:fld>
-            <a:endParaRPr lang="en-GB"/>
+            <a:endParaRPr/>
           </a:p>
         </p:txBody>
       </p:sp>
@@ -3353,7 +3375,7 @@
 </file>
 
 <file path=ppt/slideLayouts/slideLayout13.xml><?xml version="1.0" encoding="utf-8"?>
-<p:sldLayout xmlns:a="http://schemas.openxmlformats.org/drawingml/2006/main" xmlns:r="http://schemas.openxmlformats.org/officeDocument/2006/relationships" xmlns:p="http://schemas.openxmlformats.org/presentationml/2006/main" type="secHead" matchingName="Section header">
+<p:sldLayout xmlns:a="http://schemas.openxmlformats.org/drawingml/2006/main" xmlns:r="http://schemas.openxmlformats.org/officeDocument/2006/relationships" xmlns:mc="http://schemas.openxmlformats.org/markup-compatibility/2006" xmlns:mv="urn:schemas-microsoft-com:mac:vml" xmlns:p="http://schemas.openxmlformats.org/presentationml/2006/main" xmlns:c="http://schemas.openxmlformats.org/drawingml/2006/chart" xmlns:dgm="http://schemas.openxmlformats.org/drawingml/2006/diagram" xmlns:o="urn:schemas-microsoft-com:office:office" xmlns:v="urn:schemas-microsoft-com:vml" xmlns:pvml="urn:schemas-microsoft-com:office:powerpoint" xmlns:com="http://schemas.openxmlformats.org/drawingml/2006/compatibility" xmlns:p14="http://schemas.microsoft.com/office/powerpoint/2010/main" xmlns:p15="http://schemas.microsoft.com/office/powerpoint/2012/main" xmlns:ahyp="http://schemas.microsoft.com/office/drawing/2018/hyperlinkcolor" matchingName="Section header" type="secHead">
   <p:cSld name="SECTION_HEADER">
     <p:spTree>
       <p:nvGrpSpPr>
@@ -3387,7 +3409,7 @@
           </a:prstGeom>
         </p:spPr>
         <p:txBody>
-          <a:bodyPr spcFirstLastPara="1" wrap="square" lIns="91425" tIns="91425" rIns="91425" bIns="91425" anchor="ctr" anchorCtr="0">
+          <a:bodyPr anchorCtr="0" anchor="ctr" bIns="91425" lIns="91425" spcFirstLastPara="1" rIns="91425" wrap="square" tIns="91425">
             <a:normAutofit/>
           </a:bodyPr>
           <a:lstStyle>
@@ -3499,7 +3521,7 @@
           <p:cNvPr id="62" name="Google Shape;62;p15"/>
           <p:cNvSpPr txBox="1"/>
           <p:nvPr>
-            <p:ph type="sldNum" idx="12"/>
+            <p:ph idx="12" type="sldNum"/>
           </p:nvPr>
         </p:nvSpPr>
         <p:spPr>
@@ -3512,7 +3534,7 @@
           </a:prstGeom>
         </p:spPr>
         <p:txBody>
-          <a:bodyPr spcFirstLastPara="1" wrap="square" lIns="91425" tIns="91425" rIns="91425" bIns="91425" anchor="ctr" anchorCtr="0">
+          <a:bodyPr anchorCtr="0" anchor="ctr" bIns="91425" lIns="91425" spcFirstLastPara="1" rIns="91425" wrap="square" tIns="91425">
             <a:normAutofit/>
           </a:bodyPr>
           <a:lstStyle>
@@ -3590,7 +3612,7 @@
             </a:lvl9pPr>
           </a:lstStyle>
           <a:p>
-            <a:pPr marL="0" lvl="0" indent="0" algn="r" rtl="0">
+            <a:pPr indent="0" lvl="0" marL="0" rtl="0" algn="r">
               <a:spcBef>
                 <a:spcPts val="0"/>
               </a:spcBef>
@@ -3600,9 +3622,10 @@
               <a:buNone/>
             </a:pPr>
             <a:fld id="{00000000-1234-1234-1234-123412341234}" type="slidenum">
-              <a:rPr lang="en-GB"/>
+              <a:rPr lang="en"/>
+              <a:t>‹#›</a:t>
             </a:fld>
-            <a:endParaRPr lang="en-GB"/>
+            <a:endParaRPr/>
           </a:p>
         </p:txBody>
       </p:sp>
@@ -3615,7 +3638,7 @@
 </file>
 
 <file path=ppt/slideLayouts/slideLayout14.xml><?xml version="1.0" encoding="utf-8"?>
-<p:sldLayout xmlns:a="http://schemas.openxmlformats.org/drawingml/2006/main" xmlns:r="http://schemas.openxmlformats.org/officeDocument/2006/relationships" xmlns:p="http://schemas.openxmlformats.org/presentationml/2006/main" type="tx" matchingName="Title and body">
+<p:sldLayout xmlns:a="http://schemas.openxmlformats.org/drawingml/2006/main" xmlns:r="http://schemas.openxmlformats.org/officeDocument/2006/relationships" xmlns:mc="http://schemas.openxmlformats.org/markup-compatibility/2006" xmlns:mv="urn:schemas-microsoft-com:mac:vml" xmlns:p="http://schemas.openxmlformats.org/presentationml/2006/main" xmlns:c="http://schemas.openxmlformats.org/drawingml/2006/chart" xmlns:dgm="http://schemas.openxmlformats.org/drawingml/2006/diagram" xmlns:o="urn:schemas-microsoft-com:office:office" xmlns:v="urn:schemas-microsoft-com:vml" xmlns:pvml="urn:schemas-microsoft-com:office:powerpoint" xmlns:com="http://schemas.openxmlformats.org/drawingml/2006/compatibility" xmlns:p14="http://schemas.microsoft.com/office/powerpoint/2010/main" xmlns:p15="http://schemas.microsoft.com/office/powerpoint/2012/main" xmlns:ahyp="http://schemas.microsoft.com/office/drawing/2018/hyperlinkcolor" matchingName="Title and body" type="tx">
   <p:cSld name="TITLE_AND_BODY">
     <p:spTree>
       <p:nvGrpSpPr>
@@ -3638,7 +3661,7 @@
           <p:nvPr/>
         </p:nvSpPr>
         <p:spPr>
-          <a:xfrm rot="10800000" flipH="1">
+          <a:xfrm flipH="1" rot="10800000">
             <a:off x="0" y="1686000"/>
             <a:ext cx="9144000" cy="3457500"/>
           </a:xfrm>
@@ -3653,12 +3676,12 @@
           </a:ln>
         </p:spPr>
         <p:txBody>
-          <a:bodyPr spcFirstLastPara="1" wrap="square" lIns="91425" tIns="91425" rIns="91425" bIns="91425" anchor="ctr" anchorCtr="0">
+          <a:bodyPr anchorCtr="0" anchor="ctr" bIns="91425" lIns="91425" spcFirstLastPara="1" rIns="91425" wrap="square" tIns="91425">
             <a:noAutofit/>
           </a:bodyPr>
           <a:lstStyle/>
           <a:p>
-            <a:pPr marL="0" lvl="0" indent="0" algn="l" rtl="0">
+            <a:pPr indent="0" lvl="0" marL="0" rtl="0" algn="l">
               <a:spcBef>
                 <a:spcPts val="0"/>
               </a:spcBef>
@@ -3667,6 +3690,10 @@
               </a:spcAft>
               <a:buNone/>
             </a:pPr>
+            <a:r>
+              <a:t/>
+            </a:r>
+            <a:endParaRPr/>
           </a:p>
         </p:txBody>
       </p:sp>
@@ -3706,12 +3733,12 @@
           </a:ln>
         </p:spPr>
         <p:txBody>
-          <a:bodyPr spcFirstLastPara="1" wrap="square" lIns="91425" tIns="91425" rIns="91425" bIns="91425" anchor="ctr" anchorCtr="0">
+          <a:bodyPr anchorCtr="0" anchor="ctr" bIns="91425" lIns="91425" spcFirstLastPara="1" rIns="91425" wrap="square" tIns="91425">
             <a:noAutofit/>
           </a:bodyPr>
           <a:lstStyle/>
           <a:p>
-            <a:pPr marL="0" lvl="0" indent="0" algn="l" rtl="0">
+            <a:pPr indent="0" lvl="0" marL="0" rtl="0" algn="l">
               <a:spcBef>
                 <a:spcPts val="0"/>
               </a:spcBef>
@@ -3720,6 +3747,10 @@
               </a:spcAft>
               <a:buNone/>
             </a:pPr>
+            <a:r>
+              <a:t/>
+            </a:r>
+            <a:endParaRPr/>
           </a:p>
         </p:txBody>
       </p:sp>
@@ -3741,7 +3772,7 @@
           </a:prstGeom>
         </p:spPr>
         <p:txBody>
-          <a:bodyPr spcFirstLastPara="1" wrap="square" lIns="91425" tIns="91425" rIns="91425" bIns="91425" anchor="b" anchorCtr="0">
+          <a:bodyPr anchorCtr="0" anchor="b" bIns="91425" lIns="91425" spcFirstLastPara="1" rIns="91425" wrap="square" tIns="91425">
             <a:normAutofit/>
           </a:bodyPr>
           <a:lstStyle>
@@ -3853,7 +3884,7 @@
           <p:cNvPr id="67" name="Google Shape;67;p16"/>
           <p:cNvSpPr txBox="1"/>
           <p:nvPr>
-            <p:ph type="body" idx="1"/>
+            <p:ph idx="1" type="body"/>
           </p:nvPr>
         </p:nvSpPr>
         <p:spPr>
@@ -3866,11 +3897,11 @@
           </a:prstGeom>
         </p:spPr>
         <p:txBody>
-          <a:bodyPr spcFirstLastPara="1" wrap="square" lIns="91425" tIns="91425" rIns="91425" bIns="91425" anchor="t" anchorCtr="0">
+          <a:bodyPr anchorCtr="0" anchor="t" bIns="91425" lIns="91425" spcFirstLastPara="1" rIns="91425" wrap="square" tIns="91425">
             <a:normAutofit/>
           </a:bodyPr>
           <a:lstStyle>
-            <a:lvl1pPr marL="457200" lvl="0" indent="-342900">
+            <a:lvl1pPr indent="-342900" lvl="0" marL="457200">
               <a:spcBef>
                 <a:spcPts val="0"/>
               </a:spcBef>
@@ -3881,7 +3912,7 @@
               <a:buChar char="●"/>
               <a:defRPr/>
             </a:lvl1pPr>
-            <a:lvl2pPr marL="914400" lvl="1" indent="-317500">
+            <a:lvl2pPr indent="-317500" lvl="1" marL="914400">
               <a:spcBef>
                 <a:spcPts val="0"/>
               </a:spcBef>
@@ -3892,7 +3923,7 @@
               <a:buChar char="○"/>
               <a:defRPr/>
             </a:lvl2pPr>
-            <a:lvl3pPr marL="1371600" lvl="2" indent="-317500">
+            <a:lvl3pPr indent="-317500" lvl="2" marL="1371600">
               <a:spcBef>
                 <a:spcPts val="0"/>
               </a:spcBef>
@@ -3903,7 +3934,7 @@
               <a:buChar char="■"/>
               <a:defRPr/>
             </a:lvl3pPr>
-            <a:lvl4pPr marL="1828800" lvl="3" indent="-317500">
+            <a:lvl4pPr indent="-317500" lvl="3" marL="1828800">
               <a:spcBef>
                 <a:spcPts val="0"/>
               </a:spcBef>
@@ -3914,7 +3945,7 @@
               <a:buChar char="●"/>
               <a:defRPr/>
             </a:lvl4pPr>
-            <a:lvl5pPr marL="2286000" lvl="4" indent="-317500">
+            <a:lvl5pPr indent="-317500" lvl="4" marL="2286000">
               <a:spcBef>
                 <a:spcPts val="0"/>
               </a:spcBef>
@@ -3925,7 +3956,7 @@
               <a:buChar char="○"/>
               <a:defRPr/>
             </a:lvl5pPr>
-            <a:lvl6pPr marL="2743200" lvl="5" indent="-317500">
+            <a:lvl6pPr indent="-317500" lvl="5" marL="2743200">
               <a:spcBef>
                 <a:spcPts val="0"/>
               </a:spcBef>
@@ -3936,7 +3967,7 @@
               <a:buChar char="■"/>
               <a:defRPr/>
             </a:lvl6pPr>
-            <a:lvl7pPr marL="3200400" lvl="6" indent="-317500">
+            <a:lvl7pPr indent="-317500" lvl="6" marL="3200400">
               <a:spcBef>
                 <a:spcPts val="0"/>
               </a:spcBef>
@@ -3947,7 +3978,7 @@
               <a:buChar char="●"/>
               <a:defRPr/>
             </a:lvl7pPr>
-            <a:lvl8pPr marL="3657600" lvl="7" indent="-317500">
+            <a:lvl8pPr indent="-317500" lvl="7" marL="3657600">
               <a:spcBef>
                 <a:spcPts val="0"/>
               </a:spcBef>
@@ -3958,7 +3989,7 @@
               <a:buChar char="○"/>
               <a:defRPr/>
             </a:lvl8pPr>
-            <a:lvl9pPr marL="4114800" lvl="8" indent="-317500">
+            <a:lvl9pPr indent="-317500" lvl="8" marL="4114800">
               <a:spcBef>
                 <a:spcPts val="0"/>
               </a:spcBef>
@@ -3978,7 +4009,7 @@
           <p:cNvPr id="68" name="Google Shape;68;p16"/>
           <p:cNvSpPr txBox="1"/>
           <p:nvPr>
-            <p:ph type="sldNum" idx="12"/>
+            <p:ph idx="12" type="sldNum"/>
           </p:nvPr>
         </p:nvSpPr>
         <p:spPr>
@@ -3991,7 +4022,7 @@
           </a:prstGeom>
         </p:spPr>
         <p:txBody>
-          <a:bodyPr spcFirstLastPara="1" wrap="square" lIns="91425" tIns="91425" rIns="91425" bIns="91425" anchor="ctr" anchorCtr="0">
+          <a:bodyPr anchorCtr="0" anchor="ctr" bIns="91425" lIns="91425" spcFirstLastPara="1" rIns="91425" wrap="square" tIns="91425">
             <a:normAutofit/>
           </a:bodyPr>
           <a:lstStyle>
@@ -4033,7 +4064,7 @@
             </a:lvl9pPr>
           </a:lstStyle>
           <a:p>
-            <a:pPr marL="0" lvl="0" indent="0" algn="r" rtl="0">
+            <a:pPr indent="0" lvl="0" marL="0" rtl="0" algn="r">
               <a:spcBef>
                 <a:spcPts val="0"/>
               </a:spcBef>
@@ -4043,9 +4074,10 @@
               <a:buNone/>
             </a:pPr>
             <a:fld id="{00000000-1234-1234-1234-123412341234}" type="slidenum">
-              <a:rPr lang="en-GB"/>
+              <a:rPr lang="en"/>
+              <a:t>‹#›</a:t>
             </a:fld>
-            <a:endParaRPr lang="en-GB"/>
+            <a:endParaRPr/>
           </a:p>
         </p:txBody>
       </p:sp>
@@ -4058,7 +4090,7 @@
 </file>
 
 <file path=ppt/slideLayouts/slideLayout15.xml><?xml version="1.0" encoding="utf-8"?>
-<p:sldLayout xmlns:a="http://schemas.openxmlformats.org/drawingml/2006/main" xmlns:r="http://schemas.openxmlformats.org/officeDocument/2006/relationships" xmlns:p="http://schemas.openxmlformats.org/presentationml/2006/main" type="twoColTx" matchingName="Title and two columns">
+<p:sldLayout xmlns:a="http://schemas.openxmlformats.org/drawingml/2006/main" xmlns:r="http://schemas.openxmlformats.org/officeDocument/2006/relationships" xmlns:mc="http://schemas.openxmlformats.org/markup-compatibility/2006" xmlns:mv="urn:schemas-microsoft-com:mac:vml" xmlns:p="http://schemas.openxmlformats.org/presentationml/2006/main" xmlns:c="http://schemas.openxmlformats.org/drawingml/2006/chart" xmlns:dgm="http://schemas.openxmlformats.org/drawingml/2006/diagram" xmlns:o="urn:schemas-microsoft-com:office:office" xmlns:v="urn:schemas-microsoft-com:vml" xmlns:pvml="urn:schemas-microsoft-com:office:powerpoint" xmlns:com="http://schemas.openxmlformats.org/drawingml/2006/compatibility" xmlns:p14="http://schemas.microsoft.com/office/powerpoint/2010/main" xmlns:p15="http://schemas.microsoft.com/office/powerpoint/2012/main" xmlns:ahyp="http://schemas.microsoft.com/office/drawing/2018/hyperlinkcolor" matchingName="Title and two columns" type="twoColTx">
   <p:cSld name="TITLE_AND_TWO_COLUMNS">
     <p:spTree>
       <p:nvGrpSpPr>
@@ -4081,7 +4113,7 @@
           <p:nvPr/>
         </p:nvSpPr>
         <p:spPr>
-          <a:xfrm rot="10800000" flipH="1">
+          <a:xfrm flipH="1" rot="10800000">
             <a:off x="0" y="1686000"/>
             <a:ext cx="9144000" cy="3457500"/>
           </a:xfrm>
@@ -4096,12 +4128,12 @@
           </a:ln>
         </p:spPr>
         <p:txBody>
-          <a:bodyPr spcFirstLastPara="1" wrap="square" lIns="91425" tIns="91425" rIns="91425" bIns="91425" anchor="ctr" anchorCtr="0">
+          <a:bodyPr anchorCtr="0" anchor="ctr" bIns="91425" lIns="91425" spcFirstLastPara="1" rIns="91425" wrap="square" tIns="91425">
             <a:noAutofit/>
           </a:bodyPr>
           <a:lstStyle/>
           <a:p>
-            <a:pPr marL="0" lvl="0" indent="0" algn="l" rtl="0">
+            <a:pPr indent="0" lvl="0" marL="0" rtl="0" algn="l">
               <a:spcBef>
                 <a:spcPts val="0"/>
               </a:spcBef>
@@ -4110,6 +4142,10 @@
               </a:spcAft>
               <a:buNone/>
             </a:pPr>
+            <a:r>
+              <a:t/>
+            </a:r>
+            <a:endParaRPr/>
           </a:p>
         </p:txBody>
       </p:sp>
@@ -4149,12 +4185,12 @@
           </a:ln>
         </p:spPr>
         <p:txBody>
-          <a:bodyPr spcFirstLastPara="1" wrap="square" lIns="91425" tIns="91425" rIns="91425" bIns="91425" anchor="ctr" anchorCtr="0">
+          <a:bodyPr anchorCtr="0" anchor="ctr" bIns="91425" lIns="91425" spcFirstLastPara="1" rIns="91425" wrap="square" tIns="91425">
             <a:noAutofit/>
           </a:bodyPr>
           <a:lstStyle/>
           <a:p>
-            <a:pPr marL="0" lvl="0" indent="0" algn="l" rtl="0">
+            <a:pPr indent="0" lvl="0" marL="0" rtl="0" algn="l">
               <a:spcBef>
                 <a:spcPts val="0"/>
               </a:spcBef>
@@ -4163,6 +4199,10 @@
               </a:spcAft>
               <a:buNone/>
             </a:pPr>
+            <a:r>
+              <a:t/>
+            </a:r>
+            <a:endParaRPr/>
           </a:p>
         </p:txBody>
       </p:sp>
@@ -4184,7 +4224,7 @@
           </a:prstGeom>
         </p:spPr>
         <p:txBody>
-          <a:bodyPr spcFirstLastPara="1" wrap="square" lIns="91425" tIns="91425" rIns="91425" bIns="91425" anchor="b" anchorCtr="0">
+          <a:bodyPr anchorCtr="0" anchor="b" bIns="91425" lIns="91425" spcFirstLastPara="1" rIns="91425" wrap="square" tIns="91425">
             <a:normAutofit/>
           </a:bodyPr>
           <a:lstStyle>
@@ -4296,7 +4336,7 @@
           <p:cNvPr id="73" name="Google Shape;73;p17"/>
           <p:cNvSpPr txBox="1"/>
           <p:nvPr>
-            <p:ph type="body" idx="1"/>
+            <p:ph idx="1" type="body"/>
           </p:nvPr>
         </p:nvSpPr>
         <p:spPr>
@@ -4309,11 +4349,11 @@
           </a:prstGeom>
         </p:spPr>
         <p:txBody>
-          <a:bodyPr spcFirstLastPara="1" wrap="square" lIns="91425" tIns="91425" rIns="91425" bIns="91425" anchor="t" anchorCtr="0">
+          <a:bodyPr anchorCtr="0" anchor="t" bIns="91425" lIns="91425" spcFirstLastPara="1" rIns="91425" wrap="square" tIns="91425">
             <a:normAutofit/>
           </a:bodyPr>
           <a:lstStyle>
-            <a:lvl1pPr marL="457200" lvl="0" indent="-317500">
+            <a:lvl1pPr indent="-317500" lvl="0" marL="457200">
               <a:spcBef>
                 <a:spcPts val="0"/>
               </a:spcBef>
@@ -4324,7 +4364,7 @@
               <a:buChar char="●"/>
               <a:defRPr sz="1400"/>
             </a:lvl1pPr>
-            <a:lvl2pPr marL="914400" lvl="1" indent="-304800">
+            <a:lvl2pPr indent="-304800" lvl="1" marL="914400">
               <a:spcBef>
                 <a:spcPts val="0"/>
               </a:spcBef>
@@ -4335,7 +4375,7 @@
               <a:buChar char="○"/>
               <a:defRPr sz="1200"/>
             </a:lvl2pPr>
-            <a:lvl3pPr marL="1371600" lvl="2" indent="-304800">
+            <a:lvl3pPr indent="-304800" lvl="2" marL="1371600">
               <a:spcBef>
                 <a:spcPts val="0"/>
               </a:spcBef>
@@ -4346,7 +4386,7 @@
               <a:buChar char="■"/>
               <a:defRPr sz="1200"/>
             </a:lvl3pPr>
-            <a:lvl4pPr marL="1828800" lvl="3" indent="-304800">
+            <a:lvl4pPr indent="-304800" lvl="3" marL="1828800">
               <a:spcBef>
                 <a:spcPts val="0"/>
               </a:spcBef>
@@ -4357,7 +4397,7 @@
               <a:buChar char="●"/>
               <a:defRPr sz="1200"/>
             </a:lvl4pPr>
-            <a:lvl5pPr marL="2286000" lvl="4" indent="-304800">
+            <a:lvl5pPr indent="-304800" lvl="4" marL="2286000">
               <a:spcBef>
                 <a:spcPts val="0"/>
               </a:spcBef>
@@ -4368,7 +4408,7 @@
               <a:buChar char="○"/>
               <a:defRPr sz="1200"/>
             </a:lvl5pPr>
-            <a:lvl6pPr marL="2743200" lvl="5" indent="-304800">
+            <a:lvl6pPr indent="-304800" lvl="5" marL="2743200">
               <a:spcBef>
                 <a:spcPts val="0"/>
               </a:spcBef>
@@ -4379,7 +4419,7 @@
               <a:buChar char="■"/>
               <a:defRPr sz="1200"/>
             </a:lvl6pPr>
-            <a:lvl7pPr marL="3200400" lvl="6" indent="-304800">
+            <a:lvl7pPr indent="-304800" lvl="6" marL="3200400">
               <a:spcBef>
                 <a:spcPts val="0"/>
               </a:spcBef>
@@ -4390,7 +4430,7 @@
               <a:buChar char="●"/>
               <a:defRPr sz="1200"/>
             </a:lvl7pPr>
-            <a:lvl8pPr marL="3657600" lvl="7" indent="-304800">
+            <a:lvl8pPr indent="-304800" lvl="7" marL="3657600">
               <a:spcBef>
                 <a:spcPts val="0"/>
               </a:spcBef>
@@ -4401,7 +4441,7 @@
               <a:buChar char="○"/>
               <a:defRPr sz="1200"/>
             </a:lvl8pPr>
-            <a:lvl9pPr marL="4114800" lvl="8" indent="-304800">
+            <a:lvl9pPr indent="-304800" lvl="8" marL="4114800">
               <a:spcBef>
                 <a:spcPts val="0"/>
               </a:spcBef>
@@ -4421,7 +4461,7 @@
           <p:cNvPr id="74" name="Google Shape;74;p17"/>
           <p:cNvSpPr txBox="1"/>
           <p:nvPr>
-            <p:ph type="body" idx="2"/>
+            <p:ph idx="2" type="body"/>
           </p:nvPr>
         </p:nvSpPr>
         <p:spPr>
@@ -4434,11 +4474,11 @@
           </a:prstGeom>
         </p:spPr>
         <p:txBody>
-          <a:bodyPr spcFirstLastPara="1" wrap="square" lIns="91425" tIns="91425" rIns="91425" bIns="91425" anchor="t" anchorCtr="0">
+          <a:bodyPr anchorCtr="0" anchor="t" bIns="91425" lIns="91425" spcFirstLastPara="1" rIns="91425" wrap="square" tIns="91425">
             <a:normAutofit/>
           </a:bodyPr>
           <a:lstStyle>
-            <a:lvl1pPr marL="457200" lvl="0" indent="-317500">
+            <a:lvl1pPr indent="-317500" lvl="0" marL="457200">
               <a:spcBef>
                 <a:spcPts val="0"/>
               </a:spcBef>
@@ -4449,7 +4489,7 @@
               <a:buChar char="●"/>
               <a:defRPr sz="1400"/>
             </a:lvl1pPr>
-            <a:lvl2pPr marL="914400" lvl="1" indent="-304800">
+            <a:lvl2pPr indent="-304800" lvl="1" marL="914400">
               <a:spcBef>
                 <a:spcPts val="0"/>
               </a:spcBef>
@@ -4460,7 +4500,7 @@
               <a:buChar char="○"/>
               <a:defRPr sz="1200"/>
             </a:lvl2pPr>
-            <a:lvl3pPr marL="1371600" lvl="2" indent="-304800">
+            <a:lvl3pPr indent="-304800" lvl="2" marL="1371600">
               <a:spcBef>
                 <a:spcPts val="0"/>
               </a:spcBef>
@@ -4471,7 +4511,7 @@
               <a:buChar char="■"/>
               <a:defRPr sz="1200"/>
             </a:lvl3pPr>
-            <a:lvl4pPr marL="1828800" lvl="3" indent="-304800">
+            <a:lvl4pPr indent="-304800" lvl="3" marL="1828800">
               <a:spcBef>
                 <a:spcPts val="0"/>
               </a:spcBef>
@@ -4482,7 +4522,7 @@
               <a:buChar char="●"/>
               <a:defRPr sz="1200"/>
             </a:lvl4pPr>
-            <a:lvl5pPr marL="2286000" lvl="4" indent="-304800">
+            <a:lvl5pPr indent="-304800" lvl="4" marL="2286000">
               <a:spcBef>
                 <a:spcPts val="0"/>
               </a:spcBef>
@@ -4493,7 +4533,7 @@
               <a:buChar char="○"/>
               <a:defRPr sz="1200"/>
             </a:lvl5pPr>
-            <a:lvl6pPr marL="2743200" lvl="5" indent="-304800">
+            <a:lvl6pPr indent="-304800" lvl="5" marL="2743200">
               <a:spcBef>
                 <a:spcPts val="0"/>
               </a:spcBef>
@@ -4504,7 +4544,7 @@
               <a:buChar char="■"/>
               <a:defRPr sz="1200"/>
             </a:lvl6pPr>
-            <a:lvl7pPr marL="3200400" lvl="6" indent="-304800">
+            <a:lvl7pPr indent="-304800" lvl="6" marL="3200400">
               <a:spcBef>
                 <a:spcPts val="0"/>
               </a:spcBef>
@@ -4515,7 +4555,7 @@
               <a:buChar char="●"/>
               <a:defRPr sz="1200"/>
             </a:lvl7pPr>
-            <a:lvl8pPr marL="3657600" lvl="7" indent="-304800">
+            <a:lvl8pPr indent="-304800" lvl="7" marL="3657600">
               <a:spcBef>
                 <a:spcPts val="0"/>
               </a:spcBef>
@@ -4526,7 +4566,7 @@
               <a:buChar char="○"/>
               <a:defRPr sz="1200"/>
             </a:lvl8pPr>
-            <a:lvl9pPr marL="4114800" lvl="8" indent="-304800">
+            <a:lvl9pPr indent="-304800" lvl="8" marL="4114800">
               <a:spcBef>
                 <a:spcPts val="0"/>
               </a:spcBef>
@@ -4546,7 +4586,7 @@
           <p:cNvPr id="75" name="Google Shape;75;p17"/>
           <p:cNvSpPr txBox="1"/>
           <p:nvPr>
-            <p:ph type="sldNum" idx="12"/>
+            <p:ph idx="12" type="sldNum"/>
           </p:nvPr>
         </p:nvSpPr>
         <p:spPr>
@@ -4559,7 +4599,7 @@
           </a:prstGeom>
         </p:spPr>
         <p:txBody>
-          <a:bodyPr spcFirstLastPara="1" wrap="square" lIns="91425" tIns="91425" rIns="91425" bIns="91425" anchor="ctr" anchorCtr="0">
+          <a:bodyPr anchorCtr="0" anchor="ctr" bIns="91425" lIns="91425" spcFirstLastPara="1" rIns="91425" wrap="square" tIns="91425">
             <a:normAutofit/>
           </a:bodyPr>
           <a:lstStyle>
@@ -4601,7 +4641,7 @@
             </a:lvl9pPr>
           </a:lstStyle>
           <a:p>
-            <a:pPr marL="0" lvl="0" indent="0" algn="r" rtl="0">
+            <a:pPr indent="0" lvl="0" marL="0" rtl="0" algn="r">
               <a:spcBef>
                 <a:spcPts val="0"/>
               </a:spcBef>
@@ -4611,9 +4651,10 @@
               <a:buNone/>
             </a:pPr>
             <a:fld id="{00000000-1234-1234-1234-123412341234}" type="slidenum">
-              <a:rPr lang="en-GB"/>
+              <a:rPr lang="en"/>
+              <a:t>‹#›</a:t>
             </a:fld>
-            <a:endParaRPr lang="en-GB"/>
+            <a:endParaRPr/>
           </a:p>
         </p:txBody>
       </p:sp>
@@ -4626,7 +4667,7 @@
 </file>
 
 <file path=ppt/slideLayouts/slideLayout16.xml><?xml version="1.0" encoding="utf-8"?>
-<p:sldLayout xmlns:a="http://schemas.openxmlformats.org/drawingml/2006/main" xmlns:r="http://schemas.openxmlformats.org/officeDocument/2006/relationships" xmlns:p="http://schemas.openxmlformats.org/presentationml/2006/main" type="titleOnly" matchingName="Title only">
+<p:sldLayout xmlns:a="http://schemas.openxmlformats.org/drawingml/2006/main" xmlns:r="http://schemas.openxmlformats.org/officeDocument/2006/relationships" xmlns:mc="http://schemas.openxmlformats.org/markup-compatibility/2006" xmlns:mv="urn:schemas-microsoft-com:mac:vml" xmlns:p="http://schemas.openxmlformats.org/presentationml/2006/main" xmlns:c="http://schemas.openxmlformats.org/drawingml/2006/chart" xmlns:dgm="http://schemas.openxmlformats.org/drawingml/2006/diagram" xmlns:o="urn:schemas-microsoft-com:office:office" xmlns:v="urn:schemas-microsoft-com:vml" xmlns:pvml="urn:schemas-microsoft-com:office:powerpoint" xmlns:com="http://schemas.openxmlformats.org/drawingml/2006/compatibility" xmlns:p14="http://schemas.microsoft.com/office/powerpoint/2010/main" xmlns:p15="http://schemas.microsoft.com/office/powerpoint/2012/main" xmlns:ahyp="http://schemas.microsoft.com/office/drawing/2018/hyperlinkcolor" matchingName="Title only" type="titleOnly">
   <p:cSld name="TITLE_ONLY">
     <p:spTree>
       <p:nvGrpSpPr>
@@ -4649,7 +4690,7 @@
           <p:nvPr/>
         </p:nvSpPr>
         <p:spPr>
-          <a:xfrm rot="10800000" flipH="1">
+          <a:xfrm flipH="1" rot="10800000">
             <a:off x="0" y="656400"/>
             <a:ext cx="9144000" cy="4487100"/>
           </a:xfrm>
@@ -4664,12 +4705,12 @@
           </a:ln>
         </p:spPr>
         <p:txBody>
-          <a:bodyPr spcFirstLastPara="1" wrap="square" lIns="91425" tIns="91425" rIns="91425" bIns="91425" anchor="ctr" anchorCtr="0">
+          <a:bodyPr anchorCtr="0" anchor="ctr" bIns="91425" lIns="91425" spcFirstLastPara="1" rIns="91425" wrap="square" tIns="91425">
             <a:noAutofit/>
           </a:bodyPr>
           <a:lstStyle/>
           <a:p>
-            <a:pPr marL="0" lvl="0" indent="0" algn="l" rtl="0">
+            <a:pPr indent="0" lvl="0" marL="0" rtl="0" algn="l">
               <a:spcBef>
                 <a:spcPts val="0"/>
               </a:spcBef>
@@ -4678,6 +4719,10 @@
               </a:spcAft>
               <a:buNone/>
             </a:pPr>
+            <a:r>
+              <a:t/>
+            </a:r>
+            <a:endParaRPr/>
           </a:p>
         </p:txBody>
       </p:sp>
@@ -4717,12 +4762,12 @@
           </a:ln>
         </p:spPr>
         <p:txBody>
-          <a:bodyPr spcFirstLastPara="1" wrap="square" lIns="91425" tIns="91425" rIns="91425" bIns="91425" anchor="ctr" anchorCtr="0">
+          <a:bodyPr anchorCtr="0" anchor="ctr" bIns="91425" lIns="91425" spcFirstLastPara="1" rIns="91425" wrap="square" tIns="91425">
             <a:noAutofit/>
           </a:bodyPr>
           <a:lstStyle/>
           <a:p>
-            <a:pPr marL="0" lvl="0" indent="0" algn="l" rtl="0">
+            <a:pPr indent="0" lvl="0" marL="0" rtl="0" algn="l">
               <a:spcBef>
                 <a:spcPts val="0"/>
               </a:spcBef>
@@ -4731,6 +4776,10 @@
               </a:spcAft>
               <a:buNone/>
             </a:pPr>
+            <a:r>
+              <a:t/>
+            </a:r>
+            <a:endParaRPr/>
           </a:p>
         </p:txBody>
       </p:sp>
@@ -4752,7 +4801,7 @@
           </a:prstGeom>
         </p:spPr>
         <p:txBody>
-          <a:bodyPr spcFirstLastPara="1" wrap="square" lIns="91425" tIns="91425" rIns="91425" bIns="91425" anchor="ctr" anchorCtr="0">
+          <a:bodyPr anchorCtr="0" anchor="ctr" bIns="91425" lIns="91425" spcFirstLastPara="1" rIns="91425" wrap="square" tIns="91425">
             <a:normAutofit/>
           </a:bodyPr>
           <a:lstStyle>
@@ -4864,7 +4913,7 @@
           <p:cNvPr id="80" name="Google Shape;80;p18"/>
           <p:cNvSpPr txBox="1"/>
           <p:nvPr>
-            <p:ph type="sldNum" idx="12"/>
+            <p:ph idx="12" type="sldNum"/>
           </p:nvPr>
         </p:nvSpPr>
         <p:spPr>
@@ -4877,7 +4926,7 @@
           </a:prstGeom>
         </p:spPr>
         <p:txBody>
-          <a:bodyPr spcFirstLastPara="1" wrap="square" lIns="91425" tIns="91425" rIns="91425" bIns="91425" anchor="ctr" anchorCtr="0">
+          <a:bodyPr anchorCtr="0" anchor="ctr" bIns="91425" lIns="91425" spcFirstLastPara="1" rIns="91425" wrap="square" tIns="91425">
             <a:normAutofit/>
           </a:bodyPr>
           <a:lstStyle>
@@ -4919,7 +4968,7 @@
             </a:lvl9pPr>
           </a:lstStyle>
           <a:p>
-            <a:pPr marL="0" lvl="0" indent="0" algn="r" rtl="0">
+            <a:pPr indent="0" lvl="0" marL="0" rtl="0" algn="r">
               <a:spcBef>
                 <a:spcPts val="0"/>
               </a:spcBef>
@@ -4929,9 +4978,10 @@
               <a:buNone/>
             </a:pPr>
             <a:fld id="{00000000-1234-1234-1234-123412341234}" type="slidenum">
-              <a:rPr lang="en-GB"/>
+              <a:rPr lang="en"/>
+              <a:t>‹#›</a:t>
             </a:fld>
-            <a:endParaRPr lang="en-GB"/>
+            <a:endParaRPr/>
           </a:p>
         </p:txBody>
       </p:sp>
@@ -4944,7 +4994,7 @@
 </file>
 
 <file path=ppt/slideLayouts/slideLayout17.xml><?xml version="1.0" encoding="utf-8"?>
-<p:sldLayout xmlns:a="http://schemas.openxmlformats.org/drawingml/2006/main" xmlns:r="http://schemas.openxmlformats.org/officeDocument/2006/relationships" xmlns:p="http://schemas.openxmlformats.org/presentationml/2006/main" matchingName="One column text">
+<p:sldLayout xmlns:a="http://schemas.openxmlformats.org/drawingml/2006/main" xmlns:r="http://schemas.openxmlformats.org/officeDocument/2006/relationships" xmlns:mc="http://schemas.openxmlformats.org/markup-compatibility/2006" xmlns:mv="urn:schemas-microsoft-com:mac:vml" xmlns:p="http://schemas.openxmlformats.org/presentationml/2006/main" xmlns:c="http://schemas.openxmlformats.org/drawingml/2006/chart" xmlns:dgm="http://schemas.openxmlformats.org/drawingml/2006/diagram" xmlns:o="urn:schemas-microsoft-com:office:office" xmlns:v="urn:schemas-microsoft-com:vml" xmlns:pvml="urn:schemas-microsoft-com:office:powerpoint" xmlns:com="http://schemas.openxmlformats.org/drawingml/2006/compatibility" xmlns:p14="http://schemas.microsoft.com/office/powerpoint/2010/main" xmlns:p15="http://schemas.microsoft.com/office/powerpoint/2012/main" xmlns:ahyp="http://schemas.microsoft.com/office/drawing/2018/hyperlinkcolor" matchingName="One column text">
   <p:cSld name="ONE_COLUMN_TEXT">
     <p:spTree>
       <p:nvGrpSpPr>
@@ -4967,7 +5017,7 @@
           <p:nvPr/>
         </p:nvSpPr>
         <p:spPr>
-          <a:xfrm rot="10800000" flipH="1">
+          <a:xfrm flipH="1" rot="10800000">
             <a:off x="3276600" y="25"/>
             <a:ext cx="5867400" cy="5143500"/>
           </a:xfrm>
@@ -4982,12 +5032,12 @@
           </a:ln>
         </p:spPr>
         <p:txBody>
-          <a:bodyPr spcFirstLastPara="1" wrap="square" lIns="91425" tIns="91425" rIns="91425" bIns="91425" anchor="ctr" anchorCtr="0">
+          <a:bodyPr anchorCtr="0" anchor="ctr" bIns="91425" lIns="91425" spcFirstLastPara="1" rIns="91425" wrap="square" tIns="91425">
             <a:noAutofit/>
           </a:bodyPr>
           <a:lstStyle/>
           <a:p>
-            <a:pPr marL="0" lvl="0" indent="0" algn="l" rtl="0">
+            <a:pPr indent="0" lvl="0" marL="0" rtl="0" algn="l">
               <a:spcBef>
                 <a:spcPts val="0"/>
               </a:spcBef>
@@ -4996,6 +5046,10 @@
               </a:spcAft>
               <a:buNone/>
             </a:pPr>
+            <a:r>
+              <a:t/>
+            </a:r>
+            <a:endParaRPr/>
           </a:p>
         </p:txBody>
       </p:sp>
@@ -5035,12 +5089,12 @@
           </a:ln>
         </p:spPr>
         <p:txBody>
-          <a:bodyPr spcFirstLastPara="1" wrap="square" lIns="91425" tIns="91425" rIns="91425" bIns="91425" anchor="ctr" anchorCtr="0">
+          <a:bodyPr anchorCtr="0" anchor="ctr" bIns="91425" lIns="91425" spcFirstLastPara="1" rIns="91425" wrap="square" tIns="91425">
             <a:noAutofit/>
           </a:bodyPr>
           <a:lstStyle/>
           <a:p>
-            <a:pPr marL="0" lvl="0" indent="0" algn="l" rtl="0">
+            <a:pPr indent="0" lvl="0" marL="0" rtl="0" algn="l">
               <a:spcBef>
                 <a:spcPts val="0"/>
               </a:spcBef>
@@ -5049,6 +5103,10 @@
               </a:spcAft>
               <a:buNone/>
             </a:pPr>
+            <a:r>
+              <a:t/>
+            </a:r>
+            <a:endParaRPr/>
           </a:p>
         </p:txBody>
       </p:sp>
@@ -5070,7 +5128,7 @@
           </a:prstGeom>
         </p:spPr>
         <p:txBody>
-          <a:bodyPr spcFirstLastPara="1" wrap="square" lIns="91425" tIns="91425" rIns="91425" bIns="91425" anchor="b" anchorCtr="0">
+          <a:bodyPr anchorCtr="0" anchor="b" bIns="91425" lIns="91425" spcFirstLastPara="1" rIns="91425" wrap="square" tIns="91425">
             <a:normAutofit/>
           </a:bodyPr>
           <a:lstStyle>
@@ -5182,7 +5240,7 @@
           <p:cNvPr id="85" name="Google Shape;85;p19"/>
           <p:cNvSpPr txBox="1"/>
           <p:nvPr>
-            <p:ph type="body" idx="1"/>
+            <p:ph idx="1" type="body"/>
           </p:nvPr>
         </p:nvSpPr>
         <p:spPr>
@@ -5195,11 +5253,11 @@
           </a:prstGeom>
         </p:spPr>
         <p:txBody>
-          <a:bodyPr spcFirstLastPara="1" wrap="square" lIns="91425" tIns="91425" rIns="91425" bIns="91425" anchor="t" anchorCtr="0">
+          <a:bodyPr anchorCtr="0" anchor="t" bIns="91425" lIns="91425" spcFirstLastPara="1" rIns="91425" wrap="square" tIns="91425">
             <a:normAutofit/>
           </a:bodyPr>
           <a:lstStyle>
-            <a:lvl1pPr marL="457200" lvl="0" indent="-304800">
+            <a:lvl1pPr indent="-304800" lvl="0" marL="457200">
               <a:spcBef>
                 <a:spcPts val="0"/>
               </a:spcBef>
@@ -5217,7 +5275,7 @@
                 </a:solidFill>
               </a:defRPr>
             </a:lvl1pPr>
-            <a:lvl2pPr marL="914400" lvl="1" indent="-304800">
+            <a:lvl2pPr indent="-304800" lvl="1" marL="914400">
               <a:spcBef>
                 <a:spcPts val="0"/>
               </a:spcBef>
@@ -5235,7 +5293,7 @@
                 </a:solidFill>
               </a:defRPr>
             </a:lvl2pPr>
-            <a:lvl3pPr marL="1371600" lvl="2" indent="-304800">
+            <a:lvl3pPr indent="-304800" lvl="2" marL="1371600">
               <a:spcBef>
                 <a:spcPts val="0"/>
               </a:spcBef>
@@ -5253,7 +5311,7 @@
                 </a:solidFill>
               </a:defRPr>
             </a:lvl3pPr>
-            <a:lvl4pPr marL="1828800" lvl="3" indent="-304800">
+            <a:lvl4pPr indent="-304800" lvl="3" marL="1828800">
               <a:spcBef>
                 <a:spcPts val="0"/>
               </a:spcBef>
@@ -5271,7 +5329,7 @@
                 </a:solidFill>
               </a:defRPr>
             </a:lvl4pPr>
-            <a:lvl5pPr marL="2286000" lvl="4" indent="-304800">
+            <a:lvl5pPr indent="-304800" lvl="4" marL="2286000">
               <a:spcBef>
                 <a:spcPts val="0"/>
               </a:spcBef>
@@ -5289,7 +5347,7 @@
                 </a:solidFill>
               </a:defRPr>
             </a:lvl5pPr>
-            <a:lvl6pPr marL="2743200" lvl="5" indent="-304800">
+            <a:lvl6pPr indent="-304800" lvl="5" marL="2743200">
               <a:spcBef>
                 <a:spcPts val="0"/>
               </a:spcBef>
@@ -5307,7 +5365,7 @@
                 </a:solidFill>
               </a:defRPr>
             </a:lvl6pPr>
-            <a:lvl7pPr marL="3200400" lvl="6" indent="-304800">
+            <a:lvl7pPr indent="-304800" lvl="6" marL="3200400">
               <a:spcBef>
                 <a:spcPts val="0"/>
               </a:spcBef>
@@ -5325,7 +5383,7 @@
                 </a:solidFill>
               </a:defRPr>
             </a:lvl7pPr>
-            <a:lvl8pPr marL="3657600" lvl="7" indent="-304800">
+            <a:lvl8pPr indent="-304800" lvl="7" marL="3657600">
               <a:spcBef>
                 <a:spcPts val="0"/>
               </a:spcBef>
@@ -5343,7 +5401,7 @@
                 </a:solidFill>
               </a:defRPr>
             </a:lvl8pPr>
-            <a:lvl9pPr marL="4114800" lvl="8" indent="-304800">
+            <a:lvl9pPr indent="-304800" lvl="8" marL="4114800">
               <a:spcBef>
                 <a:spcPts val="0"/>
               </a:spcBef>
@@ -5370,7 +5428,7 @@
           <p:cNvPr id="86" name="Google Shape;86;p19"/>
           <p:cNvSpPr txBox="1"/>
           <p:nvPr>
-            <p:ph type="sldNum" idx="12"/>
+            <p:ph idx="12" type="sldNum"/>
           </p:nvPr>
         </p:nvSpPr>
         <p:spPr>
@@ -5383,7 +5441,7 @@
           </a:prstGeom>
         </p:spPr>
         <p:txBody>
-          <a:bodyPr spcFirstLastPara="1" wrap="square" lIns="91425" tIns="91425" rIns="91425" bIns="91425" anchor="ctr" anchorCtr="0">
+          <a:bodyPr anchorCtr="0" anchor="ctr" bIns="91425" lIns="91425" spcFirstLastPara="1" rIns="91425" wrap="square" tIns="91425">
             <a:normAutofit/>
           </a:bodyPr>
           <a:lstStyle>
@@ -5425,7 +5483,7 @@
             </a:lvl9pPr>
           </a:lstStyle>
           <a:p>
-            <a:pPr marL="0" lvl="0" indent="0" algn="r" rtl="0">
+            <a:pPr indent="0" lvl="0" marL="0" rtl="0" algn="r">
               <a:spcBef>
                 <a:spcPts val="0"/>
               </a:spcBef>
@@ -5435,9 +5493,10 @@
               <a:buNone/>
             </a:pPr>
             <a:fld id="{00000000-1234-1234-1234-123412341234}" type="slidenum">
-              <a:rPr lang="en-GB"/>
+              <a:rPr lang="en"/>
+              <a:t>‹#›</a:t>
             </a:fld>
-            <a:endParaRPr lang="en-GB"/>
+            <a:endParaRPr/>
           </a:p>
         </p:txBody>
       </p:sp>
@@ -5450,7 +5509,7 @@
 </file>
 
 <file path=ppt/slideLayouts/slideLayout18.xml><?xml version="1.0" encoding="utf-8"?>
-<p:sldLayout xmlns:a="http://schemas.openxmlformats.org/drawingml/2006/main" xmlns:r="http://schemas.openxmlformats.org/officeDocument/2006/relationships" xmlns:p="http://schemas.openxmlformats.org/presentationml/2006/main" matchingName="Main point">
+<p:sldLayout xmlns:a="http://schemas.openxmlformats.org/drawingml/2006/main" xmlns:r="http://schemas.openxmlformats.org/officeDocument/2006/relationships" xmlns:mc="http://schemas.openxmlformats.org/markup-compatibility/2006" xmlns:mv="urn:schemas-microsoft-com:mac:vml" xmlns:p="http://schemas.openxmlformats.org/presentationml/2006/main" xmlns:c="http://schemas.openxmlformats.org/drawingml/2006/chart" xmlns:dgm="http://schemas.openxmlformats.org/drawingml/2006/diagram" xmlns:o="urn:schemas-microsoft-com:office:office" xmlns:v="urn:schemas-microsoft-com:vml" xmlns:pvml="urn:schemas-microsoft-com:office:powerpoint" xmlns:com="http://schemas.openxmlformats.org/drawingml/2006/compatibility" xmlns:p14="http://schemas.microsoft.com/office/powerpoint/2010/main" xmlns:p15="http://schemas.microsoft.com/office/powerpoint/2012/main" xmlns:ahyp="http://schemas.microsoft.com/office/drawing/2018/hyperlinkcolor" matchingName="Main point">
   <p:cSld name="MAIN_POINT">
     <p:spTree>
       <p:nvGrpSpPr>
@@ -5484,7 +5543,7 @@
           </a:prstGeom>
         </p:spPr>
         <p:txBody>
-          <a:bodyPr spcFirstLastPara="1" wrap="square" lIns="91425" tIns="91425" rIns="91425" bIns="91425" anchor="ctr" anchorCtr="0">
+          <a:bodyPr anchorCtr="0" anchor="ctr" bIns="91425" lIns="91425" spcFirstLastPara="1" rIns="91425" wrap="square" tIns="91425">
             <a:normAutofit/>
           </a:bodyPr>
           <a:lstStyle>
@@ -5596,7 +5655,7 @@
           <p:cNvPr id="89" name="Google Shape;89;p20"/>
           <p:cNvSpPr txBox="1"/>
           <p:nvPr>
-            <p:ph type="sldNum" idx="12"/>
+            <p:ph idx="12" type="sldNum"/>
           </p:nvPr>
         </p:nvSpPr>
         <p:spPr>
@@ -5609,7 +5668,7 @@
           </a:prstGeom>
         </p:spPr>
         <p:txBody>
-          <a:bodyPr spcFirstLastPara="1" wrap="square" lIns="91425" tIns="91425" rIns="91425" bIns="91425" anchor="ctr" anchorCtr="0">
+          <a:bodyPr anchorCtr="0" anchor="ctr" bIns="91425" lIns="91425" spcFirstLastPara="1" rIns="91425" wrap="square" tIns="91425">
             <a:normAutofit/>
           </a:bodyPr>
           <a:lstStyle>
@@ -5687,7 +5746,7 @@
             </a:lvl9pPr>
           </a:lstStyle>
           <a:p>
-            <a:pPr marL="0" lvl="0" indent="0" algn="r" rtl="0">
+            <a:pPr indent="0" lvl="0" marL="0" rtl="0" algn="r">
               <a:spcBef>
                 <a:spcPts val="0"/>
               </a:spcBef>
@@ -5697,9 +5756,10 @@
               <a:buNone/>
             </a:pPr>
             <a:fld id="{00000000-1234-1234-1234-123412341234}" type="slidenum">
-              <a:rPr lang="en-GB"/>
+              <a:rPr lang="en"/>
+              <a:t>‹#›</a:t>
             </a:fld>
-            <a:endParaRPr lang="en-GB"/>
+            <a:endParaRPr/>
           </a:p>
         </p:txBody>
       </p:sp>
@@ -5712,7 +5772,7 @@
 </file>
 
 <file path=ppt/slideLayouts/slideLayout19.xml><?xml version="1.0" encoding="utf-8"?>
-<p:sldLayout xmlns:a="http://schemas.openxmlformats.org/drawingml/2006/main" xmlns:r="http://schemas.openxmlformats.org/officeDocument/2006/relationships" xmlns:p="http://schemas.openxmlformats.org/presentationml/2006/main" matchingName="Section title and description">
+<p:sldLayout xmlns:a="http://schemas.openxmlformats.org/drawingml/2006/main" xmlns:r="http://schemas.openxmlformats.org/officeDocument/2006/relationships" xmlns:mc="http://schemas.openxmlformats.org/markup-compatibility/2006" xmlns:mv="urn:schemas-microsoft-com:mac:vml" xmlns:p="http://schemas.openxmlformats.org/presentationml/2006/main" xmlns:c="http://schemas.openxmlformats.org/drawingml/2006/chart" xmlns:dgm="http://schemas.openxmlformats.org/drawingml/2006/diagram" xmlns:o="urn:schemas-microsoft-com:office:office" xmlns:v="urn:schemas-microsoft-com:vml" xmlns:pvml="urn:schemas-microsoft-com:office:powerpoint" xmlns:com="http://schemas.openxmlformats.org/drawingml/2006/compatibility" xmlns:p14="http://schemas.microsoft.com/office/powerpoint/2010/main" xmlns:p15="http://schemas.microsoft.com/office/powerpoint/2012/main" xmlns:ahyp="http://schemas.microsoft.com/office/drawing/2018/hyperlinkcolor" matchingName="Section title and description">
   <p:cSld name="SECTION_TITLE_AND_DESCRIPTION">
     <p:spTree>
       <p:nvGrpSpPr>
@@ -5750,12 +5810,12 @@
           </a:ln>
         </p:spPr>
         <p:txBody>
-          <a:bodyPr spcFirstLastPara="1" wrap="square" lIns="91425" tIns="91425" rIns="91425" bIns="91425" anchor="ctr" anchorCtr="0">
+          <a:bodyPr anchorCtr="0" anchor="ctr" bIns="91425" lIns="91425" spcFirstLastPara="1" rIns="91425" wrap="square" tIns="91425">
             <a:noAutofit/>
           </a:bodyPr>
           <a:lstStyle/>
           <a:p>
-            <a:pPr marL="0" lvl="0" indent="0" algn="l" rtl="0">
+            <a:pPr indent="0" lvl="0" marL="0" rtl="0" algn="l">
               <a:spcBef>
                 <a:spcPts val="0"/>
               </a:spcBef>
@@ -5764,6 +5824,10 @@
               </a:spcAft>
               <a:buNone/>
             </a:pPr>
+            <a:r>
+              <a:t/>
+            </a:r>
+            <a:endParaRPr/>
           </a:p>
         </p:txBody>
       </p:sp>
@@ -5803,12 +5867,12 @@
           </a:ln>
         </p:spPr>
         <p:txBody>
-          <a:bodyPr spcFirstLastPara="1" wrap="square" lIns="91425" tIns="91425" rIns="91425" bIns="91425" anchor="ctr" anchorCtr="0">
+          <a:bodyPr anchorCtr="0" anchor="ctr" bIns="91425" lIns="91425" spcFirstLastPara="1" rIns="91425" wrap="square" tIns="91425">
             <a:noAutofit/>
           </a:bodyPr>
           <a:lstStyle/>
           <a:p>
-            <a:pPr marL="0" lvl="0" indent="0" algn="l" rtl="0">
+            <a:pPr indent="0" lvl="0" marL="0" rtl="0" algn="l">
               <a:spcBef>
                 <a:spcPts val="0"/>
               </a:spcBef>
@@ -5817,6 +5881,10 @@
               </a:spcAft>
               <a:buNone/>
             </a:pPr>
+            <a:r>
+              <a:t/>
+            </a:r>
+            <a:endParaRPr/>
           </a:p>
         </p:txBody>
       </p:sp>
@@ -5838,7 +5906,7 @@
           </a:prstGeom>
         </p:spPr>
         <p:txBody>
-          <a:bodyPr spcFirstLastPara="1" wrap="square" lIns="91425" tIns="91425" rIns="91425" bIns="91425" anchor="b" anchorCtr="0">
+          <a:bodyPr anchorCtr="0" anchor="b" bIns="91425" lIns="91425" spcFirstLastPara="1" rIns="91425" wrap="square" tIns="91425">
             <a:normAutofit/>
           </a:bodyPr>
           <a:lstStyle>
@@ -6013,7 +6081,7 @@
           <p:cNvPr id="94" name="Google Shape;94;p21"/>
           <p:cNvSpPr txBox="1"/>
           <p:nvPr>
-            <p:ph type="subTitle" idx="1"/>
+            <p:ph idx="1" type="subTitle"/>
           </p:nvPr>
         </p:nvSpPr>
         <p:spPr>
@@ -6026,7 +6094,7 @@
           </a:prstGeom>
         </p:spPr>
         <p:txBody>
-          <a:bodyPr spcFirstLastPara="1" wrap="square" lIns="91425" tIns="91425" rIns="91425" bIns="91425" anchor="t" anchorCtr="0">
+          <a:bodyPr anchorCtr="0" anchor="t" bIns="91425" lIns="91425" spcFirstLastPara="1" rIns="91425" wrap="square" tIns="91425">
             <a:normAutofit/>
           </a:bodyPr>
           <a:lstStyle>
@@ -6165,7 +6233,7 @@
           <p:cNvPr id="95" name="Google Shape;95;p21"/>
           <p:cNvSpPr txBox="1"/>
           <p:nvPr>
-            <p:ph type="body" idx="2"/>
+            <p:ph idx="2" type="body"/>
           </p:nvPr>
         </p:nvSpPr>
         <p:spPr>
@@ -6178,11 +6246,11 @@
           </a:prstGeom>
         </p:spPr>
         <p:txBody>
-          <a:bodyPr spcFirstLastPara="1" wrap="square" lIns="91425" tIns="91425" rIns="91425" bIns="91425" anchor="ctr" anchorCtr="0">
+          <a:bodyPr anchorCtr="0" anchor="ctr" bIns="91425" lIns="91425" spcFirstLastPara="1" rIns="91425" wrap="square" tIns="91425">
             <a:normAutofit/>
           </a:bodyPr>
           <a:lstStyle>
-            <a:lvl1pPr marL="457200" lvl="0" indent="-342900">
+            <a:lvl1pPr indent="-342900" lvl="0" marL="457200">
               <a:spcBef>
                 <a:spcPts val="0"/>
               </a:spcBef>
@@ -6200,7 +6268,7 @@
                 </a:solidFill>
               </a:defRPr>
             </a:lvl1pPr>
-            <a:lvl2pPr marL="914400" lvl="1" indent="-317500">
+            <a:lvl2pPr indent="-317500" lvl="1" marL="914400">
               <a:spcBef>
                 <a:spcPts val="0"/>
               </a:spcBef>
@@ -6218,7 +6286,7 @@
                 </a:solidFill>
               </a:defRPr>
             </a:lvl2pPr>
-            <a:lvl3pPr marL="1371600" lvl="2" indent="-317500">
+            <a:lvl3pPr indent="-317500" lvl="2" marL="1371600">
               <a:spcBef>
                 <a:spcPts val="0"/>
               </a:spcBef>
@@ -6236,7 +6304,7 @@
                 </a:solidFill>
               </a:defRPr>
             </a:lvl3pPr>
-            <a:lvl4pPr marL="1828800" lvl="3" indent="-317500">
+            <a:lvl4pPr indent="-317500" lvl="3" marL="1828800">
               <a:spcBef>
                 <a:spcPts val="0"/>
               </a:spcBef>
@@ -6254,7 +6322,7 @@
                 </a:solidFill>
               </a:defRPr>
             </a:lvl4pPr>
-            <a:lvl5pPr marL="2286000" lvl="4" indent="-317500">
+            <a:lvl5pPr indent="-317500" lvl="4" marL="2286000">
               <a:spcBef>
                 <a:spcPts val="0"/>
               </a:spcBef>
@@ -6272,7 +6340,7 @@
                 </a:solidFill>
               </a:defRPr>
             </a:lvl5pPr>
-            <a:lvl6pPr marL="2743200" lvl="5" indent="-317500">
+            <a:lvl6pPr indent="-317500" lvl="5" marL="2743200">
               <a:spcBef>
                 <a:spcPts val="0"/>
               </a:spcBef>
@@ -6290,7 +6358,7 @@
                 </a:solidFill>
               </a:defRPr>
             </a:lvl6pPr>
-            <a:lvl7pPr marL="3200400" lvl="6" indent="-317500">
+            <a:lvl7pPr indent="-317500" lvl="6" marL="3200400">
               <a:spcBef>
                 <a:spcPts val="0"/>
               </a:spcBef>
@@ -6308,7 +6376,7 @@
                 </a:solidFill>
               </a:defRPr>
             </a:lvl7pPr>
-            <a:lvl8pPr marL="3657600" lvl="7" indent="-317500">
+            <a:lvl8pPr indent="-317500" lvl="7" marL="3657600">
               <a:spcBef>
                 <a:spcPts val="0"/>
               </a:spcBef>
@@ -6326,7 +6394,7 @@
                 </a:solidFill>
               </a:defRPr>
             </a:lvl8pPr>
-            <a:lvl9pPr marL="4114800" lvl="8" indent="-317500">
+            <a:lvl9pPr indent="-317500" lvl="8" marL="4114800">
               <a:spcBef>
                 <a:spcPts val="0"/>
               </a:spcBef>
@@ -6353,7 +6421,7 @@
           <p:cNvPr id="96" name="Google Shape;96;p21"/>
           <p:cNvSpPr txBox="1"/>
           <p:nvPr>
-            <p:ph type="sldNum" idx="12"/>
+            <p:ph idx="12" type="sldNum"/>
           </p:nvPr>
         </p:nvSpPr>
         <p:spPr>
@@ -6366,7 +6434,7 @@
           </a:prstGeom>
         </p:spPr>
         <p:txBody>
-          <a:bodyPr spcFirstLastPara="1" wrap="square" lIns="91425" tIns="91425" rIns="91425" bIns="91425" anchor="ctr" anchorCtr="0">
+          <a:bodyPr anchorCtr="0" anchor="ctr" bIns="91425" lIns="91425" spcFirstLastPara="1" rIns="91425" wrap="square" tIns="91425">
             <a:normAutofit/>
           </a:bodyPr>
           <a:lstStyle>
@@ -6444,7 +6512,7 @@
             </a:lvl9pPr>
           </a:lstStyle>
           <a:p>
-            <a:pPr marL="0" lvl="0" indent="0" algn="r" rtl="0">
+            <a:pPr indent="0" lvl="0" marL="0" rtl="0" algn="r">
               <a:spcBef>
                 <a:spcPts val="0"/>
               </a:spcBef>
@@ -6454,9 +6522,10 @@
               <a:buNone/>
             </a:pPr>
             <a:fld id="{00000000-1234-1234-1234-123412341234}" type="slidenum">
-              <a:rPr lang="en-GB"/>
+              <a:rPr lang="en"/>
+              <a:t>‹#›</a:t>
             </a:fld>
-            <a:endParaRPr lang="en-GB"/>
+            <a:endParaRPr/>
           </a:p>
         </p:txBody>
       </p:sp>
@@ -6469,7 +6538,7 @@
 </file>
 
 <file path=ppt/slideLayouts/slideLayout2.xml><?xml version="1.0" encoding="utf-8"?>
-<p:sldLayout xmlns:a="http://schemas.openxmlformats.org/drawingml/2006/main" xmlns:r="http://schemas.openxmlformats.org/officeDocument/2006/relationships" xmlns:p="http://schemas.openxmlformats.org/presentationml/2006/main" type="secHead" matchingName="Section header">
+<p:sldLayout xmlns:a="http://schemas.openxmlformats.org/drawingml/2006/main" xmlns:r="http://schemas.openxmlformats.org/officeDocument/2006/relationships" xmlns:mc="http://schemas.openxmlformats.org/markup-compatibility/2006" xmlns:mv="urn:schemas-microsoft-com:mac:vml" xmlns:p="http://schemas.openxmlformats.org/presentationml/2006/main" xmlns:c="http://schemas.openxmlformats.org/drawingml/2006/chart" xmlns:dgm="http://schemas.openxmlformats.org/drawingml/2006/diagram" xmlns:o="urn:schemas-microsoft-com:office:office" xmlns:v="urn:schemas-microsoft-com:vml" xmlns:pvml="urn:schemas-microsoft-com:office:powerpoint" xmlns:com="http://schemas.openxmlformats.org/drawingml/2006/compatibility" xmlns:p14="http://schemas.microsoft.com/office/powerpoint/2010/main" xmlns:p15="http://schemas.microsoft.com/office/powerpoint/2012/main" xmlns:ahyp="http://schemas.microsoft.com/office/drawing/2018/hyperlinkcolor" matchingName="Section header" type="secHead">
   <p:cSld name="SECTION_HEADER">
     <p:spTree>
       <p:nvGrpSpPr>
@@ -6503,7 +6572,7 @@
           </a:prstGeom>
         </p:spPr>
         <p:txBody>
-          <a:bodyPr spcFirstLastPara="1" wrap="square" lIns="91425" tIns="91425" rIns="91425" bIns="91425" anchor="ctr" anchorCtr="0">
+          <a:bodyPr anchorCtr="0" anchor="ctr" bIns="91425" lIns="91425" spcFirstLastPara="1" rIns="91425" wrap="square" tIns="91425">
             <a:normAutofit/>
           </a:bodyPr>
           <a:lstStyle>
@@ -6615,7 +6684,7 @@
           <p:cNvPr id="15" name="Google Shape;15;p3"/>
           <p:cNvSpPr txBox="1"/>
           <p:nvPr>
-            <p:ph type="sldNum" idx="12"/>
+            <p:ph idx="12" type="sldNum"/>
           </p:nvPr>
         </p:nvSpPr>
         <p:spPr>
@@ -6628,7 +6697,7 @@
           </a:prstGeom>
         </p:spPr>
         <p:txBody>
-          <a:bodyPr spcFirstLastPara="1" wrap="square" lIns="91425" tIns="91425" rIns="91425" bIns="91425" anchor="ctr" anchorCtr="0">
+          <a:bodyPr anchorCtr="0" anchor="ctr" bIns="91425" lIns="91425" spcFirstLastPara="1" rIns="91425" wrap="square" tIns="91425">
             <a:normAutofit/>
           </a:bodyPr>
           <a:lstStyle>
@@ -6670,7 +6739,7 @@
             </a:lvl9pPr>
           </a:lstStyle>
           <a:p>
-            <a:pPr marL="0" lvl="0" indent="0" algn="r" rtl="0">
+            <a:pPr indent="0" lvl="0" marL="0" rtl="0" algn="r">
               <a:spcBef>
                 <a:spcPts val="0"/>
               </a:spcBef>
@@ -6680,9 +6749,10 @@
               <a:buNone/>
             </a:pPr>
             <a:fld id="{00000000-1234-1234-1234-123412341234}" type="slidenum">
-              <a:rPr lang="en-GB"/>
+              <a:rPr lang="en"/>
+              <a:t>‹#›</a:t>
             </a:fld>
-            <a:endParaRPr lang="en-GB"/>
+            <a:endParaRPr/>
           </a:p>
         </p:txBody>
       </p:sp>
@@ -6695,7 +6765,7 @@
 </file>
 
 <file path=ppt/slideLayouts/slideLayout20.xml><?xml version="1.0" encoding="utf-8"?>
-<p:sldLayout xmlns:a="http://schemas.openxmlformats.org/drawingml/2006/main" xmlns:r="http://schemas.openxmlformats.org/officeDocument/2006/relationships" xmlns:p="http://schemas.openxmlformats.org/presentationml/2006/main" matchingName="Caption">
+<p:sldLayout xmlns:a="http://schemas.openxmlformats.org/drawingml/2006/main" xmlns:r="http://schemas.openxmlformats.org/officeDocument/2006/relationships" xmlns:mc="http://schemas.openxmlformats.org/markup-compatibility/2006" xmlns:mv="urn:schemas-microsoft-com:mac:vml" xmlns:p="http://schemas.openxmlformats.org/presentationml/2006/main" xmlns:c="http://schemas.openxmlformats.org/drawingml/2006/chart" xmlns:dgm="http://schemas.openxmlformats.org/drawingml/2006/diagram" xmlns:o="urn:schemas-microsoft-com:office:office" xmlns:v="urn:schemas-microsoft-com:vml" xmlns:pvml="urn:schemas-microsoft-com:office:powerpoint" xmlns:com="http://schemas.openxmlformats.org/drawingml/2006/compatibility" xmlns:p14="http://schemas.microsoft.com/office/powerpoint/2010/main" xmlns:p15="http://schemas.microsoft.com/office/powerpoint/2012/main" xmlns:ahyp="http://schemas.microsoft.com/office/drawing/2018/hyperlinkcolor" matchingName="Caption">
   <p:cSld name="CAPTION_ONLY">
     <p:spTree>
       <p:nvGrpSpPr>
@@ -6718,7 +6788,7 @@
           <p:nvPr/>
         </p:nvSpPr>
         <p:spPr>
-          <a:xfrm rot="10800000" flipH="1">
+          <a:xfrm flipH="1" rot="10800000">
             <a:off x="0" y="0"/>
             <a:ext cx="9144000" cy="4695900"/>
           </a:xfrm>
@@ -6733,12 +6803,12 @@
           </a:ln>
         </p:spPr>
         <p:txBody>
-          <a:bodyPr spcFirstLastPara="1" wrap="square" lIns="91425" tIns="91425" rIns="91425" bIns="91425" anchor="ctr" anchorCtr="0">
+          <a:bodyPr anchorCtr="0" anchor="ctr" bIns="91425" lIns="91425" spcFirstLastPara="1" rIns="91425" wrap="square" tIns="91425">
             <a:noAutofit/>
           </a:bodyPr>
           <a:lstStyle/>
           <a:p>
-            <a:pPr marL="0" lvl="0" indent="0" algn="l" rtl="0">
+            <a:pPr indent="0" lvl="0" marL="0" rtl="0" algn="l">
               <a:spcBef>
                 <a:spcPts val="0"/>
               </a:spcBef>
@@ -6747,6 +6817,10 @@
               </a:spcAft>
               <a:buNone/>
             </a:pPr>
+            <a:r>
+              <a:t/>
+            </a:r>
+            <a:endParaRPr/>
           </a:p>
         </p:txBody>
       </p:sp>
@@ -6757,7 +6831,7 @@
           <p:nvPr/>
         </p:nvSpPr>
         <p:spPr>
-          <a:xfrm rot="10800000" flipH="1">
+          <a:xfrm flipH="1" rot="10800000">
             <a:off x="0" y="4622725"/>
             <a:ext cx="9144000" cy="74100"/>
           </a:xfrm>
@@ -6786,12 +6860,12 @@
           </a:ln>
         </p:spPr>
         <p:txBody>
-          <a:bodyPr spcFirstLastPara="1" wrap="square" lIns="91425" tIns="91425" rIns="91425" bIns="91425" anchor="ctr" anchorCtr="0">
+          <a:bodyPr anchorCtr="0" anchor="ctr" bIns="91425" lIns="91425" spcFirstLastPara="1" rIns="91425" wrap="square" tIns="91425">
             <a:noAutofit/>
           </a:bodyPr>
           <a:lstStyle/>
           <a:p>
-            <a:pPr marL="0" lvl="0" indent="0" algn="l" rtl="0">
+            <a:pPr indent="0" lvl="0" marL="0" rtl="0" algn="l">
               <a:spcBef>
                 <a:spcPts val="0"/>
               </a:spcBef>
@@ -6800,6 +6874,10 @@
               </a:spcAft>
               <a:buNone/>
             </a:pPr>
+            <a:r>
+              <a:t/>
+            </a:r>
+            <a:endParaRPr/>
           </a:p>
         </p:txBody>
       </p:sp>
@@ -6808,7 +6886,7 @@
           <p:cNvPr id="100" name="Google Shape;100;p22"/>
           <p:cNvSpPr txBox="1"/>
           <p:nvPr>
-            <p:ph type="body" idx="1"/>
+            <p:ph idx="1" type="body"/>
           </p:nvPr>
         </p:nvSpPr>
         <p:spPr>
@@ -6821,11 +6899,11 @@
           </a:prstGeom>
         </p:spPr>
         <p:txBody>
-          <a:bodyPr spcFirstLastPara="1" wrap="square" lIns="91425" tIns="91425" rIns="91425" bIns="91425" anchor="ctr" anchorCtr="0">
+          <a:bodyPr anchorCtr="0" anchor="ctr" bIns="91425" lIns="91425" spcFirstLastPara="1" rIns="91425" wrap="square" tIns="91425">
             <a:normAutofit/>
           </a:bodyPr>
           <a:lstStyle>
-            <a:lvl1pPr marL="457200" lvl="0" indent="-228600">
+            <a:lvl1pPr indent="-228600" lvl="0" marL="457200">
               <a:lnSpc>
                 <a:spcPct val="100000"/>
               </a:lnSpc>
@@ -6855,7 +6933,7 @@
           <p:cNvPr id="101" name="Google Shape;101;p22"/>
           <p:cNvSpPr txBox="1"/>
           <p:nvPr>
-            <p:ph type="sldNum" idx="12"/>
+            <p:ph idx="12" type="sldNum"/>
           </p:nvPr>
         </p:nvSpPr>
         <p:spPr>
@@ -6868,7 +6946,7 @@
           </a:prstGeom>
         </p:spPr>
         <p:txBody>
-          <a:bodyPr spcFirstLastPara="1" wrap="square" lIns="91425" tIns="91425" rIns="91425" bIns="91425" anchor="ctr" anchorCtr="0">
+          <a:bodyPr anchorCtr="0" anchor="ctr" bIns="91425" lIns="91425" spcFirstLastPara="1" rIns="91425" wrap="square" tIns="91425">
             <a:normAutofit/>
           </a:bodyPr>
           <a:lstStyle>
@@ -6946,7 +7024,7 @@
             </a:lvl9pPr>
           </a:lstStyle>
           <a:p>
-            <a:pPr marL="0" lvl="0" indent="0" algn="r" rtl="0">
+            <a:pPr indent="0" lvl="0" marL="0" rtl="0" algn="r">
               <a:spcBef>
                 <a:spcPts val="0"/>
               </a:spcBef>
@@ -6956,9 +7034,10 @@
               <a:buNone/>
             </a:pPr>
             <a:fld id="{00000000-1234-1234-1234-123412341234}" type="slidenum">
-              <a:rPr lang="en-GB"/>
+              <a:rPr lang="en"/>
+              <a:t>‹#›</a:t>
             </a:fld>
-            <a:endParaRPr lang="en-GB"/>
+            <a:endParaRPr/>
           </a:p>
         </p:txBody>
       </p:sp>
@@ -6971,14 +7050,13 @@
 </file>
 
 <file path=ppt/slideLayouts/slideLayout21.xml><?xml version="1.0" encoding="utf-8"?>
-<p:sldLayout xmlns:a="http://schemas.openxmlformats.org/drawingml/2006/main" xmlns:r="http://schemas.openxmlformats.org/officeDocument/2006/relationships" xmlns:p="http://schemas.openxmlformats.org/presentationml/2006/main" matchingName="Big number">
+<p:sldLayout xmlns:a="http://schemas.openxmlformats.org/drawingml/2006/main" xmlns:r="http://schemas.openxmlformats.org/officeDocument/2006/relationships" xmlns:mc="http://schemas.openxmlformats.org/markup-compatibility/2006" xmlns:mv="urn:schemas-microsoft-com:mac:vml" xmlns:p="http://schemas.openxmlformats.org/presentationml/2006/main" xmlns:c="http://schemas.openxmlformats.org/drawingml/2006/chart" xmlns:dgm="http://schemas.openxmlformats.org/drawingml/2006/diagram" xmlns:o="urn:schemas-microsoft-com:office:office" xmlns:v="urn:schemas-microsoft-com:vml" xmlns:pvml="urn:schemas-microsoft-com:office:powerpoint" xmlns:com="http://schemas.openxmlformats.org/drawingml/2006/compatibility" xmlns:p14="http://schemas.microsoft.com/office/powerpoint/2010/main" xmlns:p15="http://schemas.microsoft.com/office/powerpoint/2012/main" xmlns:ahyp="http://schemas.microsoft.com/office/drawing/2018/hyperlinkcolor" matchingName="Big number">
   <p:cSld name="BIG_NUMBER">
     <p:bg>
       <p:bgPr>
         <a:solidFill>
           <a:schemeClr val="accent4"/>
         </a:solidFill>
-        <a:effectLst/>
       </p:bgPr>
     </p:bg>
     <p:spTree>
@@ -7000,7 +7078,7 @@
           <p:cNvPr id="103" name="Google Shape;103;p23"/>
           <p:cNvSpPr txBox="1"/>
           <p:nvPr>
-            <p:ph type="title" hasCustomPrompt="1"/>
+            <p:ph hasCustomPrompt="1" type="title"/>
           </p:nvPr>
         </p:nvSpPr>
         <p:spPr>
@@ -7013,7 +7091,7 @@
           </a:prstGeom>
         </p:spPr>
         <p:txBody>
-          <a:bodyPr spcFirstLastPara="1" wrap="square" lIns="91425" tIns="91425" rIns="91425" bIns="91425" anchor="b" anchorCtr="0">
+          <a:bodyPr anchorCtr="0" anchor="b" bIns="91425" lIns="91425" spcFirstLastPara="1" rIns="91425" wrap="square" tIns="91425">
             <a:normAutofit/>
           </a:bodyPr>
           <a:lstStyle>
@@ -7192,7 +7270,7 @@
           <p:cNvPr id="104" name="Google Shape;104;p23"/>
           <p:cNvSpPr txBox="1"/>
           <p:nvPr>
-            <p:ph type="body" idx="1"/>
+            <p:ph idx="1" type="body"/>
           </p:nvPr>
         </p:nvSpPr>
         <p:spPr>
@@ -7205,11 +7283,11 @@
           </a:prstGeom>
         </p:spPr>
         <p:txBody>
-          <a:bodyPr spcFirstLastPara="1" wrap="square" lIns="91425" tIns="91425" rIns="91425" bIns="91425" anchor="t" anchorCtr="0">
+          <a:bodyPr anchorCtr="0" anchor="t" bIns="91425" lIns="91425" spcFirstLastPara="1" rIns="91425" wrap="square" tIns="91425">
             <a:normAutofit/>
           </a:bodyPr>
           <a:lstStyle>
-            <a:lvl1pPr marL="457200" lvl="0" indent="-342900" algn="ctr">
+            <a:lvl1pPr indent="-342900" lvl="0" marL="457200" algn="ctr">
               <a:spcBef>
                 <a:spcPts val="0"/>
               </a:spcBef>
@@ -7220,7 +7298,7 @@
               <a:buChar char="●"/>
               <a:defRPr/>
             </a:lvl1pPr>
-            <a:lvl2pPr marL="914400" lvl="1" indent="-317500" algn="ctr">
+            <a:lvl2pPr indent="-317500" lvl="1" marL="914400" algn="ctr">
               <a:spcBef>
                 <a:spcPts val="0"/>
               </a:spcBef>
@@ -7231,7 +7309,7 @@
               <a:buChar char="○"/>
               <a:defRPr/>
             </a:lvl2pPr>
-            <a:lvl3pPr marL="1371600" lvl="2" indent="-317500" algn="ctr">
+            <a:lvl3pPr indent="-317500" lvl="2" marL="1371600" algn="ctr">
               <a:spcBef>
                 <a:spcPts val="0"/>
               </a:spcBef>
@@ -7242,7 +7320,7 @@
               <a:buChar char="■"/>
               <a:defRPr/>
             </a:lvl3pPr>
-            <a:lvl4pPr marL="1828800" lvl="3" indent="-317500" algn="ctr">
+            <a:lvl4pPr indent="-317500" lvl="3" marL="1828800" algn="ctr">
               <a:spcBef>
                 <a:spcPts val="0"/>
               </a:spcBef>
@@ -7253,7 +7331,7 @@
               <a:buChar char="●"/>
               <a:defRPr/>
             </a:lvl4pPr>
-            <a:lvl5pPr marL="2286000" lvl="4" indent="-317500" algn="ctr">
+            <a:lvl5pPr indent="-317500" lvl="4" marL="2286000" algn="ctr">
               <a:spcBef>
                 <a:spcPts val="0"/>
               </a:spcBef>
@@ -7264,7 +7342,7 @@
               <a:buChar char="○"/>
               <a:defRPr/>
             </a:lvl5pPr>
-            <a:lvl6pPr marL="2743200" lvl="5" indent="-317500" algn="ctr">
+            <a:lvl6pPr indent="-317500" lvl="5" marL="2743200" algn="ctr">
               <a:spcBef>
                 <a:spcPts val="0"/>
               </a:spcBef>
@@ -7275,7 +7353,7 @@
               <a:buChar char="■"/>
               <a:defRPr/>
             </a:lvl6pPr>
-            <a:lvl7pPr marL="3200400" lvl="6" indent="-317500" algn="ctr">
+            <a:lvl7pPr indent="-317500" lvl="6" marL="3200400" algn="ctr">
               <a:spcBef>
                 <a:spcPts val="0"/>
               </a:spcBef>
@@ -7286,7 +7364,7 @@
               <a:buChar char="●"/>
               <a:defRPr/>
             </a:lvl7pPr>
-            <a:lvl8pPr marL="3657600" lvl="7" indent="-317500" algn="ctr">
+            <a:lvl8pPr indent="-317500" lvl="7" marL="3657600" algn="ctr">
               <a:spcBef>
                 <a:spcPts val="0"/>
               </a:spcBef>
@@ -7297,7 +7375,7 @@
               <a:buChar char="○"/>
               <a:defRPr/>
             </a:lvl8pPr>
-            <a:lvl9pPr marL="4114800" lvl="8" indent="-317500" algn="ctr">
+            <a:lvl9pPr indent="-317500" lvl="8" marL="4114800" algn="ctr">
               <a:spcBef>
                 <a:spcPts val="0"/>
               </a:spcBef>
@@ -7317,7 +7395,7 @@
           <p:cNvPr id="105" name="Google Shape;105;p23"/>
           <p:cNvSpPr txBox="1"/>
           <p:nvPr>
-            <p:ph type="sldNum" idx="12"/>
+            <p:ph idx="12" type="sldNum"/>
           </p:nvPr>
         </p:nvSpPr>
         <p:spPr>
@@ -7330,7 +7408,7 @@
           </a:prstGeom>
         </p:spPr>
         <p:txBody>
-          <a:bodyPr spcFirstLastPara="1" wrap="square" lIns="91425" tIns="91425" rIns="91425" bIns="91425" anchor="ctr" anchorCtr="0">
+          <a:bodyPr anchorCtr="0" anchor="ctr" bIns="91425" lIns="91425" spcFirstLastPara="1" rIns="91425" wrap="square" tIns="91425">
             <a:normAutofit/>
           </a:bodyPr>
           <a:lstStyle>
@@ -7372,7 +7450,7 @@
             </a:lvl9pPr>
           </a:lstStyle>
           <a:p>
-            <a:pPr marL="0" lvl="0" indent="0" algn="r" rtl="0">
+            <a:pPr indent="0" lvl="0" marL="0" rtl="0" algn="r">
               <a:spcBef>
                 <a:spcPts val="0"/>
               </a:spcBef>
@@ -7382,9 +7460,10 @@
               <a:buNone/>
             </a:pPr>
             <a:fld id="{00000000-1234-1234-1234-123412341234}" type="slidenum">
-              <a:rPr lang="en-GB"/>
+              <a:rPr lang="en"/>
+              <a:t>‹#›</a:t>
             </a:fld>
-            <a:endParaRPr lang="en-GB"/>
+            <a:endParaRPr/>
           </a:p>
         </p:txBody>
       </p:sp>
@@ -7397,14 +7476,13 @@
 </file>
 
 <file path=ppt/slideLayouts/slideLayout22.xml><?xml version="1.0" encoding="utf-8"?>
-<p:sldLayout xmlns:a="http://schemas.openxmlformats.org/drawingml/2006/main" xmlns:r="http://schemas.openxmlformats.org/officeDocument/2006/relationships" xmlns:p="http://schemas.openxmlformats.org/presentationml/2006/main" type="blank" matchingName="Blank">
+<p:sldLayout xmlns:a="http://schemas.openxmlformats.org/drawingml/2006/main" xmlns:r="http://schemas.openxmlformats.org/officeDocument/2006/relationships" xmlns:mc="http://schemas.openxmlformats.org/markup-compatibility/2006" xmlns:mv="urn:schemas-microsoft-com:mac:vml" xmlns:p="http://schemas.openxmlformats.org/presentationml/2006/main" xmlns:c="http://schemas.openxmlformats.org/drawingml/2006/chart" xmlns:dgm="http://schemas.openxmlformats.org/drawingml/2006/diagram" xmlns:o="urn:schemas-microsoft-com:office:office" xmlns:v="urn:schemas-microsoft-com:vml" xmlns:pvml="urn:schemas-microsoft-com:office:powerpoint" xmlns:com="http://schemas.openxmlformats.org/drawingml/2006/compatibility" xmlns:p14="http://schemas.microsoft.com/office/powerpoint/2010/main" xmlns:p15="http://schemas.microsoft.com/office/powerpoint/2012/main" xmlns:ahyp="http://schemas.microsoft.com/office/drawing/2018/hyperlinkcolor" matchingName="Blank" type="blank">
   <p:cSld name="BLANK">
     <p:bg>
       <p:bgPr>
         <a:solidFill>
           <a:schemeClr val="accent4"/>
         </a:solidFill>
-        <a:effectLst/>
       </p:bgPr>
     </p:bg>
     <p:spTree>
@@ -7426,7 +7504,7 @@
           <p:cNvPr id="107" name="Google Shape;107;p24"/>
           <p:cNvSpPr txBox="1"/>
           <p:nvPr>
-            <p:ph type="sldNum" idx="12"/>
+            <p:ph idx="12" type="sldNum"/>
           </p:nvPr>
         </p:nvSpPr>
         <p:spPr>
@@ -7439,7 +7517,7 @@
           </a:prstGeom>
         </p:spPr>
         <p:txBody>
-          <a:bodyPr spcFirstLastPara="1" wrap="square" lIns="91425" tIns="91425" rIns="91425" bIns="91425" anchor="ctr" anchorCtr="0">
+          <a:bodyPr anchorCtr="0" anchor="ctr" bIns="91425" lIns="91425" spcFirstLastPara="1" rIns="91425" wrap="square" tIns="91425">
             <a:normAutofit/>
           </a:bodyPr>
           <a:lstStyle>
@@ -7481,7 +7559,7 @@
             </a:lvl9pPr>
           </a:lstStyle>
           <a:p>
-            <a:pPr marL="0" lvl="0" indent="0" algn="r" rtl="0">
+            <a:pPr indent="0" lvl="0" marL="0" rtl="0" algn="r">
               <a:spcBef>
                 <a:spcPts val="0"/>
               </a:spcBef>
@@ -7491,9 +7569,10 @@
               <a:buNone/>
             </a:pPr>
             <a:fld id="{00000000-1234-1234-1234-123412341234}" type="slidenum">
-              <a:rPr lang="en-GB"/>
+              <a:rPr lang="en"/>
+              <a:t>‹#›</a:t>
             </a:fld>
-            <a:endParaRPr lang="en-GB"/>
+            <a:endParaRPr/>
           </a:p>
         </p:txBody>
       </p:sp>
@@ -7506,7 +7585,7 @@
 </file>
 
 <file path=ppt/slideLayouts/slideLayout3.xml><?xml version="1.0" encoding="utf-8"?>
-<p:sldLayout xmlns:a="http://schemas.openxmlformats.org/drawingml/2006/main" xmlns:r="http://schemas.openxmlformats.org/officeDocument/2006/relationships" xmlns:p="http://schemas.openxmlformats.org/presentationml/2006/main" type="tx" matchingName="Title and body">
+<p:sldLayout xmlns:a="http://schemas.openxmlformats.org/drawingml/2006/main" xmlns:r="http://schemas.openxmlformats.org/officeDocument/2006/relationships" xmlns:mc="http://schemas.openxmlformats.org/markup-compatibility/2006" xmlns:mv="urn:schemas-microsoft-com:mac:vml" xmlns:p="http://schemas.openxmlformats.org/presentationml/2006/main" xmlns:c="http://schemas.openxmlformats.org/drawingml/2006/chart" xmlns:dgm="http://schemas.openxmlformats.org/drawingml/2006/diagram" xmlns:o="urn:schemas-microsoft-com:office:office" xmlns:v="urn:schemas-microsoft-com:vml" xmlns:pvml="urn:schemas-microsoft-com:office:powerpoint" xmlns:com="http://schemas.openxmlformats.org/drawingml/2006/compatibility" xmlns:p14="http://schemas.microsoft.com/office/powerpoint/2010/main" xmlns:p15="http://schemas.microsoft.com/office/powerpoint/2012/main" xmlns:ahyp="http://schemas.microsoft.com/office/drawing/2018/hyperlinkcolor" matchingName="Title and body" type="tx">
   <p:cSld name="TITLE_AND_BODY">
     <p:spTree>
       <p:nvGrpSpPr>
@@ -7540,7 +7619,7 @@
           </a:prstGeom>
         </p:spPr>
         <p:txBody>
-          <a:bodyPr spcFirstLastPara="1" wrap="square" lIns="91425" tIns="91425" rIns="91425" bIns="91425" anchor="t" anchorCtr="0">
+          <a:bodyPr anchorCtr="0" anchor="t" bIns="91425" lIns="91425" spcFirstLastPara="1" rIns="91425" wrap="square" tIns="91425">
             <a:normAutofit/>
           </a:bodyPr>
           <a:lstStyle>
@@ -7652,7 +7731,7 @@
           <p:cNvPr id="18" name="Google Shape;18;p4"/>
           <p:cNvSpPr txBox="1"/>
           <p:nvPr>
-            <p:ph type="body" idx="1"/>
+            <p:ph idx="1" type="body"/>
           </p:nvPr>
         </p:nvSpPr>
         <p:spPr>
@@ -7665,11 +7744,11 @@
           </a:prstGeom>
         </p:spPr>
         <p:txBody>
-          <a:bodyPr spcFirstLastPara="1" wrap="square" lIns="91425" tIns="91425" rIns="91425" bIns="91425" anchor="t" anchorCtr="0">
+          <a:bodyPr anchorCtr="0" anchor="t" bIns="91425" lIns="91425" spcFirstLastPara="1" rIns="91425" wrap="square" tIns="91425">
             <a:normAutofit/>
           </a:bodyPr>
           <a:lstStyle>
-            <a:lvl1pPr marL="457200" lvl="0" indent="-342900">
+            <a:lvl1pPr indent="-342900" lvl="0" marL="457200">
               <a:spcBef>
                 <a:spcPts val="0"/>
               </a:spcBef>
@@ -7680,7 +7759,7 @@
               <a:buChar char="●"/>
               <a:defRPr/>
             </a:lvl1pPr>
-            <a:lvl2pPr marL="914400" lvl="1" indent="-317500">
+            <a:lvl2pPr indent="-317500" lvl="1" marL="914400">
               <a:spcBef>
                 <a:spcPts val="0"/>
               </a:spcBef>
@@ -7691,7 +7770,7 @@
               <a:buChar char="○"/>
               <a:defRPr/>
             </a:lvl2pPr>
-            <a:lvl3pPr marL="1371600" lvl="2" indent="-317500">
+            <a:lvl3pPr indent="-317500" lvl="2" marL="1371600">
               <a:spcBef>
                 <a:spcPts val="0"/>
               </a:spcBef>
@@ -7702,7 +7781,7 @@
               <a:buChar char="■"/>
               <a:defRPr/>
             </a:lvl3pPr>
-            <a:lvl4pPr marL="1828800" lvl="3" indent="-317500">
+            <a:lvl4pPr indent="-317500" lvl="3" marL="1828800">
               <a:spcBef>
                 <a:spcPts val="0"/>
               </a:spcBef>
@@ -7713,7 +7792,7 @@
               <a:buChar char="●"/>
               <a:defRPr/>
             </a:lvl4pPr>
-            <a:lvl5pPr marL="2286000" lvl="4" indent="-317500">
+            <a:lvl5pPr indent="-317500" lvl="4" marL="2286000">
               <a:spcBef>
                 <a:spcPts val="0"/>
               </a:spcBef>
@@ -7724,7 +7803,7 @@
               <a:buChar char="○"/>
               <a:defRPr/>
             </a:lvl5pPr>
-            <a:lvl6pPr marL="2743200" lvl="5" indent="-317500">
+            <a:lvl6pPr indent="-317500" lvl="5" marL="2743200">
               <a:spcBef>
                 <a:spcPts val="0"/>
               </a:spcBef>
@@ -7735,7 +7814,7 @@
               <a:buChar char="■"/>
               <a:defRPr/>
             </a:lvl6pPr>
-            <a:lvl7pPr marL="3200400" lvl="6" indent="-317500">
+            <a:lvl7pPr indent="-317500" lvl="6" marL="3200400">
               <a:spcBef>
                 <a:spcPts val="0"/>
               </a:spcBef>
@@ -7746,7 +7825,7 @@
               <a:buChar char="●"/>
               <a:defRPr/>
             </a:lvl7pPr>
-            <a:lvl8pPr marL="3657600" lvl="7" indent="-317500">
+            <a:lvl8pPr indent="-317500" lvl="7" marL="3657600">
               <a:spcBef>
                 <a:spcPts val="0"/>
               </a:spcBef>
@@ -7757,7 +7836,7 @@
               <a:buChar char="○"/>
               <a:defRPr/>
             </a:lvl8pPr>
-            <a:lvl9pPr marL="4114800" lvl="8" indent="-317500">
+            <a:lvl9pPr indent="-317500" lvl="8" marL="4114800">
               <a:spcBef>
                 <a:spcPts val="0"/>
               </a:spcBef>
@@ -7777,7 +7856,7 @@
           <p:cNvPr id="19" name="Google Shape;19;p4"/>
           <p:cNvSpPr txBox="1"/>
           <p:nvPr>
-            <p:ph type="sldNum" idx="12"/>
+            <p:ph idx="12" type="sldNum"/>
           </p:nvPr>
         </p:nvSpPr>
         <p:spPr>
@@ -7790,7 +7869,7 @@
           </a:prstGeom>
         </p:spPr>
         <p:txBody>
-          <a:bodyPr spcFirstLastPara="1" wrap="square" lIns="91425" tIns="91425" rIns="91425" bIns="91425" anchor="ctr" anchorCtr="0">
+          <a:bodyPr anchorCtr="0" anchor="ctr" bIns="91425" lIns="91425" spcFirstLastPara="1" rIns="91425" wrap="square" tIns="91425">
             <a:normAutofit/>
           </a:bodyPr>
           <a:lstStyle>
@@ -7832,7 +7911,7 @@
             </a:lvl9pPr>
           </a:lstStyle>
           <a:p>
-            <a:pPr marL="0" lvl="0" indent="0" algn="r" rtl="0">
+            <a:pPr indent="0" lvl="0" marL="0" rtl="0" algn="r">
               <a:spcBef>
                 <a:spcPts val="0"/>
               </a:spcBef>
@@ -7842,9 +7921,10 @@
               <a:buNone/>
             </a:pPr>
             <a:fld id="{00000000-1234-1234-1234-123412341234}" type="slidenum">
-              <a:rPr lang="en-GB"/>
+              <a:rPr lang="en"/>
+              <a:t>‹#›</a:t>
             </a:fld>
-            <a:endParaRPr lang="en-GB"/>
+            <a:endParaRPr/>
           </a:p>
         </p:txBody>
       </p:sp>
@@ -7857,7 +7937,7 @@
 </file>
 
 <file path=ppt/slideLayouts/slideLayout4.xml><?xml version="1.0" encoding="utf-8"?>
-<p:sldLayout xmlns:a="http://schemas.openxmlformats.org/drawingml/2006/main" xmlns:r="http://schemas.openxmlformats.org/officeDocument/2006/relationships" xmlns:p="http://schemas.openxmlformats.org/presentationml/2006/main" type="twoColTx" matchingName="Title and two columns">
+<p:sldLayout xmlns:a="http://schemas.openxmlformats.org/drawingml/2006/main" xmlns:r="http://schemas.openxmlformats.org/officeDocument/2006/relationships" xmlns:mc="http://schemas.openxmlformats.org/markup-compatibility/2006" xmlns:mv="urn:schemas-microsoft-com:mac:vml" xmlns:p="http://schemas.openxmlformats.org/presentationml/2006/main" xmlns:c="http://schemas.openxmlformats.org/drawingml/2006/chart" xmlns:dgm="http://schemas.openxmlformats.org/drawingml/2006/diagram" xmlns:o="urn:schemas-microsoft-com:office:office" xmlns:v="urn:schemas-microsoft-com:vml" xmlns:pvml="urn:schemas-microsoft-com:office:powerpoint" xmlns:com="http://schemas.openxmlformats.org/drawingml/2006/compatibility" xmlns:p14="http://schemas.microsoft.com/office/powerpoint/2010/main" xmlns:p15="http://schemas.microsoft.com/office/powerpoint/2012/main" xmlns:ahyp="http://schemas.microsoft.com/office/drawing/2018/hyperlinkcolor" matchingName="Title and two columns" type="twoColTx">
   <p:cSld name="TITLE_AND_TWO_COLUMNS">
     <p:spTree>
       <p:nvGrpSpPr>
@@ -7891,7 +7971,7 @@
           </a:prstGeom>
         </p:spPr>
         <p:txBody>
-          <a:bodyPr spcFirstLastPara="1" wrap="square" lIns="91425" tIns="91425" rIns="91425" bIns="91425" anchor="t" anchorCtr="0">
+          <a:bodyPr anchorCtr="0" anchor="t" bIns="91425" lIns="91425" spcFirstLastPara="1" rIns="91425" wrap="square" tIns="91425">
             <a:normAutofit/>
           </a:bodyPr>
           <a:lstStyle>
@@ -8003,7 +8083,7 @@
           <p:cNvPr id="22" name="Google Shape;22;p5"/>
           <p:cNvSpPr txBox="1"/>
           <p:nvPr>
-            <p:ph type="body" idx="1"/>
+            <p:ph idx="1" type="body"/>
           </p:nvPr>
         </p:nvSpPr>
         <p:spPr>
@@ -8016,11 +8096,11 @@
           </a:prstGeom>
         </p:spPr>
         <p:txBody>
-          <a:bodyPr spcFirstLastPara="1" wrap="square" lIns="91425" tIns="91425" rIns="91425" bIns="91425" anchor="t" anchorCtr="0">
+          <a:bodyPr anchorCtr="0" anchor="t" bIns="91425" lIns="91425" spcFirstLastPara="1" rIns="91425" wrap="square" tIns="91425">
             <a:normAutofit/>
           </a:bodyPr>
           <a:lstStyle>
-            <a:lvl1pPr marL="457200" lvl="0" indent="-317500">
+            <a:lvl1pPr indent="-317500" lvl="0" marL="457200">
               <a:spcBef>
                 <a:spcPts val="0"/>
               </a:spcBef>
@@ -8031,7 +8111,7 @@
               <a:buChar char="●"/>
               <a:defRPr sz="1400"/>
             </a:lvl1pPr>
-            <a:lvl2pPr marL="914400" lvl="1" indent="-304800">
+            <a:lvl2pPr indent="-304800" lvl="1" marL="914400">
               <a:spcBef>
                 <a:spcPts val="0"/>
               </a:spcBef>
@@ -8042,7 +8122,7 @@
               <a:buChar char="○"/>
               <a:defRPr sz="1200"/>
             </a:lvl2pPr>
-            <a:lvl3pPr marL="1371600" lvl="2" indent="-304800">
+            <a:lvl3pPr indent="-304800" lvl="2" marL="1371600">
               <a:spcBef>
                 <a:spcPts val="0"/>
               </a:spcBef>
@@ -8053,7 +8133,7 @@
               <a:buChar char="■"/>
               <a:defRPr sz="1200"/>
             </a:lvl3pPr>
-            <a:lvl4pPr marL="1828800" lvl="3" indent="-304800">
+            <a:lvl4pPr indent="-304800" lvl="3" marL="1828800">
               <a:spcBef>
                 <a:spcPts val="0"/>
               </a:spcBef>
@@ -8064,7 +8144,7 @@
               <a:buChar char="●"/>
               <a:defRPr sz="1200"/>
             </a:lvl4pPr>
-            <a:lvl5pPr marL="2286000" lvl="4" indent="-304800">
+            <a:lvl5pPr indent="-304800" lvl="4" marL="2286000">
               <a:spcBef>
                 <a:spcPts val="0"/>
               </a:spcBef>
@@ -8075,7 +8155,7 @@
               <a:buChar char="○"/>
               <a:defRPr sz="1200"/>
             </a:lvl5pPr>
-            <a:lvl6pPr marL="2743200" lvl="5" indent="-304800">
+            <a:lvl6pPr indent="-304800" lvl="5" marL="2743200">
               <a:spcBef>
                 <a:spcPts val="0"/>
               </a:spcBef>
@@ -8086,7 +8166,7 @@
               <a:buChar char="■"/>
               <a:defRPr sz="1200"/>
             </a:lvl6pPr>
-            <a:lvl7pPr marL="3200400" lvl="6" indent="-304800">
+            <a:lvl7pPr indent="-304800" lvl="6" marL="3200400">
               <a:spcBef>
                 <a:spcPts val="0"/>
               </a:spcBef>
@@ -8097,7 +8177,7 @@
               <a:buChar char="●"/>
               <a:defRPr sz="1200"/>
             </a:lvl7pPr>
-            <a:lvl8pPr marL="3657600" lvl="7" indent="-304800">
+            <a:lvl8pPr indent="-304800" lvl="7" marL="3657600">
               <a:spcBef>
                 <a:spcPts val="0"/>
               </a:spcBef>
@@ -8108,7 +8188,7 @@
               <a:buChar char="○"/>
               <a:defRPr sz="1200"/>
             </a:lvl8pPr>
-            <a:lvl9pPr marL="4114800" lvl="8" indent="-304800">
+            <a:lvl9pPr indent="-304800" lvl="8" marL="4114800">
               <a:spcBef>
                 <a:spcPts val="0"/>
               </a:spcBef>
@@ -8128,7 +8208,7 @@
           <p:cNvPr id="23" name="Google Shape;23;p5"/>
           <p:cNvSpPr txBox="1"/>
           <p:nvPr>
-            <p:ph type="body" idx="2"/>
+            <p:ph idx="2" type="body"/>
           </p:nvPr>
         </p:nvSpPr>
         <p:spPr>
@@ -8141,11 +8221,11 @@
           </a:prstGeom>
         </p:spPr>
         <p:txBody>
-          <a:bodyPr spcFirstLastPara="1" wrap="square" lIns="91425" tIns="91425" rIns="91425" bIns="91425" anchor="t" anchorCtr="0">
+          <a:bodyPr anchorCtr="0" anchor="t" bIns="91425" lIns="91425" spcFirstLastPara="1" rIns="91425" wrap="square" tIns="91425">
             <a:normAutofit/>
           </a:bodyPr>
           <a:lstStyle>
-            <a:lvl1pPr marL="457200" lvl="0" indent="-317500">
+            <a:lvl1pPr indent="-317500" lvl="0" marL="457200">
               <a:spcBef>
                 <a:spcPts val="0"/>
               </a:spcBef>
@@ -8156,7 +8236,7 @@
               <a:buChar char="●"/>
               <a:defRPr sz="1400"/>
             </a:lvl1pPr>
-            <a:lvl2pPr marL="914400" lvl="1" indent="-304800">
+            <a:lvl2pPr indent="-304800" lvl="1" marL="914400">
               <a:spcBef>
                 <a:spcPts val="0"/>
               </a:spcBef>
@@ -8167,7 +8247,7 @@
               <a:buChar char="○"/>
               <a:defRPr sz="1200"/>
             </a:lvl2pPr>
-            <a:lvl3pPr marL="1371600" lvl="2" indent="-304800">
+            <a:lvl3pPr indent="-304800" lvl="2" marL="1371600">
               <a:spcBef>
                 <a:spcPts val="0"/>
               </a:spcBef>
@@ -8178,7 +8258,7 @@
               <a:buChar char="■"/>
               <a:defRPr sz="1200"/>
             </a:lvl3pPr>
-            <a:lvl4pPr marL="1828800" lvl="3" indent="-304800">
+            <a:lvl4pPr indent="-304800" lvl="3" marL="1828800">
               <a:spcBef>
                 <a:spcPts val="0"/>
               </a:spcBef>
@@ -8189,7 +8269,7 @@
               <a:buChar char="●"/>
               <a:defRPr sz="1200"/>
             </a:lvl4pPr>
-            <a:lvl5pPr marL="2286000" lvl="4" indent="-304800">
+            <a:lvl5pPr indent="-304800" lvl="4" marL="2286000">
               <a:spcBef>
                 <a:spcPts val="0"/>
               </a:spcBef>
@@ -8200,7 +8280,7 @@
               <a:buChar char="○"/>
               <a:defRPr sz="1200"/>
             </a:lvl5pPr>
-            <a:lvl6pPr marL="2743200" lvl="5" indent="-304800">
+            <a:lvl6pPr indent="-304800" lvl="5" marL="2743200">
               <a:spcBef>
                 <a:spcPts val="0"/>
               </a:spcBef>
@@ -8211,7 +8291,7 @@
               <a:buChar char="■"/>
               <a:defRPr sz="1200"/>
             </a:lvl6pPr>
-            <a:lvl7pPr marL="3200400" lvl="6" indent="-304800">
+            <a:lvl7pPr indent="-304800" lvl="6" marL="3200400">
               <a:spcBef>
                 <a:spcPts val="0"/>
               </a:spcBef>
@@ -8222,7 +8302,7 @@
               <a:buChar char="●"/>
               <a:defRPr sz="1200"/>
             </a:lvl7pPr>
-            <a:lvl8pPr marL="3657600" lvl="7" indent="-304800">
+            <a:lvl8pPr indent="-304800" lvl="7" marL="3657600">
               <a:spcBef>
                 <a:spcPts val="0"/>
               </a:spcBef>
@@ -8233,7 +8313,7 @@
               <a:buChar char="○"/>
               <a:defRPr sz="1200"/>
             </a:lvl8pPr>
-            <a:lvl9pPr marL="4114800" lvl="8" indent="-304800">
+            <a:lvl9pPr indent="-304800" lvl="8" marL="4114800">
               <a:spcBef>
                 <a:spcPts val="0"/>
               </a:spcBef>
@@ -8253,7 +8333,7 @@
           <p:cNvPr id="24" name="Google Shape;24;p5"/>
           <p:cNvSpPr txBox="1"/>
           <p:nvPr>
-            <p:ph type="sldNum" idx="12"/>
+            <p:ph idx="12" type="sldNum"/>
           </p:nvPr>
         </p:nvSpPr>
         <p:spPr>
@@ -8266,7 +8346,7 @@
           </a:prstGeom>
         </p:spPr>
         <p:txBody>
-          <a:bodyPr spcFirstLastPara="1" wrap="square" lIns="91425" tIns="91425" rIns="91425" bIns="91425" anchor="ctr" anchorCtr="0">
+          <a:bodyPr anchorCtr="0" anchor="ctr" bIns="91425" lIns="91425" spcFirstLastPara="1" rIns="91425" wrap="square" tIns="91425">
             <a:normAutofit/>
           </a:bodyPr>
           <a:lstStyle>
@@ -8308,7 +8388,7 @@
             </a:lvl9pPr>
           </a:lstStyle>
           <a:p>
-            <a:pPr marL="0" lvl="0" indent="0" algn="r" rtl="0">
+            <a:pPr indent="0" lvl="0" marL="0" rtl="0" algn="r">
               <a:spcBef>
                 <a:spcPts val="0"/>
               </a:spcBef>
@@ -8318,9 +8398,10 @@
               <a:buNone/>
             </a:pPr>
             <a:fld id="{00000000-1234-1234-1234-123412341234}" type="slidenum">
-              <a:rPr lang="en-GB"/>
+              <a:rPr lang="en"/>
+              <a:t>‹#›</a:t>
             </a:fld>
-            <a:endParaRPr lang="en-GB"/>
+            <a:endParaRPr/>
           </a:p>
         </p:txBody>
       </p:sp>
@@ -8333,7 +8414,7 @@
 </file>
 
 <file path=ppt/slideLayouts/slideLayout5.xml><?xml version="1.0" encoding="utf-8"?>
-<p:sldLayout xmlns:a="http://schemas.openxmlformats.org/drawingml/2006/main" xmlns:r="http://schemas.openxmlformats.org/officeDocument/2006/relationships" xmlns:p="http://schemas.openxmlformats.org/presentationml/2006/main" type="titleOnly" matchingName="Title only">
+<p:sldLayout xmlns:a="http://schemas.openxmlformats.org/drawingml/2006/main" xmlns:r="http://schemas.openxmlformats.org/officeDocument/2006/relationships" xmlns:mc="http://schemas.openxmlformats.org/markup-compatibility/2006" xmlns:mv="urn:schemas-microsoft-com:mac:vml" xmlns:p="http://schemas.openxmlformats.org/presentationml/2006/main" xmlns:c="http://schemas.openxmlformats.org/drawingml/2006/chart" xmlns:dgm="http://schemas.openxmlformats.org/drawingml/2006/diagram" xmlns:o="urn:schemas-microsoft-com:office:office" xmlns:v="urn:schemas-microsoft-com:vml" xmlns:pvml="urn:schemas-microsoft-com:office:powerpoint" xmlns:com="http://schemas.openxmlformats.org/drawingml/2006/compatibility" xmlns:p14="http://schemas.microsoft.com/office/powerpoint/2010/main" xmlns:p15="http://schemas.microsoft.com/office/powerpoint/2012/main" xmlns:ahyp="http://schemas.microsoft.com/office/drawing/2018/hyperlinkcolor" matchingName="Title only" type="titleOnly">
   <p:cSld name="TITLE_ONLY">
     <p:spTree>
       <p:nvGrpSpPr>
@@ -8367,7 +8448,7 @@
           </a:prstGeom>
         </p:spPr>
         <p:txBody>
-          <a:bodyPr spcFirstLastPara="1" wrap="square" lIns="91425" tIns="91425" rIns="91425" bIns="91425" anchor="t" anchorCtr="0">
+          <a:bodyPr anchorCtr="0" anchor="t" bIns="91425" lIns="91425" spcFirstLastPara="1" rIns="91425" wrap="square" tIns="91425">
             <a:normAutofit/>
           </a:bodyPr>
           <a:lstStyle>
@@ -8479,7 +8560,7 @@
           <p:cNvPr id="27" name="Google Shape;27;p6"/>
           <p:cNvSpPr txBox="1"/>
           <p:nvPr>
-            <p:ph type="sldNum" idx="12"/>
+            <p:ph idx="12" type="sldNum"/>
           </p:nvPr>
         </p:nvSpPr>
         <p:spPr>
@@ -8492,7 +8573,7 @@
           </a:prstGeom>
         </p:spPr>
         <p:txBody>
-          <a:bodyPr spcFirstLastPara="1" wrap="square" lIns="91425" tIns="91425" rIns="91425" bIns="91425" anchor="ctr" anchorCtr="0">
+          <a:bodyPr anchorCtr="0" anchor="ctr" bIns="91425" lIns="91425" spcFirstLastPara="1" rIns="91425" wrap="square" tIns="91425">
             <a:normAutofit/>
           </a:bodyPr>
           <a:lstStyle>
@@ -8534,7 +8615,7 @@
             </a:lvl9pPr>
           </a:lstStyle>
           <a:p>
-            <a:pPr marL="0" lvl="0" indent="0" algn="r" rtl="0">
+            <a:pPr indent="0" lvl="0" marL="0" rtl="0" algn="r">
               <a:spcBef>
                 <a:spcPts val="0"/>
               </a:spcBef>
@@ -8544,9 +8625,10 @@
               <a:buNone/>
             </a:pPr>
             <a:fld id="{00000000-1234-1234-1234-123412341234}" type="slidenum">
-              <a:rPr lang="en-GB"/>
+              <a:rPr lang="en"/>
+              <a:t>‹#›</a:t>
             </a:fld>
-            <a:endParaRPr lang="en-GB"/>
+            <a:endParaRPr/>
           </a:p>
         </p:txBody>
       </p:sp>
@@ -8559,7 +8641,7 @@
 </file>
 
 <file path=ppt/slideLayouts/slideLayout6.xml><?xml version="1.0" encoding="utf-8"?>
-<p:sldLayout xmlns:a="http://schemas.openxmlformats.org/drawingml/2006/main" xmlns:r="http://schemas.openxmlformats.org/officeDocument/2006/relationships" xmlns:p="http://schemas.openxmlformats.org/presentationml/2006/main" matchingName="One column text">
+<p:sldLayout xmlns:a="http://schemas.openxmlformats.org/drawingml/2006/main" xmlns:r="http://schemas.openxmlformats.org/officeDocument/2006/relationships" xmlns:mc="http://schemas.openxmlformats.org/markup-compatibility/2006" xmlns:mv="urn:schemas-microsoft-com:mac:vml" xmlns:p="http://schemas.openxmlformats.org/presentationml/2006/main" xmlns:c="http://schemas.openxmlformats.org/drawingml/2006/chart" xmlns:dgm="http://schemas.openxmlformats.org/drawingml/2006/diagram" xmlns:o="urn:schemas-microsoft-com:office:office" xmlns:v="urn:schemas-microsoft-com:vml" xmlns:pvml="urn:schemas-microsoft-com:office:powerpoint" xmlns:com="http://schemas.openxmlformats.org/drawingml/2006/compatibility" xmlns:p14="http://schemas.microsoft.com/office/powerpoint/2010/main" xmlns:p15="http://schemas.microsoft.com/office/powerpoint/2012/main" xmlns:ahyp="http://schemas.microsoft.com/office/drawing/2018/hyperlinkcolor" matchingName="One column text">
   <p:cSld name="ONE_COLUMN_TEXT">
     <p:spTree>
       <p:nvGrpSpPr>
@@ -8593,7 +8675,7 @@
           </a:prstGeom>
         </p:spPr>
         <p:txBody>
-          <a:bodyPr spcFirstLastPara="1" wrap="square" lIns="91425" tIns="91425" rIns="91425" bIns="91425" anchor="b" anchorCtr="0">
+          <a:bodyPr anchorCtr="0" anchor="b" bIns="91425" lIns="91425" spcFirstLastPara="1" rIns="91425" wrap="square" tIns="91425">
             <a:normAutofit/>
           </a:bodyPr>
           <a:lstStyle>
@@ -8705,7 +8787,7 @@
           <p:cNvPr id="30" name="Google Shape;30;p7"/>
           <p:cNvSpPr txBox="1"/>
           <p:nvPr>
-            <p:ph type="body" idx="1"/>
+            <p:ph idx="1" type="body"/>
           </p:nvPr>
         </p:nvSpPr>
         <p:spPr>
@@ -8718,11 +8800,11 @@
           </a:prstGeom>
         </p:spPr>
         <p:txBody>
-          <a:bodyPr spcFirstLastPara="1" wrap="square" lIns="91425" tIns="91425" rIns="91425" bIns="91425" anchor="t" anchorCtr="0">
+          <a:bodyPr anchorCtr="0" anchor="t" bIns="91425" lIns="91425" spcFirstLastPara="1" rIns="91425" wrap="square" tIns="91425">
             <a:normAutofit/>
           </a:bodyPr>
           <a:lstStyle>
-            <a:lvl1pPr marL="457200" lvl="0" indent="-304800">
+            <a:lvl1pPr indent="-304800" lvl="0" marL="457200">
               <a:spcBef>
                 <a:spcPts val="0"/>
               </a:spcBef>
@@ -8733,7 +8815,7 @@
               <a:buChar char="●"/>
               <a:defRPr sz="1200"/>
             </a:lvl1pPr>
-            <a:lvl2pPr marL="914400" lvl="1" indent="-304800">
+            <a:lvl2pPr indent="-304800" lvl="1" marL="914400">
               <a:spcBef>
                 <a:spcPts val="0"/>
               </a:spcBef>
@@ -8744,7 +8826,7 @@
               <a:buChar char="○"/>
               <a:defRPr sz="1200"/>
             </a:lvl2pPr>
-            <a:lvl3pPr marL="1371600" lvl="2" indent="-304800">
+            <a:lvl3pPr indent="-304800" lvl="2" marL="1371600">
               <a:spcBef>
                 <a:spcPts val="0"/>
               </a:spcBef>
@@ -8755,7 +8837,7 @@
               <a:buChar char="■"/>
               <a:defRPr sz="1200"/>
             </a:lvl3pPr>
-            <a:lvl4pPr marL="1828800" lvl="3" indent="-304800">
+            <a:lvl4pPr indent="-304800" lvl="3" marL="1828800">
               <a:spcBef>
                 <a:spcPts val="0"/>
               </a:spcBef>
@@ -8766,7 +8848,7 @@
               <a:buChar char="●"/>
               <a:defRPr sz="1200"/>
             </a:lvl4pPr>
-            <a:lvl5pPr marL="2286000" lvl="4" indent="-304800">
+            <a:lvl5pPr indent="-304800" lvl="4" marL="2286000">
               <a:spcBef>
                 <a:spcPts val="0"/>
               </a:spcBef>
@@ -8777,7 +8859,7 @@
               <a:buChar char="○"/>
               <a:defRPr sz="1200"/>
             </a:lvl5pPr>
-            <a:lvl6pPr marL="2743200" lvl="5" indent="-304800">
+            <a:lvl6pPr indent="-304800" lvl="5" marL="2743200">
               <a:spcBef>
                 <a:spcPts val="0"/>
               </a:spcBef>
@@ -8788,7 +8870,7 @@
               <a:buChar char="■"/>
               <a:defRPr sz="1200"/>
             </a:lvl6pPr>
-            <a:lvl7pPr marL="3200400" lvl="6" indent="-304800">
+            <a:lvl7pPr indent="-304800" lvl="6" marL="3200400">
               <a:spcBef>
                 <a:spcPts val="0"/>
               </a:spcBef>
@@ -8799,7 +8881,7 @@
               <a:buChar char="●"/>
               <a:defRPr sz="1200"/>
             </a:lvl7pPr>
-            <a:lvl8pPr marL="3657600" lvl="7" indent="-304800">
+            <a:lvl8pPr indent="-304800" lvl="7" marL="3657600">
               <a:spcBef>
                 <a:spcPts val="0"/>
               </a:spcBef>
@@ -8810,7 +8892,7 @@
               <a:buChar char="○"/>
               <a:defRPr sz="1200"/>
             </a:lvl8pPr>
-            <a:lvl9pPr marL="4114800" lvl="8" indent="-304800">
+            <a:lvl9pPr indent="-304800" lvl="8" marL="4114800">
               <a:spcBef>
                 <a:spcPts val="0"/>
               </a:spcBef>
@@ -8830,7 +8912,7 @@
           <p:cNvPr id="31" name="Google Shape;31;p7"/>
           <p:cNvSpPr txBox="1"/>
           <p:nvPr>
-            <p:ph type="sldNum" idx="12"/>
+            <p:ph idx="12" type="sldNum"/>
           </p:nvPr>
         </p:nvSpPr>
         <p:spPr>
@@ -8843,7 +8925,7 @@
           </a:prstGeom>
         </p:spPr>
         <p:txBody>
-          <a:bodyPr spcFirstLastPara="1" wrap="square" lIns="91425" tIns="91425" rIns="91425" bIns="91425" anchor="ctr" anchorCtr="0">
+          <a:bodyPr anchorCtr="0" anchor="ctr" bIns="91425" lIns="91425" spcFirstLastPara="1" rIns="91425" wrap="square" tIns="91425">
             <a:normAutofit/>
           </a:bodyPr>
           <a:lstStyle>
@@ -8885,7 +8967,7 @@
             </a:lvl9pPr>
           </a:lstStyle>
           <a:p>
-            <a:pPr marL="0" lvl="0" indent="0" algn="r" rtl="0">
+            <a:pPr indent="0" lvl="0" marL="0" rtl="0" algn="r">
               <a:spcBef>
                 <a:spcPts val="0"/>
               </a:spcBef>
@@ -8895,9 +8977,10 @@
               <a:buNone/>
             </a:pPr>
             <a:fld id="{00000000-1234-1234-1234-123412341234}" type="slidenum">
-              <a:rPr lang="en-GB"/>
+              <a:rPr lang="en"/>
+              <a:t>‹#›</a:t>
             </a:fld>
-            <a:endParaRPr lang="en-GB"/>
+            <a:endParaRPr/>
           </a:p>
         </p:txBody>
       </p:sp>
@@ -8910,7 +8993,7 @@
 </file>
 
 <file path=ppt/slideLayouts/slideLayout7.xml><?xml version="1.0" encoding="utf-8"?>
-<p:sldLayout xmlns:a="http://schemas.openxmlformats.org/drawingml/2006/main" xmlns:r="http://schemas.openxmlformats.org/officeDocument/2006/relationships" xmlns:p="http://schemas.openxmlformats.org/presentationml/2006/main" matchingName="Main point">
+<p:sldLayout xmlns:a="http://schemas.openxmlformats.org/drawingml/2006/main" xmlns:r="http://schemas.openxmlformats.org/officeDocument/2006/relationships" xmlns:mc="http://schemas.openxmlformats.org/markup-compatibility/2006" xmlns:mv="urn:schemas-microsoft-com:mac:vml" xmlns:p="http://schemas.openxmlformats.org/presentationml/2006/main" xmlns:c="http://schemas.openxmlformats.org/drawingml/2006/chart" xmlns:dgm="http://schemas.openxmlformats.org/drawingml/2006/diagram" xmlns:o="urn:schemas-microsoft-com:office:office" xmlns:v="urn:schemas-microsoft-com:vml" xmlns:pvml="urn:schemas-microsoft-com:office:powerpoint" xmlns:com="http://schemas.openxmlformats.org/drawingml/2006/compatibility" xmlns:p14="http://schemas.microsoft.com/office/powerpoint/2010/main" xmlns:p15="http://schemas.microsoft.com/office/powerpoint/2012/main" xmlns:ahyp="http://schemas.microsoft.com/office/drawing/2018/hyperlinkcolor" matchingName="Main point">
   <p:cSld name="MAIN_POINT">
     <p:spTree>
       <p:nvGrpSpPr>
@@ -8944,7 +9027,7 @@
           </a:prstGeom>
         </p:spPr>
         <p:txBody>
-          <a:bodyPr spcFirstLastPara="1" wrap="square" lIns="91425" tIns="91425" rIns="91425" bIns="91425" anchor="ctr" anchorCtr="0">
+          <a:bodyPr anchorCtr="0" anchor="ctr" bIns="91425" lIns="91425" spcFirstLastPara="1" rIns="91425" wrap="square" tIns="91425">
             <a:normAutofit/>
           </a:bodyPr>
           <a:lstStyle>
@@ -9056,7 +9139,7 @@
           <p:cNvPr id="34" name="Google Shape;34;p8"/>
           <p:cNvSpPr txBox="1"/>
           <p:nvPr>
-            <p:ph type="sldNum" idx="12"/>
+            <p:ph idx="12" type="sldNum"/>
           </p:nvPr>
         </p:nvSpPr>
         <p:spPr>
@@ -9069,7 +9152,7 @@
           </a:prstGeom>
         </p:spPr>
         <p:txBody>
-          <a:bodyPr spcFirstLastPara="1" wrap="square" lIns="91425" tIns="91425" rIns="91425" bIns="91425" anchor="ctr" anchorCtr="0">
+          <a:bodyPr anchorCtr="0" anchor="ctr" bIns="91425" lIns="91425" spcFirstLastPara="1" rIns="91425" wrap="square" tIns="91425">
             <a:normAutofit/>
           </a:bodyPr>
           <a:lstStyle>
@@ -9111,7 +9194,7 @@
             </a:lvl9pPr>
           </a:lstStyle>
           <a:p>
-            <a:pPr marL="0" lvl="0" indent="0" algn="r" rtl="0">
+            <a:pPr indent="0" lvl="0" marL="0" rtl="0" algn="r">
               <a:spcBef>
                 <a:spcPts val="0"/>
               </a:spcBef>
@@ -9121,9 +9204,10 @@
               <a:buNone/>
             </a:pPr>
             <a:fld id="{00000000-1234-1234-1234-123412341234}" type="slidenum">
-              <a:rPr lang="en-GB"/>
+              <a:rPr lang="en"/>
+              <a:t>‹#›</a:t>
             </a:fld>
-            <a:endParaRPr lang="en-GB"/>
+            <a:endParaRPr/>
           </a:p>
         </p:txBody>
       </p:sp>
@@ -9136,7 +9220,7 @@
 </file>
 
 <file path=ppt/slideLayouts/slideLayout8.xml><?xml version="1.0" encoding="utf-8"?>
-<p:sldLayout xmlns:a="http://schemas.openxmlformats.org/drawingml/2006/main" xmlns:r="http://schemas.openxmlformats.org/officeDocument/2006/relationships" xmlns:p="http://schemas.openxmlformats.org/presentationml/2006/main" matchingName="Section title and description">
+<p:sldLayout xmlns:a="http://schemas.openxmlformats.org/drawingml/2006/main" xmlns:r="http://schemas.openxmlformats.org/officeDocument/2006/relationships" xmlns:mc="http://schemas.openxmlformats.org/markup-compatibility/2006" xmlns:mv="urn:schemas-microsoft-com:mac:vml" xmlns:p="http://schemas.openxmlformats.org/presentationml/2006/main" xmlns:c="http://schemas.openxmlformats.org/drawingml/2006/chart" xmlns:dgm="http://schemas.openxmlformats.org/drawingml/2006/diagram" xmlns:o="urn:schemas-microsoft-com:office:office" xmlns:v="urn:schemas-microsoft-com:vml" xmlns:pvml="urn:schemas-microsoft-com:office:powerpoint" xmlns:com="http://schemas.openxmlformats.org/drawingml/2006/compatibility" xmlns:p14="http://schemas.microsoft.com/office/powerpoint/2010/main" xmlns:p15="http://schemas.microsoft.com/office/powerpoint/2012/main" xmlns:ahyp="http://schemas.microsoft.com/office/drawing/2018/hyperlinkcolor" matchingName="Section title and description">
   <p:cSld name="SECTION_TITLE_AND_DESCRIPTION">
     <p:spTree>
       <p:nvGrpSpPr>
@@ -9174,12 +9258,12 @@
           </a:ln>
         </p:spPr>
         <p:txBody>
-          <a:bodyPr spcFirstLastPara="1" wrap="square" lIns="91425" tIns="91425" rIns="91425" bIns="91425" anchor="ctr" anchorCtr="0">
+          <a:bodyPr anchorCtr="0" anchor="ctr" bIns="91425" lIns="91425" spcFirstLastPara="1" rIns="91425" wrap="square" tIns="91425">
             <a:noAutofit/>
           </a:bodyPr>
           <a:lstStyle/>
           <a:p>
-            <a:pPr marL="0" lvl="0" indent="0" algn="l" rtl="0">
+            <a:pPr indent="0" lvl="0" marL="0" rtl="0" algn="l">
               <a:spcBef>
                 <a:spcPts val="0"/>
               </a:spcBef>
@@ -9188,6 +9272,10 @@
               </a:spcAft>
               <a:buNone/>
             </a:pPr>
+            <a:r>
+              <a:t/>
+            </a:r>
+            <a:endParaRPr/>
           </a:p>
         </p:txBody>
       </p:sp>
@@ -9209,7 +9297,7 @@
           </a:prstGeom>
         </p:spPr>
         <p:txBody>
-          <a:bodyPr spcFirstLastPara="1" wrap="square" lIns="91425" tIns="91425" rIns="91425" bIns="91425" anchor="b" anchorCtr="0">
+          <a:bodyPr anchorCtr="0" anchor="b" bIns="91425" lIns="91425" spcFirstLastPara="1" rIns="91425" wrap="square" tIns="91425">
             <a:normAutofit/>
           </a:bodyPr>
           <a:lstStyle>
@@ -9321,7 +9409,7 @@
           <p:cNvPr id="38" name="Google Shape;38;p9"/>
           <p:cNvSpPr txBox="1"/>
           <p:nvPr>
-            <p:ph type="subTitle" idx="1"/>
+            <p:ph idx="1" type="subTitle"/>
           </p:nvPr>
         </p:nvSpPr>
         <p:spPr>
@@ -9334,7 +9422,7 @@
           </a:prstGeom>
         </p:spPr>
         <p:txBody>
-          <a:bodyPr spcFirstLastPara="1" wrap="square" lIns="91425" tIns="91425" rIns="91425" bIns="91425" anchor="t" anchorCtr="0">
+          <a:bodyPr anchorCtr="0" anchor="t" bIns="91425" lIns="91425" spcFirstLastPara="1" rIns="91425" wrap="square" tIns="91425">
             <a:normAutofit/>
           </a:bodyPr>
           <a:lstStyle>
@@ -9473,7 +9561,7 @@
           <p:cNvPr id="39" name="Google Shape;39;p9"/>
           <p:cNvSpPr txBox="1"/>
           <p:nvPr>
-            <p:ph type="body" idx="2"/>
+            <p:ph idx="2" type="body"/>
           </p:nvPr>
         </p:nvSpPr>
         <p:spPr>
@@ -9486,11 +9574,11 @@
           </a:prstGeom>
         </p:spPr>
         <p:txBody>
-          <a:bodyPr spcFirstLastPara="1" wrap="square" lIns="91425" tIns="91425" rIns="91425" bIns="91425" anchor="ctr" anchorCtr="0">
+          <a:bodyPr anchorCtr="0" anchor="ctr" bIns="91425" lIns="91425" spcFirstLastPara="1" rIns="91425" wrap="square" tIns="91425">
             <a:normAutofit/>
           </a:bodyPr>
           <a:lstStyle>
-            <a:lvl1pPr marL="457200" lvl="0" indent="-342900">
+            <a:lvl1pPr indent="-342900" lvl="0" marL="457200">
               <a:spcBef>
                 <a:spcPts val="0"/>
               </a:spcBef>
@@ -9501,7 +9589,7 @@
               <a:buChar char="●"/>
               <a:defRPr/>
             </a:lvl1pPr>
-            <a:lvl2pPr marL="914400" lvl="1" indent="-317500">
+            <a:lvl2pPr indent="-317500" lvl="1" marL="914400">
               <a:spcBef>
                 <a:spcPts val="0"/>
               </a:spcBef>
@@ -9512,7 +9600,7 @@
               <a:buChar char="○"/>
               <a:defRPr/>
             </a:lvl2pPr>
-            <a:lvl3pPr marL="1371600" lvl="2" indent="-317500">
+            <a:lvl3pPr indent="-317500" lvl="2" marL="1371600">
               <a:spcBef>
                 <a:spcPts val="0"/>
               </a:spcBef>
@@ -9523,7 +9611,7 @@
               <a:buChar char="■"/>
               <a:defRPr/>
             </a:lvl3pPr>
-            <a:lvl4pPr marL="1828800" lvl="3" indent="-317500">
+            <a:lvl4pPr indent="-317500" lvl="3" marL="1828800">
               <a:spcBef>
                 <a:spcPts val="0"/>
               </a:spcBef>
@@ -9534,7 +9622,7 @@
               <a:buChar char="●"/>
               <a:defRPr/>
             </a:lvl4pPr>
-            <a:lvl5pPr marL="2286000" lvl="4" indent="-317500">
+            <a:lvl5pPr indent="-317500" lvl="4" marL="2286000">
               <a:spcBef>
                 <a:spcPts val="0"/>
               </a:spcBef>
@@ -9545,7 +9633,7 @@
               <a:buChar char="○"/>
               <a:defRPr/>
             </a:lvl5pPr>
-            <a:lvl6pPr marL="2743200" lvl="5" indent="-317500">
+            <a:lvl6pPr indent="-317500" lvl="5" marL="2743200">
               <a:spcBef>
                 <a:spcPts val="0"/>
               </a:spcBef>
@@ -9556,7 +9644,7 @@
               <a:buChar char="■"/>
               <a:defRPr/>
             </a:lvl6pPr>
-            <a:lvl7pPr marL="3200400" lvl="6" indent="-317500">
+            <a:lvl7pPr indent="-317500" lvl="6" marL="3200400">
               <a:spcBef>
                 <a:spcPts val="0"/>
               </a:spcBef>
@@ -9567,7 +9655,7 @@
               <a:buChar char="●"/>
               <a:defRPr/>
             </a:lvl7pPr>
-            <a:lvl8pPr marL="3657600" lvl="7" indent="-317500">
+            <a:lvl8pPr indent="-317500" lvl="7" marL="3657600">
               <a:spcBef>
                 <a:spcPts val="0"/>
               </a:spcBef>
@@ -9578,7 +9666,7 @@
               <a:buChar char="○"/>
               <a:defRPr/>
             </a:lvl8pPr>
-            <a:lvl9pPr marL="4114800" lvl="8" indent="-317500">
+            <a:lvl9pPr indent="-317500" lvl="8" marL="4114800">
               <a:spcBef>
                 <a:spcPts val="0"/>
               </a:spcBef>
@@ -9598,7 +9686,7 @@
           <p:cNvPr id="40" name="Google Shape;40;p9"/>
           <p:cNvSpPr txBox="1"/>
           <p:nvPr>
-            <p:ph type="sldNum" idx="12"/>
+            <p:ph idx="12" type="sldNum"/>
           </p:nvPr>
         </p:nvSpPr>
         <p:spPr>
@@ -9611,7 +9699,7 @@
           </a:prstGeom>
         </p:spPr>
         <p:txBody>
-          <a:bodyPr spcFirstLastPara="1" wrap="square" lIns="91425" tIns="91425" rIns="91425" bIns="91425" anchor="ctr" anchorCtr="0">
+          <a:bodyPr anchorCtr="0" anchor="ctr" bIns="91425" lIns="91425" spcFirstLastPara="1" rIns="91425" wrap="square" tIns="91425">
             <a:normAutofit/>
           </a:bodyPr>
           <a:lstStyle>
@@ -9653,7 +9741,7 @@
             </a:lvl9pPr>
           </a:lstStyle>
           <a:p>
-            <a:pPr marL="0" lvl="0" indent="0" algn="r" rtl="0">
+            <a:pPr indent="0" lvl="0" marL="0" rtl="0" algn="r">
               <a:spcBef>
                 <a:spcPts val="0"/>
               </a:spcBef>
@@ -9663,9 +9751,10 @@
               <a:buNone/>
             </a:pPr>
             <a:fld id="{00000000-1234-1234-1234-123412341234}" type="slidenum">
-              <a:rPr lang="en-GB"/>
+              <a:rPr lang="en"/>
+              <a:t>‹#›</a:t>
             </a:fld>
-            <a:endParaRPr lang="en-GB"/>
+            <a:endParaRPr/>
           </a:p>
         </p:txBody>
       </p:sp>
@@ -9678,7 +9767,7 @@
 </file>
 
 <file path=ppt/slideLayouts/slideLayout9.xml><?xml version="1.0" encoding="utf-8"?>
-<p:sldLayout xmlns:a="http://schemas.openxmlformats.org/drawingml/2006/main" xmlns:r="http://schemas.openxmlformats.org/officeDocument/2006/relationships" xmlns:p="http://schemas.openxmlformats.org/presentationml/2006/main" matchingName="Caption">
+<p:sldLayout xmlns:a="http://schemas.openxmlformats.org/drawingml/2006/main" xmlns:r="http://schemas.openxmlformats.org/officeDocument/2006/relationships" xmlns:mc="http://schemas.openxmlformats.org/markup-compatibility/2006" xmlns:mv="urn:schemas-microsoft-com:mac:vml" xmlns:p="http://schemas.openxmlformats.org/presentationml/2006/main" xmlns:c="http://schemas.openxmlformats.org/drawingml/2006/chart" xmlns:dgm="http://schemas.openxmlformats.org/drawingml/2006/diagram" xmlns:o="urn:schemas-microsoft-com:office:office" xmlns:v="urn:schemas-microsoft-com:vml" xmlns:pvml="urn:schemas-microsoft-com:office:powerpoint" xmlns:com="http://schemas.openxmlformats.org/drawingml/2006/compatibility" xmlns:p14="http://schemas.microsoft.com/office/powerpoint/2010/main" xmlns:p15="http://schemas.microsoft.com/office/powerpoint/2012/main" xmlns:ahyp="http://schemas.microsoft.com/office/drawing/2018/hyperlinkcolor" matchingName="Caption">
   <p:cSld name="CAPTION_ONLY">
     <p:spTree>
       <p:nvGrpSpPr>
@@ -9699,7 +9788,7 @@
           <p:cNvPr id="42" name="Google Shape;42;p10"/>
           <p:cNvSpPr txBox="1"/>
           <p:nvPr>
-            <p:ph type="body" idx="1"/>
+            <p:ph idx="1" type="body"/>
           </p:nvPr>
         </p:nvSpPr>
         <p:spPr>
@@ -9712,11 +9801,11 @@
           </a:prstGeom>
         </p:spPr>
         <p:txBody>
-          <a:bodyPr spcFirstLastPara="1" wrap="square" lIns="91425" tIns="91425" rIns="91425" bIns="91425" anchor="ctr" anchorCtr="0">
+          <a:bodyPr anchorCtr="0" anchor="ctr" bIns="91425" lIns="91425" spcFirstLastPara="1" rIns="91425" wrap="square" tIns="91425">
             <a:normAutofit/>
           </a:bodyPr>
           <a:lstStyle>
-            <a:lvl1pPr marL="457200" lvl="0" indent="-228600">
+            <a:lvl1pPr indent="-228600" lvl="0" marL="457200">
               <a:lnSpc>
                 <a:spcPct val="100000"/>
               </a:lnSpc>
@@ -9739,7 +9828,7 @@
           <p:cNvPr id="43" name="Google Shape;43;p10"/>
           <p:cNvSpPr txBox="1"/>
           <p:nvPr>
-            <p:ph type="sldNum" idx="12"/>
+            <p:ph idx="12" type="sldNum"/>
           </p:nvPr>
         </p:nvSpPr>
         <p:spPr>
@@ -9752,7 +9841,7 @@
           </a:prstGeom>
         </p:spPr>
         <p:txBody>
-          <a:bodyPr spcFirstLastPara="1" wrap="square" lIns="91425" tIns="91425" rIns="91425" bIns="91425" anchor="ctr" anchorCtr="0">
+          <a:bodyPr anchorCtr="0" anchor="ctr" bIns="91425" lIns="91425" spcFirstLastPara="1" rIns="91425" wrap="square" tIns="91425">
             <a:normAutofit/>
           </a:bodyPr>
           <a:lstStyle>
@@ -9794,7 +9883,7 @@
             </a:lvl9pPr>
           </a:lstStyle>
           <a:p>
-            <a:pPr marL="0" lvl="0" indent="0" algn="r" rtl="0">
+            <a:pPr indent="0" lvl="0" marL="0" rtl="0" algn="r">
               <a:spcBef>
                 <a:spcPts val="0"/>
               </a:spcBef>
@@ -9804,9 +9893,10 @@
               <a:buNone/>
             </a:pPr>
             <a:fld id="{00000000-1234-1234-1234-123412341234}" type="slidenum">
-              <a:rPr lang="en-GB"/>
+              <a:rPr lang="en"/>
+              <a:t>‹#›</a:t>
             </a:fld>
-            <a:endParaRPr lang="en-GB"/>
+            <a:endParaRPr/>
           </a:p>
         </p:txBody>
       </p:sp>
@@ -9819,14 +9909,13 @@
 </file>
 
 <file path=ppt/slideMasters/slideMaster1.xml><?xml version="1.0" encoding="utf-8"?>
-<p:sldMaster xmlns:a="http://schemas.openxmlformats.org/drawingml/2006/main" xmlns:r="http://schemas.openxmlformats.org/officeDocument/2006/relationships" xmlns:p="http://schemas.openxmlformats.org/presentationml/2006/main">
-  <p:cSld>
+<p:sldMaster xmlns:a="http://schemas.openxmlformats.org/drawingml/2006/main" xmlns:r="http://schemas.openxmlformats.org/officeDocument/2006/relationships" xmlns:mc="http://schemas.openxmlformats.org/markup-compatibility/2006" xmlns:mv="urn:schemas-microsoft-com:mac:vml" xmlns:p="http://schemas.openxmlformats.org/presentationml/2006/main" xmlns:c="http://schemas.openxmlformats.org/drawingml/2006/chart" xmlns:dgm="http://schemas.openxmlformats.org/drawingml/2006/diagram" xmlns:o="urn:schemas-microsoft-com:office:office" xmlns:v="urn:schemas-microsoft-com:vml" xmlns:pvml="urn:schemas-microsoft-com:office:powerpoint" xmlns:com="http://schemas.openxmlformats.org/drawingml/2006/compatibility" xmlns:p14="http://schemas.microsoft.com/office/powerpoint/2010/main" xmlns:p15="http://schemas.microsoft.com/office/powerpoint/2012/main" xmlns:ahyp="http://schemas.microsoft.com/office/drawing/2018/hyperlinkcolor">
+  <p:cSld name="simple-light-2">
     <p:bg>
       <p:bgPr>
         <a:solidFill>
           <a:schemeClr val="lt1"/>
         </a:solidFill>
-        <a:effectLst/>
       </p:bgPr>
     </p:bg>
     <p:spTree>
@@ -9865,7 +9954,7 @@
           </a:ln>
         </p:spPr>
         <p:txBody>
-          <a:bodyPr spcFirstLastPara="1" wrap="square" lIns="91425" tIns="91425" rIns="91425" bIns="91425" anchor="t" anchorCtr="0">
+          <a:bodyPr anchorCtr="0" anchor="t" bIns="91425" lIns="91425" spcFirstLastPara="1" rIns="91425" wrap="square" tIns="91425">
             <a:normAutofit/>
           </a:bodyPr>
           <a:lstStyle>
@@ -10040,7 +10129,7 @@
           <p:cNvPr id="7" name="Google Shape;7;p1"/>
           <p:cNvSpPr txBox="1"/>
           <p:nvPr>
-            <p:ph type="body" idx="1"/>
+            <p:ph idx="1" type="body"/>
           </p:nvPr>
         </p:nvSpPr>
         <p:spPr>
@@ -10057,11 +10146,11 @@
           </a:ln>
         </p:spPr>
         <p:txBody>
-          <a:bodyPr spcFirstLastPara="1" wrap="square" lIns="91425" tIns="91425" rIns="91425" bIns="91425" anchor="t" anchorCtr="0">
+          <a:bodyPr anchorCtr="0" anchor="t" bIns="91425" lIns="91425" spcFirstLastPara="1" rIns="91425" wrap="square" tIns="91425">
             <a:normAutofit/>
           </a:bodyPr>
           <a:lstStyle>
-            <a:lvl1pPr marL="457200" lvl="0" indent="-342900">
+            <a:lvl1pPr indent="-342900" lvl="0" marL="457200">
               <a:lnSpc>
                 <a:spcPct val="115000"/>
               </a:lnSpc>
@@ -10082,7 +10171,7 @@
                 </a:solidFill>
               </a:defRPr>
             </a:lvl1pPr>
-            <a:lvl2pPr marL="914400" lvl="1" indent="-317500">
+            <a:lvl2pPr indent="-317500" lvl="1" marL="914400">
               <a:lnSpc>
                 <a:spcPct val="115000"/>
               </a:lnSpc>
@@ -10103,7 +10192,7 @@
                 </a:solidFill>
               </a:defRPr>
             </a:lvl2pPr>
-            <a:lvl3pPr marL="1371600" lvl="2" indent="-317500">
+            <a:lvl3pPr indent="-317500" lvl="2" marL="1371600">
               <a:lnSpc>
                 <a:spcPct val="115000"/>
               </a:lnSpc>
@@ -10124,7 +10213,7 @@
                 </a:solidFill>
               </a:defRPr>
             </a:lvl3pPr>
-            <a:lvl4pPr marL="1828800" lvl="3" indent="-317500">
+            <a:lvl4pPr indent="-317500" lvl="3" marL="1828800">
               <a:lnSpc>
                 <a:spcPct val="115000"/>
               </a:lnSpc>
@@ -10145,7 +10234,7 @@
                 </a:solidFill>
               </a:defRPr>
             </a:lvl4pPr>
-            <a:lvl5pPr marL="2286000" lvl="4" indent="-317500">
+            <a:lvl5pPr indent="-317500" lvl="4" marL="2286000">
               <a:lnSpc>
                 <a:spcPct val="115000"/>
               </a:lnSpc>
@@ -10166,7 +10255,7 @@
                 </a:solidFill>
               </a:defRPr>
             </a:lvl5pPr>
-            <a:lvl6pPr marL="2743200" lvl="5" indent="-317500">
+            <a:lvl6pPr indent="-317500" lvl="5" marL="2743200">
               <a:lnSpc>
                 <a:spcPct val="115000"/>
               </a:lnSpc>
@@ -10187,7 +10276,7 @@
                 </a:solidFill>
               </a:defRPr>
             </a:lvl6pPr>
-            <a:lvl7pPr marL="3200400" lvl="6" indent="-317500">
+            <a:lvl7pPr indent="-317500" lvl="6" marL="3200400">
               <a:lnSpc>
                 <a:spcPct val="115000"/>
               </a:lnSpc>
@@ -10208,7 +10297,7 @@
                 </a:solidFill>
               </a:defRPr>
             </a:lvl7pPr>
-            <a:lvl8pPr marL="3657600" lvl="7" indent="-317500">
+            <a:lvl8pPr indent="-317500" lvl="7" marL="3657600">
               <a:lnSpc>
                 <a:spcPct val="115000"/>
               </a:lnSpc>
@@ -10229,7 +10318,7 @@
                 </a:solidFill>
               </a:defRPr>
             </a:lvl8pPr>
-            <a:lvl9pPr marL="4114800" lvl="8" indent="-317500">
+            <a:lvl9pPr indent="-317500" lvl="8" marL="4114800">
               <a:lnSpc>
                 <a:spcPct val="115000"/>
               </a:lnSpc>
@@ -10259,7 +10348,7 @@
           <p:cNvPr id="8" name="Google Shape;8;p1"/>
           <p:cNvSpPr txBox="1"/>
           <p:nvPr>
-            <p:ph type="sldNum" idx="12"/>
+            <p:ph idx="12" type="sldNum"/>
           </p:nvPr>
         </p:nvSpPr>
         <p:spPr>
@@ -10276,7 +10365,7 @@
           </a:ln>
         </p:spPr>
         <p:txBody>
-          <a:bodyPr spcFirstLastPara="1" wrap="square" lIns="91425" tIns="91425" rIns="91425" bIns="91425" anchor="ctr" anchorCtr="0">
+          <a:bodyPr anchorCtr="0" anchor="ctr" bIns="91425" lIns="91425" spcFirstLastPara="1" rIns="91425" wrap="square" tIns="91425">
             <a:normAutofit/>
           </a:bodyPr>
           <a:lstStyle>
@@ -10354,7 +10443,7 @@
             </a:lvl9pPr>
           </a:lstStyle>
           <a:p>
-            <a:pPr marL="0" lvl="0" indent="0" algn="r" rtl="0">
+            <a:pPr indent="0" lvl="0" marL="0" rtl="0" algn="r">
               <a:spcBef>
                 <a:spcPts val="0"/>
               </a:spcBef>
@@ -10364,32 +10453,33 @@
               <a:buNone/>
             </a:pPr>
             <a:fld id="{00000000-1234-1234-1234-123412341234}" type="slidenum">
-              <a:rPr lang="en-GB"/>
+              <a:rPr lang="en"/>
+              <a:t>‹#›</a:t>
             </a:fld>
-            <a:endParaRPr lang="en-GB"/>
+            <a:endParaRPr/>
           </a:p>
         </p:txBody>
       </p:sp>
     </p:spTree>
   </p:cSld>
-  <p:clrMap bg1="lt1" tx1="dk1" bg2="dk2" tx2="lt2" accent1="accent1" accent2="accent2" accent3="accent3" accent4="accent4" accent5="accent5" accent6="accent6" hlink="hlink" folHlink="folHlink"/>
+  <p:clrMap accent1="accent1" accent2="accent2" accent3="accent3" accent4="accent4" accent5="accent5" accent6="accent6" bg1="lt1" bg2="dk2" tx1="dk1" tx2="lt2" folHlink="folHlink" hlink="hlink"/>
   <p:sldLayoutIdLst>
-    <p:sldLayoutId id="2147483649" r:id="rId1"/>
-    <p:sldLayoutId id="2147483650" r:id="rId2"/>
-    <p:sldLayoutId id="2147483651" r:id="rId3"/>
-    <p:sldLayoutId id="2147483652" r:id="rId4"/>
-    <p:sldLayoutId id="2147483653" r:id="rId5"/>
-    <p:sldLayoutId id="2147483654" r:id="rId6"/>
-    <p:sldLayoutId id="2147483655" r:id="rId7"/>
-    <p:sldLayoutId id="2147483656" r:id="rId8"/>
-    <p:sldLayoutId id="2147483657" r:id="rId9"/>
-    <p:sldLayoutId id="2147483658" r:id="rId10"/>
-    <p:sldLayoutId id="2147483659" r:id="rId11"/>
+    <p:sldLayoutId id="2147483648" r:id="rId1"/>
+    <p:sldLayoutId id="2147483649" r:id="rId2"/>
+    <p:sldLayoutId id="2147483650" r:id="rId3"/>
+    <p:sldLayoutId id="2147483651" r:id="rId4"/>
+    <p:sldLayoutId id="2147483652" r:id="rId5"/>
+    <p:sldLayoutId id="2147483653" r:id="rId6"/>
+    <p:sldLayoutId id="2147483654" r:id="rId7"/>
+    <p:sldLayoutId id="2147483655" r:id="rId8"/>
+    <p:sldLayoutId id="2147483656" r:id="rId9"/>
+    <p:sldLayoutId id="2147483657" r:id="rId10"/>
+    <p:sldLayoutId id="2147483658" r:id="rId11"/>
   </p:sldLayoutIdLst>
-  <p:hf sldNum="0" hdr="0" ftr="0" dt="0"/>
+  <p:hf dt="0" ftr="0" hdr="0" sldNum="0"/>
   <p:txStyles>
     <p:titleStyle>
-      <a:defPPr marR="0" lvl="0" algn="l" rtl="0">
+      <a:defPPr lvl="0" marR="0" rtl="0" algn="l">
         <a:lnSpc>
           <a:spcPct val="100000"/>
         </a:lnSpc>
@@ -10400,7 +10490,7 @@
           <a:spcPts val="0"/>
         </a:spcAft>
       </a:defPPr>
-      <a:lvl1pPr marR="0" lvl="0" algn="l" rtl="0">
+      <a:lvl1pPr lvl="0" marR="0" rtl="0" algn="l">
         <a:lnSpc>
           <a:spcPct val="100000"/>
         </a:lnSpc>
@@ -10413,18 +10503,18 @@
         <a:buClr>
           <a:srgbClr val="000000"/>
         </a:buClr>
-        <a:buFont typeface="Arial" panose="020B0604020202020204"/>
-        <a:defRPr sz="1400" b="0" i="0" u="none" strike="noStrike" cap="none">
+        <a:buFont typeface="Arial"/>
+        <a:defRPr b="0" i="0" sz="1400" u="none" cap="none" strike="noStrike">
           <a:solidFill>
             <a:srgbClr val="000000"/>
           </a:solidFill>
-          <a:latin typeface="Arial" panose="020B0604020202020204"/>
-          <a:ea typeface="Arial" panose="020B0604020202020204"/>
-          <a:cs typeface="Arial" panose="020B0604020202020204"/>
-          <a:sym typeface="Arial" panose="020B0604020202020204"/>
+          <a:latin typeface="Arial"/>
+          <a:ea typeface="Arial"/>
+          <a:cs typeface="Arial"/>
+          <a:sym typeface="Arial"/>
         </a:defRPr>
       </a:lvl1pPr>
-      <a:lvl2pPr marR="0" lvl="1" algn="l" rtl="0">
+      <a:lvl2pPr lvl="1" marR="0" rtl="0" algn="l">
         <a:lnSpc>
           <a:spcPct val="100000"/>
         </a:lnSpc>
@@ -10437,18 +10527,18 @@
         <a:buClr>
           <a:srgbClr val="000000"/>
         </a:buClr>
-        <a:buFont typeface="Arial" panose="020B0604020202020204"/>
-        <a:defRPr sz="1400" b="0" i="0" u="none" strike="noStrike" cap="none">
+        <a:buFont typeface="Arial"/>
+        <a:defRPr b="0" i="0" sz="1400" u="none" cap="none" strike="noStrike">
           <a:solidFill>
             <a:srgbClr val="000000"/>
           </a:solidFill>
-          <a:latin typeface="Arial" panose="020B0604020202020204"/>
-          <a:ea typeface="Arial" panose="020B0604020202020204"/>
-          <a:cs typeface="Arial" panose="020B0604020202020204"/>
-          <a:sym typeface="Arial" panose="020B0604020202020204"/>
+          <a:latin typeface="Arial"/>
+          <a:ea typeface="Arial"/>
+          <a:cs typeface="Arial"/>
+          <a:sym typeface="Arial"/>
         </a:defRPr>
       </a:lvl2pPr>
-      <a:lvl3pPr marR="0" lvl="2" algn="l" rtl="0">
+      <a:lvl3pPr lvl="2" marR="0" rtl="0" algn="l">
         <a:lnSpc>
           <a:spcPct val="100000"/>
         </a:lnSpc>
@@ -10461,18 +10551,18 @@
         <a:buClr>
           <a:srgbClr val="000000"/>
         </a:buClr>
-        <a:buFont typeface="Arial" panose="020B0604020202020204"/>
-        <a:defRPr sz="1400" b="0" i="0" u="none" strike="noStrike" cap="none">
+        <a:buFont typeface="Arial"/>
+        <a:defRPr b="0" i="0" sz="1400" u="none" cap="none" strike="noStrike">
           <a:solidFill>
             <a:srgbClr val="000000"/>
           </a:solidFill>
-          <a:latin typeface="Arial" panose="020B0604020202020204"/>
-          <a:ea typeface="Arial" panose="020B0604020202020204"/>
-          <a:cs typeface="Arial" panose="020B0604020202020204"/>
-          <a:sym typeface="Arial" panose="020B0604020202020204"/>
+          <a:latin typeface="Arial"/>
+          <a:ea typeface="Arial"/>
+          <a:cs typeface="Arial"/>
+          <a:sym typeface="Arial"/>
         </a:defRPr>
       </a:lvl3pPr>
-      <a:lvl4pPr marR="0" lvl="3" algn="l" rtl="0">
+      <a:lvl4pPr lvl="3" marR="0" rtl="0" algn="l">
         <a:lnSpc>
           <a:spcPct val="100000"/>
         </a:lnSpc>
@@ -10485,18 +10575,18 @@
         <a:buClr>
           <a:srgbClr val="000000"/>
         </a:buClr>
-        <a:buFont typeface="Arial" panose="020B0604020202020204"/>
-        <a:defRPr sz="1400" b="0" i="0" u="none" strike="noStrike" cap="none">
+        <a:buFont typeface="Arial"/>
+        <a:defRPr b="0" i="0" sz="1400" u="none" cap="none" strike="noStrike">
           <a:solidFill>
             <a:srgbClr val="000000"/>
           </a:solidFill>
-          <a:latin typeface="Arial" panose="020B0604020202020204"/>
-          <a:ea typeface="Arial" panose="020B0604020202020204"/>
-          <a:cs typeface="Arial" panose="020B0604020202020204"/>
-          <a:sym typeface="Arial" panose="020B0604020202020204"/>
+          <a:latin typeface="Arial"/>
+          <a:ea typeface="Arial"/>
+          <a:cs typeface="Arial"/>
+          <a:sym typeface="Arial"/>
         </a:defRPr>
       </a:lvl4pPr>
-      <a:lvl5pPr marR="0" lvl="4" algn="l" rtl="0">
+      <a:lvl5pPr lvl="4" marR="0" rtl="0" algn="l">
         <a:lnSpc>
           <a:spcPct val="100000"/>
         </a:lnSpc>
@@ -10509,18 +10599,18 @@
         <a:buClr>
           <a:srgbClr val="000000"/>
         </a:buClr>
-        <a:buFont typeface="Arial" panose="020B0604020202020204"/>
-        <a:defRPr sz="1400" b="0" i="0" u="none" strike="noStrike" cap="none">
+        <a:buFont typeface="Arial"/>
+        <a:defRPr b="0" i="0" sz="1400" u="none" cap="none" strike="noStrike">
           <a:solidFill>
             <a:srgbClr val="000000"/>
           </a:solidFill>
-          <a:latin typeface="Arial" panose="020B0604020202020204"/>
-          <a:ea typeface="Arial" panose="020B0604020202020204"/>
-          <a:cs typeface="Arial" panose="020B0604020202020204"/>
-          <a:sym typeface="Arial" panose="020B0604020202020204"/>
+          <a:latin typeface="Arial"/>
+          <a:ea typeface="Arial"/>
+          <a:cs typeface="Arial"/>
+          <a:sym typeface="Arial"/>
         </a:defRPr>
       </a:lvl5pPr>
-      <a:lvl6pPr marR="0" lvl="5" algn="l" rtl="0">
+      <a:lvl6pPr lvl="5" marR="0" rtl="0" algn="l">
         <a:lnSpc>
           <a:spcPct val="100000"/>
         </a:lnSpc>
@@ -10533,18 +10623,18 @@
         <a:buClr>
           <a:srgbClr val="000000"/>
         </a:buClr>
-        <a:buFont typeface="Arial" panose="020B0604020202020204"/>
-        <a:defRPr sz="1400" b="0" i="0" u="none" strike="noStrike" cap="none">
+        <a:buFont typeface="Arial"/>
+        <a:defRPr b="0" i="0" sz="1400" u="none" cap="none" strike="noStrike">
           <a:solidFill>
             <a:srgbClr val="000000"/>
           </a:solidFill>
-          <a:latin typeface="Arial" panose="020B0604020202020204"/>
-          <a:ea typeface="Arial" panose="020B0604020202020204"/>
-          <a:cs typeface="Arial" panose="020B0604020202020204"/>
-          <a:sym typeface="Arial" panose="020B0604020202020204"/>
+          <a:latin typeface="Arial"/>
+          <a:ea typeface="Arial"/>
+          <a:cs typeface="Arial"/>
+          <a:sym typeface="Arial"/>
         </a:defRPr>
       </a:lvl6pPr>
-      <a:lvl7pPr marR="0" lvl="6" algn="l" rtl="0">
+      <a:lvl7pPr lvl="6" marR="0" rtl="0" algn="l">
         <a:lnSpc>
           <a:spcPct val="100000"/>
         </a:lnSpc>
@@ -10557,18 +10647,18 @@
         <a:buClr>
           <a:srgbClr val="000000"/>
         </a:buClr>
-        <a:buFont typeface="Arial" panose="020B0604020202020204"/>
-        <a:defRPr sz="1400" b="0" i="0" u="none" strike="noStrike" cap="none">
+        <a:buFont typeface="Arial"/>
+        <a:defRPr b="0" i="0" sz="1400" u="none" cap="none" strike="noStrike">
           <a:solidFill>
             <a:srgbClr val="000000"/>
           </a:solidFill>
-          <a:latin typeface="Arial" panose="020B0604020202020204"/>
-          <a:ea typeface="Arial" panose="020B0604020202020204"/>
-          <a:cs typeface="Arial" panose="020B0604020202020204"/>
-          <a:sym typeface="Arial" panose="020B0604020202020204"/>
+          <a:latin typeface="Arial"/>
+          <a:ea typeface="Arial"/>
+          <a:cs typeface="Arial"/>
+          <a:sym typeface="Arial"/>
         </a:defRPr>
       </a:lvl7pPr>
-      <a:lvl8pPr marR="0" lvl="7" algn="l" rtl="0">
+      <a:lvl8pPr lvl="7" marR="0" rtl="0" algn="l">
         <a:lnSpc>
           <a:spcPct val="100000"/>
         </a:lnSpc>
@@ -10581,18 +10671,18 @@
         <a:buClr>
           <a:srgbClr val="000000"/>
         </a:buClr>
-        <a:buFont typeface="Arial" panose="020B0604020202020204"/>
-        <a:defRPr sz="1400" b="0" i="0" u="none" strike="noStrike" cap="none">
+        <a:buFont typeface="Arial"/>
+        <a:defRPr b="0" i="0" sz="1400" u="none" cap="none" strike="noStrike">
           <a:solidFill>
             <a:srgbClr val="000000"/>
           </a:solidFill>
-          <a:latin typeface="Arial" panose="020B0604020202020204"/>
-          <a:ea typeface="Arial" panose="020B0604020202020204"/>
-          <a:cs typeface="Arial" panose="020B0604020202020204"/>
-          <a:sym typeface="Arial" panose="020B0604020202020204"/>
+          <a:latin typeface="Arial"/>
+          <a:ea typeface="Arial"/>
+          <a:cs typeface="Arial"/>
+          <a:sym typeface="Arial"/>
         </a:defRPr>
       </a:lvl8pPr>
-      <a:lvl9pPr marR="0" lvl="8" algn="l" rtl="0">
+      <a:lvl9pPr lvl="8" marR="0" rtl="0" algn="l">
         <a:lnSpc>
           <a:spcPct val="100000"/>
         </a:lnSpc>
@@ -10605,20 +10695,20 @@
         <a:buClr>
           <a:srgbClr val="000000"/>
         </a:buClr>
-        <a:buFont typeface="Arial" panose="020B0604020202020204"/>
-        <a:defRPr sz="1400" b="0" i="0" u="none" strike="noStrike" cap="none">
+        <a:buFont typeface="Arial"/>
+        <a:defRPr b="0" i="0" sz="1400" u="none" cap="none" strike="noStrike">
           <a:solidFill>
             <a:srgbClr val="000000"/>
           </a:solidFill>
-          <a:latin typeface="Arial" panose="020B0604020202020204"/>
-          <a:ea typeface="Arial" panose="020B0604020202020204"/>
-          <a:cs typeface="Arial" panose="020B0604020202020204"/>
-          <a:sym typeface="Arial" panose="020B0604020202020204"/>
+          <a:latin typeface="Arial"/>
+          <a:ea typeface="Arial"/>
+          <a:cs typeface="Arial"/>
+          <a:sym typeface="Arial"/>
         </a:defRPr>
       </a:lvl9pPr>
     </p:titleStyle>
     <p:bodyStyle>
-      <a:defPPr marR="0" lvl="0" algn="l" rtl="0">
+      <a:defPPr lvl="0" marR="0" rtl="0" algn="l">
         <a:lnSpc>
           <a:spcPct val="100000"/>
         </a:lnSpc>
@@ -10629,7 +10719,7 @@
           <a:spcPts val="0"/>
         </a:spcAft>
       </a:defPPr>
-      <a:lvl1pPr marR="0" lvl="0" algn="l" rtl="0">
+      <a:lvl1pPr lvl="0" marR="0" rtl="0" algn="l">
         <a:lnSpc>
           <a:spcPct val="100000"/>
         </a:lnSpc>
@@ -10642,18 +10732,18 @@
         <a:buClr>
           <a:srgbClr val="000000"/>
         </a:buClr>
-        <a:buFont typeface="Arial" panose="020B0604020202020204"/>
-        <a:defRPr sz="1400" b="0" i="0" u="none" strike="noStrike" cap="none">
+        <a:buFont typeface="Arial"/>
+        <a:defRPr b="0" i="0" sz="1400" u="none" cap="none" strike="noStrike">
           <a:solidFill>
             <a:srgbClr val="000000"/>
           </a:solidFill>
-          <a:latin typeface="Arial" panose="020B0604020202020204"/>
-          <a:ea typeface="Arial" panose="020B0604020202020204"/>
-          <a:cs typeface="Arial" panose="020B0604020202020204"/>
-          <a:sym typeface="Arial" panose="020B0604020202020204"/>
+          <a:latin typeface="Arial"/>
+          <a:ea typeface="Arial"/>
+          <a:cs typeface="Arial"/>
+          <a:sym typeface="Arial"/>
         </a:defRPr>
       </a:lvl1pPr>
-      <a:lvl2pPr marR="0" lvl="1" algn="l" rtl="0">
+      <a:lvl2pPr lvl="1" marR="0" rtl="0" algn="l">
         <a:lnSpc>
           <a:spcPct val="100000"/>
         </a:lnSpc>
@@ -10666,18 +10756,18 @@
         <a:buClr>
           <a:srgbClr val="000000"/>
         </a:buClr>
-        <a:buFont typeface="Arial" panose="020B0604020202020204"/>
-        <a:defRPr sz="1400" b="0" i="0" u="none" strike="noStrike" cap="none">
+        <a:buFont typeface="Arial"/>
+        <a:defRPr b="0" i="0" sz="1400" u="none" cap="none" strike="noStrike">
           <a:solidFill>
             <a:srgbClr val="000000"/>
           </a:solidFill>
-          <a:latin typeface="Arial" panose="020B0604020202020204"/>
-          <a:ea typeface="Arial" panose="020B0604020202020204"/>
-          <a:cs typeface="Arial" panose="020B0604020202020204"/>
-          <a:sym typeface="Arial" panose="020B0604020202020204"/>
+          <a:latin typeface="Arial"/>
+          <a:ea typeface="Arial"/>
+          <a:cs typeface="Arial"/>
+          <a:sym typeface="Arial"/>
         </a:defRPr>
       </a:lvl2pPr>
-      <a:lvl3pPr marR="0" lvl="2" algn="l" rtl="0">
+      <a:lvl3pPr lvl="2" marR="0" rtl="0" algn="l">
         <a:lnSpc>
           <a:spcPct val="100000"/>
         </a:lnSpc>
@@ -10690,18 +10780,18 @@
         <a:buClr>
           <a:srgbClr val="000000"/>
         </a:buClr>
-        <a:buFont typeface="Arial" panose="020B0604020202020204"/>
-        <a:defRPr sz="1400" b="0" i="0" u="none" strike="noStrike" cap="none">
+        <a:buFont typeface="Arial"/>
+        <a:defRPr b="0" i="0" sz="1400" u="none" cap="none" strike="noStrike">
           <a:solidFill>
             <a:srgbClr val="000000"/>
           </a:solidFill>
-          <a:latin typeface="Arial" panose="020B0604020202020204"/>
-          <a:ea typeface="Arial" panose="020B0604020202020204"/>
-          <a:cs typeface="Arial" panose="020B0604020202020204"/>
-          <a:sym typeface="Arial" panose="020B0604020202020204"/>
+          <a:latin typeface="Arial"/>
+          <a:ea typeface="Arial"/>
+          <a:cs typeface="Arial"/>
+          <a:sym typeface="Arial"/>
         </a:defRPr>
       </a:lvl3pPr>
-      <a:lvl4pPr marR="0" lvl="3" algn="l" rtl="0">
+      <a:lvl4pPr lvl="3" marR="0" rtl="0" algn="l">
         <a:lnSpc>
           <a:spcPct val="100000"/>
         </a:lnSpc>
@@ -10714,18 +10804,18 @@
         <a:buClr>
           <a:srgbClr val="000000"/>
         </a:buClr>
-        <a:buFont typeface="Arial" panose="020B0604020202020204"/>
-        <a:defRPr sz="1400" b="0" i="0" u="none" strike="noStrike" cap="none">
+        <a:buFont typeface="Arial"/>
+        <a:defRPr b="0" i="0" sz="1400" u="none" cap="none" strike="noStrike">
           <a:solidFill>
             <a:srgbClr val="000000"/>
           </a:solidFill>
-          <a:latin typeface="Arial" panose="020B0604020202020204"/>
-          <a:ea typeface="Arial" panose="020B0604020202020204"/>
-          <a:cs typeface="Arial" panose="020B0604020202020204"/>
-          <a:sym typeface="Arial" panose="020B0604020202020204"/>
+          <a:latin typeface="Arial"/>
+          <a:ea typeface="Arial"/>
+          <a:cs typeface="Arial"/>
+          <a:sym typeface="Arial"/>
         </a:defRPr>
       </a:lvl4pPr>
-      <a:lvl5pPr marR="0" lvl="4" algn="l" rtl="0">
+      <a:lvl5pPr lvl="4" marR="0" rtl="0" algn="l">
         <a:lnSpc>
           <a:spcPct val="100000"/>
         </a:lnSpc>
@@ -10738,18 +10828,18 @@
         <a:buClr>
           <a:srgbClr val="000000"/>
         </a:buClr>
-        <a:buFont typeface="Arial" panose="020B0604020202020204"/>
-        <a:defRPr sz="1400" b="0" i="0" u="none" strike="noStrike" cap="none">
+        <a:buFont typeface="Arial"/>
+        <a:defRPr b="0" i="0" sz="1400" u="none" cap="none" strike="noStrike">
           <a:solidFill>
             <a:srgbClr val="000000"/>
           </a:solidFill>
-          <a:latin typeface="Arial" panose="020B0604020202020204"/>
-          <a:ea typeface="Arial" panose="020B0604020202020204"/>
-          <a:cs typeface="Arial" panose="020B0604020202020204"/>
-          <a:sym typeface="Arial" panose="020B0604020202020204"/>
+          <a:latin typeface="Arial"/>
+          <a:ea typeface="Arial"/>
+          <a:cs typeface="Arial"/>
+          <a:sym typeface="Arial"/>
         </a:defRPr>
       </a:lvl5pPr>
-      <a:lvl6pPr marR="0" lvl="5" algn="l" rtl="0">
+      <a:lvl6pPr lvl="5" marR="0" rtl="0" algn="l">
         <a:lnSpc>
           <a:spcPct val="100000"/>
         </a:lnSpc>
@@ -10762,18 +10852,18 @@
         <a:buClr>
           <a:srgbClr val="000000"/>
         </a:buClr>
-        <a:buFont typeface="Arial" panose="020B0604020202020204"/>
-        <a:defRPr sz="1400" b="0" i="0" u="none" strike="noStrike" cap="none">
+        <a:buFont typeface="Arial"/>
+        <a:defRPr b="0" i="0" sz="1400" u="none" cap="none" strike="noStrike">
           <a:solidFill>
             <a:srgbClr val="000000"/>
           </a:solidFill>
-          <a:latin typeface="Arial" panose="020B0604020202020204"/>
-          <a:ea typeface="Arial" panose="020B0604020202020204"/>
-          <a:cs typeface="Arial" panose="020B0604020202020204"/>
-          <a:sym typeface="Arial" panose="020B0604020202020204"/>
+          <a:latin typeface="Arial"/>
+          <a:ea typeface="Arial"/>
+          <a:cs typeface="Arial"/>
+          <a:sym typeface="Arial"/>
         </a:defRPr>
       </a:lvl6pPr>
-      <a:lvl7pPr marR="0" lvl="6" algn="l" rtl="0">
+      <a:lvl7pPr lvl="6" marR="0" rtl="0" algn="l">
         <a:lnSpc>
           <a:spcPct val="100000"/>
         </a:lnSpc>
@@ -10786,18 +10876,18 @@
         <a:buClr>
           <a:srgbClr val="000000"/>
         </a:buClr>
-        <a:buFont typeface="Arial" panose="020B0604020202020204"/>
-        <a:defRPr sz="1400" b="0" i="0" u="none" strike="noStrike" cap="none">
+        <a:buFont typeface="Arial"/>
+        <a:defRPr b="0" i="0" sz="1400" u="none" cap="none" strike="noStrike">
           <a:solidFill>
             <a:srgbClr val="000000"/>
           </a:solidFill>
-          <a:latin typeface="Arial" panose="020B0604020202020204"/>
-          <a:ea typeface="Arial" panose="020B0604020202020204"/>
-          <a:cs typeface="Arial" panose="020B0604020202020204"/>
-          <a:sym typeface="Arial" panose="020B0604020202020204"/>
+          <a:latin typeface="Arial"/>
+          <a:ea typeface="Arial"/>
+          <a:cs typeface="Arial"/>
+          <a:sym typeface="Arial"/>
         </a:defRPr>
       </a:lvl7pPr>
-      <a:lvl8pPr marR="0" lvl="7" algn="l" rtl="0">
+      <a:lvl8pPr lvl="7" marR="0" rtl="0" algn="l">
         <a:lnSpc>
           <a:spcPct val="100000"/>
         </a:lnSpc>
@@ -10810,18 +10900,18 @@
         <a:buClr>
           <a:srgbClr val="000000"/>
         </a:buClr>
-        <a:buFont typeface="Arial" panose="020B0604020202020204"/>
-        <a:defRPr sz="1400" b="0" i="0" u="none" strike="noStrike" cap="none">
+        <a:buFont typeface="Arial"/>
+        <a:defRPr b="0" i="0" sz="1400" u="none" cap="none" strike="noStrike">
           <a:solidFill>
             <a:srgbClr val="000000"/>
           </a:solidFill>
-          <a:latin typeface="Arial" panose="020B0604020202020204"/>
-          <a:ea typeface="Arial" panose="020B0604020202020204"/>
-          <a:cs typeface="Arial" panose="020B0604020202020204"/>
-          <a:sym typeface="Arial" panose="020B0604020202020204"/>
+          <a:latin typeface="Arial"/>
+          <a:ea typeface="Arial"/>
+          <a:cs typeface="Arial"/>
+          <a:sym typeface="Arial"/>
         </a:defRPr>
       </a:lvl8pPr>
-      <a:lvl9pPr marR="0" lvl="8" algn="l" rtl="0">
+      <a:lvl9pPr lvl="8" marR="0" rtl="0" algn="l">
         <a:lnSpc>
           <a:spcPct val="100000"/>
         </a:lnSpc>
@@ -10834,20 +10924,20 @@
         <a:buClr>
           <a:srgbClr val="000000"/>
         </a:buClr>
-        <a:buFont typeface="Arial" panose="020B0604020202020204"/>
-        <a:defRPr sz="1400" b="0" i="0" u="none" strike="noStrike" cap="none">
+        <a:buFont typeface="Arial"/>
+        <a:defRPr b="0" i="0" sz="1400" u="none" cap="none" strike="noStrike">
           <a:solidFill>
             <a:srgbClr val="000000"/>
           </a:solidFill>
-          <a:latin typeface="Arial" panose="020B0604020202020204"/>
-          <a:ea typeface="Arial" panose="020B0604020202020204"/>
-          <a:cs typeface="Arial" panose="020B0604020202020204"/>
-          <a:sym typeface="Arial" panose="020B0604020202020204"/>
+          <a:latin typeface="Arial"/>
+          <a:ea typeface="Arial"/>
+          <a:cs typeface="Arial"/>
+          <a:sym typeface="Arial"/>
         </a:defRPr>
       </a:lvl9pPr>
     </p:bodyStyle>
     <p:otherStyle>
-      <a:defPPr marR="0" lvl="0" algn="l" rtl="0">
+      <a:defPPr lvl="0" marR="0" rtl="0" algn="l">
         <a:lnSpc>
           <a:spcPct val="100000"/>
         </a:lnSpc>
@@ -10858,7 +10948,7 @@
           <a:spcPts val="0"/>
         </a:spcAft>
       </a:defPPr>
-      <a:lvl1pPr marR="0" lvl="0" algn="l" rtl="0">
+      <a:lvl1pPr lvl="0" marR="0" rtl="0" algn="l">
         <a:lnSpc>
           <a:spcPct val="100000"/>
         </a:lnSpc>
@@ -10871,18 +10961,18 @@
         <a:buClr>
           <a:srgbClr val="000000"/>
         </a:buClr>
-        <a:buFont typeface="Arial" panose="020B0604020202020204"/>
-        <a:defRPr sz="1400" b="0" i="0" u="none" strike="noStrike" cap="none">
+        <a:buFont typeface="Arial"/>
+        <a:defRPr b="0" i="0" sz="1400" u="none" cap="none" strike="noStrike">
           <a:solidFill>
             <a:srgbClr val="000000"/>
           </a:solidFill>
-          <a:latin typeface="Arial" panose="020B0604020202020204"/>
-          <a:ea typeface="Arial" panose="020B0604020202020204"/>
-          <a:cs typeface="Arial" panose="020B0604020202020204"/>
-          <a:sym typeface="Arial" panose="020B0604020202020204"/>
+          <a:latin typeface="Arial"/>
+          <a:ea typeface="Arial"/>
+          <a:cs typeface="Arial"/>
+          <a:sym typeface="Arial"/>
         </a:defRPr>
       </a:lvl1pPr>
-      <a:lvl2pPr marR="0" lvl="1" algn="l" rtl="0">
+      <a:lvl2pPr lvl="1" marR="0" rtl="0" algn="l">
         <a:lnSpc>
           <a:spcPct val="100000"/>
         </a:lnSpc>
@@ -10895,18 +10985,18 @@
         <a:buClr>
           <a:srgbClr val="000000"/>
         </a:buClr>
-        <a:buFont typeface="Arial" panose="020B0604020202020204"/>
-        <a:defRPr sz="1400" b="0" i="0" u="none" strike="noStrike" cap="none">
+        <a:buFont typeface="Arial"/>
+        <a:defRPr b="0" i="0" sz="1400" u="none" cap="none" strike="noStrike">
           <a:solidFill>
             <a:srgbClr val="000000"/>
           </a:solidFill>
-          <a:latin typeface="Arial" panose="020B0604020202020204"/>
-          <a:ea typeface="Arial" panose="020B0604020202020204"/>
-          <a:cs typeface="Arial" panose="020B0604020202020204"/>
-          <a:sym typeface="Arial" panose="020B0604020202020204"/>
+          <a:latin typeface="Arial"/>
+          <a:ea typeface="Arial"/>
+          <a:cs typeface="Arial"/>
+          <a:sym typeface="Arial"/>
         </a:defRPr>
       </a:lvl2pPr>
-      <a:lvl3pPr marR="0" lvl="2" algn="l" rtl="0">
+      <a:lvl3pPr lvl="2" marR="0" rtl="0" algn="l">
         <a:lnSpc>
           <a:spcPct val="100000"/>
         </a:lnSpc>
@@ -10919,18 +11009,18 @@
         <a:buClr>
           <a:srgbClr val="000000"/>
         </a:buClr>
-        <a:buFont typeface="Arial" panose="020B0604020202020204"/>
-        <a:defRPr sz="1400" b="0" i="0" u="none" strike="noStrike" cap="none">
+        <a:buFont typeface="Arial"/>
+        <a:defRPr b="0" i="0" sz="1400" u="none" cap="none" strike="noStrike">
           <a:solidFill>
             <a:srgbClr val="000000"/>
           </a:solidFill>
-          <a:latin typeface="Arial" panose="020B0604020202020204"/>
-          <a:ea typeface="Arial" panose="020B0604020202020204"/>
-          <a:cs typeface="Arial" panose="020B0604020202020204"/>
-          <a:sym typeface="Arial" panose="020B0604020202020204"/>
+          <a:latin typeface="Arial"/>
+          <a:ea typeface="Arial"/>
+          <a:cs typeface="Arial"/>
+          <a:sym typeface="Arial"/>
         </a:defRPr>
       </a:lvl3pPr>
-      <a:lvl4pPr marR="0" lvl="3" algn="l" rtl="0">
+      <a:lvl4pPr lvl="3" marR="0" rtl="0" algn="l">
         <a:lnSpc>
           <a:spcPct val="100000"/>
         </a:lnSpc>
@@ -10943,18 +11033,18 @@
         <a:buClr>
           <a:srgbClr val="000000"/>
         </a:buClr>
-        <a:buFont typeface="Arial" panose="020B0604020202020204"/>
-        <a:defRPr sz="1400" b="0" i="0" u="none" strike="noStrike" cap="none">
+        <a:buFont typeface="Arial"/>
+        <a:defRPr b="0" i="0" sz="1400" u="none" cap="none" strike="noStrike">
           <a:solidFill>
             <a:srgbClr val="000000"/>
           </a:solidFill>
-          <a:latin typeface="Arial" panose="020B0604020202020204"/>
-          <a:ea typeface="Arial" panose="020B0604020202020204"/>
-          <a:cs typeface="Arial" panose="020B0604020202020204"/>
-          <a:sym typeface="Arial" panose="020B0604020202020204"/>
+          <a:latin typeface="Arial"/>
+          <a:ea typeface="Arial"/>
+          <a:cs typeface="Arial"/>
+          <a:sym typeface="Arial"/>
         </a:defRPr>
       </a:lvl4pPr>
-      <a:lvl5pPr marR="0" lvl="4" algn="l" rtl="0">
+      <a:lvl5pPr lvl="4" marR="0" rtl="0" algn="l">
         <a:lnSpc>
           <a:spcPct val="100000"/>
         </a:lnSpc>
@@ -10967,18 +11057,18 @@
         <a:buClr>
           <a:srgbClr val="000000"/>
         </a:buClr>
-        <a:buFont typeface="Arial" panose="020B0604020202020204"/>
-        <a:defRPr sz="1400" b="0" i="0" u="none" strike="noStrike" cap="none">
+        <a:buFont typeface="Arial"/>
+        <a:defRPr b="0" i="0" sz="1400" u="none" cap="none" strike="noStrike">
           <a:solidFill>
             <a:srgbClr val="000000"/>
           </a:solidFill>
-          <a:latin typeface="Arial" panose="020B0604020202020204"/>
-          <a:ea typeface="Arial" panose="020B0604020202020204"/>
-          <a:cs typeface="Arial" panose="020B0604020202020204"/>
-          <a:sym typeface="Arial" panose="020B0604020202020204"/>
+          <a:latin typeface="Arial"/>
+          <a:ea typeface="Arial"/>
+          <a:cs typeface="Arial"/>
+          <a:sym typeface="Arial"/>
         </a:defRPr>
       </a:lvl5pPr>
-      <a:lvl6pPr marR="0" lvl="5" algn="l" rtl="0">
+      <a:lvl6pPr lvl="5" marR="0" rtl="0" algn="l">
         <a:lnSpc>
           <a:spcPct val="100000"/>
         </a:lnSpc>
@@ -10991,18 +11081,18 @@
         <a:buClr>
           <a:srgbClr val="000000"/>
         </a:buClr>
-        <a:buFont typeface="Arial" panose="020B0604020202020204"/>
-        <a:defRPr sz="1400" b="0" i="0" u="none" strike="noStrike" cap="none">
+        <a:buFont typeface="Arial"/>
+        <a:defRPr b="0" i="0" sz="1400" u="none" cap="none" strike="noStrike">
           <a:solidFill>
             <a:srgbClr val="000000"/>
           </a:solidFill>
-          <a:latin typeface="Arial" panose="020B0604020202020204"/>
-          <a:ea typeface="Arial" panose="020B0604020202020204"/>
-          <a:cs typeface="Arial" panose="020B0604020202020204"/>
-          <a:sym typeface="Arial" panose="020B0604020202020204"/>
+          <a:latin typeface="Arial"/>
+          <a:ea typeface="Arial"/>
+          <a:cs typeface="Arial"/>
+          <a:sym typeface="Arial"/>
         </a:defRPr>
       </a:lvl6pPr>
-      <a:lvl7pPr marR="0" lvl="6" algn="l" rtl="0">
+      <a:lvl7pPr lvl="6" marR="0" rtl="0" algn="l">
         <a:lnSpc>
           <a:spcPct val="100000"/>
         </a:lnSpc>
@@ -11015,18 +11105,18 @@
         <a:buClr>
           <a:srgbClr val="000000"/>
         </a:buClr>
-        <a:buFont typeface="Arial" panose="020B0604020202020204"/>
-        <a:defRPr sz="1400" b="0" i="0" u="none" strike="noStrike" cap="none">
+        <a:buFont typeface="Arial"/>
+        <a:defRPr b="0" i="0" sz="1400" u="none" cap="none" strike="noStrike">
           <a:solidFill>
             <a:srgbClr val="000000"/>
           </a:solidFill>
-          <a:latin typeface="Arial" panose="020B0604020202020204"/>
-          <a:ea typeface="Arial" panose="020B0604020202020204"/>
-          <a:cs typeface="Arial" panose="020B0604020202020204"/>
-          <a:sym typeface="Arial" panose="020B0604020202020204"/>
+          <a:latin typeface="Arial"/>
+          <a:ea typeface="Arial"/>
+          <a:cs typeface="Arial"/>
+          <a:sym typeface="Arial"/>
         </a:defRPr>
       </a:lvl7pPr>
-      <a:lvl8pPr marR="0" lvl="7" algn="l" rtl="0">
+      <a:lvl8pPr lvl="7" marR="0" rtl="0" algn="l">
         <a:lnSpc>
           <a:spcPct val="100000"/>
         </a:lnSpc>
@@ -11039,18 +11129,18 @@
         <a:buClr>
           <a:srgbClr val="000000"/>
         </a:buClr>
-        <a:buFont typeface="Arial" panose="020B0604020202020204"/>
-        <a:defRPr sz="1400" b="0" i="0" u="none" strike="noStrike" cap="none">
+        <a:buFont typeface="Arial"/>
+        <a:defRPr b="0" i="0" sz="1400" u="none" cap="none" strike="noStrike">
           <a:solidFill>
             <a:srgbClr val="000000"/>
           </a:solidFill>
-          <a:latin typeface="Arial" panose="020B0604020202020204"/>
-          <a:ea typeface="Arial" panose="020B0604020202020204"/>
-          <a:cs typeface="Arial" panose="020B0604020202020204"/>
-          <a:sym typeface="Arial" panose="020B0604020202020204"/>
+          <a:latin typeface="Arial"/>
+          <a:ea typeface="Arial"/>
+          <a:cs typeface="Arial"/>
+          <a:sym typeface="Arial"/>
         </a:defRPr>
       </a:lvl8pPr>
-      <a:lvl9pPr marR="0" lvl="8" algn="l" rtl="0">
+      <a:lvl9pPr lvl="8" marR="0" rtl="0" algn="l">
         <a:lnSpc>
           <a:spcPct val="100000"/>
         </a:lnSpc>
@@ -11063,15 +11153,15 @@
         <a:buClr>
           <a:srgbClr val="000000"/>
         </a:buClr>
-        <a:buFont typeface="Arial" panose="020B0604020202020204"/>
-        <a:defRPr sz="1400" b="0" i="0" u="none" strike="noStrike" cap="none">
+        <a:buFont typeface="Arial"/>
+        <a:defRPr b="0" i="0" sz="1400" u="none" cap="none" strike="noStrike">
           <a:solidFill>
             <a:srgbClr val="000000"/>
           </a:solidFill>
-          <a:latin typeface="Arial" panose="020B0604020202020204"/>
-          <a:ea typeface="Arial" panose="020B0604020202020204"/>
-          <a:cs typeface="Arial" panose="020B0604020202020204"/>
-          <a:sym typeface="Arial" panose="020B0604020202020204"/>
+          <a:latin typeface="Arial"/>
+          <a:ea typeface="Arial"/>
+          <a:cs typeface="Arial"/>
+          <a:sym typeface="Arial"/>
         </a:defRPr>
       </a:lvl9pPr>
     </p:otherStyle>
@@ -11080,14 +11170,13 @@
 </file>
 
 <file path=ppt/slideMasters/slideMaster2.xml><?xml version="1.0" encoding="utf-8"?>
-<p:sldMaster xmlns:a="http://schemas.openxmlformats.org/drawingml/2006/main" xmlns:r="http://schemas.openxmlformats.org/officeDocument/2006/relationships" xmlns:p="http://schemas.openxmlformats.org/presentationml/2006/main">
-  <p:cSld>
+<p:sldMaster xmlns:a="http://schemas.openxmlformats.org/drawingml/2006/main" xmlns:r="http://schemas.openxmlformats.org/officeDocument/2006/relationships" xmlns:mc="http://schemas.openxmlformats.org/markup-compatibility/2006" xmlns:mv="urn:schemas-microsoft-com:mac:vml" xmlns:p="http://schemas.openxmlformats.org/presentationml/2006/main" xmlns:c="http://schemas.openxmlformats.org/drawingml/2006/chart" xmlns:dgm="http://schemas.openxmlformats.org/drawingml/2006/diagram" xmlns:o="urn:schemas-microsoft-com:office:office" xmlns:v="urn:schemas-microsoft-com:vml" xmlns:pvml="urn:schemas-microsoft-com:office:powerpoint" xmlns:com="http://schemas.openxmlformats.org/drawingml/2006/compatibility" xmlns:p14="http://schemas.microsoft.com/office/powerpoint/2010/main" xmlns:p15="http://schemas.microsoft.com/office/powerpoint/2012/main" xmlns:ahyp="http://schemas.microsoft.com/office/drawing/2018/hyperlinkcolor">
+  <p:cSld name="material">
     <p:bg>
       <p:bgPr>
         <a:solidFill>
           <a:schemeClr val="dk1"/>
         </a:solidFill>
-        <a:effectLst/>
       </p:bgPr>
     </p:bg>
     <p:spTree>
@@ -11126,7 +11215,7 @@
           </a:ln>
         </p:spPr>
         <p:txBody>
-          <a:bodyPr spcFirstLastPara="1" wrap="square" lIns="91425" tIns="91425" rIns="91425" bIns="91425" anchor="b" anchorCtr="0">
+          <a:bodyPr anchorCtr="0" anchor="b" bIns="91425" lIns="91425" spcFirstLastPara="1" rIns="91425" wrap="square" tIns="91425">
             <a:normAutofit/>
           </a:bodyPr>
           <a:lstStyle>
@@ -11141,16 +11230,16 @@
                 <a:schemeClr val="lt1"/>
               </a:buClr>
               <a:buSzPts val="3200"/>
-              <a:buFont typeface="Roboto" panose="02000000000000000000"/>
+              <a:buFont typeface="Roboto"/>
               <a:buNone/>
               <a:defRPr sz="3200">
                 <a:solidFill>
                   <a:schemeClr val="lt1"/>
                 </a:solidFill>
-                <a:latin typeface="Roboto" panose="02000000000000000000"/>
-                <a:ea typeface="Roboto" panose="02000000000000000000"/>
-                <a:cs typeface="Roboto" panose="02000000000000000000"/>
-                <a:sym typeface="Roboto" panose="02000000000000000000"/>
+                <a:latin typeface="Roboto"/>
+                <a:ea typeface="Roboto"/>
+                <a:cs typeface="Roboto"/>
+                <a:sym typeface="Roboto"/>
               </a:defRPr>
             </a:lvl1pPr>
             <a:lvl2pPr lvl="1">
@@ -11164,16 +11253,16 @@
                 <a:schemeClr val="lt1"/>
               </a:buClr>
               <a:buSzPts val="3200"/>
-              <a:buFont typeface="Roboto" panose="02000000000000000000"/>
+              <a:buFont typeface="Roboto"/>
               <a:buNone/>
               <a:defRPr sz="3200">
                 <a:solidFill>
                   <a:schemeClr val="lt1"/>
                 </a:solidFill>
-                <a:latin typeface="Roboto" panose="02000000000000000000"/>
-                <a:ea typeface="Roboto" panose="02000000000000000000"/>
-                <a:cs typeface="Roboto" panose="02000000000000000000"/>
-                <a:sym typeface="Roboto" panose="02000000000000000000"/>
+                <a:latin typeface="Roboto"/>
+                <a:ea typeface="Roboto"/>
+                <a:cs typeface="Roboto"/>
+                <a:sym typeface="Roboto"/>
               </a:defRPr>
             </a:lvl2pPr>
             <a:lvl3pPr lvl="2">
@@ -11187,16 +11276,16 @@
                 <a:schemeClr val="lt1"/>
               </a:buClr>
               <a:buSzPts val="3200"/>
-              <a:buFont typeface="Roboto" panose="02000000000000000000"/>
+              <a:buFont typeface="Roboto"/>
               <a:buNone/>
               <a:defRPr sz="3200">
                 <a:solidFill>
                   <a:schemeClr val="lt1"/>
                 </a:solidFill>
-                <a:latin typeface="Roboto" panose="02000000000000000000"/>
-                <a:ea typeface="Roboto" panose="02000000000000000000"/>
-                <a:cs typeface="Roboto" panose="02000000000000000000"/>
-                <a:sym typeface="Roboto" panose="02000000000000000000"/>
+                <a:latin typeface="Roboto"/>
+                <a:ea typeface="Roboto"/>
+                <a:cs typeface="Roboto"/>
+                <a:sym typeface="Roboto"/>
               </a:defRPr>
             </a:lvl3pPr>
             <a:lvl4pPr lvl="3">
@@ -11210,16 +11299,16 @@
                 <a:schemeClr val="lt1"/>
               </a:buClr>
               <a:buSzPts val="3200"/>
-              <a:buFont typeface="Roboto" panose="02000000000000000000"/>
+              <a:buFont typeface="Roboto"/>
               <a:buNone/>
               <a:defRPr sz="3200">
                 <a:solidFill>
                   <a:schemeClr val="lt1"/>
                 </a:solidFill>
-                <a:latin typeface="Roboto" panose="02000000000000000000"/>
-                <a:ea typeface="Roboto" panose="02000000000000000000"/>
-                <a:cs typeface="Roboto" panose="02000000000000000000"/>
-                <a:sym typeface="Roboto" panose="02000000000000000000"/>
+                <a:latin typeface="Roboto"/>
+                <a:ea typeface="Roboto"/>
+                <a:cs typeface="Roboto"/>
+                <a:sym typeface="Roboto"/>
               </a:defRPr>
             </a:lvl4pPr>
             <a:lvl5pPr lvl="4">
@@ -11233,16 +11322,16 @@
                 <a:schemeClr val="lt1"/>
               </a:buClr>
               <a:buSzPts val="3200"/>
-              <a:buFont typeface="Roboto" panose="02000000000000000000"/>
+              <a:buFont typeface="Roboto"/>
               <a:buNone/>
               <a:defRPr sz="3200">
                 <a:solidFill>
                   <a:schemeClr val="lt1"/>
                 </a:solidFill>
-                <a:latin typeface="Roboto" panose="02000000000000000000"/>
-                <a:ea typeface="Roboto" panose="02000000000000000000"/>
-                <a:cs typeface="Roboto" panose="02000000000000000000"/>
-                <a:sym typeface="Roboto" panose="02000000000000000000"/>
+                <a:latin typeface="Roboto"/>
+                <a:ea typeface="Roboto"/>
+                <a:cs typeface="Roboto"/>
+                <a:sym typeface="Roboto"/>
               </a:defRPr>
             </a:lvl5pPr>
             <a:lvl6pPr lvl="5">
@@ -11256,16 +11345,16 @@
                 <a:schemeClr val="lt1"/>
               </a:buClr>
               <a:buSzPts val="3200"/>
-              <a:buFont typeface="Roboto" panose="02000000000000000000"/>
+              <a:buFont typeface="Roboto"/>
               <a:buNone/>
               <a:defRPr sz="3200">
                 <a:solidFill>
                   <a:schemeClr val="lt1"/>
                 </a:solidFill>
-                <a:latin typeface="Roboto" panose="02000000000000000000"/>
-                <a:ea typeface="Roboto" panose="02000000000000000000"/>
-                <a:cs typeface="Roboto" panose="02000000000000000000"/>
-                <a:sym typeface="Roboto" panose="02000000000000000000"/>
+                <a:latin typeface="Roboto"/>
+                <a:ea typeface="Roboto"/>
+                <a:cs typeface="Roboto"/>
+                <a:sym typeface="Roboto"/>
               </a:defRPr>
             </a:lvl6pPr>
             <a:lvl7pPr lvl="6">
@@ -11279,16 +11368,16 @@
                 <a:schemeClr val="lt1"/>
               </a:buClr>
               <a:buSzPts val="3200"/>
-              <a:buFont typeface="Roboto" panose="02000000000000000000"/>
+              <a:buFont typeface="Roboto"/>
               <a:buNone/>
               <a:defRPr sz="3200">
                 <a:solidFill>
                   <a:schemeClr val="lt1"/>
                 </a:solidFill>
-                <a:latin typeface="Roboto" panose="02000000000000000000"/>
-                <a:ea typeface="Roboto" panose="02000000000000000000"/>
-                <a:cs typeface="Roboto" panose="02000000000000000000"/>
-                <a:sym typeface="Roboto" panose="02000000000000000000"/>
+                <a:latin typeface="Roboto"/>
+                <a:ea typeface="Roboto"/>
+                <a:cs typeface="Roboto"/>
+                <a:sym typeface="Roboto"/>
               </a:defRPr>
             </a:lvl7pPr>
             <a:lvl8pPr lvl="7">
@@ -11302,16 +11391,16 @@
                 <a:schemeClr val="lt1"/>
               </a:buClr>
               <a:buSzPts val="3200"/>
-              <a:buFont typeface="Roboto" panose="02000000000000000000"/>
+              <a:buFont typeface="Roboto"/>
               <a:buNone/>
               <a:defRPr sz="3200">
                 <a:solidFill>
                   <a:schemeClr val="lt1"/>
                 </a:solidFill>
-                <a:latin typeface="Roboto" panose="02000000000000000000"/>
-                <a:ea typeface="Roboto" panose="02000000000000000000"/>
-                <a:cs typeface="Roboto" panose="02000000000000000000"/>
-                <a:sym typeface="Roboto" panose="02000000000000000000"/>
+                <a:latin typeface="Roboto"/>
+                <a:ea typeface="Roboto"/>
+                <a:cs typeface="Roboto"/>
+                <a:sym typeface="Roboto"/>
               </a:defRPr>
             </a:lvl8pPr>
             <a:lvl9pPr lvl="8">
@@ -11325,16 +11414,16 @@
                 <a:schemeClr val="lt1"/>
               </a:buClr>
               <a:buSzPts val="3200"/>
-              <a:buFont typeface="Roboto" panose="02000000000000000000"/>
+              <a:buFont typeface="Roboto"/>
               <a:buNone/>
               <a:defRPr sz="3200">
                 <a:solidFill>
                   <a:schemeClr val="lt1"/>
                 </a:solidFill>
-                <a:latin typeface="Roboto" panose="02000000000000000000"/>
-                <a:ea typeface="Roboto" panose="02000000000000000000"/>
-                <a:cs typeface="Roboto" panose="02000000000000000000"/>
-                <a:sym typeface="Roboto" panose="02000000000000000000"/>
+                <a:latin typeface="Roboto"/>
+                <a:ea typeface="Roboto"/>
+                <a:cs typeface="Roboto"/>
+                <a:sym typeface="Roboto"/>
               </a:defRPr>
             </a:lvl9pPr>
           </a:lstStyle>
@@ -11346,7 +11435,7 @@
           <p:cNvPr id="52" name="Google Shape;52;p13"/>
           <p:cNvSpPr txBox="1"/>
           <p:nvPr>
-            <p:ph type="body" idx="1"/>
+            <p:ph idx="1" type="body"/>
           </p:nvPr>
         </p:nvSpPr>
         <p:spPr>
@@ -11363,11 +11452,11 @@
           </a:ln>
         </p:spPr>
         <p:txBody>
-          <a:bodyPr spcFirstLastPara="1" wrap="square" lIns="91425" tIns="91425" rIns="91425" bIns="91425" anchor="t" anchorCtr="0">
+          <a:bodyPr anchorCtr="0" anchor="t" bIns="91425" lIns="91425" spcFirstLastPara="1" rIns="91425" wrap="square" tIns="91425">
             <a:normAutofit/>
           </a:bodyPr>
           <a:lstStyle>
-            <a:lvl1pPr marL="457200" lvl="0" indent="-342900">
+            <a:lvl1pPr indent="-342900" lvl="0" marL="457200">
               <a:lnSpc>
                 <a:spcPct val="115000"/>
               </a:lnSpc>
@@ -11381,19 +11470,19 @@
                 <a:schemeClr val="lt2"/>
               </a:buClr>
               <a:buSzPts val="1800"/>
-              <a:buFont typeface="Roboto" panose="02000000000000000000"/>
+              <a:buFont typeface="Roboto"/>
               <a:buChar char="●"/>
               <a:defRPr sz="1800">
                 <a:solidFill>
                   <a:schemeClr val="lt2"/>
                 </a:solidFill>
-                <a:latin typeface="Roboto" panose="02000000000000000000"/>
-                <a:ea typeface="Roboto" panose="02000000000000000000"/>
-                <a:cs typeface="Roboto" panose="02000000000000000000"/>
-                <a:sym typeface="Roboto" panose="02000000000000000000"/>
+                <a:latin typeface="Roboto"/>
+                <a:ea typeface="Roboto"/>
+                <a:cs typeface="Roboto"/>
+                <a:sym typeface="Roboto"/>
               </a:defRPr>
             </a:lvl1pPr>
-            <a:lvl2pPr marL="914400" lvl="1" indent="-317500">
+            <a:lvl2pPr indent="-317500" lvl="1" marL="914400">
               <a:lnSpc>
                 <a:spcPct val="115000"/>
               </a:lnSpc>
@@ -11407,19 +11496,19 @@
                 <a:schemeClr val="lt2"/>
               </a:buClr>
               <a:buSzPts val="1400"/>
-              <a:buFont typeface="Roboto" panose="02000000000000000000"/>
+              <a:buFont typeface="Roboto"/>
               <a:buChar char="○"/>
               <a:defRPr>
                 <a:solidFill>
                   <a:schemeClr val="lt2"/>
                 </a:solidFill>
-                <a:latin typeface="Roboto" panose="02000000000000000000"/>
-                <a:ea typeface="Roboto" panose="02000000000000000000"/>
-                <a:cs typeface="Roboto" panose="02000000000000000000"/>
-                <a:sym typeface="Roboto" panose="02000000000000000000"/>
+                <a:latin typeface="Roboto"/>
+                <a:ea typeface="Roboto"/>
+                <a:cs typeface="Roboto"/>
+                <a:sym typeface="Roboto"/>
               </a:defRPr>
             </a:lvl2pPr>
-            <a:lvl3pPr marL="1371600" lvl="2" indent="-317500">
+            <a:lvl3pPr indent="-317500" lvl="2" marL="1371600">
               <a:lnSpc>
                 <a:spcPct val="115000"/>
               </a:lnSpc>
@@ -11433,19 +11522,19 @@
                 <a:schemeClr val="lt2"/>
               </a:buClr>
               <a:buSzPts val="1400"/>
-              <a:buFont typeface="Roboto" panose="02000000000000000000"/>
+              <a:buFont typeface="Roboto"/>
               <a:buChar char="■"/>
               <a:defRPr>
                 <a:solidFill>
                   <a:schemeClr val="lt2"/>
                 </a:solidFill>
-                <a:latin typeface="Roboto" panose="02000000000000000000"/>
-                <a:ea typeface="Roboto" panose="02000000000000000000"/>
-                <a:cs typeface="Roboto" panose="02000000000000000000"/>
-                <a:sym typeface="Roboto" panose="02000000000000000000"/>
+                <a:latin typeface="Roboto"/>
+                <a:ea typeface="Roboto"/>
+                <a:cs typeface="Roboto"/>
+                <a:sym typeface="Roboto"/>
               </a:defRPr>
             </a:lvl3pPr>
-            <a:lvl4pPr marL="1828800" lvl="3" indent="-317500">
+            <a:lvl4pPr indent="-317500" lvl="3" marL="1828800">
               <a:lnSpc>
                 <a:spcPct val="115000"/>
               </a:lnSpc>
@@ -11459,19 +11548,19 @@
                 <a:schemeClr val="lt2"/>
               </a:buClr>
               <a:buSzPts val="1400"/>
-              <a:buFont typeface="Roboto" panose="02000000000000000000"/>
+              <a:buFont typeface="Roboto"/>
               <a:buChar char="●"/>
               <a:defRPr>
                 <a:solidFill>
                   <a:schemeClr val="lt2"/>
                 </a:solidFill>
-                <a:latin typeface="Roboto" panose="02000000000000000000"/>
-                <a:ea typeface="Roboto" panose="02000000000000000000"/>
-                <a:cs typeface="Roboto" panose="02000000000000000000"/>
-                <a:sym typeface="Roboto" panose="02000000000000000000"/>
+                <a:latin typeface="Roboto"/>
+                <a:ea typeface="Roboto"/>
+                <a:cs typeface="Roboto"/>
+                <a:sym typeface="Roboto"/>
               </a:defRPr>
             </a:lvl4pPr>
-            <a:lvl5pPr marL="2286000" lvl="4" indent="-317500">
+            <a:lvl5pPr indent="-317500" lvl="4" marL="2286000">
               <a:lnSpc>
                 <a:spcPct val="115000"/>
               </a:lnSpc>
@@ -11485,19 +11574,19 @@
                 <a:schemeClr val="lt2"/>
               </a:buClr>
               <a:buSzPts val="1400"/>
-              <a:buFont typeface="Roboto" panose="02000000000000000000"/>
+              <a:buFont typeface="Roboto"/>
               <a:buChar char="○"/>
               <a:defRPr>
                 <a:solidFill>
                   <a:schemeClr val="lt2"/>
                 </a:solidFill>
-                <a:latin typeface="Roboto" panose="02000000000000000000"/>
-                <a:ea typeface="Roboto" panose="02000000000000000000"/>
-                <a:cs typeface="Roboto" panose="02000000000000000000"/>
-                <a:sym typeface="Roboto" panose="02000000000000000000"/>
+                <a:latin typeface="Roboto"/>
+                <a:ea typeface="Roboto"/>
+                <a:cs typeface="Roboto"/>
+                <a:sym typeface="Roboto"/>
               </a:defRPr>
             </a:lvl5pPr>
-            <a:lvl6pPr marL="2743200" lvl="5" indent="-317500">
+            <a:lvl6pPr indent="-317500" lvl="5" marL="2743200">
               <a:lnSpc>
                 <a:spcPct val="115000"/>
               </a:lnSpc>
@@ -11511,19 +11600,19 @@
                 <a:schemeClr val="lt2"/>
               </a:buClr>
               <a:buSzPts val="1400"/>
-              <a:buFont typeface="Roboto" panose="02000000000000000000"/>
+              <a:buFont typeface="Roboto"/>
               <a:buChar char="■"/>
               <a:defRPr>
                 <a:solidFill>
                   <a:schemeClr val="lt2"/>
                 </a:solidFill>
-                <a:latin typeface="Roboto" panose="02000000000000000000"/>
-                <a:ea typeface="Roboto" panose="02000000000000000000"/>
-                <a:cs typeface="Roboto" panose="02000000000000000000"/>
-                <a:sym typeface="Roboto" panose="02000000000000000000"/>
+                <a:latin typeface="Roboto"/>
+                <a:ea typeface="Roboto"/>
+                <a:cs typeface="Roboto"/>
+                <a:sym typeface="Roboto"/>
               </a:defRPr>
             </a:lvl6pPr>
-            <a:lvl7pPr marL="3200400" lvl="6" indent="-317500">
+            <a:lvl7pPr indent="-317500" lvl="6" marL="3200400">
               <a:lnSpc>
                 <a:spcPct val="115000"/>
               </a:lnSpc>
@@ -11537,19 +11626,19 @@
                 <a:schemeClr val="lt2"/>
               </a:buClr>
               <a:buSzPts val="1400"/>
-              <a:buFont typeface="Roboto" panose="02000000000000000000"/>
+              <a:buFont typeface="Roboto"/>
               <a:buChar char="●"/>
               <a:defRPr>
                 <a:solidFill>
                   <a:schemeClr val="lt2"/>
                 </a:solidFill>
-                <a:latin typeface="Roboto" panose="02000000000000000000"/>
-                <a:ea typeface="Roboto" panose="02000000000000000000"/>
-                <a:cs typeface="Roboto" panose="02000000000000000000"/>
-                <a:sym typeface="Roboto" panose="02000000000000000000"/>
+                <a:latin typeface="Roboto"/>
+                <a:ea typeface="Roboto"/>
+                <a:cs typeface="Roboto"/>
+                <a:sym typeface="Roboto"/>
               </a:defRPr>
             </a:lvl7pPr>
-            <a:lvl8pPr marL="3657600" lvl="7" indent="-317500">
+            <a:lvl8pPr indent="-317500" lvl="7" marL="3657600">
               <a:lnSpc>
                 <a:spcPct val="115000"/>
               </a:lnSpc>
@@ -11563,19 +11652,19 @@
                 <a:schemeClr val="lt2"/>
               </a:buClr>
               <a:buSzPts val="1400"/>
-              <a:buFont typeface="Roboto" panose="02000000000000000000"/>
+              <a:buFont typeface="Roboto"/>
               <a:buChar char="○"/>
               <a:defRPr>
                 <a:solidFill>
                   <a:schemeClr val="lt2"/>
                 </a:solidFill>
-                <a:latin typeface="Roboto" panose="02000000000000000000"/>
-                <a:ea typeface="Roboto" panose="02000000000000000000"/>
-                <a:cs typeface="Roboto" panose="02000000000000000000"/>
-                <a:sym typeface="Roboto" panose="02000000000000000000"/>
+                <a:latin typeface="Roboto"/>
+                <a:ea typeface="Roboto"/>
+                <a:cs typeface="Roboto"/>
+                <a:sym typeface="Roboto"/>
               </a:defRPr>
             </a:lvl8pPr>
-            <a:lvl9pPr marL="4114800" lvl="8" indent="-317500">
+            <a:lvl9pPr indent="-317500" lvl="8" marL="4114800">
               <a:lnSpc>
                 <a:spcPct val="115000"/>
               </a:lnSpc>
@@ -11589,16 +11678,16 @@
                 <a:schemeClr val="lt2"/>
               </a:buClr>
               <a:buSzPts val="1400"/>
-              <a:buFont typeface="Roboto" panose="02000000000000000000"/>
+              <a:buFont typeface="Roboto"/>
               <a:buChar char="■"/>
               <a:defRPr>
                 <a:solidFill>
                   <a:schemeClr val="lt2"/>
                 </a:solidFill>
-                <a:latin typeface="Roboto" panose="02000000000000000000"/>
-                <a:ea typeface="Roboto" panose="02000000000000000000"/>
-                <a:cs typeface="Roboto" panose="02000000000000000000"/>
-                <a:sym typeface="Roboto" panose="02000000000000000000"/>
+                <a:latin typeface="Roboto"/>
+                <a:ea typeface="Roboto"/>
+                <a:cs typeface="Roboto"/>
+                <a:sym typeface="Roboto"/>
               </a:defRPr>
             </a:lvl9pPr>
           </a:lstStyle>
@@ -11610,7 +11699,7 @@
           <p:cNvPr id="53" name="Google Shape;53;p13"/>
           <p:cNvSpPr txBox="1"/>
           <p:nvPr>
-            <p:ph type="sldNum" idx="12"/>
+            <p:ph idx="12" type="sldNum"/>
           </p:nvPr>
         </p:nvSpPr>
         <p:spPr>
@@ -11627,7 +11716,7 @@
           </a:ln>
         </p:spPr>
         <p:txBody>
-          <a:bodyPr spcFirstLastPara="1" wrap="square" lIns="91425" tIns="91425" rIns="91425" bIns="91425" anchor="ctr" anchorCtr="0">
+          <a:bodyPr anchorCtr="0" anchor="ctr" bIns="91425" lIns="91425" spcFirstLastPara="1" rIns="91425" wrap="square" tIns="91425">
             <a:normAutofit/>
           </a:bodyPr>
           <a:lstStyle>
@@ -11637,10 +11726,10 @@
                 <a:solidFill>
                   <a:schemeClr val="lt2"/>
                 </a:solidFill>
-                <a:latin typeface="Roboto" panose="02000000000000000000"/>
-                <a:ea typeface="Roboto" panose="02000000000000000000"/>
-                <a:cs typeface="Roboto" panose="02000000000000000000"/>
-                <a:sym typeface="Roboto" panose="02000000000000000000"/>
+                <a:latin typeface="Roboto"/>
+                <a:ea typeface="Roboto"/>
+                <a:cs typeface="Roboto"/>
+                <a:sym typeface="Roboto"/>
               </a:defRPr>
             </a:lvl1pPr>
             <a:lvl2pPr lvl="1" algn="r">
@@ -11649,10 +11738,10 @@
                 <a:solidFill>
                   <a:schemeClr val="lt2"/>
                 </a:solidFill>
-                <a:latin typeface="Roboto" panose="02000000000000000000"/>
-                <a:ea typeface="Roboto" panose="02000000000000000000"/>
-                <a:cs typeface="Roboto" panose="02000000000000000000"/>
-                <a:sym typeface="Roboto" panose="02000000000000000000"/>
+                <a:latin typeface="Roboto"/>
+                <a:ea typeface="Roboto"/>
+                <a:cs typeface="Roboto"/>
+                <a:sym typeface="Roboto"/>
               </a:defRPr>
             </a:lvl2pPr>
             <a:lvl3pPr lvl="2" algn="r">
@@ -11661,10 +11750,10 @@
                 <a:solidFill>
                   <a:schemeClr val="lt2"/>
                 </a:solidFill>
-                <a:latin typeface="Roboto" panose="02000000000000000000"/>
-                <a:ea typeface="Roboto" panose="02000000000000000000"/>
-                <a:cs typeface="Roboto" panose="02000000000000000000"/>
-                <a:sym typeface="Roboto" panose="02000000000000000000"/>
+                <a:latin typeface="Roboto"/>
+                <a:ea typeface="Roboto"/>
+                <a:cs typeface="Roboto"/>
+                <a:sym typeface="Roboto"/>
               </a:defRPr>
             </a:lvl3pPr>
             <a:lvl4pPr lvl="3" algn="r">
@@ -11673,10 +11762,10 @@
                 <a:solidFill>
                   <a:schemeClr val="lt2"/>
                 </a:solidFill>
-                <a:latin typeface="Roboto" panose="02000000000000000000"/>
-                <a:ea typeface="Roboto" panose="02000000000000000000"/>
-                <a:cs typeface="Roboto" panose="02000000000000000000"/>
-                <a:sym typeface="Roboto" panose="02000000000000000000"/>
+                <a:latin typeface="Roboto"/>
+                <a:ea typeface="Roboto"/>
+                <a:cs typeface="Roboto"/>
+                <a:sym typeface="Roboto"/>
               </a:defRPr>
             </a:lvl4pPr>
             <a:lvl5pPr lvl="4" algn="r">
@@ -11685,10 +11774,10 @@
                 <a:solidFill>
                   <a:schemeClr val="lt2"/>
                 </a:solidFill>
-                <a:latin typeface="Roboto" panose="02000000000000000000"/>
-                <a:ea typeface="Roboto" panose="02000000000000000000"/>
-                <a:cs typeface="Roboto" panose="02000000000000000000"/>
-                <a:sym typeface="Roboto" panose="02000000000000000000"/>
+                <a:latin typeface="Roboto"/>
+                <a:ea typeface="Roboto"/>
+                <a:cs typeface="Roboto"/>
+                <a:sym typeface="Roboto"/>
               </a:defRPr>
             </a:lvl5pPr>
             <a:lvl6pPr lvl="5" algn="r">
@@ -11697,10 +11786,10 @@
                 <a:solidFill>
                   <a:schemeClr val="lt2"/>
                 </a:solidFill>
-                <a:latin typeface="Roboto" panose="02000000000000000000"/>
-                <a:ea typeface="Roboto" panose="02000000000000000000"/>
-                <a:cs typeface="Roboto" panose="02000000000000000000"/>
-                <a:sym typeface="Roboto" panose="02000000000000000000"/>
+                <a:latin typeface="Roboto"/>
+                <a:ea typeface="Roboto"/>
+                <a:cs typeface="Roboto"/>
+                <a:sym typeface="Roboto"/>
               </a:defRPr>
             </a:lvl6pPr>
             <a:lvl7pPr lvl="6" algn="r">
@@ -11709,10 +11798,10 @@
                 <a:solidFill>
                   <a:schemeClr val="lt2"/>
                 </a:solidFill>
-                <a:latin typeface="Roboto" panose="02000000000000000000"/>
-                <a:ea typeface="Roboto" panose="02000000000000000000"/>
-                <a:cs typeface="Roboto" panose="02000000000000000000"/>
-                <a:sym typeface="Roboto" panose="02000000000000000000"/>
+                <a:latin typeface="Roboto"/>
+                <a:ea typeface="Roboto"/>
+                <a:cs typeface="Roboto"/>
+                <a:sym typeface="Roboto"/>
               </a:defRPr>
             </a:lvl7pPr>
             <a:lvl8pPr lvl="7" algn="r">
@@ -11721,10 +11810,10 @@
                 <a:solidFill>
                   <a:schemeClr val="lt2"/>
                 </a:solidFill>
-                <a:latin typeface="Roboto" panose="02000000000000000000"/>
-                <a:ea typeface="Roboto" panose="02000000000000000000"/>
-                <a:cs typeface="Roboto" panose="02000000000000000000"/>
-                <a:sym typeface="Roboto" panose="02000000000000000000"/>
+                <a:latin typeface="Roboto"/>
+                <a:ea typeface="Roboto"/>
+                <a:cs typeface="Roboto"/>
+                <a:sym typeface="Roboto"/>
               </a:defRPr>
             </a:lvl8pPr>
             <a:lvl9pPr lvl="8" algn="r">
@@ -11733,15 +11822,15 @@
                 <a:solidFill>
                   <a:schemeClr val="lt2"/>
                 </a:solidFill>
-                <a:latin typeface="Roboto" panose="02000000000000000000"/>
-                <a:ea typeface="Roboto" panose="02000000000000000000"/>
-                <a:cs typeface="Roboto" panose="02000000000000000000"/>
-                <a:sym typeface="Roboto" panose="02000000000000000000"/>
+                <a:latin typeface="Roboto"/>
+                <a:ea typeface="Roboto"/>
+                <a:cs typeface="Roboto"/>
+                <a:sym typeface="Roboto"/>
               </a:defRPr>
             </a:lvl9pPr>
           </a:lstStyle>
           <a:p>
-            <a:pPr marL="0" lvl="0" indent="0" algn="r" rtl="0">
+            <a:pPr indent="0" lvl="0" marL="0" rtl="0" algn="r">
               <a:spcBef>
                 <a:spcPts val="0"/>
               </a:spcBef>
@@ -11751,32 +11840,33 @@
               <a:buNone/>
             </a:pPr>
             <a:fld id="{00000000-1234-1234-1234-123412341234}" type="slidenum">
-              <a:rPr lang="en-GB"/>
+              <a:rPr lang="en"/>
+              <a:t>‹#›</a:t>
             </a:fld>
-            <a:endParaRPr lang="en-GB"/>
+            <a:endParaRPr/>
           </a:p>
         </p:txBody>
       </p:sp>
     </p:spTree>
   </p:cSld>
-  <p:clrMap bg1="lt1" tx1="dk1" bg2="dk2" tx2="lt2" accent1="accent1" accent2="accent2" accent3="accent3" accent4="accent4" accent5="accent5" accent6="accent6" hlink="hlink" folHlink="folHlink"/>
+  <p:clrMap accent1="accent1" accent2="accent2" accent3="accent3" accent4="accent4" accent5="accent5" accent6="accent6" bg1="lt1" bg2="dk2" tx1="dk1" tx2="lt2" folHlink="folHlink" hlink="hlink"/>
   <p:sldLayoutIdLst>
-    <p:sldLayoutId id="2147483661" r:id="rId1"/>
-    <p:sldLayoutId id="2147483662" r:id="rId2"/>
-    <p:sldLayoutId id="2147483663" r:id="rId3"/>
-    <p:sldLayoutId id="2147483664" r:id="rId4"/>
-    <p:sldLayoutId id="2147483665" r:id="rId5"/>
-    <p:sldLayoutId id="2147483666" r:id="rId6"/>
-    <p:sldLayoutId id="2147483667" r:id="rId7"/>
-    <p:sldLayoutId id="2147483668" r:id="rId8"/>
-    <p:sldLayoutId id="2147483669" r:id="rId9"/>
-    <p:sldLayoutId id="2147483670" r:id="rId10"/>
-    <p:sldLayoutId id="2147483671" r:id="rId11"/>
+    <p:sldLayoutId id="2147483659" r:id="rId1"/>
+    <p:sldLayoutId id="2147483660" r:id="rId2"/>
+    <p:sldLayoutId id="2147483661" r:id="rId3"/>
+    <p:sldLayoutId id="2147483662" r:id="rId4"/>
+    <p:sldLayoutId id="2147483663" r:id="rId5"/>
+    <p:sldLayoutId id="2147483664" r:id="rId6"/>
+    <p:sldLayoutId id="2147483665" r:id="rId7"/>
+    <p:sldLayoutId id="2147483666" r:id="rId8"/>
+    <p:sldLayoutId id="2147483667" r:id="rId9"/>
+    <p:sldLayoutId id="2147483668" r:id="rId10"/>
+    <p:sldLayoutId id="2147483669" r:id="rId11"/>
   </p:sldLayoutIdLst>
-  <p:hf sldNum="0" hdr="0" ftr="0" dt="0"/>
+  <p:hf dt="0" ftr="0" hdr="0" sldNum="0"/>
   <p:txStyles>
     <p:titleStyle>
-      <a:defPPr marR="0" lvl="0" algn="l" rtl="0">
+      <a:defPPr lvl="0" marR="0" rtl="0" algn="l">
         <a:lnSpc>
           <a:spcPct val="100000"/>
         </a:lnSpc>
@@ -11787,7 +11877,7 @@
           <a:spcPts val="0"/>
         </a:spcAft>
       </a:defPPr>
-      <a:lvl1pPr marR="0" lvl="0" algn="l" rtl="0">
+      <a:lvl1pPr lvl="0" marR="0" rtl="0" algn="l">
         <a:lnSpc>
           <a:spcPct val="100000"/>
         </a:lnSpc>
@@ -11800,18 +11890,18 @@
         <a:buClr>
           <a:srgbClr val="000000"/>
         </a:buClr>
-        <a:buFont typeface="Arial" panose="020B0604020202020204"/>
-        <a:defRPr sz="1400" b="0" i="0" u="none" strike="noStrike" cap="none">
+        <a:buFont typeface="Arial"/>
+        <a:defRPr b="0" i="0" sz="1400" u="none" cap="none" strike="noStrike">
           <a:solidFill>
             <a:srgbClr val="000000"/>
           </a:solidFill>
-          <a:latin typeface="Arial" panose="020B0604020202020204"/>
-          <a:ea typeface="Arial" panose="020B0604020202020204"/>
-          <a:cs typeface="Arial" panose="020B0604020202020204"/>
-          <a:sym typeface="Arial" panose="020B0604020202020204"/>
+          <a:latin typeface="Arial"/>
+          <a:ea typeface="Arial"/>
+          <a:cs typeface="Arial"/>
+          <a:sym typeface="Arial"/>
         </a:defRPr>
       </a:lvl1pPr>
-      <a:lvl2pPr marR="0" lvl="1" algn="l" rtl="0">
+      <a:lvl2pPr lvl="1" marR="0" rtl="0" algn="l">
         <a:lnSpc>
           <a:spcPct val="100000"/>
         </a:lnSpc>
@@ -11824,18 +11914,18 @@
         <a:buClr>
           <a:srgbClr val="000000"/>
         </a:buClr>
-        <a:buFont typeface="Arial" panose="020B0604020202020204"/>
-        <a:defRPr sz="1400" b="0" i="0" u="none" strike="noStrike" cap="none">
+        <a:buFont typeface="Arial"/>
+        <a:defRPr b="0" i="0" sz="1400" u="none" cap="none" strike="noStrike">
           <a:solidFill>
             <a:srgbClr val="000000"/>
           </a:solidFill>
-          <a:latin typeface="Arial" panose="020B0604020202020204"/>
-          <a:ea typeface="Arial" panose="020B0604020202020204"/>
-          <a:cs typeface="Arial" panose="020B0604020202020204"/>
-          <a:sym typeface="Arial" panose="020B0604020202020204"/>
+          <a:latin typeface="Arial"/>
+          <a:ea typeface="Arial"/>
+          <a:cs typeface="Arial"/>
+          <a:sym typeface="Arial"/>
         </a:defRPr>
       </a:lvl2pPr>
-      <a:lvl3pPr marR="0" lvl="2" algn="l" rtl="0">
+      <a:lvl3pPr lvl="2" marR="0" rtl="0" algn="l">
         <a:lnSpc>
           <a:spcPct val="100000"/>
         </a:lnSpc>
@@ -11848,18 +11938,18 @@
         <a:buClr>
           <a:srgbClr val="000000"/>
         </a:buClr>
-        <a:buFont typeface="Arial" panose="020B0604020202020204"/>
-        <a:defRPr sz="1400" b="0" i="0" u="none" strike="noStrike" cap="none">
+        <a:buFont typeface="Arial"/>
+        <a:defRPr b="0" i="0" sz="1400" u="none" cap="none" strike="noStrike">
           <a:solidFill>
             <a:srgbClr val="000000"/>
           </a:solidFill>
-          <a:latin typeface="Arial" panose="020B0604020202020204"/>
-          <a:ea typeface="Arial" panose="020B0604020202020204"/>
-          <a:cs typeface="Arial" panose="020B0604020202020204"/>
-          <a:sym typeface="Arial" panose="020B0604020202020204"/>
+          <a:latin typeface="Arial"/>
+          <a:ea typeface="Arial"/>
+          <a:cs typeface="Arial"/>
+          <a:sym typeface="Arial"/>
         </a:defRPr>
       </a:lvl3pPr>
-      <a:lvl4pPr marR="0" lvl="3" algn="l" rtl="0">
+      <a:lvl4pPr lvl="3" marR="0" rtl="0" algn="l">
         <a:lnSpc>
           <a:spcPct val="100000"/>
         </a:lnSpc>
@@ -11872,18 +11962,18 @@
         <a:buClr>
           <a:srgbClr val="000000"/>
         </a:buClr>
-        <a:buFont typeface="Arial" panose="020B0604020202020204"/>
-        <a:defRPr sz="1400" b="0" i="0" u="none" strike="noStrike" cap="none">
+        <a:buFont typeface="Arial"/>
+        <a:defRPr b="0" i="0" sz="1400" u="none" cap="none" strike="noStrike">
           <a:solidFill>
             <a:srgbClr val="000000"/>
           </a:solidFill>
-          <a:latin typeface="Arial" panose="020B0604020202020204"/>
-          <a:ea typeface="Arial" panose="020B0604020202020204"/>
-          <a:cs typeface="Arial" panose="020B0604020202020204"/>
-          <a:sym typeface="Arial" panose="020B0604020202020204"/>
+          <a:latin typeface="Arial"/>
+          <a:ea typeface="Arial"/>
+          <a:cs typeface="Arial"/>
+          <a:sym typeface="Arial"/>
         </a:defRPr>
       </a:lvl4pPr>
-      <a:lvl5pPr marR="0" lvl="4" algn="l" rtl="0">
+      <a:lvl5pPr lvl="4" marR="0" rtl="0" algn="l">
         <a:lnSpc>
           <a:spcPct val="100000"/>
         </a:lnSpc>
@@ -11896,18 +11986,18 @@
         <a:buClr>
           <a:srgbClr val="000000"/>
         </a:buClr>
-        <a:buFont typeface="Arial" panose="020B0604020202020204"/>
-        <a:defRPr sz="1400" b="0" i="0" u="none" strike="noStrike" cap="none">
+        <a:buFont typeface="Arial"/>
+        <a:defRPr b="0" i="0" sz="1400" u="none" cap="none" strike="noStrike">
           <a:solidFill>
             <a:srgbClr val="000000"/>
           </a:solidFill>
-          <a:latin typeface="Arial" panose="020B0604020202020204"/>
-          <a:ea typeface="Arial" panose="020B0604020202020204"/>
-          <a:cs typeface="Arial" panose="020B0604020202020204"/>
-          <a:sym typeface="Arial" panose="020B0604020202020204"/>
+          <a:latin typeface="Arial"/>
+          <a:ea typeface="Arial"/>
+          <a:cs typeface="Arial"/>
+          <a:sym typeface="Arial"/>
         </a:defRPr>
       </a:lvl5pPr>
-      <a:lvl6pPr marR="0" lvl="5" algn="l" rtl="0">
+      <a:lvl6pPr lvl="5" marR="0" rtl="0" algn="l">
         <a:lnSpc>
           <a:spcPct val="100000"/>
         </a:lnSpc>
@@ -11920,18 +12010,18 @@
         <a:buClr>
           <a:srgbClr val="000000"/>
         </a:buClr>
-        <a:buFont typeface="Arial" panose="020B0604020202020204"/>
-        <a:defRPr sz="1400" b="0" i="0" u="none" strike="noStrike" cap="none">
+        <a:buFont typeface="Arial"/>
+        <a:defRPr b="0" i="0" sz="1400" u="none" cap="none" strike="noStrike">
           <a:solidFill>
             <a:srgbClr val="000000"/>
           </a:solidFill>
-          <a:latin typeface="Arial" panose="020B0604020202020204"/>
-          <a:ea typeface="Arial" panose="020B0604020202020204"/>
-          <a:cs typeface="Arial" panose="020B0604020202020204"/>
-          <a:sym typeface="Arial" panose="020B0604020202020204"/>
+          <a:latin typeface="Arial"/>
+          <a:ea typeface="Arial"/>
+          <a:cs typeface="Arial"/>
+          <a:sym typeface="Arial"/>
         </a:defRPr>
       </a:lvl6pPr>
-      <a:lvl7pPr marR="0" lvl="6" algn="l" rtl="0">
+      <a:lvl7pPr lvl="6" marR="0" rtl="0" algn="l">
         <a:lnSpc>
           <a:spcPct val="100000"/>
         </a:lnSpc>
@@ -11944,18 +12034,18 @@
         <a:buClr>
           <a:srgbClr val="000000"/>
         </a:buClr>
-        <a:buFont typeface="Arial" panose="020B0604020202020204"/>
-        <a:defRPr sz="1400" b="0" i="0" u="none" strike="noStrike" cap="none">
+        <a:buFont typeface="Arial"/>
+        <a:defRPr b="0" i="0" sz="1400" u="none" cap="none" strike="noStrike">
           <a:solidFill>
             <a:srgbClr val="000000"/>
           </a:solidFill>
-          <a:latin typeface="Arial" panose="020B0604020202020204"/>
-          <a:ea typeface="Arial" panose="020B0604020202020204"/>
-          <a:cs typeface="Arial" panose="020B0604020202020204"/>
-          <a:sym typeface="Arial" panose="020B0604020202020204"/>
+          <a:latin typeface="Arial"/>
+          <a:ea typeface="Arial"/>
+          <a:cs typeface="Arial"/>
+          <a:sym typeface="Arial"/>
         </a:defRPr>
       </a:lvl7pPr>
-      <a:lvl8pPr marR="0" lvl="7" algn="l" rtl="0">
+      <a:lvl8pPr lvl="7" marR="0" rtl="0" algn="l">
         <a:lnSpc>
           <a:spcPct val="100000"/>
         </a:lnSpc>
@@ -11968,18 +12058,18 @@
         <a:buClr>
           <a:srgbClr val="000000"/>
         </a:buClr>
-        <a:buFont typeface="Arial" panose="020B0604020202020204"/>
-        <a:defRPr sz="1400" b="0" i="0" u="none" strike="noStrike" cap="none">
+        <a:buFont typeface="Arial"/>
+        <a:defRPr b="0" i="0" sz="1400" u="none" cap="none" strike="noStrike">
           <a:solidFill>
             <a:srgbClr val="000000"/>
           </a:solidFill>
-          <a:latin typeface="Arial" panose="020B0604020202020204"/>
-          <a:ea typeface="Arial" panose="020B0604020202020204"/>
-          <a:cs typeface="Arial" panose="020B0604020202020204"/>
-          <a:sym typeface="Arial" panose="020B0604020202020204"/>
+          <a:latin typeface="Arial"/>
+          <a:ea typeface="Arial"/>
+          <a:cs typeface="Arial"/>
+          <a:sym typeface="Arial"/>
         </a:defRPr>
       </a:lvl8pPr>
-      <a:lvl9pPr marR="0" lvl="8" algn="l" rtl="0">
+      <a:lvl9pPr lvl="8" marR="0" rtl="0" algn="l">
         <a:lnSpc>
           <a:spcPct val="100000"/>
         </a:lnSpc>
@@ -11992,20 +12082,20 @@
         <a:buClr>
           <a:srgbClr val="000000"/>
         </a:buClr>
-        <a:buFont typeface="Arial" panose="020B0604020202020204"/>
-        <a:defRPr sz="1400" b="0" i="0" u="none" strike="noStrike" cap="none">
+        <a:buFont typeface="Arial"/>
+        <a:defRPr b="0" i="0" sz="1400" u="none" cap="none" strike="noStrike">
           <a:solidFill>
             <a:srgbClr val="000000"/>
           </a:solidFill>
-          <a:latin typeface="Arial" panose="020B0604020202020204"/>
-          <a:ea typeface="Arial" panose="020B0604020202020204"/>
-          <a:cs typeface="Arial" panose="020B0604020202020204"/>
-          <a:sym typeface="Arial" panose="020B0604020202020204"/>
+          <a:latin typeface="Arial"/>
+          <a:ea typeface="Arial"/>
+          <a:cs typeface="Arial"/>
+          <a:sym typeface="Arial"/>
         </a:defRPr>
       </a:lvl9pPr>
     </p:titleStyle>
     <p:bodyStyle>
-      <a:defPPr marR="0" lvl="0" algn="l" rtl="0">
+      <a:defPPr lvl="0" marR="0" rtl="0" algn="l">
         <a:lnSpc>
           <a:spcPct val="100000"/>
         </a:lnSpc>
@@ -12016,7 +12106,7 @@
           <a:spcPts val="0"/>
         </a:spcAft>
       </a:defPPr>
-      <a:lvl1pPr marR="0" lvl="0" algn="l" rtl="0">
+      <a:lvl1pPr lvl="0" marR="0" rtl="0" algn="l">
         <a:lnSpc>
           <a:spcPct val="100000"/>
         </a:lnSpc>
@@ -12029,18 +12119,18 @@
         <a:buClr>
           <a:srgbClr val="000000"/>
         </a:buClr>
-        <a:buFont typeface="Arial" panose="020B0604020202020204"/>
-        <a:defRPr sz="1400" b="0" i="0" u="none" strike="noStrike" cap="none">
+        <a:buFont typeface="Arial"/>
+        <a:defRPr b="0" i="0" sz="1400" u="none" cap="none" strike="noStrike">
           <a:solidFill>
             <a:srgbClr val="000000"/>
           </a:solidFill>
-          <a:latin typeface="Arial" panose="020B0604020202020204"/>
-          <a:ea typeface="Arial" panose="020B0604020202020204"/>
-          <a:cs typeface="Arial" panose="020B0604020202020204"/>
-          <a:sym typeface="Arial" panose="020B0604020202020204"/>
+          <a:latin typeface="Arial"/>
+          <a:ea typeface="Arial"/>
+          <a:cs typeface="Arial"/>
+          <a:sym typeface="Arial"/>
         </a:defRPr>
       </a:lvl1pPr>
-      <a:lvl2pPr marR="0" lvl="1" algn="l" rtl="0">
+      <a:lvl2pPr lvl="1" marR="0" rtl="0" algn="l">
         <a:lnSpc>
           <a:spcPct val="100000"/>
         </a:lnSpc>
@@ -12053,18 +12143,18 @@
         <a:buClr>
           <a:srgbClr val="000000"/>
         </a:buClr>
-        <a:buFont typeface="Arial" panose="020B0604020202020204"/>
-        <a:defRPr sz="1400" b="0" i="0" u="none" strike="noStrike" cap="none">
+        <a:buFont typeface="Arial"/>
+        <a:defRPr b="0" i="0" sz="1400" u="none" cap="none" strike="noStrike">
           <a:solidFill>
             <a:srgbClr val="000000"/>
           </a:solidFill>
-          <a:latin typeface="Arial" panose="020B0604020202020204"/>
-          <a:ea typeface="Arial" panose="020B0604020202020204"/>
-          <a:cs typeface="Arial" panose="020B0604020202020204"/>
-          <a:sym typeface="Arial" panose="020B0604020202020204"/>
+          <a:latin typeface="Arial"/>
+          <a:ea typeface="Arial"/>
+          <a:cs typeface="Arial"/>
+          <a:sym typeface="Arial"/>
         </a:defRPr>
       </a:lvl2pPr>
-      <a:lvl3pPr marR="0" lvl="2" algn="l" rtl="0">
+      <a:lvl3pPr lvl="2" marR="0" rtl="0" algn="l">
         <a:lnSpc>
           <a:spcPct val="100000"/>
         </a:lnSpc>
@@ -12077,18 +12167,18 @@
         <a:buClr>
           <a:srgbClr val="000000"/>
         </a:buClr>
-        <a:buFont typeface="Arial" panose="020B0604020202020204"/>
-        <a:defRPr sz="1400" b="0" i="0" u="none" strike="noStrike" cap="none">
+        <a:buFont typeface="Arial"/>
+        <a:defRPr b="0" i="0" sz="1400" u="none" cap="none" strike="noStrike">
           <a:solidFill>
             <a:srgbClr val="000000"/>
           </a:solidFill>
-          <a:latin typeface="Arial" panose="020B0604020202020204"/>
-          <a:ea typeface="Arial" panose="020B0604020202020204"/>
-          <a:cs typeface="Arial" panose="020B0604020202020204"/>
-          <a:sym typeface="Arial" panose="020B0604020202020204"/>
+          <a:latin typeface="Arial"/>
+          <a:ea typeface="Arial"/>
+          <a:cs typeface="Arial"/>
+          <a:sym typeface="Arial"/>
         </a:defRPr>
       </a:lvl3pPr>
-      <a:lvl4pPr marR="0" lvl="3" algn="l" rtl="0">
+      <a:lvl4pPr lvl="3" marR="0" rtl="0" algn="l">
         <a:lnSpc>
           <a:spcPct val="100000"/>
         </a:lnSpc>
@@ -12101,18 +12191,18 @@
         <a:buClr>
           <a:srgbClr val="000000"/>
         </a:buClr>
-        <a:buFont typeface="Arial" panose="020B0604020202020204"/>
-        <a:defRPr sz="1400" b="0" i="0" u="none" strike="noStrike" cap="none">
+        <a:buFont typeface="Arial"/>
+        <a:defRPr b="0" i="0" sz="1400" u="none" cap="none" strike="noStrike">
           <a:solidFill>
             <a:srgbClr val="000000"/>
           </a:solidFill>
-          <a:latin typeface="Arial" panose="020B0604020202020204"/>
-          <a:ea typeface="Arial" panose="020B0604020202020204"/>
-          <a:cs typeface="Arial" panose="020B0604020202020204"/>
-          <a:sym typeface="Arial" panose="020B0604020202020204"/>
+          <a:latin typeface="Arial"/>
+          <a:ea typeface="Arial"/>
+          <a:cs typeface="Arial"/>
+          <a:sym typeface="Arial"/>
         </a:defRPr>
       </a:lvl4pPr>
-      <a:lvl5pPr marR="0" lvl="4" algn="l" rtl="0">
+      <a:lvl5pPr lvl="4" marR="0" rtl="0" algn="l">
         <a:lnSpc>
           <a:spcPct val="100000"/>
         </a:lnSpc>
@@ -12125,18 +12215,18 @@
         <a:buClr>
           <a:srgbClr val="000000"/>
         </a:buClr>
-        <a:buFont typeface="Arial" panose="020B0604020202020204"/>
-        <a:defRPr sz="1400" b="0" i="0" u="none" strike="noStrike" cap="none">
+        <a:buFont typeface="Arial"/>
+        <a:defRPr b="0" i="0" sz="1400" u="none" cap="none" strike="noStrike">
           <a:solidFill>
             <a:srgbClr val="000000"/>
           </a:solidFill>
-          <a:latin typeface="Arial" panose="020B0604020202020204"/>
-          <a:ea typeface="Arial" panose="020B0604020202020204"/>
-          <a:cs typeface="Arial" panose="020B0604020202020204"/>
-          <a:sym typeface="Arial" panose="020B0604020202020204"/>
+          <a:latin typeface="Arial"/>
+          <a:ea typeface="Arial"/>
+          <a:cs typeface="Arial"/>
+          <a:sym typeface="Arial"/>
         </a:defRPr>
       </a:lvl5pPr>
-      <a:lvl6pPr marR="0" lvl="5" algn="l" rtl="0">
+      <a:lvl6pPr lvl="5" marR="0" rtl="0" algn="l">
         <a:lnSpc>
           <a:spcPct val="100000"/>
         </a:lnSpc>
@@ -12149,18 +12239,18 @@
         <a:buClr>
           <a:srgbClr val="000000"/>
         </a:buClr>
-        <a:buFont typeface="Arial" panose="020B0604020202020204"/>
-        <a:defRPr sz="1400" b="0" i="0" u="none" strike="noStrike" cap="none">
+        <a:buFont typeface="Arial"/>
+        <a:defRPr b="0" i="0" sz="1400" u="none" cap="none" strike="noStrike">
           <a:solidFill>
             <a:srgbClr val="000000"/>
           </a:solidFill>
-          <a:latin typeface="Arial" panose="020B0604020202020204"/>
-          <a:ea typeface="Arial" panose="020B0604020202020204"/>
-          <a:cs typeface="Arial" panose="020B0604020202020204"/>
-          <a:sym typeface="Arial" panose="020B0604020202020204"/>
+          <a:latin typeface="Arial"/>
+          <a:ea typeface="Arial"/>
+          <a:cs typeface="Arial"/>
+          <a:sym typeface="Arial"/>
         </a:defRPr>
       </a:lvl6pPr>
-      <a:lvl7pPr marR="0" lvl="6" algn="l" rtl="0">
+      <a:lvl7pPr lvl="6" marR="0" rtl="0" algn="l">
         <a:lnSpc>
           <a:spcPct val="100000"/>
         </a:lnSpc>
@@ -12173,18 +12263,18 @@
         <a:buClr>
           <a:srgbClr val="000000"/>
         </a:buClr>
-        <a:buFont typeface="Arial" panose="020B0604020202020204"/>
-        <a:defRPr sz="1400" b="0" i="0" u="none" strike="noStrike" cap="none">
+        <a:buFont typeface="Arial"/>
+        <a:defRPr b="0" i="0" sz="1400" u="none" cap="none" strike="noStrike">
           <a:solidFill>
             <a:srgbClr val="000000"/>
           </a:solidFill>
-          <a:latin typeface="Arial" panose="020B0604020202020204"/>
-          <a:ea typeface="Arial" panose="020B0604020202020204"/>
-          <a:cs typeface="Arial" panose="020B0604020202020204"/>
-          <a:sym typeface="Arial" panose="020B0604020202020204"/>
+          <a:latin typeface="Arial"/>
+          <a:ea typeface="Arial"/>
+          <a:cs typeface="Arial"/>
+          <a:sym typeface="Arial"/>
         </a:defRPr>
       </a:lvl7pPr>
-      <a:lvl8pPr marR="0" lvl="7" algn="l" rtl="0">
+      <a:lvl8pPr lvl="7" marR="0" rtl="0" algn="l">
         <a:lnSpc>
           <a:spcPct val="100000"/>
         </a:lnSpc>
@@ -12197,18 +12287,18 @@
         <a:buClr>
           <a:srgbClr val="000000"/>
         </a:buClr>
-        <a:buFont typeface="Arial" panose="020B0604020202020204"/>
-        <a:defRPr sz="1400" b="0" i="0" u="none" strike="noStrike" cap="none">
+        <a:buFont typeface="Arial"/>
+        <a:defRPr b="0" i="0" sz="1400" u="none" cap="none" strike="noStrike">
           <a:solidFill>
             <a:srgbClr val="000000"/>
           </a:solidFill>
-          <a:latin typeface="Arial" panose="020B0604020202020204"/>
-          <a:ea typeface="Arial" panose="020B0604020202020204"/>
-          <a:cs typeface="Arial" panose="020B0604020202020204"/>
-          <a:sym typeface="Arial" panose="020B0604020202020204"/>
+          <a:latin typeface="Arial"/>
+          <a:ea typeface="Arial"/>
+          <a:cs typeface="Arial"/>
+          <a:sym typeface="Arial"/>
         </a:defRPr>
       </a:lvl8pPr>
-      <a:lvl9pPr marR="0" lvl="8" algn="l" rtl="0">
+      <a:lvl9pPr lvl="8" marR="0" rtl="0" algn="l">
         <a:lnSpc>
           <a:spcPct val="100000"/>
         </a:lnSpc>
@@ -12221,20 +12311,20 @@
         <a:buClr>
           <a:srgbClr val="000000"/>
         </a:buClr>
-        <a:buFont typeface="Arial" panose="020B0604020202020204"/>
-        <a:defRPr sz="1400" b="0" i="0" u="none" strike="noStrike" cap="none">
+        <a:buFont typeface="Arial"/>
+        <a:defRPr b="0" i="0" sz="1400" u="none" cap="none" strike="noStrike">
           <a:solidFill>
             <a:srgbClr val="000000"/>
           </a:solidFill>
-          <a:latin typeface="Arial" panose="020B0604020202020204"/>
-          <a:ea typeface="Arial" panose="020B0604020202020204"/>
-          <a:cs typeface="Arial" panose="020B0604020202020204"/>
-          <a:sym typeface="Arial" panose="020B0604020202020204"/>
+          <a:latin typeface="Arial"/>
+          <a:ea typeface="Arial"/>
+          <a:cs typeface="Arial"/>
+          <a:sym typeface="Arial"/>
         </a:defRPr>
       </a:lvl9pPr>
     </p:bodyStyle>
     <p:otherStyle>
-      <a:defPPr marR="0" lvl="0" algn="l" rtl="0">
+      <a:defPPr lvl="0" marR="0" rtl="0" algn="l">
         <a:lnSpc>
           <a:spcPct val="100000"/>
         </a:lnSpc>
@@ -12245,7 +12335,7 @@
           <a:spcPts val="0"/>
         </a:spcAft>
       </a:defPPr>
-      <a:lvl1pPr marR="0" lvl="0" algn="l" rtl="0">
+      <a:lvl1pPr lvl="0" marR="0" rtl="0" algn="l">
         <a:lnSpc>
           <a:spcPct val="100000"/>
         </a:lnSpc>
@@ -12258,18 +12348,18 @@
         <a:buClr>
           <a:srgbClr val="000000"/>
         </a:buClr>
-        <a:buFont typeface="Arial" panose="020B0604020202020204"/>
-        <a:defRPr sz="1400" b="0" i="0" u="none" strike="noStrike" cap="none">
+        <a:buFont typeface="Arial"/>
+        <a:defRPr b="0" i="0" sz="1400" u="none" cap="none" strike="noStrike">
           <a:solidFill>
             <a:srgbClr val="000000"/>
           </a:solidFill>
-          <a:latin typeface="Arial" panose="020B0604020202020204"/>
-          <a:ea typeface="Arial" panose="020B0604020202020204"/>
-          <a:cs typeface="Arial" panose="020B0604020202020204"/>
-          <a:sym typeface="Arial" panose="020B0604020202020204"/>
+          <a:latin typeface="Arial"/>
+          <a:ea typeface="Arial"/>
+          <a:cs typeface="Arial"/>
+          <a:sym typeface="Arial"/>
         </a:defRPr>
       </a:lvl1pPr>
-      <a:lvl2pPr marR="0" lvl="1" algn="l" rtl="0">
+      <a:lvl2pPr lvl="1" marR="0" rtl="0" algn="l">
         <a:lnSpc>
           <a:spcPct val="100000"/>
         </a:lnSpc>
@@ -12282,18 +12372,18 @@
         <a:buClr>
           <a:srgbClr val="000000"/>
         </a:buClr>
-        <a:buFont typeface="Arial" panose="020B0604020202020204"/>
-        <a:defRPr sz="1400" b="0" i="0" u="none" strike="noStrike" cap="none">
+        <a:buFont typeface="Arial"/>
+        <a:defRPr b="0" i="0" sz="1400" u="none" cap="none" strike="noStrike">
           <a:solidFill>
             <a:srgbClr val="000000"/>
           </a:solidFill>
-          <a:latin typeface="Arial" panose="020B0604020202020204"/>
-          <a:ea typeface="Arial" panose="020B0604020202020204"/>
-          <a:cs typeface="Arial" panose="020B0604020202020204"/>
-          <a:sym typeface="Arial" panose="020B0604020202020204"/>
+          <a:latin typeface="Arial"/>
+          <a:ea typeface="Arial"/>
+          <a:cs typeface="Arial"/>
+          <a:sym typeface="Arial"/>
         </a:defRPr>
       </a:lvl2pPr>
-      <a:lvl3pPr marR="0" lvl="2" algn="l" rtl="0">
+      <a:lvl3pPr lvl="2" marR="0" rtl="0" algn="l">
         <a:lnSpc>
           <a:spcPct val="100000"/>
         </a:lnSpc>
@@ -12306,18 +12396,18 @@
         <a:buClr>
           <a:srgbClr val="000000"/>
         </a:buClr>
-        <a:buFont typeface="Arial" panose="020B0604020202020204"/>
-        <a:defRPr sz="1400" b="0" i="0" u="none" strike="noStrike" cap="none">
+        <a:buFont typeface="Arial"/>
+        <a:defRPr b="0" i="0" sz="1400" u="none" cap="none" strike="noStrike">
           <a:solidFill>
             <a:srgbClr val="000000"/>
           </a:solidFill>
-          <a:latin typeface="Arial" panose="020B0604020202020204"/>
-          <a:ea typeface="Arial" panose="020B0604020202020204"/>
-          <a:cs typeface="Arial" panose="020B0604020202020204"/>
-          <a:sym typeface="Arial" panose="020B0604020202020204"/>
+          <a:latin typeface="Arial"/>
+          <a:ea typeface="Arial"/>
+          <a:cs typeface="Arial"/>
+          <a:sym typeface="Arial"/>
         </a:defRPr>
       </a:lvl3pPr>
-      <a:lvl4pPr marR="0" lvl="3" algn="l" rtl="0">
+      <a:lvl4pPr lvl="3" marR="0" rtl="0" algn="l">
         <a:lnSpc>
           <a:spcPct val="100000"/>
         </a:lnSpc>
@@ -12330,18 +12420,18 @@
         <a:buClr>
           <a:srgbClr val="000000"/>
         </a:buClr>
-        <a:buFont typeface="Arial" panose="020B0604020202020204"/>
-        <a:defRPr sz="1400" b="0" i="0" u="none" strike="noStrike" cap="none">
+        <a:buFont typeface="Arial"/>
+        <a:defRPr b="0" i="0" sz="1400" u="none" cap="none" strike="noStrike">
           <a:solidFill>
             <a:srgbClr val="000000"/>
           </a:solidFill>
-          <a:latin typeface="Arial" panose="020B0604020202020204"/>
-          <a:ea typeface="Arial" panose="020B0604020202020204"/>
-          <a:cs typeface="Arial" panose="020B0604020202020204"/>
-          <a:sym typeface="Arial" panose="020B0604020202020204"/>
+          <a:latin typeface="Arial"/>
+          <a:ea typeface="Arial"/>
+          <a:cs typeface="Arial"/>
+          <a:sym typeface="Arial"/>
         </a:defRPr>
       </a:lvl4pPr>
-      <a:lvl5pPr marR="0" lvl="4" algn="l" rtl="0">
+      <a:lvl5pPr lvl="4" marR="0" rtl="0" algn="l">
         <a:lnSpc>
           <a:spcPct val="100000"/>
         </a:lnSpc>
@@ -12354,18 +12444,18 @@
         <a:buClr>
           <a:srgbClr val="000000"/>
         </a:buClr>
-        <a:buFont typeface="Arial" panose="020B0604020202020204"/>
-        <a:defRPr sz="1400" b="0" i="0" u="none" strike="noStrike" cap="none">
+        <a:buFont typeface="Arial"/>
+        <a:defRPr b="0" i="0" sz="1400" u="none" cap="none" strike="noStrike">
           <a:solidFill>
             <a:srgbClr val="000000"/>
           </a:solidFill>
-          <a:latin typeface="Arial" panose="020B0604020202020204"/>
-          <a:ea typeface="Arial" panose="020B0604020202020204"/>
-          <a:cs typeface="Arial" panose="020B0604020202020204"/>
-          <a:sym typeface="Arial" panose="020B0604020202020204"/>
+          <a:latin typeface="Arial"/>
+          <a:ea typeface="Arial"/>
+          <a:cs typeface="Arial"/>
+          <a:sym typeface="Arial"/>
         </a:defRPr>
       </a:lvl5pPr>
-      <a:lvl6pPr marR="0" lvl="5" algn="l" rtl="0">
+      <a:lvl6pPr lvl="5" marR="0" rtl="0" algn="l">
         <a:lnSpc>
           <a:spcPct val="100000"/>
         </a:lnSpc>
@@ -12378,18 +12468,18 @@
         <a:buClr>
           <a:srgbClr val="000000"/>
         </a:buClr>
-        <a:buFont typeface="Arial" panose="020B0604020202020204"/>
-        <a:defRPr sz="1400" b="0" i="0" u="none" strike="noStrike" cap="none">
+        <a:buFont typeface="Arial"/>
+        <a:defRPr b="0" i="0" sz="1400" u="none" cap="none" strike="noStrike">
           <a:solidFill>
             <a:srgbClr val="000000"/>
           </a:solidFill>
-          <a:latin typeface="Arial" panose="020B0604020202020204"/>
-          <a:ea typeface="Arial" panose="020B0604020202020204"/>
-          <a:cs typeface="Arial" panose="020B0604020202020204"/>
-          <a:sym typeface="Arial" panose="020B0604020202020204"/>
+          <a:latin typeface="Arial"/>
+          <a:ea typeface="Arial"/>
+          <a:cs typeface="Arial"/>
+          <a:sym typeface="Arial"/>
         </a:defRPr>
       </a:lvl6pPr>
-      <a:lvl7pPr marR="0" lvl="6" algn="l" rtl="0">
+      <a:lvl7pPr lvl="6" marR="0" rtl="0" algn="l">
         <a:lnSpc>
           <a:spcPct val="100000"/>
         </a:lnSpc>
@@ -12402,18 +12492,18 @@
         <a:buClr>
           <a:srgbClr val="000000"/>
         </a:buClr>
-        <a:buFont typeface="Arial" panose="020B0604020202020204"/>
-        <a:defRPr sz="1400" b="0" i="0" u="none" strike="noStrike" cap="none">
+        <a:buFont typeface="Arial"/>
+        <a:defRPr b="0" i="0" sz="1400" u="none" cap="none" strike="noStrike">
           <a:solidFill>
             <a:srgbClr val="000000"/>
           </a:solidFill>
-          <a:latin typeface="Arial" panose="020B0604020202020204"/>
-          <a:ea typeface="Arial" panose="020B0604020202020204"/>
-          <a:cs typeface="Arial" panose="020B0604020202020204"/>
-          <a:sym typeface="Arial" panose="020B0604020202020204"/>
+          <a:latin typeface="Arial"/>
+          <a:ea typeface="Arial"/>
+          <a:cs typeface="Arial"/>
+          <a:sym typeface="Arial"/>
         </a:defRPr>
       </a:lvl7pPr>
-      <a:lvl8pPr marR="0" lvl="7" algn="l" rtl="0">
+      <a:lvl8pPr lvl="7" marR="0" rtl="0" algn="l">
         <a:lnSpc>
           <a:spcPct val="100000"/>
         </a:lnSpc>
@@ -12426,18 +12516,18 @@
         <a:buClr>
           <a:srgbClr val="000000"/>
         </a:buClr>
-        <a:buFont typeface="Arial" panose="020B0604020202020204"/>
-        <a:defRPr sz="1400" b="0" i="0" u="none" strike="noStrike" cap="none">
+        <a:buFont typeface="Arial"/>
+        <a:defRPr b="0" i="0" sz="1400" u="none" cap="none" strike="noStrike">
           <a:solidFill>
             <a:srgbClr val="000000"/>
           </a:solidFill>
-          <a:latin typeface="Arial" panose="020B0604020202020204"/>
-          <a:ea typeface="Arial" panose="020B0604020202020204"/>
-          <a:cs typeface="Arial" panose="020B0604020202020204"/>
-          <a:sym typeface="Arial" panose="020B0604020202020204"/>
+          <a:latin typeface="Arial"/>
+          <a:ea typeface="Arial"/>
+          <a:cs typeface="Arial"/>
+          <a:sym typeface="Arial"/>
         </a:defRPr>
       </a:lvl8pPr>
-      <a:lvl9pPr marR="0" lvl="8" algn="l" rtl="0">
+      <a:lvl9pPr lvl="8" marR="0" rtl="0" algn="l">
         <a:lnSpc>
           <a:spcPct val="100000"/>
         </a:lnSpc>
@@ -12450,15 +12540,15 @@
         <a:buClr>
           <a:srgbClr val="000000"/>
         </a:buClr>
-        <a:buFont typeface="Arial" panose="020B0604020202020204"/>
-        <a:defRPr sz="1400" b="0" i="0" u="none" strike="noStrike" cap="none">
+        <a:buFont typeface="Arial"/>
+        <a:defRPr b="0" i="0" sz="1400" u="none" cap="none" strike="noStrike">
           <a:solidFill>
             <a:srgbClr val="000000"/>
           </a:solidFill>
-          <a:latin typeface="Arial" panose="020B0604020202020204"/>
-          <a:ea typeface="Arial" panose="020B0604020202020204"/>
-          <a:cs typeface="Arial" panose="020B0604020202020204"/>
-          <a:sym typeface="Arial" panose="020B0604020202020204"/>
+          <a:latin typeface="Arial"/>
+          <a:ea typeface="Arial"/>
+          <a:cs typeface="Arial"/>
+          <a:sym typeface="Arial"/>
         </a:defRPr>
       </a:lvl9pPr>
     </p:otherStyle>
@@ -12467,7 +12557,7 @@
 </file>
 
 <file path=ppt/slides/slide1.xml><?xml version="1.0" encoding="utf-8"?>
-<p:sld xmlns:a="http://schemas.openxmlformats.org/drawingml/2006/main" xmlns:r="http://schemas.openxmlformats.org/officeDocument/2006/relationships" xmlns:p="http://schemas.openxmlformats.org/presentationml/2006/main">
+<p:sld xmlns:a="http://schemas.openxmlformats.org/drawingml/2006/main" xmlns:r="http://schemas.openxmlformats.org/officeDocument/2006/relationships" xmlns:mc="http://schemas.openxmlformats.org/markup-compatibility/2006" xmlns:mv="urn:schemas-microsoft-com:mac:vml" xmlns:p="http://schemas.openxmlformats.org/presentationml/2006/main" xmlns:c="http://schemas.openxmlformats.org/drawingml/2006/chart" xmlns:dgm="http://schemas.openxmlformats.org/drawingml/2006/diagram" xmlns:o="urn:schemas-microsoft-com:office:office" xmlns:v="urn:schemas-microsoft-com:vml" xmlns:pvml="urn:schemas-microsoft-com:office:powerpoint" xmlns:com="http://schemas.openxmlformats.org/drawingml/2006/compatibility" xmlns:p14="http://schemas.microsoft.com/office/powerpoint/2010/main" xmlns:p15="http://schemas.microsoft.com/office/powerpoint/2012/main" xmlns:ahyp="http://schemas.microsoft.com/office/drawing/2018/hyperlinkcolor">
   <p:cSld>
     <p:spTree>
       <p:nvGrpSpPr>
@@ -12486,6 +12576,55 @@
       <p:sp>
         <p:nvSpPr>
           <p:cNvPr id="112" name="Google Shape;112;p25"/>
+          <p:cNvSpPr/>
+          <p:nvPr/>
+        </p:nvSpPr>
+        <p:spPr>
+          <a:xfrm>
+            <a:off x="3747125" y="431731"/>
+            <a:ext cx="1681800" cy="1681800"/>
+          </a:xfrm>
+          <a:prstGeom prst="ellipse">
+            <a:avLst/>
+          </a:prstGeom>
+          <a:solidFill>
+            <a:schemeClr val="dk1"/>
+          </a:solidFill>
+          <a:ln cap="flat" cmpd="sng" w="9525">
+            <a:solidFill>
+              <a:schemeClr val="dk2"/>
+            </a:solidFill>
+            <a:prstDash val="solid"/>
+            <a:round/>
+            <a:headEnd len="sm" w="sm" type="none"/>
+            <a:tailEnd len="sm" w="sm" type="none"/>
+          </a:ln>
+        </p:spPr>
+        <p:txBody>
+          <a:bodyPr anchorCtr="0" anchor="ctr" bIns="91425" lIns="91425" spcFirstLastPara="1" rIns="91425" wrap="square" tIns="91425">
+            <a:noAutofit/>
+          </a:bodyPr>
+          <a:lstStyle/>
+          <a:p>
+            <a:pPr indent="0" lvl="0" marL="0" rtl="0" algn="l">
+              <a:spcBef>
+                <a:spcPts val="0"/>
+              </a:spcBef>
+              <a:spcAft>
+                <a:spcPts val="0"/>
+              </a:spcAft>
+              <a:buNone/>
+            </a:pPr>
+            <a:r>
+              <a:t/>
+            </a:r>
+            <a:endParaRPr/>
+          </a:p>
+        </p:txBody>
+      </p:sp>
+      <p:sp>
+        <p:nvSpPr>
+          <p:cNvPr id="113" name="Google Shape;113;p25"/>
           <p:cNvSpPr txBox="1"/>
           <p:nvPr>
             <p:ph type="ctrTitle"/>
@@ -12493,7 +12632,7 @@
         </p:nvSpPr>
         <p:spPr>
           <a:xfrm>
-            <a:off x="311700" y="1858500"/>
+            <a:off x="327725" y="2102400"/>
             <a:ext cx="8520600" cy="938700"/>
           </a:xfrm>
           <a:prstGeom prst="rect">
@@ -12501,12 +12640,12 @@
           </a:prstGeom>
         </p:spPr>
         <p:txBody>
-          <a:bodyPr spcFirstLastPara="1" wrap="square" lIns="91425" tIns="91425" rIns="91425" bIns="91425" anchor="b" anchorCtr="0">
+          <a:bodyPr anchorCtr="0" anchor="b" bIns="91425" lIns="91425" spcFirstLastPara="1" rIns="91425" wrap="square" tIns="91425">
             <a:normAutofit fontScale="90000"/>
           </a:bodyPr>
           <a:lstStyle/>
           <a:p>
-            <a:pPr marL="0" lvl="0" indent="0" algn="ctr" rtl="0">
+            <a:pPr indent="0" lvl="0" marL="0" rtl="0" algn="ctr">
               <a:spcBef>
                 <a:spcPts val="0"/>
               </a:spcBef>
@@ -12516,13 +12655,13 @@
               <a:buNone/>
             </a:pPr>
             <a:r>
-              <a:rPr lang="en-GB" b="1">
+              <a:rPr b="1" lang="en">
                 <a:latin typeface="Maven Pro"/>
                 <a:ea typeface="Maven Pro"/>
                 <a:cs typeface="Maven Pro"/>
                 <a:sym typeface="Maven Pro"/>
               </a:rPr>
-              <a:t>YogaPartner</a:t>
+              <a:t>Yoga Partner</a:t>
             </a:r>
             <a:endParaRPr b="1">
               <a:latin typeface="Maven Pro"/>
@@ -12535,15 +12674,15 @@
       </p:sp>
       <p:sp>
         <p:nvSpPr>
-          <p:cNvPr id="113" name="Google Shape;113;p25"/>
+          <p:cNvPr id="114" name="Google Shape;114;p25"/>
           <p:cNvSpPr txBox="1"/>
           <p:nvPr>
-            <p:ph type="subTitle" idx="1"/>
+            <p:ph idx="1" type="subTitle"/>
           </p:nvPr>
         </p:nvSpPr>
         <p:spPr>
           <a:xfrm>
-            <a:off x="3737350" y="3376600"/>
+            <a:off x="4020575" y="3376600"/>
             <a:ext cx="1134900" cy="390600"/>
           </a:xfrm>
           <a:prstGeom prst="rect">
@@ -12551,12 +12690,12 @@
           </a:prstGeom>
         </p:spPr>
         <p:txBody>
-          <a:bodyPr spcFirstLastPara="1" wrap="square" lIns="91425" tIns="91425" rIns="91425" bIns="91425" anchor="t" anchorCtr="0">
+          <a:bodyPr anchorCtr="0" anchor="t" bIns="91425" lIns="91425" spcFirstLastPara="1" rIns="91425" wrap="square" tIns="91425">
             <a:normAutofit fontScale="92500" lnSpcReduction="20000"/>
           </a:bodyPr>
           <a:lstStyle/>
           <a:p>
-            <a:pPr marL="0" lvl="0" indent="0" algn="l" rtl="0">
+            <a:pPr indent="0" lvl="0" marL="0" rtl="0" algn="l">
               <a:lnSpc>
                 <a:spcPct val="90000"/>
               </a:lnSpc>
@@ -12569,7 +12708,7 @@
               <a:buNone/>
             </a:pPr>
             <a:r>
-              <a:rPr lang="en-GB" sz="2100" b="1">
+              <a:rPr b="1" lang="en" sz="2100">
                 <a:latin typeface="Maven Pro"/>
                 <a:ea typeface="Maven Pro"/>
                 <a:cs typeface="Maven Pro"/>
@@ -12577,7 +12716,7 @@
               </a:rPr>
               <a:t>Group 5</a:t>
             </a:r>
-            <a:endParaRPr sz="2100" b="1">
+            <a:endParaRPr b="1" sz="2100">
               <a:latin typeface="Maven Pro"/>
               <a:ea typeface="Maven Pro"/>
               <a:cs typeface="Maven Pro"/>
@@ -12588,13 +12727,13 @@
       </p:sp>
       <p:sp>
         <p:nvSpPr>
-          <p:cNvPr id="114" name="Google Shape;114;p25"/>
+          <p:cNvPr id="115" name="Google Shape;115;p25"/>
           <p:cNvSpPr txBox="1"/>
           <p:nvPr/>
         </p:nvSpPr>
         <p:spPr>
           <a:xfrm>
-            <a:off x="3072000" y="3917900"/>
+            <a:off x="3355225" y="3917900"/>
             <a:ext cx="3000000" cy="877200"/>
           </a:xfrm>
           <a:prstGeom prst="rect">
@@ -12606,12 +12745,12 @@
           </a:ln>
         </p:spPr>
         <p:txBody>
-          <a:bodyPr spcFirstLastPara="1" wrap="square" lIns="91425" tIns="91425" rIns="91425" bIns="91425" anchor="t" anchorCtr="0">
+          <a:bodyPr anchorCtr="0" anchor="t" bIns="91425" lIns="91425" spcFirstLastPara="1" rIns="91425" wrap="square" tIns="91425">
             <a:spAutoFit/>
           </a:bodyPr>
           <a:lstStyle/>
           <a:p>
-            <a:pPr marL="0" lvl="0" indent="0" algn="l" rtl="0">
+            <a:pPr indent="0" lvl="0" marL="0" rtl="0" algn="l">
               <a:spcBef>
                 <a:spcPts val="0"/>
               </a:spcBef>
@@ -12621,7 +12760,7 @@
               <a:buNone/>
             </a:pPr>
             <a:r>
-              <a:rPr lang="en-GB" sz="1500">
+              <a:rPr lang="en" sz="1500">
                 <a:solidFill>
                   <a:schemeClr val="dk2"/>
                 </a:solidFill>
@@ -12643,7 +12782,7 @@
             </a:endParaRPr>
           </a:p>
           <a:p>
-            <a:pPr marL="0" lvl="0" indent="0" algn="l" rtl="0">
+            <a:pPr indent="0" lvl="0" marL="0" rtl="0" algn="l">
               <a:spcBef>
                 <a:spcPts val="0"/>
               </a:spcBef>
@@ -12653,7 +12792,7 @@
               <a:buNone/>
             </a:pPr>
             <a:r>
-              <a:rPr lang="en-GB" sz="1500">
+              <a:rPr lang="en" sz="1500">
                 <a:solidFill>
                   <a:schemeClr val="dk2"/>
                 </a:solidFill>
@@ -12675,7 +12814,7 @@
             </a:endParaRPr>
           </a:p>
           <a:p>
-            <a:pPr marL="0" lvl="0" indent="0" algn="l" rtl="0">
+            <a:pPr indent="0" lvl="0" marL="0" rtl="0" algn="l">
               <a:spcBef>
                 <a:spcPts val="0"/>
               </a:spcBef>
@@ -12685,7 +12824,7 @@
               <a:buNone/>
             </a:pPr>
             <a:r>
-              <a:rPr lang="en-GB" sz="1500">
+              <a:rPr lang="en" sz="1500">
                 <a:solidFill>
                   <a:schemeClr val="dk2"/>
                 </a:solidFill>
@@ -12704,6 +12843,34 @@
           </a:p>
         </p:txBody>
       </p:sp>
+      <p:pic>
+        <p:nvPicPr>
+          <p:cNvPr id="116" name="Google Shape;116;p25"/>
+          <p:cNvPicPr preferRelativeResize="0"/>
+          <p:nvPr/>
+        </p:nvPicPr>
+        <p:blipFill>
+          <a:blip r:embed="rId3">
+            <a:alphaModFix/>
+          </a:blip>
+          <a:stretch>
+            <a:fillRect/>
+          </a:stretch>
+        </p:blipFill>
+        <p:spPr>
+          <a:xfrm>
+            <a:off x="3986138" y="686775"/>
+            <a:ext cx="1171725" cy="1171725"/>
+          </a:xfrm>
+          <a:prstGeom prst="rect">
+            <a:avLst/>
+          </a:prstGeom>
+          <a:noFill/>
+          <a:ln>
+            <a:noFill/>
+          </a:ln>
+        </p:spPr>
+      </p:pic>
     </p:spTree>
   </p:cSld>
   <p:clrMapOvr>
@@ -12713,11 +12880,11 @@
 </file>
 
 <file path=ppt/slides/slide10.xml><?xml version="1.0" encoding="utf-8"?>
-<p:sld xmlns:a="http://schemas.openxmlformats.org/drawingml/2006/main" xmlns:r="http://schemas.openxmlformats.org/officeDocument/2006/relationships" xmlns:p="http://schemas.openxmlformats.org/presentationml/2006/main">
+<p:sld xmlns:a="http://schemas.openxmlformats.org/drawingml/2006/main" xmlns:r="http://schemas.openxmlformats.org/officeDocument/2006/relationships" xmlns:mc="http://schemas.openxmlformats.org/markup-compatibility/2006" xmlns:mv="urn:schemas-microsoft-com:mac:vml" xmlns:p="http://schemas.openxmlformats.org/presentationml/2006/main" xmlns:c="http://schemas.openxmlformats.org/drawingml/2006/chart" xmlns:dgm="http://schemas.openxmlformats.org/drawingml/2006/diagram" xmlns:o="urn:schemas-microsoft-com:office:office" xmlns:v="urn:schemas-microsoft-com:vml" xmlns:pvml="urn:schemas-microsoft-com:office:powerpoint" xmlns:com="http://schemas.openxmlformats.org/drawingml/2006/compatibility" xmlns:p14="http://schemas.microsoft.com/office/powerpoint/2010/main" xmlns:p15="http://schemas.microsoft.com/office/powerpoint/2012/main" xmlns:ahyp="http://schemas.microsoft.com/office/drawing/2018/hyperlinkcolor">
   <p:cSld>
     <p:spTree>
       <p:nvGrpSpPr>
-        <p:cNvPr id="162" name="Shape 162"/>
+        <p:cNvPr id="164" name="Shape 164"/>
         <p:cNvGrpSpPr/>
         <p:nvPr/>
       </p:nvGrpSpPr>
@@ -12731,16 +12898,16 @@
       </p:grpSpPr>
       <p:pic>
         <p:nvPicPr>
-          <p:cNvPr id="163" name="Google Shape;163;p34"/>
+          <p:cNvPr id="165" name="Google Shape;165;p34"/>
           <p:cNvPicPr preferRelativeResize="0"/>
           <p:nvPr/>
         </p:nvPicPr>
         <p:blipFill rotWithShape="1">
-          <a:blip r:embed="rId1"/>
-          <a:srcRect r="42366"/>
-          <a:stretch>
-            <a:fillRect/>
-          </a:stretch>
+          <a:blip r:embed="rId3">
+            <a:alphaModFix/>
+          </a:blip>
+          <a:srcRect b="0" l="0" r="42366" t="0"/>
+          <a:stretch/>
         </p:blipFill>
         <p:spPr>
           <a:xfrm>
@@ -12765,11 +12932,11 @@
 </file>
 
 <file path=ppt/slides/slide11.xml><?xml version="1.0" encoding="utf-8"?>
-<p:sld xmlns:a="http://schemas.openxmlformats.org/drawingml/2006/main" xmlns:r="http://schemas.openxmlformats.org/officeDocument/2006/relationships" xmlns:p="http://schemas.openxmlformats.org/presentationml/2006/main">
+<p:sld xmlns:a="http://schemas.openxmlformats.org/drawingml/2006/main" xmlns:r="http://schemas.openxmlformats.org/officeDocument/2006/relationships" xmlns:mc="http://schemas.openxmlformats.org/markup-compatibility/2006" xmlns:mv="urn:schemas-microsoft-com:mac:vml" xmlns:p="http://schemas.openxmlformats.org/presentationml/2006/main" xmlns:c="http://schemas.openxmlformats.org/drawingml/2006/chart" xmlns:dgm="http://schemas.openxmlformats.org/drawingml/2006/diagram" xmlns:o="urn:schemas-microsoft-com:office:office" xmlns:v="urn:schemas-microsoft-com:vml" xmlns:pvml="urn:schemas-microsoft-com:office:powerpoint" xmlns:com="http://schemas.openxmlformats.org/drawingml/2006/compatibility" xmlns:p14="http://schemas.microsoft.com/office/powerpoint/2010/main" xmlns:p15="http://schemas.microsoft.com/office/powerpoint/2012/main" xmlns:ahyp="http://schemas.microsoft.com/office/drawing/2018/hyperlinkcolor">
   <p:cSld>
     <p:spTree>
       <p:nvGrpSpPr>
-        <p:cNvPr id="167" name="Shape 167"/>
+        <p:cNvPr id="169" name="Shape 169"/>
         <p:cNvGrpSpPr/>
         <p:nvPr/>
       </p:nvGrpSpPr>
@@ -12783,7 +12950,7 @@
       </p:grpSpPr>
       <p:sp>
         <p:nvSpPr>
-          <p:cNvPr id="168" name="Google Shape;168;p35"/>
+          <p:cNvPr id="170" name="Google Shape;170;p35"/>
           <p:cNvSpPr txBox="1"/>
           <p:nvPr>
             <p:ph type="title"/>
@@ -12799,12 +12966,12 @@
           </a:prstGeom>
         </p:spPr>
         <p:txBody>
-          <a:bodyPr spcFirstLastPara="1" wrap="square" lIns="91425" tIns="91425" rIns="91425" bIns="91425" anchor="b" anchorCtr="0">
+          <a:bodyPr anchorCtr="0" anchor="b" bIns="91425" lIns="91425" spcFirstLastPara="1" rIns="91425" wrap="square" tIns="91425">
             <a:normAutofit/>
           </a:bodyPr>
           <a:lstStyle/>
           <a:p>
-            <a:pPr marL="0" lvl="0" indent="0" algn="l" rtl="0">
+            <a:pPr indent="0" lvl="0" marL="0" rtl="0" algn="l">
               <a:spcBef>
                 <a:spcPts val="0"/>
               </a:spcBef>
@@ -12814,7 +12981,7 @@
               <a:buNone/>
             </a:pPr>
             <a:r>
-              <a:rPr lang="en-GB" b="1">
+              <a:rPr b="1" lang="en">
                 <a:latin typeface="Maven Pro"/>
                 <a:ea typeface="Maven Pro"/>
                 <a:cs typeface="Maven Pro"/>
@@ -12833,10 +13000,10 @@
       </p:sp>
       <p:sp>
         <p:nvSpPr>
-          <p:cNvPr id="169" name="Google Shape;169;p35"/>
+          <p:cNvPr id="171" name="Google Shape;171;p35"/>
           <p:cNvSpPr txBox="1"/>
           <p:nvPr>
-            <p:ph type="body" idx="1"/>
+            <p:ph idx="1" type="body"/>
           </p:nvPr>
         </p:nvSpPr>
         <p:spPr>
@@ -12849,12 +13016,12 @@
           </a:prstGeom>
         </p:spPr>
         <p:txBody>
-          <a:bodyPr spcFirstLastPara="1" wrap="square" lIns="91425" tIns="91425" rIns="91425" bIns="91425" anchor="t" anchorCtr="0">
+          <a:bodyPr anchorCtr="0" anchor="t" bIns="91425" lIns="91425" spcFirstLastPara="1" rIns="91425" wrap="square" tIns="91425">
             <a:normAutofit/>
           </a:bodyPr>
           <a:lstStyle/>
           <a:p>
-            <a:pPr marL="0" lvl="0" indent="0" algn="l" rtl="0">
+            <a:pPr indent="0" lvl="0" marL="0" rtl="0" algn="l">
               <a:spcBef>
                 <a:spcPts val="0"/>
               </a:spcBef>
@@ -12864,7 +13031,7 @@
               <a:buNone/>
             </a:pPr>
             <a:r>
-              <a:rPr lang="en-GB">
+              <a:rPr lang="en">
                 <a:solidFill>
                   <a:schemeClr val="dk2"/>
                 </a:solidFill>
@@ -12876,7 +13043,7 @@
               <a:t>All the </a:t>
             </a:r>
             <a:r>
-              <a:rPr lang="en-GB">
+              <a:rPr lang="en">
                 <a:solidFill>
                   <a:schemeClr val="dk2"/>
                 </a:solidFill>
@@ -12888,7 +13055,7 @@
               <a:t>modules</a:t>
             </a:r>
             <a:r>
-              <a:rPr lang="en-GB">
+              <a:rPr lang="en">
                 <a:solidFill>
                   <a:schemeClr val="dk2"/>
                 </a:solidFill>
@@ -12900,7 +13067,7 @@
               <a:t> are complete and testing was performed </a:t>
             </a:r>
             <a:r>
-              <a:rPr lang="en-GB">
+              <a:rPr lang="en">
                 <a:solidFill>
                   <a:schemeClr val="dk2"/>
                 </a:solidFill>
@@ -12912,7 +13079,7 @@
               <a:t>successfully</a:t>
             </a:r>
             <a:r>
-              <a:rPr lang="en-GB">
+              <a:rPr lang="en">
                 <a:solidFill>
                   <a:schemeClr val="dk2"/>
                 </a:solidFill>
@@ -12944,11 +13111,11 @@
 </file>
 
 <file path=ppt/slides/slide12.xml><?xml version="1.0" encoding="utf-8"?>
-<p:sld xmlns:a="http://schemas.openxmlformats.org/drawingml/2006/main" xmlns:r="http://schemas.openxmlformats.org/officeDocument/2006/relationships" xmlns:p="http://schemas.openxmlformats.org/presentationml/2006/main">
+<p:sld xmlns:a="http://schemas.openxmlformats.org/drawingml/2006/main" xmlns:r="http://schemas.openxmlformats.org/officeDocument/2006/relationships" xmlns:mc="http://schemas.openxmlformats.org/markup-compatibility/2006" xmlns:mv="urn:schemas-microsoft-com:mac:vml" xmlns:p="http://schemas.openxmlformats.org/presentationml/2006/main" xmlns:c="http://schemas.openxmlformats.org/drawingml/2006/chart" xmlns:dgm="http://schemas.openxmlformats.org/drawingml/2006/diagram" xmlns:o="urn:schemas-microsoft-com:office:office" xmlns:v="urn:schemas-microsoft-com:vml" xmlns:pvml="urn:schemas-microsoft-com:office:powerpoint" xmlns:com="http://schemas.openxmlformats.org/drawingml/2006/compatibility" xmlns:p14="http://schemas.microsoft.com/office/powerpoint/2010/main" xmlns:p15="http://schemas.microsoft.com/office/powerpoint/2012/main" xmlns:ahyp="http://schemas.microsoft.com/office/drawing/2018/hyperlinkcolor">
   <p:cSld>
     <p:spTree>
       <p:nvGrpSpPr>
-        <p:cNvPr id="173" name="Shape 173"/>
+        <p:cNvPr id="175" name="Shape 175"/>
         <p:cNvGrpSpPr/>
         <p:nvPr/>
       </p:nvGrpSpPr>
@@ -12962,10 +13129,10 @@
       </p:grpSpPr>
       <p:sp>
         <p:nvSpPr>
-          <p:cNvPr id="174" name="Google Shape;174;p36"/>
+          <p:cNvPr id="176" name="Google Shape;176;p36"/>
           <p:cNvSpPr txBox="1"/>
           <p:nvPr>
-            <p:ph type="title" idx="4294967295"/>
+            <p:ph idx="4294967295" type="title"/>
           </p:nvPr>
         </p:nvSpPr>
         <p:spPr>
@@ -12978,12 +13145,12 @@
           </a:prstGeom>
         </p:spPr>
         <p:txBody>
-          <a:bodyPr spcFirstLastPara="1" wrap="square" lIns="91425" tIns="91425" rIns="91425" bIns="91425" anchor="b" anchorCtr="0">
+          <a:bodyPr anchorCtr="0" anchor="b" bIns="91425" lIns="91425" spcFirstLastPara="1" rIns="91425" wrap="square" tIns="91425">
             <a:noAutofit/>
           </a:bodyPr>
           <a:lstStyle/>
           <a:p>
-            <a:pPr marL="0" lvl="0" indent="0" algn="l" rtl="0">
+            <a:pPr indent="0" lvl="0" marL="0" rtl="0" algn="l">
               <a:spcBef>
                 <a:spcPts val="0"/>
               </a:spcBef>
@@ -12994,7 +13161,7 @@
               <a:buNone/>
             </a:pPr>
             <a:r>
-              <a:rPr lang="en-GB" sz="6080" b="1">
+              <a:rPr b="1" lang="en" sz="6080">
                 <a:solidFill>
                   <a:schemeClr val="dk1"/>
                 </a:solidFill>
@@ -13005,7 +13172,7 @@
               </a:rPr>
               <a:t>DEMO</a:t>
             </a:r>
-            <a:endParaRPr sz="6080" b="1">
+            <a:endParaRPr b="1" sz="6080">
               <a:solidFill>
                 <a:schemeClr val="dk1"/>
               </a:solidFill>
@@ -13026,11 +13193,11 @@
 </file>
 
 <file path=ppt/slides/slide13.xml><?xml version="1.0" encoding="utf-8"?>
-<p:sld xmlns:a="http://schemas.openxmlformats.org/drawingml/2006/main" xmlns:r="http://schemas.openxmlformats.org/officeDocument/2006/relationships" xmlns:p="http://schemas.openxmlformats.org/presentationml/2006/main">
+<p:sld xmlns:a="http://schemas.openxmlformats.org/drawingml/2006/main" xmlns:r="http://schemas.openxmlformats.org/officeDocument/2006/relationships" xmlns:mc="http://schemas.openxmlformats.org/markup-compatibility/2006" xmlns:mv="urn:schemas-microsoft-com:mac:vml" xmlns:p="http://schemas.openxmlformats.org/presentationml/2006/main" xmlns:c="http://schemas.openxmlformats.org/drawingml/2006/chart" xmlns:dgm="http://schemas.openxmlformats.org/drawingml/2006/diagram" xmlns:o="urn:schemas-microsoft-com:office:office" xmlns:v="urn:schemas-microsoft-com:vml" xmlns:pvml="urn:schemas-microsoft-com:office:powerpoint" xmlns:com="http://schemas.openxmlformats.org/drawingml/2006/compatibility" xmlns:p14="http://schemas.microsoft.com/office/powerpoint/2010/main" xmlns:p15="http://schemas.microsoft.com/office/powerpoint/2012/main" xmlns:ahyp="http://schemas.microsoft.com/office/drawing/2018/hyperlinkcolor">
   <p:cSld>
     <p:spTree>
       <p:nvGrpSpPr>
-        <p:cNvPr id="178" name="Shape 178"/>
+        <p:cNvPr id="180" name="Shape 180"/>
         <p:cNvGrpSpPr/>
         <p:nvPr/>
       </p:nvGrpSpPr>
@@ -13044,10 +13211,10 @@
       </p:grpSpPr>
       <p:sp>
         <p:nvSpPr>
-          <p:cNvPr id="179" name="Google Shape;179;p37"/>
+          <p:cNvPr id="181" name="Google Shape;181;p37"/>
           <p:cNvSpPr txBox="1"/>
           <p:nvPr>
-            <p:ph type="title" idx="4294967295"/>
+            <p:ph idx="4294967295" type="title"/>
           </p:nvPr>
         </p:nvSpPr>
         <p:spPr>
@@ -13060,12 +13227,12 @@
           </a:prstGeom>
         </p:spPr>
         <p:txBody>
-          <a:bodyPr spcFirstLastPara="1" wrap="square" lIns="91425" tIns="91425" rIns="91425" bIns="91425" anchor="t" anchorCtr="0">
+          <a:bodyPr anchorCtr="0" anchor="t" bIns="91425" lIns="91425" spcFirstLastPara="1" rIns="91425" wrap="square" tIns="91425">
             <a:noAutofit/>
           </a:bodyPr>
           <a:lstStyle/>
           <a:p>
-            <a:pPr marL="0" lvl="0" indent="0" algn="l" rtl="0">
+            <a:pPr indent="0" lvl="0" marL="0" rtl="0" algn="l">
               <a:spcBef>
                 <a:spcPts val="0"/>
               </a:spcBef>
@@ -13076,7 +13243,7 @@
               <a:buNone/>
             </a:pPr>
             <a:r>
-              <a:rPr lang="en-GB" sz="7200" b="1">
+              <a:rPr b="1" lang="en" sz="7200">
                 <a:solidFill>
                   <a:schemeClr val="accent1"/>
                 </a:solidFill>
@@ -13087,7 +13254,7 @@
               </a:rPr>
               <a:t>Thank You</a:t>
             </a:r>
-            <a:endParaRPr sz="7200" b="1">
+            <a:endParaRPr b="1" sz="7200">
               <a:solidFill>
                 <a:schemeClr val="accent1"/>
               </a:solidFill>
@@ -13108,11 +13275,11 @@
 </file>
 
 <file path=ppt/slides/slide2.xml><?xml version="1.0" encoding="utf-8"?>
-<p:sld xmlns:a="http://schemas.openxmlformats.org/drawingml/2006/main" xmlns:r="http://schemas.openxmlformats.org/officeDocument/2006/relationships" xmlns:p="http://schemas.openxmlformats.org/presentationml/2006/main">
+<p:sld xmlns:a="http://schemas.openxmlformats.org/drawingml/2006/main" xmlns:r="http://schemas.openxmlformats.org/officeDocument/2006/relationships" xmlns:mc="http://schemas.openxmlformats.org/markup-compatibility/2006" xmlns:mv="urn:schemas-microsoft-com:mac:vml" xmlns:p="http://schemas.openxmlformats.org/presentationml/2006/main" xmlns:c="http://schemas.openxmlformats.org/drawingml/2006/chart" xmlns:dgm="http://schemas.openxmlformats.org/drawingml/2006/diagram" xmlns:o="urn:schemas-microsoft-com:office:office" xmlns:v="urn:schemas-microsoft-com:vml" xmlns:pvml="urn:schemas-microsoft-com:office:powerpoint" xmlns:com="http://schemas.openxmlformats.org/drawingml/2006/compatibility" xmlns:p14="http://schemas.microsoft.com/office/powerpoint/2010/main" xmlns:p15="http://schemas.microsoft.com/office/powerpoint/2012/main" xmlns:ahyp="http://schemas.microsoft.com/office/drawing/2018/hyperlinkcolor">
   <p:cSld>
     <p:spTree>
       <p:nvGrpSpPr>
-        <p:cNvPr id="118" name="Shape 118"/>
+        <p:cNvPr id="120" name="Shape 120"/>
         <p:cNvGrpSpPr/>
         <p:nvPr/>
       </p:nvGrpSpPr>
@@ -13126,7 +13293,7 @@
       </p:grpSpPr>
       <p:sp>
         <p:nvSpPr>
-          <p:cNvPr id="119" name="Google Shape;119;p26"/>
+          <p:cNvPr id="121" name="Google Shape;121;p26"/>
           <p:cNvSpPr txBox="1"/>
           <p:nvPr>
             <p:ph type="title"/>
@@ -13142,12 +13309,12 @@
           </a:prstGeom>
         </p:spPr>
         <p:txBody>
-          <a:bodyPr spcFirstLastPara="1" wrap="square" lIns="91425" tIns="91425" rIns="91425" bIns="91425" anchor="b" anchorCtr="0">
+          <a:bodyPr anchorCtr="0" anchor="b" bIns="91425" lIns="91425" spcFirstLastPara="1" rIns="91425" wrap="square" tIns="91425">
             <a:normAutofit/>
           </a:bodyPr>
           <a:lstStyle/>
           <a:p>
-            <a:pPr marL="0" lvl="0" indent="0" algn="l" rtl="0">
+            <a:pPr indent="0" lvl="0" marL="0" rtl="0" algn="l">
               <a:spcBef>
                 <a:spcPts val="0"/>
               </a:spcBef>
@@ -13157,7 +13324,7 @@
               <a:buNone/>
             </a:pPr>
             <a:r>
-              <a:rPr lang="en-GB" b="1">
+              <a:rPr b="1" lang="en">
                 <a:latin typeface="Maven Pro"/>
                 <a:ea typeface="Maven Pro"/>
                 <a:cs typeface="Maven Pro"/>
@@ -13176,10 +13343,10 @@
       </p:sp>
       <p:sp>
         <p:nvSpPr>
-          <p:cNvPr id="120" name="Google Shape;120;p26"/>
+          <p:cNvPr id="122" name="Google Shape;122;p26"/>
           <p:cNvSpPr txBox="1"/>
           <p:nvPr>
-            <p:ph type="body" idx="1"/>
+            <p:ph idx="1" type="body"/>
           </p:nvPr>
         </p:nvSpPr>
         <p:spPr>
@@ -13192,12 +13359,12 @@
           </a:prstGeom>
         </p:spPr>
         <p:txBody>
-          <a:bodyPr spcFirstLastPara="1" wrap="square" lIns="91425" tIns="91425" rIns="91425" bIns="91425" anchor="t" anchorCtr="0">
+          <a:bodyPr anchorCtr="0" anchor="t" bIns="91425" lIns="91425" spcFirstLastPara="1" rIns="91425" wrap="square" tIns="91425">
             <a:normAutofit fontScale="70000" lnSpcReduction="20000"/>
           </a:bodyPr>
           <a:lstStyle/>
           <a:p>
-            <a:pPr marL="0" lvl="0" indent="0" algn="l" rtl="0">
+            <a:pPr indent="0" lvl="0" marL="0" rtl="0" algn="l">
               <a:spcBef>
                 <a:spcPts val="0"/>
               </a:spcBef>
@@ -13207,7 +13374,7 @@
               <a:buNone/>
             </a:pPr>
             <a:r>
-              <a:rPr lang="en-GB" sz="2800">
+              <a:rPr lang="en" sz="2800">
                 <a:solidFill>
                   <a:schemeClr val="dk2"/>
                 </a:solidFill>
@@ -13229,7 +13396,7 @@
             </a:endParaRPr>
           </a:p>
           <a:p>
-            <a:pPr marL="0" lvl="0" indent="0" algn="l" rtl="0">
+            <a:pPr indent="0" lvl="0" marL="0" rtl="0" algn="l">
               <a:spcBef>
                 <a:spcPts val="1200"/>
               </a:spcBef>
@@ -13239,7 +13406,7 @@
               <a:buNone/>
             </a:pPr>
             <a:r>
-              <a:rPr lang="en-GB" sz="2800">
+              <a:rPr lang="en" sz="2800">
                 <a:solidFill>
                   <a:schemeClr val="dk2"/>
                 </a:solidFill>
@@ -13258,7 +13425,7 @@
             </a:endParaRPr>
           </a:p>
           <a:p>
-            <a:pPr marL="0" lvl="0" indent="0" algn="l" rtl="0">
+            <a:pPr indent="0" lvl="0" marL="0" rtl="0" algn="l">
               <a:spcBef>
                 <a:spcPts val="1200"/>
               </a:spcBef>
@@ -13267,6 +13434,9 @@
               </a:spcAft>
               <a:buNone/>
             </a:pPr>
+            <a:r>
+              <a:t/>
+            </a:r>
             <a:endParaRPr>
               <a:latin typeface="Maven Pro Medium"/>
               <a:ea typeface="Maven Pro Medium"/>
@@ -13285,11 +13455,11 @@
 </file>
 
 <file path=ppt/slides/slide3.xml><?xml version="1.0" encoding="utf-8"?>
-<p:sld xmlns:a="http://schemas.openxmlformats.org/drawingml/2006/main" xmlns:r="http://schemas.openxmlformats.org/officeDocument/2006/relationships" xmlns:p="http://schemas.openxmlformats.org/presentationml/2006/main">
+<p:sld xmlns:a="http://schemas.openxmlformats.org/drawingml/2006/main" xmlns:r="http://schemas.openxmlformats.org/officeDocument/2006/relationships" xmlns:mc="http://schemas.openxmlformats.org/markup-compatibility/2006" xmlns:mv="urn:schemas-microsoft-com:mac:vml" xmlns:p="http://schemas.openxmlformats.org/presentationml/2006/main" xmlns:c="http://schemas.openxmlformats.org/drawingml/2006/chart" xmlns:dgm="http://schemas.openxmlformats.org/drawingml/2006/diagram" xmlns:o="urn:schemas-microsoft-com:office:office" xmlns:v="urn:schemas-microsoft-com:vml" xmlns:pvml="urn:schemas-microsoft-com:office:powerpoint" xmlns:com="http://schemas.openxmlformats.org/drawingml/2006/compatibility" xmlns:p14="http://schemas.microsoft.com/office/powerpoint/2010/main" xmlns:p15="http://schemas.microsoft.com/office/powerpoint/2012/main" xmlns:ahyp="http://schemas.microsoft.com/office/drawing/2018/hyperlinkcolor">
   <p:cSld>
     <p:spTree>
       <p:nvGrpSpPr>
-        <p:cNvPr id="124" name="Shape 124"/>
+        <p:cNvPr id="126" name="Shape 126"/>
         <p:cNvGrpSpPr/>
         <p:nvPr/>
       </p:nvGrpSpPr>
@@ -13303,7 +13473,7 @@
       </p:grpSpPr>
       <p:sp>
         <p:nvSpPr>
-          <p:cNvPr id="125" name="Google Shape;125;p27"/>
+          <p:cNvPr id="127" name="Google Shape;127;p27"/>
           <p:cNvSpPr txBox="1"/>
           <p:nvPr>
             <p:ph type="title"/>
@@ -13319,12 +13489,12 @@
           </a:prstGeom>
         </p:spPr>
         <p:txBody>
-          <a:bodyPr spcFirstLastPara="1" wrap="square" lIns="91425" tIns="91425" rIns="91425" bIns="91425" anchor="b" anchorCtr="0">
+          <a:bodyPr anchorCtr="0" anchor="b" bIns="91425" lIns="91425" spcFirstLastPara="1" rIns="91425" wrap="square" tIns="91425">
             <a:normAutofit/>
           </a:bodyPr>
           <a:lstStyle/>
           <a:p>
-            <a:pPr marL="0" lvl="0" indent="0" algn="l" rtl="0">
+            <a:pPr indent="0" lvl="0" marL="0" rtl="0" algn="l">
               <a:spcBef>
                 <a:spcPts val="0"/>
               </a:spcBef>
@@ -13334,7 +13504,7 @@
               <a:buNone/>
             </a:pPr>
             <a:r>
-              <a:rPr lang="en-GB" b="1">
+              <a:rPr b="1" lang="en">
                 <a:latin typeface="Maven Pro"/>
                 <a:ea typeface="Maven Pro"/>
                 <a:cs typeface="Maven Pro"/>
@@ -13353,10 +13523,10 @@
       </p:sp>
       <p:sp>
         <p:nvSpPr>
-          <p:cNvPr id="126" name="Google Shape;126;p27"/>
+          <p:cNvPr id="128" name="Google Shape;128;p27"/>
           <p:cNvSpPr txBox="1"/>
           <p:nvPr>
-            <p:ph type="body" idx="1"/>
+            <p:ph idx="1" type="body"/>
           </p:nvPr>
         </p:nvSpPr>
         <p:spPr>
@@ -13369,12 +13539,12 @@
           </a:prstGeom>
         </p:spPr>
         <p:txBody>
-          <a:bodyPr spcFirstLastPara="1" wrap="square" lIns="91425" tIns="91425" rIns="91425" bIns="91425" anchor="t" anchorCtr="0">
+          <a:bodyPr anchorCtr="0" anchor="t" bIns="91425" lIns="91425" spcFirstLastPara="1" rIns="91425" wrap="square" tIns="91425">
             <a:normAutofit/>
           </a:bodyPr>
           <a:lstStyle/>
           <a:p>
-            <a:pPr marL="457200" lvl="0" indent="-342900" algn="l" rtl="0">
+            <a:pPr indent="-342900" lvl="0" marL="457200" rtl="0" algn="l">
               <a:spcBef>
                 <a:spcPts val="0"/>
               </a:spcBef>
@@ -13389,7 +13559,7 @@
               <a:buChar char="●"/>
             </a:pPr>
             <a:r>
-              <a:rPr lang="en-GB">
+              <a:rPr lang="en">
                 <a:solidFill>
                   <a:schemeClr val="dk2"/>
                 </a:solidFill>
@@ -13411,7 +13581,7 @@
             </a:endParaRPr>
           </a:p>
           <a:p>
-            <a:pPr marL="457200" lvl="0" indent="-342900" algn="l" rtl="0">
+            <a:pPr indent="-342900" lvl="0" marL="457200" rtl="0" algn="l">
               <a:spcBef>
                 <a:spcPts val="0"/>
               </a:spcBef>
@@ -13426,7 +13596,7 @@
               <a:buChar char="●"/>
             </a:pPr>
             <a:r>
-              <a:rPr lang="en-GB">
+              <a:rPr lang="en">
                 <a:solidFill>
                   <a:schemeClr val="dk2"/>
                 </a:solidFill>
@@ -13448,7 +13618,7 @@
             </a:endParaRPr>
           </a:p>
           <a:p>
-            <a:pPr marL="457200" lvl="0" indent="-342900" algn="l" rtl="0">
+            <a:pPr indent="-342900" lvl="0" marL="457200" rtl="0" algn="l">
               <a:spcBef>
                 <a:spcPts val="0"/>
               </a:spcBef>
@@ -13463,7 +13633,7 @@
               <a:buChar char="●"/>
             </a:pPr>
             <a:r>
-              <a:rPr lang="en-GB">
+              <a:rPr lang="en">
                 <a:solidFill>
                   <a:schemeClr val="dk2"/>
                 </a:solidFill>
@@ -13485,7 +13655,7 @@
             </a:endParaRPr>
           </a:p>
           <a:p>
-            <a:pPr marL="457200" lvl="0" indent="-342900" algn="l" rtl="0">
+            <a:pPr indent="-342900" lvl="0" marL="457200" rtl="0" algn="l">
               <a:spcBef>
                 <a:spcPts val="0"/>
               </a:spcBef>
@@ -13500,7 +13670,7 @@
               <a:buChar char="●"/>
             </a:pPr>
             <a:r>
-              <a:rPr lang="en-GB">
+              <a:rPr lang="en">
                 <a:solidFill>
                   <a:schemeClr val="dk2"/>
                 </a:solidFill>
@@ -13522,7 +13692,7 @@
             </a:endParaRPr>
           </a:p>
           <a:p>
-            <a:pPr marL="457200" lvl="0" indent="-342900" algn="l" rtl="0">
+            <a:pPr indent="-342900" lvl="0" marL="457200" rtl="0" algn="l">
               <a:spcBef>
                 <a:spcPts val="0"/>
               </a:spcBef>
@@ -13537,7 +13707,7 @@
               <a:buChar char="●"/>
             </a:pPr>
             <a:r>
-              <a:rPr lang="en-GB">
+              <a:rPr lang="en">
                 <a:solidFill>
                   <a:schemeClr val="dk2"/>
                 </a:solidFill>
@@ -13569,11 +13739,11 @@
 </file>
 
 <file path=ppt/slides/slide4.xml><?xml version="1.0" encoding="utf-8"?>
-<p:sld xmlns:a="http://schemas.openxmlformats.org/drawingml/2006/main" xmlns:r="http://schemas.openxmlformats.org/officeDocument/2006/relationships" xmlns:p="http://schemas.openxmlformats.org/presentationml/2006/main">
+<p:sld xmlns:a="http://schemas.openxmlformats.org/drawingml/2006/main" xmlns:r="http://schemas.openxmlformats.org/officeDocument/2006/relationships" xmlns:mc="http://schemas.openxmlformats.org/markup-compatibility/2006" xmlns:mv="urn:schemas-microsoft-com:mac:vml" xmlns:p="http://schemas.openxmlformats.org/presentationml/2006/main" xmlns:c="http://schemas.openxmlformats.org/drawingml/2006/chart" xmlns:dgm="http://schemas.openxmlformats.org/drawingml/2006/diagram" xmlns:o="urn:schemas-microsoft-com:office:office" xmlns:v="urn:schemas-microsoft-com:vml" xmlns:pvml="urn:schemas-microsoft-com:office:powerpoint" xmlns:com="http://schemas.openxmlformats.org/drawingml/2006/compatibility" xmlns:p14="http://schemas.microsoft.com/office/powerpoint/2010/main" xmlns:p15="http://schemas.microsoft.com/office/powerpoint/2012/main" xmlns:ahyp="http://schemas.microsoft.com/office/drawing/2018/hyperlinkcolor">
   <p:cSld>
     <p:spTree>
       <p:nvGrpSpPr>
-        <p:cNvPr id="130" name="Shape 130"/>
+        <p:cNvPr id="132" name="Shape 132"/>
         <p:cNvGrpSpPr/>
         <p:nvPr/>
       </p:nvGrpSpPr>
@@ -13587,7 +13757,7 @@
       </p:grpSpPr>
       <p:sp>
         <p:nvSpPr>
-          <p:cNvPr id="131" name="Google Shape;131;p28"/>
+          <p:cNvPr id="133" name="Google Shape;133;p28"/>
           <p:cNvSpPr txBox="1"/>
           <p:nvPr>
             <p:ph type="title"/>
@@ -13603,12 +13773,12 @@
           </a:prstGeom>
         </p:spPr>
         <p:txBody>
-          <a:bodyPr spcFirstLastPara="1" wrap="square" lIns="91425" tIns="91425" rIns="91425" bIns="91425" anchor="ctr" anchorCtr="0">
+          <a:bodyPr anchorCtr="0" anchor="ctr" bIns="91425" lIns="91425" spcFirstLastPara="1" rIns="91425" wrap="square" tIns="91425">
             <a:normAutofit/>
           </a:bodyPr>
           <a:lstStyle/>
           <a:p>
-            <a:pPr marL="0" lvl="0" indent="0" algn="l" rtl="0">
+            <a:pPr indent="0" lvl="0" marL="0" rtl="0" algn="l">
               <a:spcBef>
                 <a:spcPts val="0"/>
               </a:spcBef>
@@ -13618,10 +13788,10 @@
               <a:buNone/>
             </a:pPr>
             <a:r>
-              <a:rPr lang="en-GB"/>
+              <a:rPr lang="en"/>
               <a:t>Poster</a:t>
             </a:r>
-            <a:endParaRPr lang="en-GB"/>
+            <a:endParaRPr/>
           </a:p>
         </p:txBody>
       </p:sp>
@@ -13634,11 +13804,11 @@
 </file>
 
 <file path=ppt/slides/slide5.xml><?xml version="1.0" encoding="utf-8"?>
-<p:sld xmlns:a="http://schemas.openxmlformats.org/drawingml/2006/main" xmlns:r="http://schemas.openxmlformats.org/officeDocument/2006/relationships" xmlns:p="http://schemas.openxmlformats.org/presentationml/2006/main">
+<p:sld xmlns:a="http://schemas.openxmlformats.org/drawingml/2006/main" xmlns:r="http://schemas.openxmlformats.org/officeDocument/2006/relationships" xmlns:mc="http://schemas.openxmlformats.org/markup-compatibility/2006" xmlns:mv="urn:schemas-microsoft-com:mac:vml" xmlns:p="http://schemas.openxmlformats.org/presentationml/2006/main" xmlns:c="http://schemas.openxmlformats.org/drawingml/2006/chart" xmlns:dgm="http://schemas.openxmlformats.org/drawingml/2006/diagram" xmlns:o="urn:schemas-microsoft-com:office:office" xmlns:v="urn:schemas-microsoft-com:vml" xmlns:pvml="urn:schemas-microsoft-com:office:powerpoint" xmlns:com="http://schemas.openxmlformats.org/drawingml/2006/compatibility" xmlns:p14="http://schemas.microsoft.com/office/powerpoint/2010/main" xmlns:p15="http://schemas.microsoft.com/office/powerpoint/2012/main" xmlns:ahyp="http://schemas.microsoft.com/office/drawing/2018/hyperlinkcolor">
   <p:cSld>
     <p:spTree>
       <p:nvGrpSpPr>
-        <p:cNvPr id="135" name="Shape 135"/>
+        <p:cNvPr id="137" name="Shape 137"/>
         <p:cNvGrpSpPr/>
         <p:nvPr/>
       </p:nvGrpSpPr>
@@ -13652,21 +13822,21 @@
       </p:grpSpPr>
       <p:pic>
         <p:nvPicPr>
-          <p:cNvPr id="136" name="Google Shape;136;p29"/>
+          <p:cNvPr id="138" name="Google Shape;138;p29"/>
           <p:cNvPicPr preferRelativeResize="0"/>
           <p:nvPr/>
         </p:nvPicPr>
         <p:blipFill rotWithShape="1">
-          <a:blip r:embed="rId1"/>
-          <a:srcRect t="19646"/>
-          <a:stretch>
-            <a:fillRect/>
-          </a:stretch>
+          <a:blip r:embed="rId3">
+            <a:alphaModFix/>
+          </a:blip>
+          <a:srcRect b="0" l="0" r="0" t="19581"/>
+          <a:stretch/>
         </p:blipFill>
         <p:spPr>
           <a:xfrm>
-            <a:off x="0" y="0"/>
-            <a:ext cx="9180677" cy="5143499"/>
+            <a:off x="49000" y="0"/>
+            <a:ext cx="9046006" cy="5143499"/>
           </a:xfrm>
           <a:prstGeom prst="rect">
             <a:avLst/>
@@ -13686,11 +13856,11 @@
 </file>
 
 <file path=ppt/slides/slide6.xml><?xml version="1.0" encoding="utf-8"?>
-<p:sld xmlns:a="http://schemas.openxmlformats.org/drawingml/2006/main" xmlns:r="http://schemas.openxmlformats.org/officeDocument/2006/relationships" xmlns:p="http://schemas.openxmlformats.org/presentationml/2006/main">
+<p:sld xmlns:a="http://schemas.openxmlformats.org/drawingml/2006/main" xmlns:r="http://schemas.openxmlformats.org/officeDocument/2006/relationships" xmlns:mc="http://schemas.openxmlformats.org/markup-compatibility/2006" xmlns:mv="urn:schemas-microsoft-com:mac:vml" xmlns:p="http://schemas.openxmlformats.org/presentationml/2006/main" xmlns:c="http://schemas.openxmlformats.org/drawingml/2006/chart" xmlns:dgm="http://schemas.openxmlformats.org/drawingml/2006/diagram" xmlns:o="urn:schemas-microsoft-com:office:office" xmlns:v="urn:schemas-microsoft-com:vml" xmlns:pvml="urn:schemas-microsoft-com:office:powerpoint" xmlns:com="http://schemas.openxmlformats.org/drawingml/2006/compatibility" xmlns:p14="http://schemas.microsoft.com/office/powerpoint/2010/main" xmlns:p15="http://schemas.microsoft.com/office/powerpoint/2012/main" xmlns:ahyp="http://schemas.microsoft.com/office/drawing/2018/hyperlinkcolor">
   <p:cSld>
     <p:spTree>
       <p:nvGrpSpPr>
-        <p:cNvPr id="140" name="Shape 140"/>
+        <p:cNvPr id="142" name="Shape 142"/>
         <p:cNvGrpSpPr/>
         <p:nvPr/>
       </p:nvGrpSpPr>
@@ -13704,7 +13874,7 @@
       </p:grpSpPr>
       <p:sp>
         <p:nvSpPr>
-          <p:cNvPr id="141" name="Google Shape;141;p30"/>
+          <p:cNvPr id="143" name="Google Shape;143;p30"/>
           <p:cNvSpPr txBox="1"/>
           <p:nvPr>
             <p:ph type="title"/>
@@ -13720,12 +13890,12 @@
           </a:prstGeom>
         </p:spPr>
         <p:txBody>
-          <a:bodyPr spcFirstLastPara="1" wrap="square" lIns="91425" tIns="91425" rIns="91425" bIns="91425" anchor="ctr" anchorCtr="0">
+          <a:bodyPr anchorCtr="0" anchor="ctr" bIns="91425" lIns="91425" spcFirstLastPara="1" rIns="91425" wrap="square" tIns="91425">
             <a:normAutofit/>
           </a:bodyPr>
           <a:lstStyle/>
           <a:p>
-            <a:pPr marL="0" lvl="0" indent="0" algn="l" rtl="0">
+            <a:pPr indent="0" lvl="0" marL="0" rtl="0" algn="l">
               <a:spcBef>
                 <a:spcPts val="0"/>
               </a:spcBef>
@@ -13735,10 +13905,10 @@
               <a:buNone/>
             </a:pPr>
             <a:r>
-              <a:rPr lang="en-GB"/>
+              <a:rPr lang="en"/>
               <a:t>UML Models</a:t>
             </a:r>
-            <a:endParaRPr lang="en-GB"/>
+            <a:endParaRPr/>
           </a:p>
         </p:txBody>
       </p:sp>
@@ -13751,11 +13921,11 @@
 </file>
 
 <file path=ppt/slides/slide7.xml><?xml version="1.0" encoding="utf-8"?>
-<p:sld xmlns:a="http://schemas.openxmlformats.org/drawingml/2006/main" xmlns:r="http://schemas.openxmlformats.org/officeDocument/2006/relationships" xmlns:p="http://schemas.openxmlformats.org/presentationml/2006/main">
+<p:sld xmlns:a="http://schemas.openxmlformats.org/drawingml/2006/main" xmlns:r="http://schemas.openxmlformats.org/officeDocument/2006/relationships" xmlns:mc="http://schemas.openxmlformats.org/markup-compatibility/2006" xmlns:mv="urn:schemas-microsoft-com:mac:vml" xmlns:p="http://schemas.openxmlformats.org/presentationml/2006/main" xmlns:c="http://schemas.openxmlformats.org/drawingml/2006/chart" xmlns:dgm="http://schemas.openxmlformats.org/drawingml/2006/diagram" xmlns:o="urn:schemas-microsoft-com:office:office" xmlns:v="urn:schemas-microsoft-com:vml" xmlns:pvml="urn:schemas-microsoft-com:office:powerpoint" xmlns:com="http://schemas.openxmlformats.org/drawingml/2006/compatibility" xmlns:p14="http://schemas.microsoft.com/office/powerpoint/2010/main" xmlns:p15="http://schemas.microsoft.com/office/powerpoint/2012/main" xmlns:ahyp="http://schemas.microsoft.com/office/drawing/2018/hyperlinkcolor">
   <p:cSld>
     <p:spTree>
       <p:nvGrpSpPr>
-        <p:cNvPr id="145" name="Shape 145"/>
+        <p:cNvPr id="147" name="Shape 147"/>
         <p:cNvGrpSpPr/>
         <p:nvPr/>
       </p:nvGrpSpPr>
@@ -13769,12 +13939,14 @@
       </p:grpSpPr>
       <p:pic>
         <p:nvPicPr>
-          <p:cNvPr id="146" name="Google Shape;146;p31"/>
+          <p:cNvPr id="148" name="Google Shape;148;p31"/>
           <p:cNvPicPr preferRelativeResize="0"/>
           <p:nvPr/>
         </p:nvPicPr>
         <p:blipFill>
-          <a:blip r:embed="rId1"/>
+          <a:blip r:embed="rId3">
+            <a:alphaModFix/>
+          </a:blip>
           <a:stretch>
             <a:fillRect/>
           </a:stretch>
@@ -13795,7 +13967,7 @@
       </p:pic>
       <p:sp>
         <p:nvSpPr>
-          <p:cNvPr id="147" name="Google Shape;147;p31"/>
+          <p:cNvPr id="149" name="Google Shape;149;p31"/>
           <p:cNvSpPr txBox="1"/>
           <p:nvPr/>
         </p:nvSpPr>
@@ -13813,12 +13985,12 @@
           </a:ln>
         </p:spPr>
         <p:txBody>
-          <a:bodyPr spcFirstLastPara="1" wrap="square" lIns="91425" tIns="91425" rIns="91425" bIns="91425" anchor="t" anchorCtr="0">
+          <a:bodyPr anchorCtr="0" anchor="t" bIns="91425" lIns="91425" spcFirstLastPara="1" rIns="91425" wrap="square" tIns="91425">
             <a:spAutoFit/>
           </a:bodyPr>
           <a:lstStyle/>
           <a:p>
-            <a:pPr marL="0" lvl="0" indent="0" algn="l" rtl="0">
+            <a:pPr indent="0" lvl="0" marL="0" rtl="0" algn="l">
               <a:spcBef>
                 <a:spcPts val="0"/>
               </a:spcBef>
@@ -13828,14 +14000,14 @@
               <a:buNone/>
             </a:pPr>
             <a:r>
-              <a:rPr lang="en-GB">
+              <a:rPr lang="en">
                 <a:solidFill>
                   <a:schemeClr val="lt1"/>
                 </a:solidFill>
-                <a:latin typeface="Roboto" panose="02000000000000000000"/>
-                <a:ea typeface="Roboto" panose="02000000000000000000"/>
-                <a:cs typeface="Roboto" panose="02000000000000000000"/>
-                <a:sym typeface="Roboto" panose="02000000000000000000"/>
+                <a:latin typeface="Roboto"/>
+                <a:ea typeface="Roboto"/>
+                <a:cs typeface="Roboto"/>
+                <a:sym typeface="Roboto"/>
               </a:rPr>
               <a:t>Class Diagrams</a:t>
             </a:r>
@@ -13843,10 +14015,10 @@
               <a:solidFill>
                 <a:schemeClr val="lt1"/>
               </a:solidFill>
-              <a:latin typeface="Roboto" panose="02000000000000000000"/>
-              <a:ea typeface="Roboto" panose="02000000000000000000"/>
-              <a:cs typeface="Roboto" panose="02000000000000000000"/>
-              <a:sym typeface="Roboto" panose="02000000000000000000"/>
+              <a:latin typeface="Roboto"/>
+              <a:ea typeface="Roboto"/>
+              <a:cs typeface="Roboto"/>
+              <a:sym typeface="Roboto"/>
             </a:endParaRPr>
           </a:p>
         </p:txBody>
@@ -13860,11 +14032,11 @@
 </file>
 
 <file path=ppt/slides/slide8.xml><?xml version="1.0" encoding="utf-8"?>
-<p:sld xmlns:a="http://schemas.openxmlformats.org/drawingml/2006/main" xmlns:r="http://schemas.openxmlformats.org/officeDocument/2006/relationships" xmlns:p="http://schemas.openxmlformats.org/presentationml/2006/main">
+<p:sld xmlns:a="http://schemas.openxmlformats.org/drawingml/2006/main" xmlns:r="http://schemas.openxmlformats.org/officeDocument/2006/relationships" xmlns:mc="http://schemas.openxmlformats.org/markup-compatibility/2006" xmlns:mv="urn:schemas-microsoft-com:mac:vml" xmlns:p="http://schemas.openxmlformats.org/presentationml/2006/main" xmlns:c="http://schemas.openxmlformats.org/drawingml/2006/chart" xmlns:dgm="http://schemas.openxmlformats.org/drawingml/2006/diagram" xmlns:o="urn:schemas-microsoft-com:office:office" xmlns:v="urn:schemas-microsoft-com:vml" xmlns:pvml="urn:schemas-microsoft-com:office:powerpoint" xmlns:com="http://schemas.openxmlformats.org/drawingml/2006/compatibility" xmlns:p14="http://schemas.microsoft.com/office/powerpoint/2010/main" xmlns:p15="http://schemas.microsoft.com/office/powerpoint/2012/main" xmlns:ahyp="http://schemas.microsoft.com/office/drawing/2018/hyperlinkcolor">
   <p:cSld>
     <p:spTree>
       <p:nvGrpSpPr>
-        <p:cNvPr id="151" name="Shape 151"/>
+        <p:cNvPr id="153" name="Shape 153"/>
         <p:cNvGrpSpPr/>
         <p:nvPr/>
       </p:nvGrpSpPr>
@@ -13878,12 +14050,14 @@
       </p:grpSpPr>
       <p:pic>
         <p:nvPicPr>
-          <p:cNvPr id="152" name="Google Shape;152;p32"/>
+          <p:cNvPr id="154" name="Google Shape;154;p32"/>
           <p:cNvPicPr preferRelativeResize="0"/>
           <p:nvPr/>
         </p:nvPicPr>
         <p:blipFill>
-          <a:blip r:embed="rId1"/>
+          <a:blip r:embed="rId3">
+            <a:alphaModFix/>
+          </a:blip>
           <a:stretch>
             <a:fillRect/>
           </a:stretch>
@@ -13911,11 +14085,11 @@
 </file>
 
 <file path=ppt/slides/slide9.xml><?xml version="1.0" encoding="utf-8"?>
-<p:sld xmlns:a="http://schemas.openxmlformats.org/drawingml/2006/main" xmlns:r="http://schemas.openxmlformats.org/officeDocument/2006/relationships" xmlns:p="http://schemas.openxmlformats.org/presentationml/2006/main">
+<p:sld xmlns:a="http://schemas.openxmlformats.org/drawingml/2006/main" xmlns:r="http://schemas.openxmlformats.org/officeDocument/2006/relationships" xmlns:mc="http://schemas.openxmlformats.org/markup-compatibility/2006" xmlns:mv="urn:schemas-microsoft-com:mac:vml" xmlns:p="http://schemas.openxmlformats.org/presentationml/2006/main" xmlns:c="http://schemas.openxmlformats.org/drawingml/2006/chart" xmlns:dgm="http://schemas.openxmlformats.org/drawingml/2006/diagram" xmlns:o="urn:schemas-microsoft-com:office:office" xmlns:v="urn:schemas-microsoft-com:vml" xmlns:pvml="urn:schemas-microsoft-com:office:powerpoint" xmlns:com="http://schemas.openxmlformats.org/drawingml/2006/compatibility" xmlns:p14="http://schemas.microsoft.com/office/powerpoint/2010/main" xmlns:p15="http://schemas.microsoft.com/office/powerpoint/2012/main" xmlns:ahyp="http://schemas.microsoft.com/office/drawing/2018/hyperlinkcolor">
   <p:cSld>
     <p:spTree>
       <p:nvGrpSpPr>
-        <p:cNvPr id="156" name="Shape 156"/>
+        <p:cNvPr id="158" name="Shape 158"/>
         <p:cNvGrpSpPr/>
         <p:nvPr/>
       </p:nvGrpSpPr>
@@ -13929,12 +14103,14 @@
       </p:grpSpPr>
       <p:pic>
         <p:nvPicPr>
-          <p:cNvPr id="157" name="Google Shape;157;p33"/>
+          <p:cNvPr id="159" name="Google Shape;159;p33"/>
           <p:cNvPicPr preferRelativeResize="0"/>
           <p:nvPr/>
         </p:nvPicPr>
         <p:blipFill>
-          <a:blip r:embed="rId1"/>
+          <a:blip r:embed="rId3">
+            <a:alphaModFix/>
+          </a:blip>
           <a:stretch>
             <a:fillRect/>
           </a:stretch>
@@ -13955,7 +14131,7 @@
       </p:pic>
       <p:sp>
         <p:nvSpPr>
-          <p:cNvPr id="158" name="Google Shape;158;p33"/>
+          <p:cNvPr id="160" name="Google Shape;160;p33"/>
           <p:cNvSpPr txBox="1"/>
           <p:nvPr/>
         </p:nvSpPr>
@@ -13973,12 +14149,12 @@
           </a:ln>
         </p:spPr>
         <p:txBody>
-          <a:bodyPr spcFirstLastPara="1" wrap="square" lIns="91425" tIns="91425" rIns="91425" bIns="91425" anchor="t" anchorCtr="0">
+          <a:bodyPr anchorCtr="0" anchor="t" bIns="91425" lIns="91425" spcFirstLastPara="1" rIns="91425" wrap="square" tIns="91425">
             <a:spAutoFit/>
           </a:bodyPr>
           <a:lstStyle/>
           <a:p>
-            <a:pPr marL="0" lvl="0" indent="0" algn="l" rtl="0">
+            <a:pPr indent="0" lvl="0" marL="0" rtl="0" algn="l">
               <a:spcBef>
                 <a:spcPts val="0"/>
               </a:spcBef>
@@ -13988,26 +14164,26 @@
               <a:buNone/>
             </a:pPr>
             <a:r>
-              <a:rPr lang="en-GB">
+              <a:rPr lang="en">
                 <a:solidFill>
                   <a:schemeClr val="lt1"/>
                 </a:solidFill>
-                <a:latin typeface="Roboto" panose="02000000000000000000"/>
-                <a:ea typeface="Roboto" panose="02000000000000000000"/>
-                <a:cs typeface="Roboto" panose="02000000000000000000"/>
-                <a:sym typeface="Roboto" panose="02000000000000000000"/>
+                <a:latin typeface="Roboto"/>
+                <a:ea typeface="Roboto"/>
+                <a:cs typeface="Roboto"/>
+                <a:sym typeface="Roboto"/>
               </a:rPr>
               <a:t>Use Case </a:t>
             </a:r>
             <a:r>
-              <a:rPr lang="en-GB">
+              <a:rPr lang="en">
                 <a:solidFill>
                   <a:schemeClr val="lt1"/>
                 </a:solidFill>
-                <a:latin typeface="Roboto" panose="02000000000000000000"/>
-                <a:ea typeface="Roboto" panose="02000000000000000000"/>
-                <a:cs typeface="Roboto" panose="02000000000000000000"/>
-                <a:sym typeface="Roboto" panose="02000000000000000000"/>
+                <a:latin typeface="Roboto"/>
+                <a:ea typeface="Roboto"/>
+                <a:cs typeface="Roboto"/>
+                <a:sym typeface="Roboto"/>
               </a:rPr>
               <a:t>Diagrams</a:t>
             </a:r>
@@ -14015,10 +14191,10 @@
               <a:solidFill>
                 <a:schemeClr val="lt1"/>
               </a:solidFill>
-              <a:latin typeface="Roboto" panose="02000000000000000000"/>
-              <a:ea typeface="Roboto" panose="02000000000000000000"/>
-              <a:cs typeface="Roboto" panose="02000000000000000000"/>
-              <a:sym typeface="Roboto" panose="02000000000000000000"/>
+              <a:latin typeface="Roboto"/>
+              <a:ea typeface="Roboto"/>
+              <a:cs typeface="Roboto"/>
+              <a:sym typeface="Roboto"/>
             </a:endParaRPr>
           </a:p>
         </p:txBody>
@@ -14032,7 +14208,565 @@
 </file>
 
 <file path=ppt/theme/theme1.xml><?xml version="1.0" encoding="utf-8"?>
-<a:theme xmlns:a="http://schemas.openxmlformats.org/drawingml/2006/main" name="Simple Light">
+<a:theme xmlns:a="http://schemas.openxmlformats.org/drawingml/2006/main" xmlns:r="http://schemas.openxmlformats.org/officeDocument/2006/relationships">
+  <a:themeElements>
+    <a:clrScheme name="Default">
+      <a:dk1>
+        <a:srgbClr val="000000"/>
+      </a:dk1>
+      <a:lt1>
+        <a:srgbClr val="FFFFFF"/>
+      </a:lt1>
+      <a:dk2>
+        <a:srgbClr val="158158"/>
+      </a:dk2>
+      <a:lt2>
+        <a:srgbClr val="F3F3F3"/>
+      </a:lt2>
+      <a:accent1>
+        <a:srgbClr val="058DC7"/>
+      </a:accent1>
+      <a:accent2>
+        <a:srgbClr val="50B432"/>
+      </a:accent2>
+      <a:accent3>
+        <a:srgbClr val="ED561B"/>
+      </a:accent3>
+      <a:accent4>
+        <a:srgbClr val="EDEF00"/>
+      </a:accent4>
+      <a:accent5>
+        <a:srgbClr val="24CBE5"/>
+      </a:accent5>
+      <a:accent6>
+        <a:srgbClr val="64E572"/>
+      </a:accent6>
+      <a:hlink>
+        <a:srgbClr val="2200CC"/>
+      </a:hlink>
+      <a:folHlink>
+        <a:srgbClr val="551A8B"/>
+      </a:folHlink>
+    </a:clrScheme>
+    <a:fontScheme name="Office">
+      <a:majorFont>
+        <a:latin typeface="Arial"/>
+        <a:ea typeface=""/>
+        <a:cs typeface=""/>
+        <a:font script="Jpan" typeface="ＭＳ Ｐゴシック"/>
+        <a:font script="Hang" typeface="맑은 고딕"/>
+        <a:font script="Hans" typeface="宋体"/>
+        <a:font script="Hant" typeface="新細明體"/>
+        <a:font script="Arab" typeface="Times New Roman"/>
+        <a:font script="Hebr" typeface="Times New Roman"/>
+        <a:font script="Thai" typeface="Angsana New"/>
+        <a:font script="Ethi" typeface="Nyala"/>
+        <a:font script="Beng" typeface="Vrinda"/>
+        <a:font script="Gujr" typeface="Shruti"/>
+        <a:font script="Khmr" typeface="MoolBoran"/>
+        <a:font script="Knda" typeface="Tunga"/>
+        <a:font script="Guru" typeface="Raavi"/>
+        <a:font script="Cans" typeface="Euphemia"/>
+        <a:font script="Cher" typeface="Plantagenet Cherokee"/>
+        <a:font script="Yiii" typeface="Microsoft Yi Baiti"/>
+        <a:font script="Tibt" typeface="Microsoft Himalaya"/>
+        <a:font script="Thaa" typeface="MV Boli"/>
+        <a:font script="Deva" typeface="Mangal"/>
+        <a:font script="Telu" typeface="Gautami"/>
+        <a:font script="Taml" typeface="Latha"/>
+        <a:font script="Syrc" typeface="Estrangelo Edessa"/>
+        <a:font script="Orya" typeface="Kalinga"/>
+        <a:font script="Mlym" typeface="Kartika"/>
+        <a:font script="Laoo" typeface="DokChampa"/>
+        <a:font script="Sinh" typeface="Iskoola Pota"/>
+        <a:font script="Mong" typeface="Mongolian Baiti"/>
+        <a:font script="Viet" typeface="Times New Roman"/>
+        <a:font script="Uigh" typeface="Microsoft Uighur"/>
+        <a:font script="Geor" typeface="Sylfaen"/>
+      </a:majorFont>
+      <a:minorFont>
+        <a:latin typeface="Arial"/>
+        <a:ea typeface=""/>
+        <a:cs typeface=""/>
+        <a:font script="Jpan" typeface="ＭＳ Ｐゴシック"/>
+        <a:font script="Hang" typeface="맑은 고딕"/>
+        <a:font script="Hans" typeface="宋体"/>
+        <a:font script="Hant" typeface="新細明體"/>
+        <a:font script="Arab" typeface="Arial"/>
+        <a:font script="Hebr" typeface="Arial"/>
+        <a:font script="Thai" typeface="Cordia New"/>
+        <a:font script="Ethi" typeface="Nyala"/>
+        <a:font script="Beng" typeface="Vrinda"/>
+        <a:font script="Gujr" typeface="Shruti"/>
+        <a:font script="Khmr" typeface="DaunPenh"/>
+        <a:font script="Knda" typeface="Tunga"/>
+        <a:font script="Guru" typeface="Raavi"/>
+        <a:font script="Cans" typeface="Euphemia"/>
+        <a:font script="Cher" typeface="Plantagenet Cherokee"/>
+        <a:font script="Yiii" typeface="Microsoft Yi Baiti"/>
+        <a:font script="Tibt" typeface="Microsoft Himalaya"/>
+        <a:font script="Thaa" typeface="MV Boli"/>
+        <a:font script="Deva" typeface="Mangal"/>
+        <a:font script="Telu" typeface="Gautami"/>
+        <a:font script="Taml" typeface="Latha"/>
+        <a:font script="Syrc" typeface="Estrangelo Edessa"/>
+        <a:font script="Orya" typeface="Kalinga"/>
+        <a:font script="Mlym" typeface="Kartika"/>
+        <a:font script="Laoo" typeface="DokChampa"/>
+        <a:font script="Sinh" typeface="Iskoola Pota"/>
+        <a:font script="Mong" typeface="Mongolian Baiti"/>
+        <a:font script="Viet" typeface="Arial"/>
+        <a:font script="Uigh" typeface="Microsoft Uighur"/>
+        <a:font script="Geor" typeface="Sylfaen"/>
+      </a:minorFont>
+    </a:fontScheme>
+    <a:fmtScheme name="Office">
+      <a:fillStyleLst>
+        <a:solidFill>
+          <a:schemeClr val="phClr"/>
+        </a:solidFill>
+        <a:gradFill rotWithShape="1">
+          <a:gsLst>
+            <a:gs pos="0">
+              <a:schemeClr val="phClr">
+                <a:tint val="50000"/>
+                <a:satMod val="300000"/>
+              </a:schemeClr>
+            </a:gs>
+            <a:gs pos="35000">
+              <a:schemeClr val="phClr">
+                <a:tint val="37000"/>
+                <a:satMod val="300000"/>
+              </a:schemeClr>
+            </a:gs>
+            <a:gs pos="100000">
+              <a:schemeClr val="phClr">
+                <a:tint val="15000"/>
+                <a:satMod val="350000"/>
+              </a:schemeClr>
+            </a:gs>
+          </a:gsLst>
+          <a:lin ang="16200000" scaled="1"/>
+        </a:gradFill>
+        <a:gradFill rotWithShape="1">
+          <a:gsLst>
+            <a:gs pos="0">
+              <a:schemeClr val="phClr">
+                <a:tint val="100000"/>
+                <a:shade val="100000"/>
+                <a:satMod val="130000"/>
+              </a:schemeClr>
+            </a:gs>
+            <a:gs pos="100000">
+              <a:schemeClr val="phClr">
+                <a:tint val="50000"/>
+                <a:shade val="100000"/>
+                <a:satMod val="350000"/>
+              </a:schemeClr>
+            </a:gs>
+          </a:gsLst>
+          <a:lin ang="16200000" scaled="0"/>
+        </a:gradFill>
+      </a:fillStyleLst>
+      <a:lnStyleLst>
+        <a:ln w="9525" cap="flat" cmpd="sng" algn="ctr">
+          <a:solidFill>
+            <a:schemeClr val="phClr">
+              <a:shade val="95000"/>
+              <a:satMod val="105000"/>
+            </a:schemeClr>
+          </a:solidFill>
+          <a:prstDash val="solid"/>
+        </a:ln>
+        <a:ln w="25400" cap="flat" cmpd="sng" algn="ctr">
+          <a:solidFill>
+            <a:schemeClr val="phClr"/>
+          </a:solidFill>
+          <a:prstDash val="solid"/>
+        </a:ln>
+        <a:ln w="38100" cap="flat" cmpd="sng" algn="ctr">
+          <a:solidFill>
+            <a:schemeClr val="phClr"/>
+          </a:solidFill>
+          <a:prstDash val="solid"/>
+        </a:ln>
+      </a:lnStyleLst>
+      <a:effectStyleLst>
+        <a:effectStyle>
+          <a:effectLst>
+            <a:outerShdw blurRad="40000" dist="20000" dir="5400000" rotWithShape="0">
+              <a:srgbClr val="000000">
+                <a:alpha val="38000"/>
+              </a:srgbClr>
+            </a:outerShdw>
+          </a:effectLst>
+        </a:effectStyle>
+        <a:effectStyle>
+          <a:effectLst>
+            <a:outerShdw blurRad="40000" dist="23000" dir="5400000" rotWithShape="0">
+              <a:srgbClr val="000000">
+                <a:alpha val="35000"/>
+              </a:srgbClr>
+            </a:outerShdw>
+          </a:effectLst>
+        </a:effectStyle>
+        <a:effectStyle>
+          <a:effectLst>
+            <a:outerShdw blurRad="40000" dist="23000" dir="5400000" rotWithShape="0">
+              <a:srgbClr val="000000">
+                <a:alpha val="35000"/>
+              </a:srgbClr>
+            </a:outerShdw>
+          </a:effectLst>
+          <a:scene3d>
+            <a:camera prst="orthographicFront">
+              <a:rot lat="0" lon="0" rev="0"/>
+            </a:camera>
+            <a:lightRig rig="threePt" dir="t">
+              <a:rot lat="0" lon="0" rev="1200000"/>
+            </a:lightRig>
+          </a:scene3d>
+          <a:sp3d>
+            <a:bevelT w="63500" h="25400"/>
+          </a:sp3d>
+        </a:effectStyle>
+      </a:effectStyleLst>
+      <a:bgFillStyleLst>
+        <a:solidFill>
+          <a:schemeClr val="phClr"/>
+        </a:solidFill>
+        <a:gradFill rotWithShape="1">
+          <a:gsLst>
+            <a:gs pos="0">
+              <a:schemeClr val="phClr">
+                <a:tint val="40000"/>
+                <a:satMod val="350000"/>
+              </a:schemeClr>
+            </a:gs>
+            <a:gs pos="40000">
+              <a:schemeClr val="phClr">
+                <a:tint val="45000"/>
+                <a:shade val="99000"/>
+                <a:satMod val="350000"/>
+              </a:schemeClr>
+            </a:gs>
+            <a:gs pos="100000">
+              <a:schemeClr val="phClr">
+                <a:shade val="20000"/>
+                <a:satMod val="255000"/>
+              </a:schemeClr>
+            </a:gs>
+          </a:gsLst>
+          <a:path path="circle">
+            <a:fillToRect l="50000" t="-80000" r="50000" b="180000"/>
+          </a:path>
+        </a:gradFill>
+        <a:gradFill rotWithShape="1">
+          <a:gsLst>
+            <a:gs pos="0">
+              <a:schemeClr val="phClr">
+                <a:tint val="80000"/>
+                <a:satMod val="300000"/>
+              </a:schemeClr>
+            </a:gs>
+            <a:gs pos="100000">
+              <a:schemeClr val="phClr">
+                <a:shade val="30000"/>
+                <a:satMod val="200000"/>
+              </a:schemeClr>
+            </a:gs>
+          </a:gsLst>
+          <a:path path="circle">
+            <a:fillToRect l="50000" t="50000" r="50000" b="50000"/>
+          </a:path>
+        </a:gradFill>
+      </a:bgFillStyleLst>
+    </a:fmtScheme>
+  </a:themeElements>
+</a:theme>
+</file>
+
+<file path=ppt/theme/theme2.xml><?xml version="1.0" encoding="utf-8"?>
+<a:theme xmlns:a="http://schemas.openxmlformats.org/drawingml/2006/main" xmlns:r="http://schemas.openxmlformats.org/officeDocument/2006/relationships" name="Material">
+  <a:themeElements>
+    <a:clrScheme name="Material">
+      <a:dk1>
+        <a:srgbClr val="4285F4"/>
+      </a:dk1>
+      <a:lt1>
+        <a:srgbClr val="FFFFFF"/>
+      </a:lt1>
+      <a:dk2>
+        <a:srgbClr val="424242"/>
+      </a:dk2>
+      <a:lt2>
+        <a:srgbClr val="737373"/>
+      </a:lt2>
+      <a:accent1>
+        <a:srgbClr val="0277BD"/>
+      </a:accent1>
+      <a:accent2>
+        <a:srgbClr val="0F9D58"/>
+      </a:accent2>
+      <a:accent3>
+        <a:srgbClr val="DB4437"/>
+      </a:accent3>
+      <a:accent4>
+        <a:srgbClr val="FAFAFA"/>
+      </a:accent4>
+      <a:accent5>
+        <a:srgbClr val="1A237E"/>
+      </a:accent5>
+      <a:accent6>
+        <a:srgbClr val="F4B400"/>
+      </a:accent6>
+      <a:hlink>
+        <a:srgbClr val="1A237E"/>
+      </a:hlink>
+      <a:folHlink>
+        <a:srgbClr val="1A237E"/>
+      </a:folHlink>
+    </a:clrScheme>
+    <a:fontScheme name="Office">
+      <a:majorFont>
+        <a:latin typeface="Arial"/>
+        <a:ea typeface=""/>
+        <a:cs typeface=""/>
+        <a:font script="Jpan" typeface="ＭＳ Ｐゴシック"/>
+        <a:font script="Hang" typeface="맑은 고딕"/>
+        <a:font script="Hans" typeface="宋体"/>
+        <a:font script="Hant" typeface="新細明體"/>
+        <a:font script="Arab" typeface="Times New Roman"/>
+        <a:font script="Hebr" typeface="Times New Roman"/>
+        <a:font script="Thai" typeface="Angsana New"/>
+        <a:font script="Ethi" typeface="Nyala"/>
+        <a:font script="Beng" typeface="Vrinda"/>
+        <a:font script="Gujr" typeface="Shruti"/>
+        <a:font script="Khmr" typeface="MoolBoran"/>
+        <a:font script="Knda" typeface="Tunga"/>
+        <a:font script="Guru" typeface="Raavi"/>
+        <a:font script="Cans" typeface="Euphemia"/>
+        <a:font script="Cher" typeface="Plantagenet Cherokee"/>
+        <a:font script="Yiii" typeface="Microsoft Yi Baiti"/>
+        <a:font script="Tibt" typeface="Microsoft Himalaya"/>
+        <a:font script="Thaa" typeface="MV Boli"/>
+        <a:font script="Deva" typeface="Mangal"/>
+        <a:font script="Telu" typeface="Gautami"/>
+        <a:font script="Taml" typeface="Latha"/>
+        <a:font script="Syrc" typeface="Estrangelo Edessa"/>
+        <a:font script="Orya" typeface="Kalinga"/>
+        <a:font script="Mlym" typeface="Kartika"/>
+        <a:font script="Laoo" typeface="DokChampa"/>
+        <a:font script="Sinh" typeface="Iskoola Pota"/>
+        <a:font script="Mong" typeface="Mongolian Baiti"/>
+        <a:font script="Viet" typeface="Times New Roman"/>
+        <a:font script="Uigh" typeface="Microsoft Uighur"/>
+        <a:font script="Geor" typeface="Sylfaen"/>
+      </a:majorFont>
+      <a:minorFont>
+        <a:latin typeface="Arial"/>
+        <a:ea typeface=""/>
+        <a:cs typeface=""/>
+        <a:font script="Jpan" typeface="ＭＳ Ｐゴシック"/>
+        <a:font script="Hang" typeface="맑은 고딕"/>
+        <a:font script="Hans" typeface="宋体"/>
+        <a:font script="Hant" typeface="新細明體"/>
+        <a:font script="Arab" typeface="Arial"/>
+        <a:font script="Hebr" typeface="Arial"/>
+        <a:font script="Thai" typeface="Cordia New"/>
+        <a:font script="Ethi" typeface="Nyala"/>
+        <a:font script="Beng" typeface="Vrinda"/>
+        <a:font script="Gujr" typeface="Shruti"/>
+        <a:font script="Khmr" typeface="DaunPenh"/>
+        <a:font script="Knda" typeface="Tunga"/>
+        <a:font script="Guru" typeface="Raavi"/>
+        <a:font script="Cans" typeface="Euphemia"/>
+        <a:font script="Cher" typeface="Plantagenet Cherokee"/>
+        <a:font script="Yiii" typeface="Microsoft Yi Baiti"/>
+        <a:font script="Tibt" typeface="Microsoft Himalaya"/>
+        <a:font script="Thaa" typeface="MV Boli"/>
+        <a:font script="Deva" typeface="Mangal"/>
+        <a:font script="Telu" typeface="Gautami"/>
+        <a:font script="Taml" typeface="Latha"/>
+        <a:font script="Syrc" typeface="Estrangelo Edessa"/>
+        <a:font script="Orya" typeface="Kalinga"/>
+        <a:font script="Mlym" typeface="Kartika"/>
+        <a:font script="Laoo" typeface="DokChampa"/>
+        <a:font script="Sinh" typeface="Iskoola Pota"/>
+        <a:font script="Mong" typeface="Mongolian Baiti"/>
+        <a:font script="Viet" typeface="Arial"/>
+        <a:font script="Uigh" typeface="Microsoft Uighur"/>
+        <a:font script="Geor" typeface="Sylfaen"/>
+      </a:minorFont>
+    </a:fontScheme>
+    <a:fmtScheme name="Office">
+      <a:fillStyleLst>
+        <a:solidFill>
+          <a:schemeClr val="phClr"/>
+        </a:solidFill>
+        <a:gradFill rotWithShape="1">
+          <a:gsLst>
+            <a:gs pos="0">
+              <a:schemeClr val="phClr">
+                <a:tint val="50000"/>
+                <a:satMod val="300000"/>
+              </a:schemeClr>
+            </a:gs>
+            <a:gs pos="35000">
+              <a:schemeClr val="phClr">
+                <a:tint val="37000"/>
+                <a:satMod val="300000"/>
+              </a:schemeClr>
+            </a:gs>
+            <a:gs pos="100000">
+              <a:schemeClr val="phClr">
+                <a:tint val="15000"/>
+                <a:satMod val="350000"/>
+              </a:schemeClr>
+            </a:gs>
+          </a:gsLst>
+          <a:lin ang="16200000" scaled="1"/>
+        </a:gradFill>
+        <a:gradFill rotWithShape="1">
+          <a:gsLst>
+            <a:gs pos="0">
+              <a:schemeClr val="phClr">
+                <a:tint val="100000"/>
+                <a:shade val="100000"/>
+                <a:satMod val="130000"/>
+              </a:schemeClr>
+            </a:gs>
+            <a:gs pos="100000">
+              <a:schemeClr val="phClr">
+                <a:tint val="50000"/>
+                <a:shade val="100000"/>
+                <a:satMod val="350000"/>
+              </a:schemeClr>
+            </a:gs>
+          </a:gsLst>
+          <a:lin ang="16200000" scaled="0"/>
+        </a:gradFill>
+      </a:fillStyleLst>
+      <a:lnStyleLst>
+        <a:ln w="9525" cap="flat" cmpd="sng" algn="ctr">
+          <a:solidFill>
+            <a:schemeClr val="phClr">
+              <a:shade val="95000"/>
+              <a:satMod val="105000"/>
+            </a:schemeClr>
+          </a:solidFill>
+          <a:prstDash val="solid"/>
+        </a:ln>
+        <a:ln w="25400" cap="flat" cmpd="sng" algn="ctr">
+          <a:solidFill>
+            <a:schemeClr val="phClr"/>
+          </a:solidFill>
+          <a:prstDash val="solid"/>
+        </a:ln>
+        <a:ln w="38100" cap="flat" cmpd="sng" algn="ctr">
+          <a:solidFill>
+            <a:schemeClr val="phClr"/>
+          </a:solidFill>
+          <a:prstDash val="solid"/>
+        </a:ln>
+      </a:lnStyleLst>
+      <a:effectStyleLst>
+        <a:effectStyle>
+          <a:effectLst>
+            <a:outerShdw blurRad="40000" dist="20000" dir="5400000" rotWithShape="0">
+              <a:srgbClr val="000000">
+                <a:alpha val="38000"/>
+              </a:srgbClr>
+            </a:outerShdw>
+          </a:effectLst>
+        </a:effectStyle>
+        <a:effectStyle>
+          <a:effectLst>
+            <a:outerShdw blurRad="40000" dist="23000" dir="5400000" rotWithShape="0">
+              <a:srgbClr val="000000">
+                <a:alpha val="35000"/>
+              </a:srgbClr>
+            </a:outerShdw>
+          </a:effectLst>
+        </a:effectStyle>
+        <a:effectStyle>
+          <a:effectLst>
+            <a:outerShdw blurRad="40000" dist="23000" dir="5400000" rotWithShape="0">
+              <a:srgbClr val="000000">
+                <a:alpha val="35000"/>
+              </a:srgbClr>
+            </a:outerShdw>
+          </a:effectLst>
+          <a:scene3d>
+            <a:camera prst="orthographicFront">
+              <a:rot lat="0" lon="0" rev="0"/>
+            </a:camera>
+            <a:lightRig rig="threePt" dir="t">
+              <a:rot lat="0" lon="0" rev="1200000"/>
+            </a:lightRig>
+          </a:scene3d>
+          <a:sp3d>
+            <a:bevelT w="63500" h="25400"/>
+          </a:sp3d>
+        </a:effectStyle>
+      </a:effectStyleLst>
+      <a:bgFillStyleLst>
+        <a:solidFill>
+          <a:schemeClr val="phClr"/>
+        </a:solidFill>
+        <a:gradFill rotWithShape="1">
+          <a:gsLst>
+            <a:gs pos="0">
+              <a:schemeClr val="phClr">
+                <a:tint val="40000"/>
+                <a:satMod val="350000"/>
+              </a:schemeClr>
+            </a:gs>
+            <a:gs pos="40000">
+              <a:schemeClr val="phClr">
+                <a:tint val="45000"/>
+                <a:shade val="99000"/>
+                <a:satMod val="350000"/>
+              </a:schemeClr>
+            </a:gs>
+            <a:gs pos="100000">
+              <a:schemeClr val="phClr">
+                <a:shade val="20000"/>
+                <a:satMod val="255000"/>
+              </a:schemeClr>
+            </a:gs>
+          </a:gsLst>
+          <a:path path="circle">
+            <a:fillToRect l="50000" t="-80000" r="50000" b="180000"/>
+          </a:path>
+        </a:gradFill>
+        <a:gradFill rotWithShape="1">
+          <a:gsLst>
+            <a:gs pos="0">
+              <a:schemeClr val="phClr">
+                <a:tint val="80000"/>
+                <a:satMod val="300000"/>
+              </a:schemeClr>
+            </a:gs>
+            <a:gs pos="100000">
+              <a:schemeClr val="phClr">
+                <a:shade val="30000"/>
+                <a:satMod val="200000"/>
+              </a:schemeClr>
+            </a:gs>
+          </a:gsLst>
+          <a:path path="circle">
+            <a:fillToRect l="50000" t="50000" r="50000" b="50000"/>
+          </a:path>
+        </a:gradFill>
+      </a:bgFillStyleLst>
+    </a:fmtScheme>
+  </a:themeElements>
+</a:theme>
+</file>
+
+<file path=ppt/theme/theme3.xml><?xml version="1.0" encoding="utf-8"?>
+<a:theme xmlns:a="http://schemas.openxmlformats.org/drawingml/2006/main" xmlns:r="http://schemas.openxmlformats.org/officeDocument/2006/relationships" name="Simple Light">
   <a:themeElements>
     <a:clrScheme name="Simple Light">
       <a:dk1>
@@ -14307,578 +15041,5 @@
       </a:bgFillStyleLst>
     </a:fmtScheme>
   </a:themeElements>
-  <a:extLst>
-    <a:ext uri="{05A4C25C-085E-4340-85A3-A5531E510DB2}">
-      <thm15:themeFamily xmlns:thm15="http://schemas.microsoft.com/office/thememl/2012/main" name="Office Theme" id="{62F939B6-93AF-4DB8-9C6B-D6C7DFDC589F}" vid="{4A3C46E8-61CC-4603-A589-7422A47A8E4A}"/>
-    </a:ext>
-  </a:extLst>
-</a:theme>
-</file>
-
-<file path=ppt/theme/theme2.xml><?xml version="1.0" encoding="utf-8"?>
-<a:theme xmlns:a="http://schemas.openxmlformats.org/drawingml/2006/main" name="Material">
-  <a:themeElements>
-    <a:clrScheme name="Material">
-      <a:dk1>
-        <a:srgbClr val="4285F4"/>
-      </a:dk1>
-      <a:lt1>
-        <a:srgbClr val="FFFFFF"/>
-      </a:lt1>
-      <a:dk2>
-        <a:srgbClr val="424242"/>
-      </a:dk2>
-      <a:lt2>
-        <a:srgbClr val="737373"/>
-      </a:lt2>
-      <a:accent1>
-        <a:srgbClr val="0277BD"/>
-      </a:accent1>
-      <a:accent2>
-        <a:srgbClr val="0F9D58"/>
-      </a:accent2>
-      <a:accent3>
-        <a:srgbClr val="DB4437"/>
-      </a:accent3>
-      <a:accent4>
-        <a:srgbClr val="FAFAFA"/>
-      </a:accent4>
-      <a:accent5>
-        <a:srgbClr val="1A237E"/>
-      </a:accent5>
-      <a:accent6>
-        <a:srgbClr val="F4B400"/>
-      </a:accent6>
-      <a:hlink>
-        <a:srgbClr val="1A237E"/>
-      </a:hlink>
-      <a:folHlink>
-        <a:srgbClr val="1A237E"/>
-      </a:folHlink>
-    </a:clrScheme>
-    <a:fontScheme name="Office">
-      <a:majorFont>
-        <a:latin typeface="Arial"/>
-        <a:ea typeface=""/>
-        <a:cs typeface=""/>
-        <a:font script="Jpan" typeface="ＭＳ Ｐゴシック"/>
-        <a:font script="Hang" typeface="맑은 고딕"/>
-        <a:font script="Hans" typeface="宋体"/>
-        <a:font script="Hant" typeface="新細明體"/>
-        <a:font script="Arab" typeface="Times New Roman"/>
-        <a:font script="Hebr" typeface="Times New Roman"/>
-        <a:font script="Thai" typeface="Angsana New"/>
-        <a:font script="Ethi" typeface="Nyala"/>
-        <a:font script="Beng" typeface="Vrinda"/>
-        <a:font script="Gujr" typeface="Shruti"/>
-        <a:font script="Khmr" typeface="MoolBoran"/>
-        <a:font script="Knda" typeface="Tunga"/>
-        <a:font script="Guru" typeface="Raavi"/>
-        <a:font script="Cans" typeface="Euphemia"/>
-        <a:font script="Cher" typeface="Plantagenet Cherokee"/>
-        <a:font script="Yiii" typeface="Microsoft Yi Baiti"/>
-        <a:font script="Tibt" typeface="Microsoft Himalaya"/>
-        <a:font script="Thaa" typeface="MV Boli"/>
-        <a:font script="Deva" typeface="Mangal"/>
-        <a:font script="Telu" typeface="Gautami"/>
-        <a:font script="Taml" typeface="Latha"/>
-        <a:font script="Syrc" typeface="Estrangelo Edessa"/>
-        <a:font script="Orya" typeface="Kalinga"/>
-        <a:font script="Mlym" typeface="Kartika"/>
-        <a:font script="Laoo" typeface="DokChampa"/>
-        <a:font script="Sinh" typeface="Iskoola Pota"/>
-        <a:font script="Mong" typeface="Mongolian Baiti"/>
-        <a:font script="Viet" typeface="Times New Roman"/>
-        <a:font script="Uigh" typeface="Microsoft Uighur"/>
-        <a:font script="Geor" typeface="Sylfaen"/>
-      </a:majorFont>
-      <a:minorFont>
-        <a:latin typeface="Arial"/>
-        <a:ea typeface=""/>
-        <a:cs typeface=""/>
-        <a:font script="Jpan" typeface="ＭＳ Ｐゴシック"/>
-        <a:font script="Hang" typeface="맑은 고딕"/>
-        <a:font script="Hans" typeface="宋体"/>
-        <a:font script="Hant" typeface="新細明體"/>
-        <a:font script="Arab" typeface="Arial"/>
-        <a:font script="Hebr" typeface="Arial"/>
-        <a:font script="Thai" typeface="Cordia New"/>
-        <a:font script="Ethi" typeface="Nyala"/>
-        <a:font script="Beng" typeface="Vrinda"/>
-        <a:font script="Gujr" typeface="Shruti"/>
-        <a:font script="Khmr" typeface="DaunPenh"/>
-        <a:font script="Knda" typeface="Tunga"/>
-        <a:font script="Guru" typeface="Raavi"/>
-        <a:font script="Cans" typeface="Euphemia"/>
-        <a:font script="Cher" typeface="Plantagenet Cherokee"/>
-        <a:font script="Yiii" typeface="Microsoft Yi Baiti"/>
-        <a:font script="Tibt" typeface="Microsoft Himalaya"/>
-        <a:font script="Thaa" typeface="MV Boli"/>
-        <a:font script="Deva" typeface="Mangal"/>
-        <a:font script="Telu" typeface="Gautami"/>
-        <a:font script="Taml" typeface="Latha"/>
-        <a:font script="Syrc" typeface="Estrangelo Edessa"/>
-        <a:font script="Orya" typeface="Kalinga"/>
-        <a:font script="Mlym" typeface="Kartika"/>
-        <a:font script="Laoo" typeface="DokChampa"/>
-        <a:font script="Sinh" typeface="Iskoola Pota"/>
-        <a:font script="Mong" typeface="Mongolian Baiti"/>
-        <a:font script="Viet" typeface="Arial"/>
-        <a:font script="Uigh" typeface="Microsoft Uighur"/>
-        <a:font script="Geor" typeface="Sylfaen"/>
-      </a:minorFont>
-    </a:fontScheme>
-    <a:fmtScheme name="Office">
-      <a:fillStyleLst>
-        <a:solidFill>
-          <a:schemeClr val="phClr"/>
-        </a:solidFill>
-        <a:gradFill rotWithShape="1">
-          <a:gsLst>
-            <a:gs pos="0">
-              <a:schemeClr val="phClr">
-                <a:tint val="50000"/>
-                <a:satMod val="300000"/>
-              </a:schemeClr>
-            </a:gs>
-            <a:gs pos="35000">
-              <a:schemeClr val="phClr">
-                <a:tint val="37000"/>
-                <a:satMod val="300000"/>
-              </a:schemeClr>
-            </a:gs>
-            <a:gs pos="100000">
-              <a:schemeClr val="phClr">
-                <a:tint val="15000"/>
-                <a:satMod val="350000"/>
-              </a:schemeClr>
-            </a:gs>
-          </a:gsLst>
-          <a:lin ang="16200000" scaled="1"/>
-        </a:gradFill>
-        <a:gradFill rotWithShape="1">
-          <a:gsLst>
-            <a:gs pos="0">
-              <a:schemeClr val="phClr">
-                <a:tint val="100000"/>
-                <a:shade val="100000"/>
-                <a:satMod val="130000"/>
-              </a:schemeClr>
-            </a:gs>
-            <a:gs pos="100000">
-              <a:schemeClr val="phClr">
-                <a:tint val="50000"/>
-                <a:shade val="100000"/>
-                <a:satMod val="350000"/>
-              </a:schemeClr>
-            </a:gs>
-          </a:gsLst>
-          <a:lin ang="16200000" scaled="0"/>
-        </a:gradFill>
-      </a:fillStyleLst>
-      <a:lnStyleLst>
-        <a:ln w="9525" cap="flat" cmpd="sng" algn="ctr">
-          <a:solidFill>
-            <a:schemeClr val="phClr">
-              <a:shade val="95000"/>
-              <a:satMod val="105000"/>
-            </a:schemeClr>
-          </a:solidFill>
-          <a:prstDash val="solid"/>
-        </a:ln>
-        <a:ln w="25400" cap="flat" cmpd="sng" algn="ctr">
-          <a:solidFill>
-            <a:schemeClr val="phClr"/>
-          </a:solidFill>
-          <a:prstDash val="solid"/>
-        </a:ln>
-        <a:ln w="38100" cap="flat" cmpd="sng" algn="ctr">
-          <a:solidFill>
-            <a:schemeClr val="phClr"/>
-          </a:solidFill>
-          <a:prstDash val="solid"/>
-        </a:ln>
-      </a:lnStyleLst>
-      <a:effectStyleLst>
-        <a:effectStyle>
-          <a:effectLst>
-            <a:outerShdw blurRad="40000" dist="20000" dir="5400000" rotWithShape="0">
-              <a:srgbClr val="000000">
-                <a:alpha val="38000"/>
-              </a:srgbClr>
-            </a:outerShdw>
-          </a:effectLst>
-        </a:effectStyle>
-        <a:effectStyle>
-          <a:effectLst>
-            <a:outerShdw blurRad="40000" dist="23000" dir="5400000" rotWithShape="0">
-              <a:srgbClr val="000000">
-                <a:alpha val="35000"/>
-              </a:srgbClr>
-            </a:outerShdw>
-          </a:effectLst>
-        </a:effectStyle>
-        <a:effectStyle>
-          <a:effectLst>
-            <a:outerShdw blurRad="40000" dist="23000" dir="5400000" rotWithShape="0">
-              <a:srgbClr val="000000">
-                <a:alpha val="35000"/>
-              </a:srgbClr>
-            </a:outerShdw>
-          </a:effectLst>
-          <a:scene3d>
-            <a:camera prst="orthographicFront">
-              <a:rot lat="0" lon="0" rev="0"/>
-            </a:camera>
-            <a:lightRig rig="threePt" dir="t">
-              <a:rot lat="0" lon="0" rev="1200000"/>
-            </a:lightRig>
-          </a:scene3d>
-          <a:sp3d>
-            <a:bevelT w="63500" h="25400"/>
-          </a:sp3d>
-        </a:effectStyle>
-      </a:effectStyleLst>
-      <a:bgFillStyleLst>
-        <a:solidFill>
-          <a:schemeClr val="phClr"/>
-        </a:solidFill>
-        <a:gradFill rotWithShape="1">
-          <a:gsLst>
-            <a:gs pos="0">
-              <a:schemeClr val="phClr">
-                <a:tint val="40000"/>
-                <a:satMod val="350000"/>
-              </a:schemeClr>
-            </a:gs>
-            <a:gs pos="40000">
-              <a:schemeClr val="phClr">
-                <a:tint val="45000"/>
-                <a:shade val="99000"/>
-                <a:satMod val="350000"/>
-              </a:schemeClr>
-            </a:gs>
-            <a:gs pos="100000">
-              <a:schemeClr val="phClr">
-                <a:shade val="20000"/>
-                <a:satMod val="255000"/>
-              </a:schemeClr>
-            </a:gs>
-          </a:gsLst>
-          <a:path path="circle">
-            <a:fillToRect l="50000" t="-80000" r="50000" b="180000"/>
-          </a:path>
-        </a:gradFill>
-        <a:gradFill rotWithShape="1">
-          <a:gsLst>
-            <a:gs pos="0">
-              <a:schemeClr val="phClr">
-                <a:tint val="80000"/>
-                <a:satMod val="300000"/>
-              </a:schemeClr>
-            </a:gs>
-            <a:gs pos="100000">
-              <a:schemeClr val="phClr">
-                <a:shade val="30000"/>
-                <a:satMod val="200000"/>
-              </a:schemeClr>
-            </a:gs>
-          </a:gsLst>
-          <a:path path="circle">
-            <a:fillToRect l="50000" t="50000" r="50000" b="50000"/>
-          </a:path>
-        </a:gradFill>
-      </a:bgFillStyleLst>
-    </a:fmtScheme>
-  </a:themeElements>
-  <a:extLst>
-    <a:ext uri="{05A4C25C-085E-4340-85A3-A5531E510DB2}">
-      <thm15:themeFamily xmlns:thm15="http://schemas.microsoft.com/office/thememl/2012/main" name="Office Theme" id="{62F939B6-93AF-4DB8-9C6B-D6C7DFDC589F}" vid="{4A3C46E8-61CC-4603-A589-7422A47A8E4A}"/>
-    </a:ext>
-  </a:extLst>
-</a:theme>
-</file>
-
-<file path=ppt/theme/theme3.xml><?xml version="1.0" encoding="utf-8"?>
-<a:theme xmlns:a="http://schemas.openxmlformats.org/drawingml/2006/main">
-  <a:themeElements>
-    <a:clrScheme name="Default">
-      <a:dk1>
-        <a:srgbClr val="000000"/>
-      </a:dk1>
-      <a:lt1>
-        <a:srgbClr val="FFFFFF"/>
-      </a:lt1>
-      <a:dk2>
-        <a:srgbClr val="158158"/>
-      </a:dk2>
-      <a:lt2>
-        <a:srgbClr val="F3F3F3"/>
-      </a:lt2>
-      <a:accent1>
-        <a:srgbClr val="058DC7"/>
-      </a:accent1>
-      <a:accent2>
-        <a:srgbClr val="50B432"/>
-      </a:accent2>
-      <a:accent3>
-        <a:srgbClr val="ED561B"/>
-      </a:accent3>
-      <a:accent4>
-        <a:srgbClr val="EDEF00"/>
-      </a:accent4>
-      <a:accent5>
-        <a:srgbClr val="24CBE5"/>
-      </a:accent5>
-      <a:accent6>
-        <a:srgbClr val="64E572"/>
-      </a:accent6>
-      <a:hlink>
-        <a:srgbClr val="2200CC"/>
-      </a:hlink>
-      <a:folHlink>
-        <a:srgbClr val="551A8B"/>
-      </a:folHlink>
-    </a:clrScheme>
-    <a:fontScheme name="Office">
-      <a:majorFont>
-        <a:latin typeface="Arial"/>
-        <a:ea typeface=""/>
-        <a:cs typeface=""/>
-        <a:font script="Jpan" typeface="ＭＳ Ｐゴシック"/>
-        <a:font script="Hang" typeface="맑은 고딕"/>
-        <a:font script="Hans" typeface="宋体"/>
-        <a:font script="Hant" typeface="新細明體"/>
-        <a:font script="Arab" typeface="Times New Roman"/>
-        <a:font script="Hebr" typeface="Times New Roman"/>
-        <a:font script="Thai" typeface="Angsana New"/>
-        <a:font script="Ethi" typeface="Nyala"/>
-        <a:font script="Beng" typeface="Vrinda"/>
-        <a:font script="Gujr" typeface="Shruti"/>
-        <a:font script="Khmr" typeface="MoolBoran"/>
-        <a:font script="Knda" typeface="Tunga"/>
-        <a:font script="Guru" typeface="Raavi"/>
-        <a:font script="Cans" typeface="Euphemia"/>
-        <a:font script="Cher" typeface="Plantagenet Cherokee"/>
-        <a:font script="Yiii" typeface="Microsoft Yi Baiti"/>
-        <a:font script="Tibt" typeface="Microsoft Himalaya"/>
-        <a:font script="Thaa" typeface="MV Boli"/>
-        <a:font script="Deva" typeface="Mangal"/>
-        <a:font script="Telu" typeface="Gautami"/>
-        <a:font script="Taml" typeface="Latha"/>
-        <a:font script="Syrc" typeface="Estrangelo Edessa"/>
-        <a:font script="Orya" typeface="Kalinga"/>
-        <a:font script="Mlym" typeface="Kartika"/>
-        <a:font script="Laoo" typeface="DokChampa"/>
-        <a:font script="Sinh" typeface="Iskoola Pota"/>
-        <a:font script="Mong" typeface="Mongolian Baiti"/>
-        <a:font script="Viet" typeface="Times New Roman"/>
-        <a:font script="Uigh" typeface="Microsoft Uighur"/>
-        <a:font script="Geor" typeface="Sylfaen"/>
-      </a:majorFont>
-      <a:minorFont>
-        <a:latin typeface="Arial"/>
-        <a:ea typeface=""/>
-        <a:cs typeface=""/>
-        <a:font script="Jpan" typeface="ＭＳ Ｐゴシック"/>
-        <a:font script="Hang" typeface="맑은 고딕"/>
-        <a:font script="Hans" typeface="宋体"/>
-        <a:font script="Hant" typeface="新細明體"/>
-        <a:font script="Arab" typeface="Arial"/>
-        <a:font script="Hebr" typeface="Arial"/>
-        <a:font script="Thai" typeface="Cordia New"/>
-        <a:font script="Ethi" typeface="Nyala"/>
-        <a:font script="Beng" typeface="Vrinda"/>
-        <a:font script="Gujr" typeface="Shruti"/>
-        <a:font script="Khmr" typeface="DaunPenh"/>
-        <a:font script="Knda" typeface="Tunga"/>
-        <a:font script="Guru" typeface="Raavi"/>
-        <a:font script="Cans" typeface="Euphemia"/>
-        <a:font script="Cher" typeface="Plantagenet Cherokee"/>
-        <a:font script="Yiii" typeface="Microsoft Yi Baiti"/>
-        <a:font script="Tibt" typeface="Microsoft Himalaya"/>
-        <a:font script="Thaa" typeface="MV Boli"/>
-        <a:font script="Deva" typeface="Mangal"/>
-        <a:font script="Telu" typeface="Gautami"/>
-        <a:font script="Taml" typeface="Latha"/>
-        <a:font script="Syrc" typeface="Estrangelo Edessa"/>
-        <a:font script="Orya" typeface="Kalinga"/>
-        <a:font script="Mlym" typeface="Kartika"/>
-        <a:font script="Laoo" typeface="DokChampa"/>
-        <a:font script="Sinh" typeface="Iskoola Pota"/>
-        <a:font script="Mong" typeface="Mongolian Baiti"/>
-        <a:font script="Viet" typeface="Arial"/>
-        <a:font script="Uigh" typeface="Microsoft Uighur"/>
-        <a:font script="Geor" typeface="Sylfaen"/>
-      </a:minorFont>
-    </a:fontScheme>
-    <a:fmtScheme name="Office">
-      <a:fillStyleLst>
-        <a:solidFill>
-          <a:schemeClr val="phClr"/>
-        </a:solidFill>
-        <a:gradFill rotWithShape="1">
-          <a:gsLst>
-            <a:gs pos="0">
-              <a:schemeClr val="phClr">
-                <a:tint val="50000"/>
-                <a:satMod val="300000"/>
-              </a:schemeClr>
-            </a:gs>
-            <a:gs pos="35000">
-              <a:schemeClr val="phClr">
-                <a:tint val="37000"/>
-                <a:satMod val="300000"/>
-              </a:schemeClr>
-            </a:gs>
-            <a:gs pos="100000">
-              <a:schemeClr val="phClr">
-                <a:tint val="15000"/>
-                <a:satMod val="350000"/>
-              </a:schemeClr>
-            </a:gs>
-          </a:gsLst>
-          <a:lin ang="16200000" scaled="1"/>
-        </a:gradFill>
-        <a:gradFill rotWithShape="1">
-          <a:gsLst>
-            <a:gs pos="0">
-              <a:schemeClr val="phClr">
-                <a:tint val="100000"/>
-                <a:shade val="100000"/>
-                <a:satMod val="130000"/>
-              </a:schemeClr>
-            </a:gs>
-            <a:gs pos="100000">
-              <a:schemeClr val="phClr">
-                <a:tint val="50000"/>
-                <a:shade val="100000"/>
-                <a:satMod val="350000"/>
-              </a:schemeClr>
-            </a:gs>
-          </a:gsLst>
-          <a:lin ang="16200000" scaled="0"/>
-        </a:gradFill>
-      </a:fillStyleLst>
-      <a:lnStyleLst>
-        <a:ln w="9525" cap="flat" cmpd="sng" algn="ctr">
-          <a:solidFill>
-            <a:schemeClr val="phClr">
-              <a:shade val="95000"/>
-              <a:satMod val="105000"/>
-            </a:schemeClr>
-          </a:solidFill>
-          <a:prstDash val="solid"/>
-        </a:ln>
-        <a:ln w="25400" cap="flat" cmpd="sng" algn="ctr">
-          <a:solidFill>
-            <a:schemeClr val="phClr"/>
-          </a:solidFill>
-          <a:prstDash val="solid"/>
-        </a:ln>
-        <a:ln w="38100" cap="flat" cmpd="sng" algn="ctr">
-          <a:solidFill>
-            <a:schemeClr val="phClr"/>
-          </a:solidFill>
-          <a:prstDash val="solid"/>
-        </a:ln>
-      </a:lnStyleLst>
-      <a:effectStyleLst>
-        <a:effectStyle>
-          <a:effectLst>
-            <a:outerShdw blurRad="40000" dist="20000" dir="5400000" rotWithShape="0">
-              <a:srgbClr val="000000">
-                <a:alpha val="38000"/>
-              </a:srgbClr>
-            </a:outerShdw>
-          </a:effectLst>
-        </a:effectStyle>
-        <a:effectStyle>
-          <a:effectLst>
-            <a:outerShdw blurRad="40000" dist="23000" dir="5400000" rotWithShape="0">
-              <a:srgbClr val="000000">
-                <a:alpha val="35000"/>
-              </a:srgbClr>
-            </a:outerShdw>
-          </a:effectLst>
-        </a:effectStyle>
-        <a:effectStyle>
-          <a:effectLst>
-            <a:outerShdw blurRad="40000" dist="23000" dir="5400000" rotWithShape="0">
-              <a:srgbClr val="000000">
-                <a:alpha val="35000"/>
-              </a:srgbClr>
-            </a:outerShdw>
-          </a:effectLst>
-          <a:scene3d>
-            <a:camera prst="orthographicFront">
-              <a:rot lat="0" lon="0" rev="0"/>
-            </a:camera>
-            <a:lightRig rig="threePt" dir="t">
-              <a:rot lat="0" lon="0" rev="1200000"/>
-            </a:lightRig>
-          </a:scene3d>
-          <a:sp3d>
-            <a:bevelT w="63500" h="25400"/>
-          </a:sp3d>
-        </a:effectStyle>
-      </a:effectStyleLst>
-      <a:bgFillStyleLst>
-        <a:solidFill>
-          <a:schemeClr val="phClr"/>
-        </a:solidFill>
-        <a:gradFill rotWithShape="1">
-          <a:gsLst>
-            <a:gs pos="0">
-              <a:schemeClr val="phClr">
-                <a:tint val="40000"/>
-                <a:satMod val="350000"/>
-              </a:schemeClr>
-            </a:gs>
-            <a:gs pos="40000">
-              <a:schemeClr val="phClr">
-                <a:tint val="45000"/>
-                <a:shade val="99000"/>
-                <a:satMod val="350000"/>
-              </a:schemeClr>
-            </a:gs>
-            <a:gs pos="100000">
-              <a:schemeClr val="phClr">
-                <a:shade val="20000"/>
-                <a:satMod val="255000"/>
-              </a:schemeClr>
-            </a:gs>
-          </a:gsLst>
-          <a:path path="circle">
-            <a:fillToRect l="50000" t="-80000" r="50000" b="180000"/>
-          </a:path>
-        </a:gradFill>
-        <a:gradFill rotWithShape="1">
-          <a:gsLst>
-            <a:gs pos="0">
-              <a:schemeClr val="phClr">
-                <a:tint val="80000"/>
-                <a:satMod val="300000"/>
-              </a:schemeClr>
-            </a:gs>
-            <a:gs pos="100000">
-              <a:schemeClr val="phClr">
-                <a:shade val="30000"/>
-                <a:satMod val="200000"/>
-              </a:schemeClr>
-            </a:gs>
-          </a:gsLst>
-          <a:path path="circle">
-            <a:fillToRect l="50000" t="50000" r="50000" b="50000"/>
-          </a:path>
-        </a:gradFill>
-      </a:bgFillStyleLst>
-    </a:fmtScheme>
-  </a:themeElements>
-  <a:extLst>
-    <a:ext uri="{05A4C25C-085E-4340-85A3-A5531E510DB2}">
-      <thm15:themeFamily xmlns:thm15="http://schemas.microsoft.com/office/thememl/2012/main" name="Office Theme" id="{62F939B6-93AF-4DB8-9C6B-D6C7DFDC589F}" vid="{4A3C46E8-61CC-4603-A589-7422A47A8E4A}"/>
-    </a:ext>
-  </a:extLst>
 </a:theme>
 </file>